--- a/session-materials/Oauth-Session.pptx
+++ b/session-materials/Oauth-Session.pptx
@@ -5,10 +5,10 @@
     <p:sldMasterId id="2147483733" r:id="rId1"/>
   </p:sldMasterIdLst>
   <p:notesMasterIdLst>
-    <p:notesMasterId r:id="rId24"/>
+    <p:notesMasterId r:id="rId28"/>
   </p:notesMasterIdLst>
   <p:handoutMasterIdLst>
-    <p:handoutMasterId r:id="rId25"/>
+    <p:handoutMasterId r:id="rId29"/>
   </p:handoutMasterIdLst>
   <p:sldIdLst>
     <p:sldId id="256" r:id="rId2"/>
@@ -29,10 +29,14 @@
     <p:sldId id="284" r:id="rId17"/>
     <p:sldId id="275" r:id="rId18"/>
     <p:sldId id="281" r:id="rId19"/>
-    <p:sldId id="282" r:id="rId20"/>
-    <p:sldId id="280" r:id="rId21"/>
-    <p:sldId id="274" r:id="rId22"/>
-    <p:sldId id="261" r:id="rId23"/>
+    <p:sldId id="288" r:id="rId20"/>
+    <p:sldId id="282" r:id="rId21"/>
+    <p:sldId id="286" r:id="rId22"/>
+    <p:sldId id="289" r:id="rId23"/>
+    <p:sldId id="280" r:id="rId24"/>
+    <p:sldId id="274" r:id="rId25"/>
+    <p:sldId id="261" r:id="rId26"/>
+    <p:sldId id="290" r:id="rId27"/>
   </p:sldIdLst>
   <p:sldSz cx="9144000" cy="6858000" type="screen4x3"/>
   <p:notesSz cx="6858000" cy="9144000"/>
@@ -247,7 +251,7 @@
             <a:fld id="{761FAC92-251B-B34F-B048-8699966A6B34}" type="datetimeFigureOut">
               <a:rPr lang="en-US" smtClean="0"/>
               <a:pPr/>
-              <a:t>6/20/2014</a:t>
+              <a:t>21/06/2014</a:t>
             </a:fld>
             <a:endParaRPr lang="en-GB"/>
           </a:p>
@@ -323,7 +327,7 @@
     </p:spTree>
     <p:extLst>
       <p:ext uri="{BB962C8B-B14F-4D97-AF65-F5344CB8AC3E}">
-        <p14:creationId xmlns:p14="http://schemas.microsoft.com/office/powerpoint/2010/main" xmlns="" val="3353078982"/>
+        <p14:creationId xmlns:p14="http://schemas.microsoft.com/office/powerpoint/2010/main" val="3353078982"/>
       </p:ext>
     </p:extLst>
   </p:cSld>
@@ -424,7 +428,7 @@
             <a:fld id="{34B7DD38-5B8A-884F-A4F1-888BCE980ABD}" type="datetimeFigureOut">
               <a:rPr lang="en-GB"/>
               <a:pPr/>
-              <a:t>20/06/2014</a:t>
+              <a:t>21/06/2014</a:t>
             </a:fld>
             <a:endParaRPr lang="en-GB"/>
           </a:p>
@@ -606,7 +610,7 @@
     </p:spTree>
     <p:extLst>
       <p:ext uri="{BB962C8B-B14F-4D97-AF65-F5344CB8AC3E}">
-        <p14:creationId xmlns:p14="http://schemas.microsoft.com/office/powerpoint/2010/main" xmlns="" val="3854455691"/>
+        <p14:creationId xmlns:p14="http://schemas.microsoft.com/office/powerpoint/2010/main" val="3854455691"/>
       </p:ext>
     </p:extLst>
   </p:cSld>
@@ -775,14 +779,14 @@
           </a:ln>
           <a:extLst>
             <a:ext uri="{909E8E84-426E-40dd-AFC4-6F175D3DCCD1}">
-              <a14:hiddenFill xmlns:a14="http://schemas.microsoft.com/office/drawing/2010/main" xmlns="">
+              <a14:hiddenFill xmlns:a14="http://schemas.microsoft.com/office/drawing/2010/main">
                 <a:solidFill>
                   <a:srgbClr val="FFFFFF"/>
                 </a:solidFill>
               </a14:hiddenFill>
             </a:ext>
             <a:ext uri="{FAA26D3D-D897-4be2-8F04-BA451C77F1D7}">
-              <ma14:placeholderFlag xmlns:ma14="http://schemas.microsoft.com/office/mac/drawingml/2011/main" xmlns="" val="1"/>
+              <ma14:placeholderFlag xmlns:ma14="http://schemas.microsoft.com/office/mac/drawingml/2011/main" val="1"/>
             </a:ext>
           </a:extLst>
         </p:spPr>
@@ -801,14 +805,14 @@
           <a:noFill/>
           <a:extLst>
             <a:ext uri="{909E8E84-426E-40dd-AFC4-6F175D3DCCD1}">
-              <a14:hiddenFill xmlns:a14="http://schemas.microsoft.com/office/drawing/2010/main" xmlns="">
+              <a14:hiddenFill xmlns:a14="http://schemas.microsoft.com/office/drawing/2010/main">
                 <a:solidFill>
                   <a:srgbClr val="FFFFFF"/>
                 </a:solidFill>
               </a14:hiddenFill>
             </a:ext>
             <a:ext uri="{91240B29-F687-4f45-9708-019B960494DF}">
-              <a14:hiddenLine xmlns:a14="http://schemas.microsoft.com/office/drawing/2010/main" xmlns="" w="9525">
+              <a14:hiddenLine xmlns:a14="http://schemas.microsoft.com/office/drawing/2010/main" w="9525">
                 <a:solidFill>
                   <a:srgbClr val="000000"/>
                 </a:solidFill>
@@ -818,7 +822,7 @@
               </a14:hiddenLine>
             </a:ext>
             <a:ext uri="{FAA26D3D-D897-4be2-8F04-BA451C77F1D7}">
-              <ma14:placeholderFlag xmlns:ma14="http://schemas.microsoft.com/office/mac/drawingml/2011/main" xmlns="" val="1"/>
+              <ma14:placeholderFlag xmlns:ma14="http://schemas.microsoft.com/office/mac/drawingml/2011/main" val="1"/>
             </a:ext>
           </a:extLst>
         </p:spPr>
@@ -855,14 +859,14 @@
           <a:noFill/>
           <a:extLst>
             <a:ext uri="{909E8E84-426E-40dd-AFC4-6F175D3DCCD1}">
-              <a14:hiddenFill xmlns:a14="http://schemas.microsoft.com/office/drawing/2010/main" xmlns="">
+              <a14:hiddenFill xmlns:a14="http://schemas.microsoft.com/office/drawing/2010/main">
                 <a:solidFill>
                   <a:srgbClr val="FFFFFF"/>
                 </a:solidFill>
               </a14:hiddenFill>
             </a:ext>
             <a:ext uri="{91240B29-F687-4f45-9708-019B960494DF}">
-              <a14:hiddenLine xmlns:a14="http://schemas.microsoft.com/office/drawing/2010/main" xmlns="" w="9525">
+              <a14:hiddenLine xmlns:a14="http://schemas.microsoft.com/office/drawing/2010/main" w="9525">
                 <a:solidFill>
                   <a:srgbClr val="000000"/>
                 </a:solidFill>
@@ -1040,14 +1044,14 @@
           </a:ln>
           <a:extLst>
             <a:ext uri="{909E8E84-426E-40dd-AFC4-6F175D3DCCD1}">
-              <a14:hiddenFill xmlns:a14="http://schemas.microsoft.com/office/drawing/2010/main" xmlns="">
+              <a14:hiddenFill xmlns:a14="http://schemas.microsoft.com/office/drawing/2010/main">
                 <a:solidFill>
                   <a:srgbClr val="FFFFFF"/>
                 </a:solidFill>
               </a14:hiddenFill>
             </a:ext>
             <a:ext uri="{FAA26D3D-D897-4be2-8F04-BA451C77F1D7}">
-              <ma14:placeholderFlag xmlns:ma14="http://schemas.microsoft.com/office/mac/drawingml/2011/main" xmlns="" val="1"/>
+              <ma14:placeholderFlag xmlns:ma14="http://schemas.microsoft.com/office/mac/drawingml/2011/main" val="1"/>
             </a:ext>
           </a:extLst>
         </p:spPr>
@@ -1066,14 +1070,14 @@
           <a:noFill/>
           <a:extLst>
             <a:ext uri="{909E8E84-426E-40dd-AFC4-6F175D3DCCD1}">
-              <a14:hiddenFill xmlns:a14="http://schemas.microsoft.com/office/drawing/2010/main" xmlns="">
+              <a14:hiddenFill xmlns:a14="http://schemas.microsoft.com/office/drawing/2010/main">
                 <a:solidFill>
                   <a:srgbClr val="FFFFFF"/>
                 </a:solidFill>
               </a14:hiddenFill>
             </a:ext>
             <a:ext uri="{91240B29-F687-4f45-9708-019B960494DF}">
-              <a14:hiddenLine xmlns:a14="http://schemas.microsoft.com/office/drawing/2010/main" xmlns="" w="9525">
+              <a14:hiddenLine xmlns:a14="http://schemas.microsoft.com/office/drawing/2010/main" w="9525">
                 <a:solidFill>
                   <a:srgbClr val="000000"/>
                 </a:solidFill>
@@ -1083,7 +1087,7 @@
               </a14:hiddenLine>
             </a:ext>
             <a:ext uri="{FAA26D3D-D897-4be2-8F04-BA451C77F1D7}">
-              <ma14:placeholderFlag xmlns:ma14="http://schemas.microsoft.com/office/mac/drawingml/2011/main" xmlns="" val="1"/>
+              <ma14:placeholderFlag xmlns:ma14="http://schemas.microsoft.com/office/mac/drawingml/2011/main" val="1"/>
             </a:ext>
           </a:extLst>
         </p:spPr>
@@ -1120,14 +1124,14 @@
           <a:noFill/>
           <a:extLst>
             <a:ext uri="{909E8E84-426E-40dd-AFC4-6F175D3DCCD1}">
-              <a14:hiddenFill xmlns:a14="http://schemas.microsoft.com/office/drawing/2010/main" xmlns="">
+              <a14:hiddenFill xmlns:a14="http://schemas.microsoft.com/office/drawing/2010/main">
                 <a:solidFill>
                   <a:srgbClr val="FFFFFF"/>
                 </a:solidFill>
               </a14:hiddenFill>
             </a:ext>
             <a:ext uri="{91240B29-F687-4f45-9708-019B960494DF}">
-              <a14:hiddenLine xmlns:a14="http://schemas.microsoft.com/office/drawing/2010/main" xmlns="" w="9525">
+              <a14:hiddenLine xmlns:a14="http://schemas.microsoft.com/office/drawing/2010/main" w="9525">
                 <a:solidFill>
                   <a:srgbClr val="000000"/>
                 </a:solidFill>
@@ -1398,7 +1402,7 @@
             <a:fld id="{B37F9263-0D28-A947-82B3-E306807255D6}" type="datetime1">
               <a:rPr lang="en-GB"/>
               <a:pPr/>
-              <a:t>20/06/2014</a:t>
+              <a:t>21/06/2014</a:t>
             </a:fld>
             <a:endParaRPr lang="en-GB"/>
           </a:p>
@@ -1461,7 +1465,7 @@
     </p:spTree>
     <p:extLst>
       <p:ext uri="{BB962C8B-B14F-4D97-AF65-F5344CB8AC3E}">
-        <p14:creationId xmlns:p14="http://schemas.microsoft.com/office/powerpoint/2010/main" xmlns="" val="2648290680"/>
+        <p14:creationId xmlns:p14="http://schemas.microsoft.com/office/powerpoint/2010/main" val="2648290680"/>
       </p:ext>
     </p:extLst>
   </p:cSld>
@@ -1585,7 +1589,7 @@
             <a:fld id="{F5483EDC-A27D-D447-94F8-607CCF07BA43}" type="datetime1">
               <a:rPr lang="en-GB"/>
               <a:pPr/>
-              <a:t>20/06/2014</a:t>
+              <a:t>21/06/2014</a:t>
             </a:fld>
             <a:endParaRPr lang="en-GB"/>
           </a:p>
@@ -1648,7 +1652,7 @@
     </p:spTree>
     <p:extLst>
       <p:ext uri="{BB962C8B-B14F-4D97-AF65-F5344CB8AC3E}">
-        <p14:creationId xmlns:p14="http://schemas.microsoft.com/office/powerpoint/2010/main" xmlns="" val="966106585"/>
+        <p14:creationId xmlns:p14="http://schemas.microsoft.com/office/powerpoint/2010/main" val="966106585"/>
       </p:ext>
     </p:extLst>
   </p:cSld>
@@ -1782,7 +1786,7 @@
             <a:fld id="{D13606D2-9B84-F843-9C89-B9416B784FCA}" type="datetime1">
               <a:rPr lang="en-GB"/>
               <a:pPr/>
-              <a:t>20/06/2014</a:t>
+              <a:t>21/06/2014</a:t>
             </a:fld>
             <a:endParaRPr lang="en-GB"/>
           </a:p>
@@ -1845,7 +1849,7 @@
     </p:spTree>
     <p:extLst>
       <p:ext uri="{BB962C8B-B14F-4D97-AF65-F5344CB8AC3E}">
-        <p14:creationId xmlns:p14="http://schemas.microsoft.com/office/powerpoint/2010/main" xmlns="" val="4251608738"/>
+        <p14:creationId xmlns:p14="http://schemas.microsoft.com/office/powerpoint/2010/main" val="4251608738"/>
       </p:ext>
     </p:extLst>
   </p:cSld>
@@ -1969,7 +1973,7 @@
             <a:fld id="{69BF0744-F7CD-7E4F-9882-55853F706263}" type="datetime1">
               <a:rPr lang="en-GB"/>
               <a:pPr/>
-              <a:t>20/06/2014</a:t>
+              <a:t>21/06/2014</a:t>
             </a:fld>
             <a:endParaRPr lang="en-GB"/>
           </a:p>
@@ -2032,7 +2036,7 @@
     </p:spTree>
     <p:extLst>
       <p:ext uri="{BB962C8B-B14F-4D97-AF65-F5344CB8AC3E}">
-        <p14:creationId xmlns:p14="http://schemas.microsoft.com/office/powerpoint/2010/main" xmlns="" val="3176242251"/>
+        <p14:creationId xmlns:p14="http://schemas.microsoft.com/office/powerpoint/2010/main" val="3176242251"/>
       </p:ext>
     </p:extLst>
   </p:cSld>
@@ -2178,7 +2182,7 @@
             <a:fld id="{6D0236A6-409E-674F-89AC-E896F189E47F}" type="datetime1">
               <a:rPr lang="en-GB"/>
               <a:pPr/>
-              <a:t>20/06/2014</a:t>
+              <a:t>21/06/2014</a:t>
             </a:fld>
             <a:endParaRPr lang="en-GB"/>
           </a:p>
@@ -2241,7 +2245,7 @@
     </p:spTree>
     <p:extLst>
       <p:ext uri="{BB962C8B-B14F-4D97-AF65-F5344CB8AC3E}">
-        <p14:creationId xmlns:p14="http://schemas.microsoft.com/office/powerpoint/2010/main" xmlns="" val="3459873341"/>
+        <p14:creationId xmlns:p14="http://schemas.microsoft.com/office/powerpoint/2010/main" val="3459873341"/>
       </p:ext>
     </p:extLst>
   </p:cSld>
@@ -2483,7 +2487,7 @@
             <a:fld id="{4F6A9725-7D81-084B-9E97-48A18A77D304}" type="datetime1">
               <a:rPr lang="en-GB"/>
               <a:pPr/>
-              <a:t>20/06/2014</a:t>
+              <a:t>21/06/2014</a:t>
             </a:fld>
             <a:endParaRPr lang="en-GB"/>
           </a:p>
@@ -2546,7 +2550,7 @@
     </p:spTree>
     <p:extLst>
       <p:ext uri="{BB962C8B-B14F-4D97-AF65-F5344CB8AC3E}">
-        <p14:creationId xmlns:p14="http://schemas.microsoft.com/office/powerpoint/2010/main" xmlns="" val="17994301"/>
+        <p14:creationId xmlns:p14="http://schemas.microsoft.com/office/powerpoint/2010/main" val="17994301"/>
       </p:ext>
     </p:extLst>
   </p:cSld>
@@ -2927,7 +2931,7 @@
             <a:fld id="{36892021-AFE2-7646-9A69-7AF9AF8A9C0C}" type="datetime1">
               <a:rPr lang="en-GB"/>
               <a:pPr/>
-              <a:t>20/06/2014</a:t>
+              <a:t>21/06/2014</a:t>
             </a:fld>
             <a:endParaRPr lang="en-GB"/>
           </a:p>
@@ -2990,7 +2994,7 @@
     </p:spTree>
     <p:extLst>
       <p:ext uri="{BB962C8B-B14F-4D97-AF65-F5344CB8AC3E}">
-        <p14:creationId xmlns:p14="http://schemas.microsoft.com/office/powerpoint/2010/main" xmlns="" val="2848756050"/>
+        <p14:creationId xmlns:p14="http://schemas.microsoft.com/office/powerpoint/2010/main" val="2848756050"/>
       </p:ext>
     </p:extLst>
   </p:cSld>
@@ -3062,7 +3066,7 @@
             <a:fld id="{FCA7C272-6524-5F4A-8F45-7EB0153F335F}" type="datetime1">
               <a:rPr lang="en-GB"/>
               <a:pPr/>
-              <a:t>20/06/2014</a:t>
+              <a:t>21/06/2014</a:t>
             </a:fld>
             <a:endParaRPr lang="en-GB"/>
           </a:p>
@@ -3125,7 +3129,7 @@
     </p:spTree>
     <p:extLst>
       <p:ext uri="{BB962C8B-B14F-4D97-AF65-F5344CB8AC3E}">
-        <p14:creationId xmlns:p14="http://schemas.microsoft.com/office/powerpoint/2010/main" xmlns="" val="1087027686"/>
+        <p14:creationId xmlns:p14="http://schemas.microsoft.com/office/powerpoint/2010/main" val="1087027686"/>
       </p:ext>
     </p:extLst>
   </p:cSld>
@@ -3174,7 +3178,7 @@
             <a:fld id="{231A887B-6191-C147-8923-F80BD8C33FCD}" type="datetime1">
               <a:rPr lang="en-GB"/>
               <a:pPr/>
-              <a:t>20/06/2014</a:t>
+              <a:t>21/06/2014</a:t>
             </a:fld>
             <a:endParaRPr lang="en-GB"/>
           </a:p>
@@ -3237,7 +3241,7 @@
     </p:spTree>
     <p:extLst>
       <p:ext uri="{BB962C8B-B14F-4D97-AF65-F5344CB8AC3E}">
-        <p14:creationId xmlns:p14="http://schemas.microsoft.com/office/powerpoint/2010/main" xmlns="" val="3506225870"/>
+        <p14:creationId xmlns:p14="http://schemas.microsoft.com/office/powerpoint/2010/main" val="3506225870"/>
       </p:ext>
     </p:extLst>
   </p:cSld>
@@ -3468,7 +3472,7 @@
             <a:fld id="{9294713F-FC05-3A40-96CF-B6994D056B93}" type="datetime1">
               <a:rPr lang="en-GB"/>
               <a:pPr/>
-              <a:t>20/06/2014</a:t>
+              <a:t>21/06/2014</a:t>
             </a:fld>
             <a:endParaRPr lang="en-GB"/>
           </a:p>
@@ -3531,7 +3535,7 @@
     </p:spTree>
     <p:extLst>
       <p:ext uri="{BB962C8B-B14F-4D97-AF65-F5344CB8AC3E}">
-        <p14:creationId xmlns:p14="http://schemas.microsoft.com/office/powerpoint/2010/main" xmlns="" val="2822107420"/>
+        <p14:creationId xmlns:p14="http://schemas.microsoft.com/office/powerpoint/2010/main" val="2822107420"/>
       </p:ext>
     </p:extLst>
   </p:cSld>
@@ -3739,7 +3743,7 @@
             <a:fld id="{7CBA5132-EE38-7F4A-835F-B1102FDE0768}" type="datetime1">
               <a:rPr lang="en-GB"/>
               <a:pPr/>
-              <a:t>20/06/2014</a:t>
+              <a:t>21/06/2014</a:t>
             </a:fld>
             <a:endParaRPr lang="en-GB"/>
           </a:p>
@@ -3802,7 +3806,7 @@
     </p:spTree>
     <p:extLst>
       <p:ext uri="{BB962C8B-B14F-4D97-AF65-F5344CB8AC3E}">
-        <p14:creationId xmlns:p14="http://schemas.microsoft.com/office/powerpoint/2010/main" xmlns="" val="2200917753"/>
+        <p14:creationId xmlns:p14="http://schemas.microsoft.com/office/powerpoint/2010/main" val="2200917753"/>
       </p:ext>
     </p:extLst>
   </p:cSld>
@@ -4115,14 +4119,14 @@
           </a:ln>
           <a:extLst>
             <a:ext uri="{909E8E84-426E-40dd-AFC4-6F175D3DCCD1}">
-              <a14:hiddenFill xmlns:a14="http://schemas.microsoft.com/office/drawing/2010/main" xmlns="">
+              <a14:hiddenFill xmlns:a14="http://schemas.microsoft.com/office/drawing/2010/main">
                 <a:solidFill>
                   <a:srgbClr val="FFFFFF"/>
                 </a:solidFill>
               </a14:hiddenFill>
             </a:ext>
             <a:ext uri="{91240B29-F687-4f45-9708-019B960494DF}">
-              <a14:hiddenLine xmlns:a14="http://schemas.microsoft.com/office/drawing/2010/main" xmlns="" w="9525">
+              <a14:hiddenLine xmlns:a14="http://schemas.microsoft.com/office/drawing/2010/main" w="9525">
                 <a:solidFill>
                   <a:srgbClr val="000000"/>
                 </a:solidFill>
@@ -4132,7 +4136,7 @@
               </a14:hiddenLine>
             </a:ext>
             <a:ext uri="{FAA26D3D-D897-4be2-8F04-BA451C77F1D7}">
-              <ma14:placeholderFlag xmlns:ma14="http://schemas.microsoft.com/office/mac/drawingml/2011/main" xmlns="" val="1"/>
+              <ma14:placeholderFlag xmlns:ma14="http://schemas.microsoft.com/office/mac/drawingml/2011/main" val="1"/>
             </a:ext>
           </a:extLst>
         </p:spPr>
@@ -4177,14 +4181,14 @@
           </a:ln>
           <a:extLst>
             <a:ext uri="{909E8E84-426E-40dd-AFC4-6F175D3DCCD1}">
-              <a14:hiddenFill xmlns:a14="http://schemas.microsoft.com/office/drawing/2010/main" xmlns="">
+              <a14:hiddenFill xmlns:a14="http://schemas.microsoft.com/office/drawing/2010/main">
                 <a:solidFill>
                   <a:srgbClr val="FFFFFF"/>
                 </a:solidFill>
               </a14:hiddenFill>
             </a:ext>
             <a:ext uri="{91240B29-F687-4f45-9708-019B960494DF}">
-              <a14:hiddenLine xmlns:a14="http://schemas.microsoft.com/office/drawing/2010/main" xmlns="" w="9525">
+              <a14:hiddenLine xmlns:a14="http://schemas.microsoft.com/office/drawing/2010/main" w="9525">
                 <a:solidFill>
                   <a:srgbClr val="000000"/>
                 </a:solidFill>
@@ -4194,7 +4198,7 @@
               </a14:hiddenLine>
             </a:ext>
             <a:ext uri="{FAA26D3D-D897-4be2-8F04-BA451C77F1D7}">
-              <ma14:placeholderFlag xmlns:ma14="http://schemas.microsoft.com/office/mac/drawingml/2011/main" xmlns="" val="1"/>
+              <ma14:placeholderFlag xmlns:ma14="http://schemas.microsoft.com/office/mac/drawingml/2011/main" val="1"/>
             </a:ext>
           </a:extLst>
         </p:spPr>
@@ -4282,7 +4286,7 @@
             <a:fld id="{97C548F9-45AE-614C-B4B1-E298E2074A53}" type="datetime1">
               <a:rPr lang="en-GB"/>
               <a:pPr/>
-              <a:t>20/06/2014</a:t>
+              <a:t>21/06/2014</a:t>
             </a:fld>
             <a:endParaRPr lang="en-GB"/>
           </a:p>
@@ -5089,14 +5093,14 @@
           </a:ln>
           <a:extLst>
             <a:ext uri="{909E8E84-426E-40dd-AFC4-6F175D3DCCD1}">
-              <a14:hiddenFill xmlns:a14="http://schemas.microsoft.com/office/drawing/2010/main" xmlns="">
+              <a14:hiddenFill xmlns:a14="http://schemas.microsoft.com/office/drawing/2010/main">
                 <a:solidFill>
                   <a:srgbClr val="FFFFFF"/>
                 </a:solidFill>
               </a14:hiddenFill>
             </a:ext>
             <a:ext uri="{91240B29-F687-4f45-9708-019B960494DF}">
-              <a14:hiddenLine xmlns:a14="http://schemas.microsoft.com/office/drawing/2010/main" xmlns="" w="9525">
+              <a14:hiddenLine xmlns:a14="http://schemas.microsoft.com/office/drawing/2010/main" w="9525">
                 <a:solidFill>
                   <a:srgbClr val="000000"/>
                 </a:solidFill>
@@ -5287,14 +5291,14 @@
           </a:ln>
           <a:extLst>
             <a:ext uri="{909E8E84-426E-40dd-AFC4-6F175D3DCCD1}">
-              <a14:hiddenFill xmlns:a14="http://schemas.microsoft.com/office/drawing/2010/main" xmlns="">
+              <a14:hiddenFill xmlns:a14="http://schemas.microsoft.com/office/drawing/2010/main">
                 <a:solidFill>
                   <a:srgbClr val="FFFFFF"/>
                 </a:solidFill>
               </a14:hiddenFill>
             </a:ext>
             <a:ext uri="{91240B29-F687-4f45-9708-019B960494DF}">
-              <a14:hiddenLine xmlns:a14="http://schemas.microsoft.com/office/drawing/2010/main" xmlns="" w="9525">
+              <a14:hiddenLine xmlns:a14="http://schemas.microsoft.com/office/drawing/2010/main" w="9525">
                 <a:solidFill>
                   <a:srgbClr val="000000"/>
                 </a:solidFill>
@@ -5570,7 +5574,7 @@
   <p:timing>
     <p:tnLst>
       <p:par>
-        <p:cTn id="1" dur="indefinite" restart="never" nodeType="tmRoot"/>
+        <p:cTn xmlns:p14="http://schemas.microsoft.com/office/powerpoint/2010/main" id="1" dur="indefinite" restart="never" nodeType="tmRoot"/>
       </p:par>
     </p:tnLst>
   </p:timing>
@@ -5616,15 +5620,7 @@
                 <a:ea typeface="ＭＳ Ｐゴシック" charset="0"/>
                 <a:cs typeface="ＭＳ Ｐゴシック" charset="0"/>
               </a:rPr>
-              <a:t>OAuth </a:t>
-            </a:r>
-            <a:r>
-              <a:rPr lang="en-GB" dirty="0" smtClean="0">
-                <a:latin typeface="Calibri" charset="0"/>
-                <a:ea typeface="ＭＳ Ｐゴシック" charset="0"/>
-                <a:cs typeface="ＭＳ Ｐゴシック" charset="0"/>
-              </a:rPr>
-              <a:t>Workflow</a:t>
+              <a:t>OAuth Workflow</a:t>
             </a:r>
             <a:endParaRPr lang="en-GB" dirty="0">
               <a:latin typeface="Calibri" charset="0"/>
@@ -5652,14 +5648,14 @@
           <a:noFill/>
           <a:extLst>
             <a:ext uri="{909E8E84-426E-40dd-AFC4-6F175D3DCCD1}">
-              <a14:hiddenFill xmlns:a14="http://schemas.microsoft.com/office/drawing/2010/main" xmlns="">
+              <a14:hiddenFill xmlns:a14="http://schemas.microsoft.com/office/drawing/2010/main">
                 <a:solidFill>
                   <a:srgbClr val="FFFFFF"/>
                 </a:solidFill>
               </a14:hiddenFill>
             </a:ext>
             <a:ext uri="{91240B29-F687-4f45-9708-019B960494DF}">
-              <a14:hiddenLine xmlns:a14="http://schemas.microsoft.com/office/drawing/2010/main" xmlns="" w="9525">
+              <a14:hiddenLine xmlns:a14="http://schemas.microsoft.com/office/drawing/2010/main" w="9525">
                 <a:solidFill>
                   <a:srgbClr val="000000"/>
                 </a:solidFill>
@@ -5809,7 +5805,7 @@
           <p:nvPr>
             <p:extLst>
               <p:ext uri="{D42A27DB-BD31-4B8C-83A1-F6EECF244321}">
-                <p14:modId xmlns:p14="http://schemas.microsoft.com/office/powerpoint/2010/main" xmlns="" val="1976127390"/>
+                <p14:modId xmlns:p14="http://schemas.microsoft.com/office/powerpoint/2010/main" val="1976127390"/>
               </p:ext>
             </p:extLst>
           </p:nvPr>
@@ -6253,14 +6249,14 @@
           </a:ln>
           <a:extLst>
             <a:ext uri="{909E8E84-426E-40dd-AFC4-6F175D3DCCD1}">
-              <a14:hiddenFill xmlns:a14="http://schemas.microsoft.com/office/drawing/2010/main" xmlns="">
+              <a14:hiddenFill xmlns:a14="http://schemas.microsoft.com/office/drawing/2010/main">
                 <a:solidFill>
                   <a:srgbClr val="FFFFFF"/>
                 </a:solidFill>
               </a14:hiddenFill>
             </a:ext>
             <a:ext uri="{91240B29-F687-4f45-9708-019B960494DF}">
-              <a14:hiddenLine xmlns:a14="http://schemas.microsoft.com/office/drawing/2010/main" xmlns="" w="9525">
+              <a14:hiddenLine xmlns:a14="http://schemas.microsoft.com/office/drawing/2010/main" w="9525">
                 <a:solidFill>
                   <a:srgbClr val="000000"/>
                 </a:solidFill>
@@ -6270,7 +6266,7 @@
               </a14:hiddenLine>
             </a:ext>
             <a:ext uri="{FAA26D3D-D897-4be2-8F04-BA451C77F1D7}">
-              <ma14:placeholderFlag xmlns:ma14="http://schemas.microsoft.com/office/mac/drawingml/2011/main" xmlns="" val="1"/>
+              <ma14:placeholderFlag xmlns:ma14="http://schemas.microsoft.com/office/mac/drawingml/2011/main" val="1"/>
             </a:ext>
           </a:extLst>
         </p:spPr>
@@ -6310,19 +6306,7 @@
               <a:rPr lang="en-US" sz="2000" dirty="0" smtClean="0">
                 <a:latin typeface="Calibri" charset="0"/>
               </a:rPr>
-              <a:t> </a:t>
-            </a:r>
-            <a:r>
-              <a:rPr lang="en-US" sz="2000" dirty="0" smtClean="0">
-                <a:latin typeface="Calibri" charset="0"/>
-              </a:rPr>
-              <a:t>a client </a:t>
-            </a:r>
-            <a:r>
-              <a:rPr lang="en-US" sz="2000" dirty="0" smtClean="0">
-                <a:latin typeface="Calibri" charset="0"/>
-              </a:rPr>
-              <a:t> are referred to as </a:t>
+              <a:t> a client  are referred to as </a:t>
             </a:r>
             <a:r>
               <a:rPr lang="en-GB" sz="2000" b="1" dirty="0" smtClean="0">
@@ -6350,19 +6334,7 @@
               <a:rPr lang="en-GB" sz="2000" dirty="0" smtClean="0">
                 <a:latin typeface="Calibri" charset="0"/>
               </a:rPr>
-              <a:t>The </a:t>
-            </a:r>
-            <a:r>
-              <a:rPr lang="en-GB" sz="2000" dirty="0" smtClean="0">
-                <a:latin typeface="Calibri" charset="0"/>
-              </a:rPr>
-              <a:t>OAuth standard defines four types of authorisation </a:t>
-            </a:r>
-            <a:r>
-              <a:rPr lang="en-GB" sz="2000" dirty="0" smtClean="0">
-                <a:latin typeface="Calibri" charset="0"/>
-              </a:rPr>
-              <a:t>workflow</a:t>
+              <a:t>The OAuth standard defines four types of authorisation workflow</a:t>
             </a:r>
           </a:p>
           <a:p>
@@ -6456,7 +6428,7 @@
     </p:spTree>
     <p:extLst>
       <p:ext uri="{BB962C8B-B14F-4D97-AF65-F5344CB8AC3E}">
-        <p14:creationId xmlns:p14="http://schemas.microsoft.com/office/powerpoint/2010/main" xmlns="" val="1216471692"/>
+        <p14:creationId xmlns:p14="http://schemas.microsoft.com/office/powerpoint/2010/main" val="1216471692"/>
       </p:ext>
     </p:extLst>
   </p:cSld>
@@ -6466,7 +6438,7 @@
   <p:timing>
     <p:tnLst>
       <p:par>
-        <p:cTn id="1" dur="indefinite" restart="never" nodeType="tmRoot"/>
+        <p:cTn xmlns:p14="http://schemas.microsoft.com/office/powerpoint/2010/main" id="1" dur="indefinite" restart="never" nodeType="tmRoot"/>
       </p:par>
     </p:tnLst>
   </p:timing>
@@ -6617,7 +6589,10 @@
                   <a:noFill/>
                 </a:ln>
                 <a:solidFill>
-                  <a:schemeClr val="tx1"/>
+                  <a:schemeClr val="tx1">
+                    <a:lumMod val="65000"/>
+                    <a:lumOff val="35000"/>
+                  </a:schemeClr>
                 </a:solidFill>
                 <a:effectLst/>
                 <a:latin typeface="Arial" charset="0"/>
@@ -6689,7 +6664,10 @@
                   <a:noFill/>
                 </a:ln>
                 <a:solidFill>
-                  <a:schemeClr val="tx1"/>
+                  <a:schemeClr val="tx1">
+                    <a:lumMod val="65000"/>
+                    <a:lumOff val="35000"/>
+                  </a:schemeClr>
                 </a:solidFill>
                 <a:effectLst/>
                 <a:latin typeface="Arial" charset="0"/>
@@ -6909,7 +6887,23 @@
                 <a:ea typeface="ＭＳ Ｐゴシック" charset="0"/>
                 <a:cs typeface="ＭＳ Ｐゴシック" charset="0"/>
               </a:rPr>
-              <a:t>Authorization Code Workflow (No Redirect)</a:t>
+              <a:t>Authorization Code Workflow (</a:t>
+            </a:r>
+            <a:r>
+              <a:rPr lang="en-GB" dirty="0" smtClean="0">
+                <a:latin typeface="Calibri" charset="0"/>
+                <a:ea typeface="ＭＳ Ｐゴシック" charset="0"/>
+                <a:cs typeface="ＭＳ Ｐゴシック" charset="0"/>
+              </a:rPr>
+              <a:t>No-Redirect</a:t>
+            </a:r>
+            <a:r>
+              <a:rPr lang="en-GB" dirty="0" smtClean="0">
+                <a:latin typeface="Calibri" charset="0"/>
+                <a:ea typeface="ＭＳ Ｐゴシック" charset="0"/>
+                <a:cs typeface="ＭＳ Ｐゴシック" charset="0"/>
+              </a:rPr>
+              <a:t>)</a:t>
             </a:r>
             <a:endParaRPr lang="en-GB" dirty="0">
               <a:latin typeface="Calibri" charset="0"/>
@@ -6937,14 +6931,14 @@
           <a:noFill/>
           <a:extLst>
             <a:ext uri="{909E8E84-426E-40dd-AFC4-6F175D3DCCD1}">
-              <a14:hiddenFill xmlns:a14="http://schemas.microsoft.com/office/drawing/2010/main" xmlns="">
+              <a14:hiddenFill xmlns:a14="http://schemas.microsoft.com/office/drawing/2010/main">
                 <a:solidFill>
                   <a:srgbClr val="FFFFFF"/>
                 </a:solidFill>
               </a14:hiddenFill>
             </a:ext>
             <a:ext uri="{91240B29-F687-4f45-9708-019B960494DF}">
-              <a14:hiddenLine xmlns:a14="http://schemas.microsoft.com/office/drawing/2010/main" xmlns="" w="9525">
+              <a14:hiddenLine xmlns:a14="http://schemas.microsoft.com/office/drawing/2010/main" w="9525">
                 <a:solidFill>
                   <a:srgbClr val="000000"/>
                 </a:solidFill>
@@ -7069,7 +7063,10 @@
             <a:fld id="{CA415223-74E1-9842-94D0-DE11413B0913}" type="slidenum">
               <a:rPr lang="en-GB" b="1">
                 <a:solidFill>
-                  <a:srgbClr val="045C75"/>
+                  <a:schemeClr val="tx1">
+                    <a:lumMod val="65000"/>
+                    <a:lumOff val="35000"/>
+                  </a:schemeClr>
                 </a:solidFill>
                 <a:cs typeface="Arial" charset="0"/>
               </a:rPr>
@@ -7078,7 +7075,10 @@
             </a:fld>
             <a:endParaRPr lang="en-GB" b="1" dirty="0">
               <a:solidFill>
-                <a:srgbClr val="045C75"/>
+                <a:schemeClr val="tx1">
+                  <a:lumMod val="65000"/>
+                  <a:lumOff val="35000"/>
+                </a:schemeClr>
               </a:solidFill>
               <a:cs typeface="Arial" charset="0"/>
             </a:endParaRPr>
@@ -7549,7 +7549,10 @@
                   <a:noFill/>
                 </a:ln>
                 <a:solidFill>
-                  <a:srgbClr val="FF0000"/>
+                  <a:schemeClr val="tx1">
+                    <a:lumMod val="65000"/>
+                    <a:lumOff val="35000"/>
+                  </a:schemeClr>
                 </a:solidFill>
                 <a:effectLst/>
                 <a:latin typeface="Arial" charset="0"/>
@@ -7559,7 +7562,10 @@
             <a:r>
               <a:rPr lang="en-GB" sz="1400" b="1" dirty="0">
                 <a:solidFill>
-                  <a:srgbClr val="FF0000"/>
+                  <a:schemeClr val="tx1">
+                    <a:lumMod val="65000"/>
+                    <a:lumOff val="35000"/>
+                  </a:schemeClr>
                 </a:solidFill>
               </a:rPr>
               <a:t>AUTHORISATION</a:t>
@@ -7569,10 +7575,12 @@
                 <a:noFill/>
               </a:ln>
               <a:solidFill>
-                <a:srgbClr val="FF0000"/>
+                <a:schemeClr val="tx1">
+                  <a:lumMod val="65000"/>
+                  <a:lumOff val="35000"/>
+                </a:schemeClr>
               </a:solidFill>
               <a:effectLst/>
-              <a:latin typeface="Arial" charset="0"/>
             </a:endParaRPr>
           </a:p>
         </p:txBody>
@@ -7638,7 +7646,10 @@
                   <a:noFill/>
                 </a:ln>
                 <a:solidFill>
-                  <a:srgbClr val="FF0000"/>
+                  <a:schemeClr val="tx1">
+                    <a:lumMod val="65000"/>
+                    <a:lumOff val="35000"/>
+                  </a:schemeClr>
                 </a:solidFill>
                 <a:effectLst/>
                 <a:latin typeface="Arial" charset="0"/>
@@ -7709,7 +7720,10 @@
                   <a:noFill/>
                 </a:ln>
                 <a:solidFill>
-                  <a:srgbClr val="FF0000"/>
+                  <a:schemeClr val="tx1">
+                    <a:lumMod val="65000"/>
+                    <a:lumOff val="35000"/>
+                  </a:schemeClr>
                 </a:solidFill>
                 <a:effectLst/>
                 <a:latin typeface="Arial" charset="0"/>
@@ -7722,7 +7736,10 @@
                   <a:noFill/>
                 </a:ln>
                 <a:solidFill>
-                  <a:srgbClr val="FF0000"/>
+                  <a:schemeClr val="tx1">
+                    <a:lumMod val="65000"/>
+                    <a:lumOff val="35000"/>
+                  </a:schemeClr>
                 </a:solidFill>
                 <a:effectLst/>
                 <a:latin typeface="Arial" charset="0"/>
@@ -7735,7 +7752,10 @@
                   <a:noFill/>
                 </a:ln>
                 <a:solidFill>
-                  <a:srgbClr val="FF0000"/>
+                  <a:schemeClr val="tx1">
+                    <a:lumMod val="65000"/>
+                    <a:lumOff val="35000"/>
+                  </a:schemeClr>
                 </a:solidFill>
                 <a:effectLst/>
                 <a:latin typeface="Arial" charset="0"/>
@@ -7806,7 +7826,10 @@
                   <a:noFill/>
                 </a:ln>
                 <a:solidFill>
-                  <a:srgbClr val="FF0000"/>
+                  <a:schemeClr val="tx1">
+                    <a:lumMod val="65000"/>
+                    <a:lumOff val="35000"/>
+                  </a:schemeClr>
                 </a:solidFill>
                 <a:effectLst/>
                 <a:latin typeface="Arial" charset="0"/>
@@ -7819,7 +7842,10 @@
                   <a:noFill/>
                 </a:ln>
                 <a:solidFill>
-                  <a:srgbClr val="FF0000"/>
+                  <a:schemeClr val="tx1">
+                    <a:lumMod val="65000"/>
+                    <a:lumOff val="35000"/>
+                  </a:schemeClr>
                 </a:solidFill>
                 <a:effectLst/>
                 <a:latin typeface="Arial" charset="0"/>
@@ -7831,7 +7857,10 @@
                 <a:noFill/>
               </a:ln>
               <a:solidFill>
-                <a:srgbClr val="FF0000"/>
+                <a:schemeClr val="tx1">
+                  <a:lumMod val="65000"/>
+                  <a:lumOff val="35000"/>
+                </a:schemeClr>
               </a:solidFill>
               <a:effectLst/>
               <a:latin typeface="Arial" charset="0"/>
@@ -7900,7 +7929,10 @@
                   <a:noFill/>
                 </a:ln>
                 <a:solidFill>
-                  <a:srgbClr val="FF0000"/>
+                  <a:schemeClr val="tx1">
+                    <a:lumMod val="65000"/>
+                    <a:lumOff val="35000"/>
+                  </a:schemeClr>
                 </a:solidFill>
                 <a:effectLst/>
                 <a:latin typeface="Arial" charset="0"/>
@@ -7913,7 +7945,10 @@
                   <a:noFill/>
                 </a:ln>
                 <a:solidFill>
-                  <a:srgbClr val="FF0000"/>
+                  <a:schemeClr val="tx1">
+                    <a:lumMod val="65000"/>
+                    <a:lumOff val="35000"/>
+                  </a:schemeClr>
                 </a:solidFill>
                 <a:effectLst/>
                 <a:latin typeface="Arial" charset="0"/>
@@ -7926,7 +7961,10 @@
                   <a:noFill/>
                 </a:ln>
                 <a:solidFill>
-                  <a:srgbClr val="FF0000"/>
+                  <a:schemeClr val="tx1">
+                    <a:lumMod val="65000"/>
+                    <a:lumOff val="35000"/>
+                  </a:schemeClr>
                 </a:solidFill>
                 <a:effectLst/>
                 <a:latin typeface="Arial" charset="0"/>
@@ -7997,7 +8035,10 @@
                   <a:noFill/>
                 </a:ln>
                 <a:solidFill>
-                  <a:srgbClr val="FF0000"/>
+                  <a:schemeClr val="tx1">
+                    <a:lumMod val="65000"/>
+                    <a:lumOff val="35000"/>
+                  </a:schemeClr>
                 </a:solidFill>
                 <a:effectLst/>
                 <a:latin typeface="Arial" charset="0"/>
@@ -8068,7 +8109,10 @@
                   <a:noFill/>
                 </a:ln>
                 <a:solidFill>
-                  <a:srgbClr val="FF0000"/>
+                  <a:schemeClr val="tx1">
+                    <a:lumMod val="65000"/>
+                    <a:lumOff val="35000"/>
+                  </a:schemeClr>
                 </a:solidFill>
                 <a:effectLst/>
                 <a:latin typeface="Arial" charset="0"/>
@@ -8139,7 +8183,10 @@
                   <a:noFill/>
                 </a:ln>
                 <a:solidFill>
-                  <a:srgbClr val="FF0000"/>
+                  <a:schemeClr val="tx1">
+                    <a:lumMod val="65000"/>
+                    <a:lumOff val="35000"/>
+                  </a:schemeClr>
                 </a:solidFill>
                 <a:effectLst/>
                 <a:latin typeface="Arial" charset="0"/>
@@ -8210,7 +8257,10 @@
                   <a:noFill/>
                 </a:ln>
                 <a:solidFill>
-                  <a:srgbClr val="FF0000"/>
+                  <a:schemeClr val="tx1">
+                    <a:lumMod val="65000"/>
+                    <a:lumOff val="35000"/>
+                  </a:schemeClr>
                 </a:solidFill>
                 <a:effectLst/>
                 <a:latin typeface="Arial" charset="0"/>
@@ -8278,7 +8328,10 @@
             <a:r>
               <a:rPr lang="en-GB" sz="1400" dirty="0" smtClean="0">
                 <a:solidFill>
-                  <a:srgbClr val="FF0000"/>
+                  <a:schemeClr val="tx1">
+                    <a:lumMod val="65000"/>
+                    <a:lumOff val="35000"/>
+                  </a:schemeClr>
                 </a:solidFill>
               </a:rPr>
               <a:t>enter authorisation code</a:t>
@@ -8288,7 +8341,10 @@
                 <a:noFill/>
               </a:ln>
               <a:solidFill>
-                <a:srgbClr val="FF0000"/>
+                <a:schemeClr val="tx1">
+                  <a:lumMod val="65000"/>
+                  <a:lumOff val="35000"/>
+                </a:schemeClr>
               </a:solidFill>
               <a:effectLst/>
             </a:endParaRPr>
@@ -8353,7 +8409,10 @@
             <a:r>
               <a:rPr lang="en-GB" sz="1400" dirty="0" smtClean="0">
                 <a:solidFill>
-                  <a:srgbClr val="008040"/>
+                  <a:schemeClr val="tx1">
+                    <a:lumMod val="65000"/>
+                    <a:lumOff val="35000"/>
+                  </a:schemeClr>
                 </a:solidFill>
               </a:rPr>
               <a:t>submit r</a:t>
@@ -8364,7 +8423,10 @@
                   <a:noFill/>
                 </a:ln>
                 <a:solidFill>
-                  <a:srgbClr val="008040"/>
+                  <a:schemeClr val="tx1">
+                    <a:lumMod val="65000"/>
+                    <a:lumOff val="35000"/>
+                  </a:schemeClr>
                 </a:solidFill>
                 <a:effectLst/>
                 <a:latin typeface="Arial" charset="0"/>
@@ -8435,7 +8497,10 @@
                   <a:noFill/>
                 </a:ln>
                 <a:solidFill>
-                  <a:srgbClr val="008040"/>
+                  <a:schemeClr val="tx1">
+                    <a:lumMod val="65000"/>
+                    <a:lumOff val="35000"/>
+                  </a:schemeClr>
                 </a:solidFill>
                 <a:effectLst/>
                 <a:latin typeface="Arial" charset="0"/>
@@ -8506,7 +8571,10 @@
                   <a:noFill/>
                 </a:ln>
                 <a:solidFill>
-                  <a:srgbClr val="008040"/>
+                  <a:schemeClr val="tx1">
+                    <a:lumMod val="65000"/>
+                    <a:lumOff val="35000"/>
+                  </a:schemeClr>
                 </a:solidFill>
                 <a:effectLst/>
                 <a:latin typeface="Arial" charset="0"/>
@@ -8562,7 +8630,10 @@
                   <a:noFill/>
                 </a:ln>
                 <a:solidFill>
-                  <a:srgbClr val="FF0000"/>
+                  <a:schemeClr val="tx1">
+                    <a:lumMod val="65000"/>
+                    <a:lumOff val="35000"/>
+                  </a:schemeClr>
                 </a:solidFill>
                 <a:effectLst/>
                 <a:latin typeface="Arial" charset="0"/>
@@ -8572,7 +8643,10 @@
             <a:r>
               <a:rPr lang="en-GB" sz="1400" b="1" dirty="0">
                 <a:solidFill>
-                  <a:srgbClr val="FF0000"/>
+                  <a:schemeClr val="tx1">
+                    <a:lumMod val="65000"/>
+                    <a:lumOff val="35000"/>
+                  </a:schemeClr>
                 </a:solidFill>
               </a:rPr>
               <a:t>AUTHORISATION</a:t>
@@ -8582,10 +8656,12 @@
                 <a:noFill/>
               </a:ln>
               <a:solidFill>
-                <a:srgbClr val="FF0000"/>
+                <a:schemeClr val="tx1">
+                  <a:lumMod val="65000"/>
+                  <a:lumOff val="35000"/>
+                </a:schemeClr>
               </a:solidFill>
               <a:effectLst/>
-              <a:latin typeface="Arial" charset="0"/>
             </a:endParaRPr>
           </a:p>
         </p:txBody>
@@ -8651,7 +8727,10 @@
                   <a:noFill/>
                 </a:ln>
                 <a:solidFill>
-                  <a:srgbClr val="008040"/>
+                  <a:schemeClr val="tx1">
+                    <a:lumMod val="65000"/>
+                    <a:lumOff val="35000"/>
+                  </a:schemeClr>
                 </a:solidFill>
                 <a:effectLst/>
                 <a:latin typeface="Arial" charset="0"/>
@@ -8664,7 +8743,7 @@
     </p:spTree>
     <p:extLst>
       <p:ext uri="{BB962C8B-B14F-4D97-AF65-F5344CB8AC3E}">
-        <p14:creationId xmlns:p14="http://schemas.microsoft.com/office/powerpoint/2010/main" xmlns="" val="4252361813"/>
+        <p14:creationId xmlns:p14="http://schemas.microsoft.com/office/powerpoint/2010/main" val="4252361813"/>
       </p:ext>
     </p:extLst>
   </p:cSld>
@@ -8674,7 +8753,7 @@
   <p:timing>
     <p:tnLst>
       <p:par>
-        <p:cTn id="1" dur="indefinite" restart="never" nodeType="tmRoot"/>
+        <p:cTn xmlns:p14="http://schemas.microsoft.com/office/powerpoint/2010/main" id="1" dur="indefinite" restart="never" nodeType="tmRoot"/>
       </p:par>
     </p:tnLst>
   </p:timing>
@@ -8825,7 +8904,7 @@
                   <a:noFill/>
                 </a:ln>
                 <a:solidFill>
-                  <a:schemeClr val="tx1"/>
+                  <a:srgbClr val="595959"/>
                 </a:solidFill>
                 <a:effectLst/>
                 <a:latin typeface="Arial" charset="0"/>
@@ -8897,7 +8976,7 @@
                   <a:noFill/>
                 </a:ln>
                 <a:solidFill>
-                  <a:schemeClr val="tx1"/>
+                  <a:srgbClr val="595959"/>
                 </a:solidFill>
                 <a:effectLst/>
                 <a:latin typeface="Arial" charset="0"/>
@@ -9033,14 +9112,14 @@
           <a:noFill/>
           <a:extLst>
             <a:ext uri="{909E8E84-426E-40dd-AFC4-6F175D3DCCD1}">
-              <a14:hiddenFill xmlns:a14="http://schemas.microsoft.com/office/drawing/2010/main" xmlns="">
+              <a14:hiddenFill xmlns:a14="http://schemas.microsoft.com/office/drawing/2010/main">
                 <a:solidFill>
                   <a:srgbClr val="FFFFFF"/>
                 </a:solidFill>
               </a14:hiddenFill>
             </a:ext>
             <a:ext uri="{91240B29-F687-4f45-9708-019B960494DF}">
-              <a14:hiddenLine xmlns:a14="http://schemas.microsoft.com/office/drawing/2010/main" xmlns="" w="9525">
+              <a14:hiddenLine xmlns:a14="http://schemas.microsoft.com/office/drawing/2010/main" w="9525">
                 <a:solidFill>
                   <a:srgbClr val="000000"/>
                 </a:solidFill>
@@ -9165,7 +9244,7 @@
             <a:fld id="{CA415223-74E1-9842-94D0-DE11413B0913}" type="slidenum">
               <a:rPr lang="en-GB" b="1">
                 <a:solidFill>
-                  <a:srgbClr val="045C75"/>
+                  <a:srgbClr val="595959"/>
                 </a:solidFill>
                 <a:cs typeface="Arial" charset="0"/>
               </a:rPr>
@@ -9174,7 +9253,7 @@
             </a:fld>
             <a:endParaRPr lang="en-GB" b="1" dirty="0">
               <a:solidFill>
-                <a:srgbClr val="045C75"/>
+                <a:srgbClr val="595959"/>
               </a:solidFill>
               <a:cs typeface="Arial" charset="0"/>
             </a:endParaRPr>
@@ -9780,7 +9859,7 @@
                   <a:noFill/>
                 </a:ln>
                 <a:solidFill>
-                  <a:srgbClr val="FF0000"/>
+                  <a:srgbClr val="595959"/>
                 </a:solidFill>
                 <a:effectLst/>
                 <a:latin typeface="Arial" charset="0"/>
@@ -9851,7 +9930,7 @@
                   <a:noFill/>
                 </a:ln>
                 <a:solidFill>
-                  <a:srgbClr val="FF0000"/>
+                  <a:srgbClr val="595959"/>
                 </a:solidFill>
                 <a:effectLst/>
                 <a:latin typeface="Arial" charset="0"/>
@@ -9922,7 +10001,7 @@
                   <a:noFill/>
                 </a:ln>
                 <a:solidFill>
-                  <a:srgbClr val="FF0000"/>
+                  <a:srgbClr val="595959"/>
                 </a:solidFill>
                 <a:effectLst/>
                 <a:latin typeface="Arial" charset="0"/>
@@ -9935,7 +10014,7 @@
                   <a:noFill/>
                 </a:ln>
                 <a:solidFill>
-                  <a:srgbClr val="FF0000"/>
+                  <a:srgbClr val="595959"/>
                 </a:solidFill>
                 <a:effectLst/>
                 <a:latin typeface="Arial" charset="0"/>
@@ -9948,7 +10027,7 @@
                   <a:noFill/>
                 </a:ln>
                 <a:solidFill>
-                  <a:srgbClr val="FF0000"/>
+                  <a:srgbClr val="595959"/>
                 </a:solidFill>
                 <a:effectLst/>
                 <a:latin typeface="Arial" charset="0"/>
@@ -10016,7 +10095,7 @@
             <a:r>
               <a:rPr lang="en-GB" sz="1400" dirty="0" smtClean="0">
                 <a:solidFill>
-                  <a:srgbClr val="FF0000"/>
+                  <a:srgbClr val="595959"/>
                 </a:solidFill>
               </a:rPr>
               <a:t>redirect with </a:t>
@@ -10027,7 +10106,7 @@
                   <a:noFill/>
                 </a:ln>
                 <a:solidFill>
-                  <a:srgbClr val="FF0000"/>
+                  <a:srgbClr val="595959"/>
                 </a:solidFill>
                 <a:effectLst/>
                 <a:latin typeface="Arial" charset="0"/>
@@ -10040,7 +10119,7 @@
                   <a:noFill/>
                 </a:ln>
                 <a:solidFill>
-                  <a:srgbClr val="FF0000"/>
+                  <a:srgbClr val="595959"/>
                 </a:solidFill>
                 <a:effectLst/>
                 <a:latin typeface="Arial" charset="0"/>
@@ -10052,7 +10131,7 @@
                 <a:noFill/>
               </a:ln>
               <a:solidFill>
-                <a:srgbClr val="FF0000"/>
+                <a:srgbClr val="595959"/>
               </a:solidFill>
               <a:effectLst/>
               <a:latin typeface="Arial" charset="0"/>
@@ -10121,7 +10200,7 @@
                   <a:noFill/>
                 </a:ln>
                 <a:solidFill>
-                  <a:srgbClr val="FF0000"/>
+                  <a:srgbClr val="595959"/>
                 </a:solidFill>
                 <a:effectLst/>
                 <a:latin typeface="Arial" charset="0"/>
@@ -10134,7 +10213,7 @@
                   <a:noFill/>
                 </a:ln>
                 <a:solidFill>
-                  <a:srgbClr val="FF0000"/>
+                  <a:srgbClr val="595959"/>
                 </a:solidFill>
                 <a:effectLst/>
                 <a:latin typeface="Arial" charset="0"/>
@@ -10147,7 +10226,7 @@
                   <a:noFill/>
                 </a:ln>
                 <a:solidFill>
-                  <a:srgbClr val="FF0000"/>
+                  <a:srgbClr val="595959"/>
                 </a:solidFill>
                 <a:effectLst/>
                 <a:latin typeface="Arial" charset="0"/>
@@ -10218,7 +10297,7 @@
                   <a:noFill/>
                 </a:ln>
                 <a:solidFill>
-                  <a:srgbClr val="FF0000"/>
+                  <a:srgbClr val="595959"/>
                 </a:solidFill>
                 <a:effectLst/>
                 <a:latin typeface="Arial" charset="0"/>
@@ -10289,7 +10368,7 @@
                   <a:noFill/>
                 </a:ln>
                 <a:solidFill>
-                  <a:srgbClr val="FF0000"/>
+                  <a:srgbClr val="595959"/>
                 </a:solidFill>
                 <a:effectLst/>
                 <a:latin typeface="Arial" charset="0"/>
@@ -10360,7 +10439,7 @@
                   <a:noFill/>
                 </a:ln>
                 <a:solidFill>
-                  <a:srgbClr val="FF0000"/>
+                  <a:srgbClr val="595959"/>
                 </a:solidFill>
                 <a:effectLst/>
                 <a:latin typeface="Arial" charset="0"/>
@@ -10431,7 +10510,7 @@
                   <a:noFill/>
                 </a:ln>
                 <a:solidFill>
-                  <a:srgbClr val="FF0000"/>
+                  <a:srgbClr val="595959"/>
                 </a:solidFill>
                 <a:effectLst/>
                 <a:latin typeface="Arial" charset="0"/>
@@ -10499,7 +10578,7 @@
             <a:r>
               <a:rPr lang="en-GB" sz="1400" dirty="0" smtClean="0">
                 <a:solidFill>
-                  <a:srgbClr val="008040"/>
+                  <a:srgbClr val="595959"/>
                 </a:solidFill>
               </a:rPr>
               <a:t>submit r</a:t>
@@ -10510,7 +10589,7 @@
                   <a:noFill/>
                 </a:ln>
                 <a:solidFill>
-                  <a:srgbClr val="008040"/>
+                  <a:srgbClr val="595959"/>
                 </a:solidFill>
                 <a:effectLst/>
                 <a:latin typeface="Arial" charset="0"/>
@@ -10581,7 +10660,7 @@
                   <a:noFill/>
                 </a:ln>
                 <a:solidFill>
-                  <a:srgbClr val="008040"/>
+                  <a:srgbClr val="595959"/>
                 </a:solidFill>
                 <a:effectLst/>
                 <a:latin typeface="Arial" charset="0"/>
@@ -10652,7 +10731,7 @@
                   <a:noFill/>
                 </a:ln>
                 <a:solidFill>
-                  <a:srgbClr val="008040"/>
+                  <a:srgbClr val="595959"/>
                 </a:solidFill>
                 <a:effectLst/>
                 <a:latin typeface="Arial" charset="0"/>
@@ -10723,7 +10802,7 @@
                   <a:noFill/>
                 </a:ln>
                 <a:solidFill>
-                  <a:srgbClr val="FF0000"/>
+                  <a:srgbClr val="595959"/>
                 </a:solidFill>
                 <a:effectLst/>
                 <a:latin typeface="Arial" charset="0"/>
@@ -10736,7 +10815,7 @@
                   <a:noFill/>
                 </a:ln>
                 <a:solidFill>
-                  <a:srgbClr val="FF0000"/>
+                  <a:srgbClr val="595959"/>
                 </a:solidFill>
                 <a:effectLst/>
                 <a:latin typeface="Arial" charset="0"/>
@@ -10748,7 +10827,7 @@
                 <a:noFill/>
               </a:ln>
               <a:solidFill>
-                <a:srgbClr val="FF0000"/>
+                <a:srgbClr val="595959"/>
               </a:solidFill>
               <a:effectLst/>
               <a:latin typeface="Arial" charset="0"/>
@@ -10817,7 +10896,7 @@
                   <a:noFill/>
                 </a:ln>
                 <a:solidFill>
-                  <a:srgbClr val="008040"/>
+                  <a:srgbClr val="595959"/>
                 </a:solidFill>
                 <a:effectLst/>
                 <a:latin typeface="Arial" charset="0"/>
@@ -10904,7 +10983,7 @@
     </p:spTree>
     <p:extLst>
       <p:ext uri="{BB962C8B-B14F-4D97-AF65-F5344CB8AC3E}">
-        <p14:creationId xmlns:p14="http://schemas.microsoft.com/office/powerpoint/2010/main" xmlns="" val="2565033891"/>
+        <p14:creationId xmlns:p14="http://schemas.microsoft.com/office/powerpoint/2010/main" val="2565033891"/>
       </p:ext>
     </p:extLst>
   </p:cSld>
@@ -10914,7 +10993,7 @@
   <p:timing>
     <p:tnLst>
       <p:par>
-        <p:cTn id="1" dur="indefinite" restart="never" nodeType="tmRoot"/>
+        <p:cTn xmlns:p14="http://schemas.microsoft.com/office/powerpoint/2010/main" id="1" dur="indefinite" restart="never" nodeType="tmRoot"/>
       </p:par>
     </p:tnLst>
   </p:timing>
@@ -11003,23 +11082,7 @@
                 <a:ea typeface="ＭＳ Ｐゴシック" charset="0"/>
                 <a:cs typeface="ＭＳ Ｐゴシック" charset="0"/>
               </a:rPr>
-              <a:t>OAuth </a:t>
-            </a:r>
-            <a:r>
-              <a:rPr lang="en-GB" sz="2000" dirty="0" smtClean="0">
-                <a:latin typeface="Calibri" charset="0"/>
-                <a:ea typeface="ＭＳ Ｐゴシック" charset="0"/>
-                <a:cs typeface="ＭＳ Ｐゴシック" charset="0"/>
-              </a:rPr>
-              <a:t>2 requires </a:t>
-            </a:r>
-            <a:r>
-              <a:rPr lang="en-GB" sz="2000" dirty="0" smtClean="0">
-                <a:latin typeface="Calibri" charset="0"/>
-                <a:ea typeface="ＭＳ Ｐゴシック" charset="0"/>
-                <a:cs typeface="ＭＳ Ｐゴシック" charset="0"/>
-              </a:rPr>
-              <a:t>that clients </a:t>
+              <a:t>OAuth 2 requires that clients </a:t>
             </a:r>
             <a:r>
               <a:rPr lang="en-GB" sz="2000" i="1" dirty="0" smtClean="0">
@@ -11050,21 +11113,8 @@
                 <a:ea typeface="ＭＳ Ｐゴシック" charset="0"/>
                 <a:cs typeface="ＭＳ Ｐゴシック" charset="0"/>
               </a:rPr>
-              <a:t>Service providers normally provide some sort of web console to do </a:t>
-            </a:r>
-            <a:r>
-              <a:rPr lang="en-GB" sz="2000" dirty="0" smtClean="0">
-                <a:latin typeface="Calibri" charset="0"/>
-                <a:ea typeface="ＭＳ Ｐゴシック" charset="0"/>
-                <a:cs typeface="ＭＳ Ｐゴシック" charset="0"/>
-              </a:rPr>
-              <a:t>this, eg:</a:t>
-            </a:r>
-            <a:endParaRPr lang="en-GB" sz="2000" dirty="0" smtClean="0">
-              <a:latin typeface="Calibri" charset="0"/>
-              <a:ea typeface="ＭＳ Ｐゴシック" charset="0"/>
-              <a:cs typeface="ＭＳ Ｐゴシック" charset="0"/>
-            </a:endParaRPr>
+              <a:t>Service providers normally provide some sort of web console to do this, eg:</a:t>
+            </a:r>
           </a:p>
           <a:p>
             <a:pPr lvl="1" eaLnBrk="1" hangingPunct="1">
@@ -11138,23 +11188,7 @@
                 <a:ea typeface="ＭＳ Ｐゴシック" charset="0"/>
                 <a:cs typeface="ＭＳ Ｐゴシック" charset="0"/>
               </a:rPr>
-              <a:t>Once registered, the client </a:t>
-            </a:r>
-            <a:r>
-              <a:rPr lang="en-GB" sz="2000" dirty="0" smtClean="0">
-                <a:latin typeface="Calibri" charset="0"/>
-                <a:ea typeface="ＭＳ Ｐゴシック" charset="0"/>
-                <a:cs typeface="ＭＳ Ｐゴシック" charset="0"/>
-              </a:rPr>
-              <a:t>is issued with </a:t>
-            </a:r>
-            <a:r>
-              <a:rPr lang="en-GB" sz="2000" dirty="0" smtClean="0">
-                <a:latin typeface="Calibri" charset="0"/>
-                <a:ea typeface="ＭＳ Ｐゴシック" charset="0"/>
-                <a:cs typeface="ＭＳ Ｐゴシック" charset="0"/>
-              </a:rPr>
-              <a:t>a </a:t>
+              <a:t>Once registered, the client is issued with a </a:t>
             </a:r>
             <a:r>
               <a:rPr lang="en-GB" sz="2000" i="1" dirty="0" smtClean="0">
@@ -11193,15 +11227,7 @@
                 <a:ea typeface="ＭＳ Ｐゴシック" charset="0"/>
                 <a:cs typeface="ＭＳ Ｐゴシック" charset="0"/>
               </a:rPr>
-              <a:t>During </a:t>
-            </a:r>
-            <a:r>
-              <a:rPr lang="en-GB" sz="2000" dirty="0" smtClean="0">
-                <a:latin typeface="Calibri" charset="0"/>
-                <a:ea typeface="ＭＳ Ｐゴシック" charset="0"/>
-                <a:cs typeface="ＭＳ Ｐゴシック" charset="0"/>
-              </a:rPr>
-              <a:t>registration you have to specify one or more allowable </a:t>
+              <a:t>During registration you have to specify one or more allowable </a:t>
             </a:r>
             <a:r>
               <a:rPr lang="en-GB" sz="2000" i="1" dirty="0" smtClean="0">
@@ -11272,23 +11298,7 @@
                 <a:ea typeface="ＭＳ Ｐゴシック" charset="0"/>
                 <a:cs typeface="ＭＳ Ｐゴシック" charset="0"/>
               </a:rPr>
-              <a:t>The client </a:t>
-            </a:r>
-            <a:r>
-              <a:rPr lang="en-GB" sz="2000" dirty="0" smtClean="0">
-                <a:latin typeface="Calibri" charset="0"/>
-                <a:ea typeface="ＭＳ Ｐゴシック" charset="0"/>
-                <a:cs typeface="ＭＳ Ｐゴシック" charset="0"/>
-              </a:rPr>
-              <a:t>can only redirect </a:t>
-            </a:r>
-            <a:r>
-              <a:rPr lang="en-GB" sz="2000" dirty="0" smtClean="0">
-                <a:latin typeface="Calibri" charset="0"/>
-                <a:ea typeface="ＭＳ Ｐゴシック" charset="0"/>
-                <a:cs typeface="ＭＳ Ｐゴシック" charset="0"/>
-              </a:rPr>
-              <a:t>to one of these URIs</a:t>
+              <a:t>The client can only redirect to one of these URIs</a:t>
             </a:r>
           </a:p>
           <a:p>
@@ -11303,15 +11313,7 @@
                 <a:ea typeface="ＭＳ Ｐゴシック" charset="0"/>
                 <a:cs typeface="ＭＳ Ｐゴシック" charset="0"/>
               </a:rPr>
-              <a:t>Registration </a:t>
-            </a:r>
-            <a:r>
-              <a:rPr lang="en-GB" sz="2000" dirty="0" smtClean="0">
-                <a:latin typeface="Calibri" charset="0"/>
-                <a:ea typeface="ＭＳ Ｐゴシック" charset="0"/>
-                <a:cs typeface="ＭＳ Ｐゴシック" charset="0"/>
-              </a:rPr>
-              <a:t>helps ensure workflow requests are authentic, and enables the service provider to tailor its response according to the privileges granted to that client</a:t>
+              <a:t>Registration helps ensure workflow requests are authentic, and enables the service provider to tailor its response according to the privileges granted to that client</a:t>
             </a:r>
           </a:p>
         </p:txBody>
@@ -11334,14 +11336,14 @@
           <a:noFill/>
           <a:extLst>
             <a:ext uri="{909E8E84-426E-40dd-AFC4-6F175D3DCCD1}">
-              <a14:hiddenFill xmlns:a14="http://schemas.microsoft.com/office/drawing/2010/main" xmlns="">
+              <a14:hiddenFill xmlns:a14="http://schemas.microsoft.com/office/drawing/2010/main">
                 <a:solidFill>
                   <a:srgbClr val="FFFFFF"/>
                 </a:solidFill>
               </a14:hiddenFill>
             </a:ext>
             <a:ext uri="{91240B29-F687-4f45-9708-019B960494DF}">
-              <a14:hiddenLine xmlns:a14="http://schemas.microsoft.com/office/drawing/2010/main" xmlns="" w="9525">
+              <a14:hiddenLine xmlns:a14="http://schemas.microsoft.com/office/drawing/2010/main" w="9525">
                 <a:solidFill>
                   <a:srgbClr val="000000"/>
                 </a:solidFill>
@@ -11485,7 +11487,7 @@
     </p:spTree>
     <p:extLst>
       <p:ext uri="{BB962C8B-B14F-4D97-AF65-F5344CB8AC3E}">
-        <p14:creationId xmlns:p14="http://schemas.microsoft.com/office/powerpoint/2010/main" xmlns="" val="787013994"/>
+        <p14:creationId xmlns:p14="http://schemas.microsoft.com/office/powerpoint/2010/main" val="787013994"/>
       </p:ext>
     </p:extLst>
   </p:cSld>
@@ -11495,7 +11497,7 @@
   <p:timing>
     <p:tnLst>
       <p:par>
-        <p:cTn id="1" dur="indefinite" restart="never" nodeType="tmRoot"/>
+        <p:cTn xmlns:p14="http://schemas.microsoft.com/office/powerpoint/2010/main" id="1" dur="indefinite" restart="never" nodeType="tmRoot"/>
       </p:par>
     </p:tnLst>
   </p:timing>
@@ -11557,15 +11559,7 @@
                 <a:ea typeface="ＭＳ Ｐゴシック" charset="0"/>
                 <a:cs typeface="ＭＳ Ｐゴシック" charset="0"/>
               </a:rPr>
-              <a:t> </a:t>
-            </a:r>
-            <a:r>
-              <a:rPr lang="en-GB" dirty="0" smtClean="0">
-                <a:latin typeface="Calibri" charset="0"/>
-                <a:ea typeface="ＭＳ Ｐゴシック" charset="0"/>
-                <a:cs typeface="ＭＳ Ｐゴシック" charset="0"/>
-              </a:rPr>
-              <a:t>Application Registration</a:t>
+              <a:t> Application Registration</a:t>
             </a:r>
             <a:endParaRPr lang="en-GB" dirty="0">
               <a:latin typeface="Calibri" charset="0"/>
@@ -11593,14 +11587,14 @@
           <a:noFill/>
           <a:extLst>
             <a:ext uri="{909E8E84-426E-40dd-AFC4-6F175D3DCCD1}">
-              <a14:hiddenFill xmlns:a14="http://schemas.microsoft.com/office/drawing/2010/main" xmlns="">
+              <a14:hiddenFill xmlns:a14="http://schemas.microsoft.com/office/drawing/2010/main">
                 <a:solidFill>
                   <a:srgbClr val="FFFFFF"/>
                 </a:solidFill>
               </a14:hiddenFill>
             </a:ext>
             <a:ext uri="{91240B29-F687-4f45-9708-019B960494DF}">
-              <a14:hiddenLine xmlns:a14="http://schemas.microsoft.com/office/drawing/2010/main" xmlns="" w="9525">
+              <a14:hiddenLine xmlns:a14="http://schemas.microsoft.com/office/drawing/2010/main" w="9525">
                 <a:solidFill>
                   <a:srgbClr val="000000"/>
                 </a:solidFill>
@@ -11753,7 +11747,7 @@
           <a:blip r:embed="rId2">
             <a:extLst>
               <a:ext uri="{28A0092B-C50C-407E-A947-70E740481C1C}">
-                <a14:useLocalDpi xmlns:a14="http://schemas.microsoft.com/office/drawing/2010/main" xmlns="" val="0"/>
+                <a14:useLocalDpi xmlns:a14="http://schemas.microsoft.com/office/drawing/2010/main" val="0"/>
               </a:ext>
             </a:extLst>
           </a:blip>
@@ -12099,20 +12093,7 @@
                 <a:effectLst/>
                 <a:latin typeface="Arial" charset="0"/>
               </a:rPr>
-              <a:t>The app owner enters </a:t>
-            </a:r>
-            <a:r>
-              <a:rPr kumimoji="0" lang="en-GB" sz="1100" b="0" i="0" u="none" strike="noStrike" cap="none" normalizeH="0" baseline="0" dirty="0" smtClean="0">
-                <a:ln>
-                  <a:noFill/>
-                </a:ln>
-                <a:solidFill>
-                  <a:schemeClr val="tx1"/>
-                </a:solidFill>
-                <a:effectLst/>
-                <a:latin typeface="Arial" charset="0"/>
-              </a:rPr>
-              <a:t>one or more </a:t>
+              <a:t>The app owner enters one or more </a:t>
             </a:r>
             <a:r>
               <a:rPr kumimoji="0" lang="en-GB" sz="1100" b="1" i="0" u="none" strike="noStrike" cap="none" normalizeH="0" baseline="0" dirty="0" smtClean="0">
@@ -12163,7 +12144,20 @@
                 <a:effectLst/>
                 <a:latin typeface="Arial" charset="0"/>
               </a:rPr>
-              <a:t>he </a:t>
+              <a:t>he client can only redirect to one of these in the “finish”</a:t>
+            </a:r>
+            <a:r>
+              <a:rPr kumimoji="0" lang="en-GB" sz="1100" b="0" i="0" u="none" strike="noStrike" cap="none" normalizeH="0" dirty="0" smtClean="0">
+                <a:ln>
+                  <a:noFill/>
+                </a:ln>
+                <a:solidFill>
+                  <a:schemeClr val="tx1"/>
+                </a:solidFill>
+                <a:effectLst/>
+                <a:latin typeface="Arial" charset="0"/>
+              </a:rPr>
+              <a:t> </a:t>
             </a:r>
             <a:r>
               <a:rPr kumimoji="0" lang="en-GB" sz="1100" b="0" i="0" u="none" strike="noStrike" cap="none" normalizeH="0" baseline="0" dirty="0" smtClean="0">
@@ -12176,59 +12170,7 @@
                 <a:effectLst/>
                 <a:latin typeface="Arial" charset="0"/>
               </a:rPr>
-              <a:t>client can only redirect to one of these in the </a:t>
-            </a:r>
-            <a:r>
-              <a:rPr kumimoji="0" lang="en-GB" sz="1100" b="0" i="0" u="none" strike="noStrike" cap="none" normalizeH="0" baseline="0" dirty="0" smtClean="0">
-                <a:ln>
-                  <a:noFill/>
-                </a:ln>
-                <a:solidFill>
-                  <a:schemeClr val="tx1"/>
-                </a:solidFill>
-                <a:effectLst/>
-                <a:latin typeface="Arial" charset="0"/>
-              </a:rPr>
-              <a:t>“finish”</a:t>
-            </a:r>
-            <a:r>
-              <a:rPr kumimoji="0" lang="en-GB" sz="1100" b="0" i="0" u="none" strike="noStrike" cap="none" normalizeH="0" dirty="0" smtClean="0">
-                <a:ln>
-                  <a:noFill/>
-                </a:ln>
-                <a:solidFill>
-                  <a:schemeClr val="tx1"/>
-                </a:solidFill>
-                <a:effectLst/>
-                <a:latin typeface="Arial" charset="0"/>
-              </a:rPr>
-              <a:t> </a:t>
-            </a:r>
-            <a:r>
-              <a:rPr kumimoji="0" lang="en-GB" sz="1100" b="0" i="0" u="none" strike="noStrike" cap="none" normalizeH="0" baseline="0" dirty="0" smtClean="0">
-                <a:ln>
-                  <a:noFill/>
-                </a:ln>
-                <a:solidFill>
-                  <a:schemeClr val="tx1"/>
-                </a:solidFill>
-                <a:effectLst/>
-                <a:latin typeface="Arial" charset="0"/>
-              </a:rPr>
-              <a:t>step of </a:t>
-            </a:r>
-            <a:r>
-              <a:rPr kumimoji="0" lang="en-GB" sz="1100" b="0" i="0" u="none" strike="noStrike" cap="none" normalizeH="0" baseline="0" dirty="0" smtClean="0">
-                <a:ln>
-                  <a:noFill/>
-                </a:ln>
-                <a:solidFill>
-                  <a:schemeClr val="tx1"/>
-                </a:solidFill>
-                <a:effectLst/>
-                <a:latin typeface="Arial" charset="0"/>
-              </a:rPr>
-              <a:t>authorisation</a:t>
+              <a:t>step of authorisation</a:t>
             </a:r>
             <a:endParaRPr kumimoji="0" lang="en-GB" sz="1100" b="1" i="0" u="none" strike="noStrike" cap="none" normalizeH="0" baseline="0" dirty="0" smtClean="0">
               <a:ln>
@@ -12339,7 +12281,7 @@
     </p:spTree>
     <p:extLst>
       <p:ext uri="{BB962C8B-B14F-4D97-AF65-F5344CB8AC3E}">
-        <p14:creationId xmlns:p14="http://schemas.microsoft.com/office/powerpoint/2010/main" xmlns="" val="3683282966"/>
+        <p14:creationId xmlns:p14="http://schemas.microsoft.com/office/powerpoint/2010/main" val="3683282966"/>
       </p:ext>
     </p:extLst>
   </p:cSld>
@@ -12349,7 +12291,7 @@
   <p:timing>
     <p:tnLst>
       <p:par>
-        <p:cTn id="1" dur="indefinite" restart="never" nodeType="tmRoot"/>
+        <p:cTn xmlns:p14="http://schemas.microsoft.com/office/powerpoint/2010/main" id="1" dur="indefinite" restart="never" nodeType="tmRoot"/>
       </p:par>
     </p:tnLst>
   </p:timing>
@@ -12941,14 +12883,14 @@
           <a:noFill/>
           <a:extLst>
             <a:ext uri="{909E8E84-426E-40dd-AFC4-6F175D3DCCD1}">
-              <a14:hiddenFill xmlns:a14="http://schemas.microsoft.com/office/drawing/2010/main" xmlns="">
+              <a14:hiddenFill xmlns:a14="http://schemas.microsoft.com/office/drawing/2010/main">
                 <a:solidFill>
                   <a:srgbClr val="FFFFFF"/>
                 </a:solidFill>
               </a14:hiddenFill>
             </a:ext>
             <a:ext uri="{91240B29-F687-4f45-9708-019B960494DF}">
-              <a14:hiddenLine xmlns:a14="http://schemas.microsoft.com/office/drawing/2010/main" xmlns="" w="9525">
+              <a14:hiddenLine xmlns:a14="http://schemas.microsoft.com/office/drawing/2010/main" w="9525">
                 <a:solidFill>
                   <a:srgbClr val="000000"/>
                 </a:solidFill>
@@ -13092,7 +13034,7 @@
     </p:spTree>
     <p:extLst>
       <p:ext uri="{BB962C8B-B14F-4D97-AF65-F5344CB8AC3E}">
-        <p14:creationId xmlns:p14="http://schemas.microsoft.com/office/powerpoint/2010/main" xmlns="" val="4091058059"/>
+        <p14:creationId xmlns:p14="http://schemas.microsoft.com/office/powerpoint/2010/main" val="4091058059"/>
       </p:ext>
     </p:extLst>
   </p:cSld>
@@ -13102,7 +13044,7 @@
   <p:timing>
     <p:tnLst>
       <p:par>
-        <p:cTn id="1" dur="indefinite" restart="never" nodeType="tmRoot"/>
+        <p:cTn xmlns:p14="http://schemas.microsoft.com/office/powerpoint/2010/main" id="1" dur="indefinite" restart="never" nodeType="tmRoot"/>
       </p:par>
     </p:tnLst>
   </p:timing>
@@ -13148,15 +13090,7 @@
                 <a:ea typeface="ＭＳ Ｐゴシック" charset="0"/>
                 <a:cs typeface="ＭＳ Ｐゴシック" charset="0"/>
               </a:rPr>
-              <a:t>S</a:t>
-            </a:r>
-            <a:r>
-              <a:rPr lang="en-GB" dirty="0" smtClean="0">
-                <a:latin typeface="Calibri" charset="0"/>
-                <a:ea typeface="ＭＳ Ｐゴシック" charset="0"/>
-                <a:cs typeface="ＭＳ Ｐゴシック" charset="0"/>
-              </a:rPr>
-              <a:t>etting up the Exercise</a:t>
+              <a:t>Setting up the Exercise</a:t>
             </a:r>
             <a:endParaRPr lang="en-GB" dirty="0">
               <a:latin typeface="Calibri" charset="0"/>
@@ -13201,15 +13135,7 @@
                 <a:ea typeface="ＭＳ Ｐゴシック" charset="0"/>
                 <a:cs typeface="ＭＳ Ｐゴシック" charset="0"/>
               </a:rPr>
-              <a:t>Sign </a:t>
-            </a:r>
-            <a:r>
-              <a:rPr lang="en-US" sz="2000" dirty="0" smtClean="0">
-                <a:latin typeface="Calibri" charset="0"/>
-                <a:ea typeface="ＭＳ Ｐゴシック" charset="0"/>
-                <a:cs typeface="ＭＳ Ｐゴシック" charset="0"/>
-              </a:rPr>
-              <a:t>up to </a:t>
+              <a:t>Sign up to </a:t>
             </a:r>
             <a:r>
               <a:rPr lang="en-US" sz="2000" dirty="0" err="1" smtClean="0">
@@ -13242,7 +13168,15 @@
                 <a:ea typeface="ＭＳ Ｐゴシック" charset="0"/>
                 <a:cs typeface="ＭＳ Ｐゴシック" charset="0"/>
               </a:rPr>
-              <a:t>Download all the </a:t>
+              <a:t>Download all the files in my </a:t>
+            </a:r>
+            <a:r>
+              <a:rPr lang="en-US" sz="2000" dirty="0" err="1" smtClean="0">
+                <a:latin typeface="Calibri" charset="0"/>
+                <a:ea typeface="ＭＳ Ｐゴシック" charset="0"/>
+                <a:cs typeface="ＭＳ Ｐゴシック" charset="0"/>
+              </a:rPr>
+              <a:t>git</a:t>
             </a:r>
             <a:r>
               <a:rPr lang="en-US" sz="2000" dirty="0" smtClean="0">
@@ -13250,23 +13184,16 @@
                 <a:ea typeface="ＭＳ Ｐゴシック" charset="0"/>
                 <a:cs typeface="ＭＳ Ｐゴシック" charset="0"/>
               </a:rPr>
-              <a:t>files in my </a:t>
-            </a:r>
-            <a:r>
-              <a:rPr lang="en-US" sz="2000" dirty="0" err="1" smtClean="0">
-                <a:latin typeface="Calibri" charset="0"/>
-                <a:ea typeface="ＭＳ Ｐゴシック" charset="0"/>
-                <a:cs typeface="ＭＳ Ｐゴシック" charset="0"/>
-              </a:rPr>
-              <a:t>git</a:t>
+              <a:t> repository (</a:t>
             </a:r>
             <a:r>
               <a:rPr lang="en-US" sz="2000" dirty="0" smtClean="0">
                 <a:latin typeface="Calibri" charset="0"/>
                 <a:ea typeface="ＭＳ Ｐゴシック" charset="0"/>
                 <a:cs typeface="ＭＳ Ｐゴシック" charset="0"/>
-              </a:rPr>
-              <a:t> repository </a:t>
+                <a:hlinkClick r:id="rId2"/>
+              </a:rPr>
+              <a:t>https://github.com/rozanski/bcs_spa14</a:t>
             </a:r>
             <a:r>
               <a:rPr lang="en-US" sz="2000" dirty="0" smtClean="0">
@@ -13274,48 +13201,8 @@
                 <a:ea typeface="ＭＳ Ｐゴシック" charset="0"/>
                 <a:cs typeface="ＭＳ Ｐゴシック" charset="0"/>
               </a:rPr>
-              <a:t>(</a:t>
-            </a:r>
-            <a:r>
-              <a:rPr lang="en-US" sz="2000" dirty="0" smtClean="0">
-                <a:latin typeface="Calibri" charset="0"/>
-                <a:ea typeface="ＭＳ Ｐゴシック" charset="0"/>
-                <a:cs typeface="ＭＳ Ｐゴシック" charset="0"/>
-                <a:hlinkClick r:id="rId2"/>
-              </a:rPr>
-              <a:t>https</a:t>
-            </a:r>
-            <a:r>
-              <a:rPr lang="en-US" sz="2000" dirty="0" smtClean="0">
-                <a:latin typeface="Calibri" charset="0"/>
-                <a:ea typeface="ＭＳ Ｐゴシック" charset="0"/>
-                <a:cs typeface="ＭＳ Ｐゴシック" charset="0"/>
-                <a:hlinkClick r:id="rId2"/>
-              </a:rPr>
-              <a:t>://</a:t>
-            </a:r>
-            <a:r>
-              <a:rPr lang="en-US" sz="2000" dirty="0" smtClean="0">
-                <a:latin typeface="Calibri" charset="0"/>
-                <a:ea typeface="ＭＳ Ｐゴシック" charset="0"/>
-                <a:cs typeface="ＭＳ Ｐゴシック" charset="0"/>
-                <a:hlinkClick r:id="rId2"/>
-              </a:rPr>
-              <a:t>github.com/rozanski/bcs_spa14</a:t>
-            </a:r>
-            <a:r>
-              <a:rPr lang="en-US" sz="2000" dirty="0" smtClean="0">
-                <a:latin typeface="Calibri" charset="0"/>
-                <a:ea typeface="ＭＳ Ｐゴシック" charset="0"/>
-                <a:cs typeface="ＭＳ Ｐゴシック" charset="0"/>
-              </a:rPr>
               <a:t>)</a:t>
             </a:r>
-            <a:endParaRPr lang="en-US" sz="2000" dirty="0" smtClean="0">
-              <a:latin typeface="Calibri" charset="0"/>
-              <a:ea typeface="ＭＳ Ｐゴシック" charset="0"/>
-              <a:cs typeface="ＭＳ Ｐゴシック" charset="0"/>
-            </a:endParaRPr>
           </a:p>
           <a:p>
             <a:pPr lvl="1" eaLnBrk="1" hangingPunct="1">
@@ -13378,7 +13265,15 @@
                 <a:ea typeface="ＭＳ Ｐゴシック" charset="0"/>
                 <a:cs typeface="ＭＳ Ｐゴシック" charset="0"/>
               </a:rPr>
-              <a:t>Download </a:t>
+              <a:t>Download the </a:t>
+            </a:r>
+            <a:r>
+              <a:rPr lang="en-US" sz="2000" dirty="0" err="1" smtClean="0">
+                <a:latin typeface="Calibri" charset="0"/>
+                <a:ea typeface="ＭＳ Ｐゴシック" charset="0"/>
+                <a:cs typeface="ＭＳ Ｐゴシック" charset="0"/>
+              </a:rPr>
+              <a:t>Dropbox</a:t>
             </a:r>
             <a:r>
               <a:rPr lang="en-US" sz="2000" dirty="0" smtClean="0">
@@ -13386,31 +13281,7 @@
                 <a:ea typeface="ＭＳ Ｐゴシック" charset="0"/>
                 <a:cs typeface="ＭＳ Ｐゴシック" charset="0"/>
               </a:rPr>
-              <a:t>the </a:t>
-            </a:r>
-            <a:r>
-              <a:rPr lang="en-US" sz="2000" dirty="0" err="1" smtClean="0">
-                <a:latin typeface="Calibri" charset="0"/>
-                <a:ea typeface="ＭＳ Ｐゴシック" charset="0"/>
-                <a:cs typeface="ＭＳ Ｐゴシック" charset="0"/>
-              </a:rPr>
-              <a:t>Dropbox</a:t>
-            </a:r>
-            <a:r>
-              <a:rPr lang="en-US" sz="2000" dirty="0" smtClean="0">
-                <a:latin typeface="Calibri" charset="0"/>
-                <a:ea typeface="ＭＳ Ｐゴシック" charset="0"/>
-                <a:cs typeface="ＭＳ Ｐゴシック" charset="0"/>
-              </a:rPr>
-              <a:t> Core API software (Python or Java</a:t>
-            </a:r>
-            <a:r>
-              <a:rPr lang="en-US" sz="2000" dirty="0" smtClean="0">
-                <a:latin typeface="Calibri" charset="0"/>
-                <a:ea typeface="ＭＳ Ｐゴシック" charset="0"/>
-                <a:cs typeface="ＭＳ Ｐゴシック" charset="0"/>
-              </a:rPr>
-              <a:t>)</a:t>
+              <a:t> Core API software (Python or Java)</a:t>
             </a:r>
           </a:p>
           <a:p>
@@ -13427,39 +13298,7 @@
                 <a:ea typeface="ＭＳ Ｐゴシック" charset="0"/>
                 <a:cs typeface="ＭＳ Ｐゴシック" charset="0"/>
               </a:rPr>
-              <a:t>Follow </a:t>
-            </a:r>
-            <a:r>
-              <a:rPr lang="en-US" sz="2000" dirty="0" smtClean="0">
-                <a:latin typeface="Calibri" charset="0"/>
-                <a:ea typeface="ＭＳ Ｐゴシック" charset="0"/>
-                <a:cs typeface="ＭＳ Ｐゴシック" charset="0"/>
-              </a:rPr>
-              <a:t>the </a:t>
-            </a:r>
-            <a:r>
-              <a:rPr lang="en-US" sz="2000" dirty="0" smtClean="0">
-                <a:latin typeface="Calibri" charset="0"/>
-                <a:ea typeface="ＭＳ Ｐゴシック" charset="0"/>
-                <a:cs typeface="ＭＳ Ｐゴシック" charset="0"/>
-              </a:rPr>
-              <a:t>other instructions </a:t>
-            </a:r>
-            <a:r>
-              <a:rPr lang="en-US" sz="2000" dirty="0" smtClean="0">
-                <a:latin typeface="Calibri" charset="0"/>
-                <a:ea typeface="ＭＳ Ｐゴシック" charset="0"/>
-                <a:cs typeface="ＭＳ Ｐゴシック" charset="0"/>
-              </a:rPr>
-              <a:t>in the project README and the README for your chosen </a:t>
-            </a:r>
-            <a:r>
-              <a:rPr lang="en-US" sz="2000" dirty="0" smtClean="0">
-                <a:latin typeface="Calibri" charset="0"/>
-                <a:ea typeface="ＭＳ Ｐゴシック" charset="0"/>
-                <a:cs typeface="ＭＳ Ｐゴシック" charset="0"/>
-              </a:rPr>
-              <a:t>language</a:t>
+              <a:t>Follow the other instructions in the project README and the README for your chosen language</a:t>
             </a:r>
           </a:p>
           <a:p>
@@ -13495,11 +13334,6 @@
               </a:rPr>
               <a:t>You are ready to start coding!</a:t>
             </a:r>
-            <a:endParaRPr lang="en-US" sz="2000" dirty="0" smtClean="0">
-              <a:latin typeface="Calibri" charset="0"/>
-              <a:ea typeface="ＭＳ Ｐゴシック" charset="0"/>
-              <a:cs typeface="ＭＳ Ｐゴシック" charset="0"/>
-            </a:endParaRPr>
           </a:p>
         </p:txBody>
       </p:sp>
@@ -13521,14 +13355,14 @@
           <a:noFill/>
           <a:extLst>
             <a:ext uri="{909E8E84-426E-40dd-AFC4-6F175D3DCCD1}">
-              <a14:hiddenFill xmlns:a14="http://schemas.microsoft.com/office/drawing/2010/main" xmlns="">
+              <a14:hiddenFill xmlns:a14="http://schemas.microsoft.com/office/drawing/2010/main">
                 <a:solidFill>
                   <a:srgbClr val="FFFFFF"/>
                 </a:solidFill>
               </a14:hiddenFill>
             </a:ext>
             <a:ext uri="{91240B29-F687-4f45-9708-019B960494DF}">
-              <a14:hiddenLine xmlns:a14="http://schemas.microsoft.com/office/drawing/2010/main" xmlns="" w="9525">
+              <a14:hiddenLine xmlns:a14="http://schemas.microsoft.com/office/drawing/2010/main" w="9525">
                 <a:solidFill>
                   <a:srgbClr val="000000"/>
                 </a:solidFill>
@@ -13672,7 +13506,7 @@
     </p:spTree>
     <p:extLst>
       <p:ext uri="{BB962C8B-B14F-4D97-AF65-F5344CB8AC3E}">
-        <p14:creationId xmlns:p14="http://schemas.microsoft.com/office/powerpoint/2010/main" xmlns="" val="1268696924"/>
+        <p14:creationId xmlns:p14="http://schemas.microsoft.com/office/powerpoint/2010/main" val="1268696924"/>
       </p:ext>
     </p:extLst>
   </p:cSld>
@@ -13682,7 +13516,7 @@
   <p:timing>
     <p:tnLst>
       <p:par>
-        <p:cTn id="1" dur="indefinite" restart="never" nodeType="tmRoot"/>
+        <p:cTn xmlns:p14="http://schemas.microsoft.com/office/powerpoint/2010/main" id="1" dur="indefinite" restart="never" nodeType="tmRoot"/>
       </p:par>
     </p:tnLst>
   </p:timing>
@@ -13728,7 +13562,31 @@
                 <a:ea typeface="ＭＳ Ｐゴシック" charset="0"/>
                 <a:cs typeface="ＭＳ Ｐゴシック" charset="0"/>
               </a:rPr>
-              <a:t>What’s in the github Repository</a:t>
+              <a:t>What’s in the </a:t>
+            </a:r>
+            <a:r>
+              <a:rPr lang="en-GB" dirty="0" smtClean="0">
+                <a:latin typeface="Calibri" charset="0"/>
+                <a:ea typeface="ＭＳ Ｐゴシック" charset="0"/>
+                <a:cs typeface="ＭＳ Ｐゴシック" charset="0"/>
+              </a:rPr>
+              <a:t>Repository (</a:t>
+            </a:r>
+            <a:r>
+              <a:rPr lang="en-GB" i="1" dirty="0" smtClean="0">
+                <a:latin typeface="Calibri" charset="0"/>
+                <a:ea typeface="ＭＳ Ｐゴシック" charset="0"/>
+                <a:cs typeface="ＭＳ Ｐゴシック" charset="0"/>
+              </a:rPr>
+              <a:t>see Appendix</a:t>
+            </a:r>
+            <a:r>
+              <a:rPr lang="en-GB" dirty="0" smtClean="0">
+                <a:latin typeface="Calibri" charset="0"/>
+                <a:ea typeface="ＭＳ Ｐゴシック" charset="0"/>
+                <a:cs typeface="ＭＳ Ｐゴシック" charset="0"/>
+              </a:rPr>
+              <a:t>)</a:t>
             </a:r>
             <a:endParaRPr lang="en-GB" dirty="0">
               <a:latin typeface="Calibri" charset="0"/>
@@ -13787,15 +13645,7 @@
                 <a:ea typeface="ＭＳ Ｐゴシック" charset="0"/>
                 <a:cs typeface="ＭＳ Ｐゴシック" charset="0"/>
               </a:rPr>
-              <a:t> directory contains two complete implementations of the code needed for the session, one in Python and one </a:t>
-            </a:r>
-            <a:r>
-              <a:rPr lang="en-US" sz="2000" dirty="0" smtClean="0">
-                <a:latin typeface="Calibri" charset="0"/>
-                <a:ea typeface="ＭＳ Ｐゴシック" charset="0"/>
-                <a:cs typeface="ＭＳ Ｐゴシック" charset="0"/>
-              </a:rPr>
-              <a:t>in Java</a:t>
+              <a:t> directory contains two complete implementations of the code needed for the session, one in Python and one in Java</a:t>
             </a:r>
           </a:p>
           <a:p>
@@ -13810,23 +13660,7 @@
                 <a:ea typeface="ＭＳ Ｐゴシック" charset="0"/>
                 <a:cs typeface="ＭＳ Ｐゴシック" charset="0"/>
               </a:rPr>
-              <a:t>They </a:t>
-            </a:r>
-            <a:r>
-              <a:rPr lang="en-US" sz="2000" dirty="0" smtClean="0">
-                <a:latin typeface="Calibri" charset="0"/>
-                <a:ea typeface="ＭＳ Ｐゴシック" charset="0"/>
-                <a:cs typeface="ＭＳ Ｐゴシック" charset="0"/>
-              </a:rPr>
-              <a:t>are functionally equivalent, so you can use whichever language you </a:t>
-            </a:r>
-            <a:r>
-              <a:rPr lang="en-US" sz="2000" dirty="0" smtClean="0">
-                <a:latin typeface="Calibri" charset="0"/>
-                <a:ea typeface="ＭＳ Ｐゴシック" charset="0"/>
-                <a:cs typeface="ＭＳ Ｐゴシック" charset="0"/>
-              </a:rPr>
-              <a:t>prefer</a:t>
+              <a:t>They are functionally equivalent, so you can use whichever language you prefer</a:t>
             </a:r>
           </a:p>
           <a:p>
@@ -13841,23 +13675,7 @@
                 <a:ea typeface="ＭＳ Ｐゴシック" charset="0"/>
                 <a:cs typeface="ＭＳ Ｐゴシック" charset="0"/>
               </a:rPr>
-              <a:t>The </a:t>
-            </a:r>
-            <a:r>
-              <a:rPr lang="en-US" sz="2000" dirty="0" smtClean="0">
-                <a:latin typeface="Calibri" charset="0"/>
-                <a:ea typeface="ＭＳ Ｐゴシック" charset="0"/>
-                <a:cs typeface="ＭＳ Ｐゴシック" charset="0"/>
-              </a:rPr>
-              <a:t>demo code should run on Windows, Mac and </a:t>
-            </a:r>
-            <a:r>
-              <a:rPr lang="en-US" sz="2000" dirty="0" smtClean="0">
-                <a:latin typeface="Calibri" charset="0"/>
-                <a:ea typeface="ＭＳ Ｐゴシック" charset="0"/>
-                <a:cs typeface="ＭＳ Ｐゴシック" charset="0"/>
-              </a:rPr>
-              <a:t>Linux</a:t>
+              <a:t>The demo code should run on Windows, Mac and Linux</a:t>
             </a:r>
           </a:p>
           <a:p>
@@ -13872,23 +13690,7 @@
                 <a:ea typeface="ＭＳ Ｐゴシック" charset="0"/>
                 <a:cs typeface="ＭＳ Ｐゴシック" charset="0"/>
               </a:rPr>
-              <a:t>Each </a:t>
-            </a:r>
-            <a:r>
-              <a:rPr lang="en-US" sz="2000" dirty="0" smtClean="0">
-                <a:latin typeface="Calibri" charset="0"/>
-                <a:ea typeface="ＭＳ Ｐゴシック" charset="0"/>
-                <a:cs typeface="ＭＳ Ｐゴシック" charset="0"/>
-              </a:rPr>
-              <a:t>of these directories has its own README with instructions on running the demo and unit </a:t>
-            </a:r>
-            <a:r>
-              <a:rPr lang="en-US" sz="2000" dirty="0" smtClean="0">
-                <a:latin typeface="Calibri" charset="0"/>
-                <a:ea typeface="ＭＳ Ｐゴシック" charset="0"/>
-                <a:cs typeface="ＭＳ Ｐゴシック" charset="0"/>
-              </a:rPr>
-              <a:t>tests</a:t>
+              <a:t>Each of these directories has its own README with instructions on running the demo and unit tests</a:t>
             </a:r>
           </a:p>
           <a:p>
@@ -13919,15 +13721,7 @@
                 <a:ea typeface="ＭＳ Ｐゴシック" charset="0"/>
                 <a:cs typeface="ＭＳ Ｐゴシック" charset="0"/>
               </a:rPr>
-              <a:t> directory contains code skeletons created from the demo </a:t>
-            </a:r>
-            <a:r>
-              <a:rPr lang="en-US" sz="2000" dirty="0" smtClean="0">
-                <a:latin typeface="Calibri" charset="0"/>
-                <a:ea typeface="ＭＳ Ｐゴシック" charset="0"/>
-                <a:cs typeface="ＭＳ Ｐゴシック" charset="0"/>
-              </a:rPr>
-              <a:t>directory</a:t>
+              <a:t> directory contains code skeletons created from the demo directory</a:t>
             </a:r>
           </a:p>
           <a:p>
@@ -13942,23 +13736,7 @@
                 <a:ea typeface="ＭＳ Ｐゴシック" charset="0"/>
                 <a:cs typeface="ＭＳ Ｐゴシック" charset="0"/>
               </a:rPr>
-              <a:t>This </a:t>
-            </a:r>
-            <a:r>
-              <a:rPr lang="en-US" sz="2000" dirty="0" smtClean="0">
-                <a:latin typeface="Calibri" charset="0"/>
-                <a:ea typeface="ＭＳ Ｐゴシック" charset="0"/>
-                <a:cs typeface="ＭＳ Ｐゴシック" charset="0"/>
-              </a:rPr>
-              <a:t>is the code you will be </a:t>
-            </a:r>
-            <a:r>
-              <a:rPr lang="en-US" sz="2000" dirty="0" smtClean="0">
-                <a:latin typeface="Calibri" charset="0"/>
-                <a:ea typeface="ＭＳ Ｐゴシック" charset="0"/>
-                <a:cs typeface="ＭＳ Ｐゴシック" charset="0"/>
-              </a:rPr>
-              <a:t>editing</a:t>
+              <a:t>This is the code you will be editing</a:t>
             </a:r>
           </a:p>
           <a:p>
@@ -13973,23 +13751,7 @@
                 <a:ea typeface="ＭＳ Ｐゴシック" charset="0"/>
                 <a:cs typeface="ＭＳ Ｐゴシック" charset="0"/>
               </a:rPr>
-              <a:t>The exercise code </a:t>
-            </a:r>
-            <a:r>
-              <a:rPr lang="en-US" sz="2000" dirty="0" smtClean="0">
-                <a:latin typeface="Calibri" charset="0"/>
-                <a:ea typeface="ＭＳ Ｐゴシック" charset="0"/>
-                <a:cs typeface="ＭＳ Ｐゴシック" charset="0"/>
-              </a:rPr>
-              <a:t>contains comments which guide you to the various API calls you need to </a:t>
-            </a:r>
-            <a:r>
-              <a:rPr lang="en-US" sz="2000" dirty="0" smtClean="0">
-                <a:latin typeface="Calibri" charset="0"/>
-                <a:ea typeface="ＭＳ Ｐゴシック" charset="0"/>
-                <a:cs typeface="ＭＳ Ｐゴシック" charset="0"/>
-              </a:rPr>
-              <a:t>make</a:t>
+              <a:t>The exercise code contains comments which guide you to the various API calls you need to make</a:t>
             </a:r>
           </a:p>
           <a:p>
@@ -14004,15 +13766,7 @@
                 <a:ea typeface="ＭＳ Ｐゴシック" charset="0"/>
                 <a:cs typeface="ＭＳ Ｐゴシック" charset="0"/>
               </a:rPr>
-              <a:t>If </a:t>
-            </a:r>
-            <a:r>
-              <a:rPr lang="en-US" sz="2000" dirty="0" smtClean="0">
-                <a:latin typeface="Calibri" charset="0"/>
-                <a:ea typeface="ＭＳ Ｐゴシック" charset="0"/>
-                <a:cs typeface="ＭＳ Ｐゴシック" charset="0"/>
-              </a:rPr>
-              <a:t>you ever get stuck, you can refer to the corresponding code in the demo directory</a:t>
+              <a:t>If you ever get stuck, you can refer to the corresponding code in the demo directory</a:t>
             </a:r>
           </a:p>
         </p:txBody>
@@ -14035,14 +13789,14 @@
           <a:noFill/>
           <a:extLst>
             <a:ext uri="{909E8E84-426E-40dd-AFC4-6F175D3DCCD1}">
-              <a14:hiddenFill xmlns:a14="http://schemas.microsoft.com/office/drawing/2010/main" xmlns="">
+              <a14:hiddenFill xmlns:a14="http://schemas.microsoft.com/office/drawing/2010/main">
                 <a:solidFill>
                   <a:srgbClr val="FFFFFF"/>
                 </a:solidFill>
               </a14:hiddenFill>
             </a:ext>
             <a:ext uri="{91240B29-F687-4f45-9708-019B960494DF}">
-              <a14:hiddenLine xmlns:a14="http://schemas.microsoft.com/office/drawing/2010/main" xmlns="" w="9525">
+              <a14:hiddenLine xmlns:a14="http://schemas.microsoft.com/office/drawing/2010/main" w="9525">
                 <a:solidFill>
                   <a:srgbClr val="000000"/>
                 </a:solidFill>
@@ -14186,7 +13940,7 @@
     </p:spTree>
     <p:extLst>
       <p:ext uri="{BB962C8B-B14F-4D97-AF65-F5344CB8AC3E}">
-        <p14:creationId xmlns:p14="http://schemas.microsoft.com/office/powerpoint/2010/main" xmlns="" val="1268696924"/>
+        <p14:creationId xmlns:p14="http://schemas.microsoft.com/office/powerpoint/2010/main" val="1268696924"/>
       </p:ext>
     </p:extLst>
   </p:cSld>
@@ -14196,7 +13950,7 @@
   <p:timing>
     <p:tnLst>
       <p:par>
-        <p:cTn id="1" dur="indefinite" restart="never" nodeType="tmRoot"/>
+        <p:cTn xmlns:p14="http://schemas.microsoft.com/office/powerpoint/2010/main" id="1" dur="indefinite" restart="never" nodeType="tmRoot"/>
       </p:par>
     </p:tnLst>
   </p:timing>
@@ -14242,14 +13996,14 @@
           </a:ln>
           <a:extLst>
             <a:ext uri="{909E8E84-426E-40dd-AFC4-6F175D3DCCD1}">
-              <a14:hiddenFill xmlns:a14="http://schemas.microsoft.com/office/drawing/2010/main" xmlns="">
+              <a14:hiddenFill xmlns:a14="http://schemas.microsoft.com/office/drawing/2010/main">
                 <a:solidFill>
                   <a:srgbClr val="FFFFFF"/>
                 </a:solidFill>
               </a14:hiddenFill>
             </a:ext>
             <a:ext uri="{91240B29-F687-4f45-9708-019B960494DF}">
-              <a14:hiddenLine xmlns:a14="http://schemas.microsoft.com/office/drawing/2010/main" xmlns="" w="9525">
+              <a14:hiddenLine xmlns:a14="http://schemas.microsoft.com/office/drawing/2010/main" w="9525">
                 <a:solidFill>
                   <a:srgbClr val="000000"/>
                 </a:solidFill>
@@ -14411,25 +14165,7 @@
                 </a:solidFill>
                 <a:latin typeface="Calibri" charset="0"/>
               </a:rPr>
-              <a:t>Exercise 1</a:t>
-            </a:r>
-            <a:r>
-              <a:rPr lang="en-US" sz="4000" dirty="0" smtClean="0">
-                <a:solidFill>
-                  <a:schemeClr val="tx2"/>
-                </a:solidFill>
-                <a:latin typeface="Calibri" charset="0"/>
-              </a:rPr>
-              <a:t>: Granting </a:t>
-            </a:r>
-            <a:r>
-              <a:rPr lang="en-US" sz="4000" dirty="0" smtClean="0">
-                <a:solidFill>
-                  <a:schemeClr val="tx2"/>
-                </a:solidFill>
-                <a:latin typeface="Calibri" charset="0"/>
-              </a:rPr>
-              <a:t>Access to </a:t>
+              <a:t>Exercise 1: Granting Access to </a:t>
             </a:r>
             <a:r>
               <a:rPr lang="en-US" sz="4000" dirty="0" err="1" smtClean="0">
@@ -14461,7 +14197,7 @@
     </p:spTree>
     <p:extLst>
       <p:ext uri="{BB962C8B-B14F-4D97-AF65-F5344CB8AC3E}">
-        <p14:creationId xmlns:p14="http://schemas.microsoft.com/office/powerpoint/2010/main" xmlns="" val="807119471"/>
+        <p14:creationId xmlns:p14="http://schemas.microsoft.com/office/powerpoint/2010/main" val="807119471"/>
       </p:ext>
     </p:extLst>
   </p:cSld>
@@ -14471,7 +14207,7 @@
   <p:timing>
     <p:tnLst>
       <p:par>
-        <p:cTn id="1" dur="indefinite" restart="never" nodeType="tmRoot"/>
+        <p:cTn xmlns:p14="http://schemas.microsoft.com/office/powerpoint/2010/main" id="1" dur="indefinite" restart="never" nodeType="tmRoot"/>
       </p:par>
     </p:tnLst>
   </p:timing>
@@ -14479,6 +14215,1361 @@
 </file>
 
 <file path=ppt/slides/slide19.xml><?xml version="1.0" encoding="utf-8"?>
+<p:sld xmlns:a="http://schemas.openxmlformats.org/drawingml/2006/main" xmlns:r="http://schemas.openxmlformats.org/officeDocument/2006/relationships" xmlns:p="http://schemas.openxmlformats.org/presentationml/2006/main">
+  <p:cSld>
+    <p:spTree>
+      <p:nvGrpSpPr>
+        <p:cNvPr id="1" name=""/>
+        <p:cNvGrpSpPr/>
+        <p:nvPr/>
+      </p:nvGrpSpPr>
+      <p:grpSpPr>
+        <a:xfrm>
+          <a:off x="0" y="0"/>
+          <a:ext cx="0" cy="0"/>
+          <a:chOff x="0" y="0"/>
+          <a:chExt cx="0" cy="0"/>
+        </a:xfrm>
+      </p:grpSpPr>
+      <p:sp>
+        <p:nvSpPr>
+          <p:cNvPr id="6146" name="Rectangle 2"/>
+          <p:cNvSpPr>
+            <a:spLocks noGrp="1" noChangeArrowheads="1"/>
+          </p:cNvSpPr>
+          <p:nvPr>
+            <p:ph type="title" idx="4294967295"/>
+          </p:nvPr>
+        </p:nvSpPr>
+        <p:spPr>
+          <a:xfrm>
+            <a:off x="457200" y="736600"/>
+            <a:ext cx="8229600" cy="1174750"/>
+          </a:xfrm>
+        </p:spPr>
+        <p:txBody>
+          <a:bodyPr/>
+          <a:lstStyle/>
+          <a:p>
+            <a:pPr eaLnBrk="1" hangingPunct="1"/>
+            <a:r>
+              <a:rPr lang="en-GB" dirty="0">
+                <a:latin typeface="Calibri" charset="0"/>
+                <a:ea typeface="ＭＳ Ｐゴシック" charset="0"/>
+                <a:cs typeface="ＭＳ Ｐゴシック" charset="0"/>
+              </a:rPr>
+              <a:t>Exercise 1</a:t>
+            </a:r>
+            <a:r>
+              <a:rPr lang="en-GB" dirty="0" smtClean="0">
+                <a:latin typeface="Calibri" charset="0"/>
+                <a:ea typeface="ＭＳ Ｐゴシック" charset="0"/>
+                <a:cs typeface="ＭＳ Ｐゴシック" charset="0"/>
+              </a:rPr>
+              <a:t>: Granting </a:t>
+            </a:r>
+            <a:r>
+              <a:rPr lang="en-GB" dirty="0">
+                <a:latin typeface="Calibri" charset="0"/>
+                <a:ea typeface="ＭＳ Ｐゴシック" charset="0"/>
+                <a:cs typeface="ＭＳ Ｐゴシック" charset="0"/>
+              </a:rPr>
+              <a:t>Access to Dropbox </a:t>
+            </a:r>
+            <a:r>
+              <a:rPr lang="en-GB" dirty="0" smtClean="0">
+                <a:latin typeface="Calibri" charset="0"/>
+                <a:ea typeface="ＭＳ Ｐゴシック" charset="0"/>
+                <a:cs typeface="ＭＳ Ｐゴシック" charset="0"/>
+              </a:rPr>
+              <a:t>Programmatically</a:t>
+            </a:r>
+            <a:endParaRPr lang="en-GB" dirty="0">
+              <a:latin typeface="Calibri" charset="0"/>
+              <a:ea typeface="ＭＳ Ｐゴシック" charset="0"/>
+              <a:cs typeface="ＭＳ Ｐゴシック" charset="0"/>
+            </a:endParaRPr>
+          </a:p>
+        </p:txBody>
+      </p:sp>
+      <p:sp>
+        <p:nvSpPr>
+          <p:cNvPr id="6147" name="Rectangle 3"/>
+          <p:cNvSpPr>
+            <a:spLocks noGrp="1" noChangeArrowheads="1"/>
+          </p:cNvSpPr>
+          <p:nvPr>
+            <p:ph idx="4294967295"/>
+          </p:nvPr>
+        </p:nvSpPr>
+        <p:spPr>
+          <a:xfrm>
+            <a:off x="457200" y="2019300"/>
+            <a:ext cx="8229600" cy="1815882"/>
+          </a:xfrm>
+        </p:spPr>
+        <p:txBody>
+          <a:bodyPr>
+            <a:spAutoFit/>
+          </a:bodyPr>
+          <a:lstStyle/>
+          <a:p>
+            <a:pPr eaLnBrk="1" hangingPunct="1">
+              <a:buClr>
+                <a:schemeClr val="accent2"/>
+              </a:buClr>
+            </a:pPr>
+            <a:r>
+              <a:rPr lang="en-US" sz="2000" dirty="0" smtClean="0">
+                <a:latin typeface="Calibri" charset="0"/>
+                <a:ea typeface="ＭＳ Ｐゴシック" charset="0"/>
+                <a:cs typeface="ＭＳ Ｐゴシック" charset="0"/>
+              </a:rPr>
+              <a:t>Complete the code in the following files in the </a:t>
+            </a:r>
+            <a:r>
+              <a:rPr lang="en-US" sz="2000" b="1" dirty="0" smtClean="0">
+                <a:latin typeface="Calibri" charset="0"/>
+                <a:ea typeface="ＭＳ Ｐゴシック" charset="0"/>
+                <a:cs typeface="ＭＳ Ｐゴシック" charset="0"/>
+              </a:rPr>
+              <a:t>exercise</a:t>
+            </a:r>
+            <a:r>
+              <a:rPr lang="en-US" sz="2000" dirty="0" smtClean="0">
+                <a:latin typeface="Calibri" charset="0"/>
+                <a:ea typeface="ＭＳ Ｐゴシック" charset="0"/>
+                <a:cs typeface="ＭＳ Ｐゴシック" charset="0"/>
+              </a:rPr>
+              <a:t> directory</a:t>
+            </a:r>
+            <a:endParaRPr lang="en-US" sz="2000" dirty="0">
+              <a:latin typeface="Calibri" charset="0"/>
+              <a:ea typeface="ＭＳ Ｐゴシック" charset="0"/>
+              <a:cs typeface="ＭＳ Ｐゴシック" charset="0"/>
+            </a:endParaRPr>
+          </a:p>
+          <a:p>
+            <a:pPr eaLnBrk="1" hangingPunct="1">
+              <a:buClr>
+                <a:schemeClr val="accent2"/>
+              </a:buClr>
+            </a:pPr>
+            <a:r>
+              <a:rPr lang="en-US" sz="2000" dirty="0" smtClean="0">
+                <a:latin typeface="Calibri" charset="0"/>
+                <a:ea typeface="ＭＳ Ｐゴシック" charset="0"/>
+                <a:cs typeface="ＭＳ Ｐゴシック" charset="0"/>
+              </a:rPr>
+              <a:t>Each source file identifies the code blocks you need to write using </a:t>
+            </a:r>
+            <a:r>
+              <a:rPr lang="en-US" sz="2000" b="1" dirty="0" smtClean="0">
+                <a:latin typeface="Calibri" charset="0"/>
+                <a:ea typeface="ＭＳ Ｐゴシック" charset="0"/>
+                <a:cs typeface="ＭＳ Ｐゴシック" charset="0"/>
+              </a:rPr>
+              <a:t>TODO</a:t>
+            </a:r>
+            <a:r>
+              <a:rPr lang="en-US" sz="2000" dirty="0" smtClean="0">
+                <a:latin typeface="Calibri" charset="0"/>
+                <a:ea typeface="ＭＳ Ｐゴシック" charset="0"/>
+                <a:cs typeface="ＭＳ Ｐゴシック" charset="0"/>
+              </a:rPr>
+              <a:t> tag</a:t>
+            </a:r>
+            <a:r>
+              <a:rPr lang="en-GB" sz="2000" dirty="0" smtClean="0">
+                <a:latin typeface="Calibri" charset="0"/>
+                <a:ea typeface="ＭＳ Ｐゴシック" charset="0"/>
+                <a:cs typeface="ＭＳ Ｐゴシック" charset="0"/>
+              </a:rPr>
+              <a:t>s</a:t>
+            </a:r>
+          </a:p>
+          <a:p>
+            <a:pPr eaLnBrk="1" hangingPunct="1">
+              <a:buClr>
+                <a:schemeClr val="accent2"/>
+              </a:buClr>
+            </a:pPr>
+            <a:r>
+              <a:rPr lang="en-GB" sz="2000" dirty="0" smtClean="0">
+                <a:latin typeface="Calibri" charset="0"/>
+                <a:ea typeface="ＭＳ Ｐゴシック" charset="0"/>
+                <a:cs typeface="ＭＳ Ｐゴシック" charset="0"/>
+              </a:rPr>
+              <a:t>The tag is preceded by comments which explain what you have to do</a:t>
+            </a:r>
+          </a:p>
+          <a:p>
+            <a:pPr eaLnBrk="1" hangingPunct="1">
+              <a:buClr>
+                <a:schemeClr val="accent2"/>
+              </a:buClr>
+            </a:pPr>
+            <a:r>
+              <a:rPr lang="en-GB" sz="2000" dirty="0" smtClean="0">
+                <a:latin typeface="Calibri" charset="0"/>
+                <a:ea typeface="ＭＳ Ｐゴシック" charset="0"/>
+                <a:cs typeface="ＭＳ Ｐゴシック" charset="0"/>
+              </a:rPr>
+              <a:t>If you get stuck, look at the same file in the </a:t>
+            </a:r>
+            <a:r>
+              <a:rPr lang="en-GB" sz="2000" b="1" dirty="0" smtClean="0">
+                <a:latin typeface="Calibri" charset="0"/>
+                <a:ea typeface="ＭＳ Ｐゴシック" charset="0"/>
+                <a:cs typeface="ＭＳ Ｐゴシック" charset="0"/>
+              </a:rPr>
+              <a:t>demo</a:t>
+            </a:r>
+            <a:r>
+              <a:rPr lang="en-GB" sz="2000" dirty="0" smtClean="0">
+                <a:latin typeface="Calibri" charset="0"/>
+                <a:ea typeface="ＭＳ Ｐゴシック" charset="0"/>
+                <a:cs typeface="ＭＳ Ｐゴシック" charset="0"/>
+              </a:rPr>
+              <a:t> directory</a:t>
+            </a:r>
+            <a:endParaRPr lang="en-US" sz="2000" dirty="0">
+              <a:latin typeface="Calibri" charset="0"/>
+              <a:ea typeface="ＭＳ Ｐゴシック" charset="0"/>
+              <a:cs typeface="ＭＳ Ｐゴシック" charset="0"/>
+            </a:endParaRPr>
+          </a:p>
+        </p:txBody>
+      </p:sp>
+      <p:sp>
+        <p:nvSpPr>
+          <p:cNvPr id="6148" name="Slide Number Placeholder 17"/>
+          <p:cNvSpPr>
+            <a:spLocks noGrp="1"/>
+          </p:cNvSpPr>
+          <p:nvPr>
+            <p:ph type="sldNum" sz="quarter" idx="12"/>
+          </p:nvPr>
+        </p:nvSpPr>
+        <p:spPr bwMode="auto">
+          <a:xfrm>
+            <a:off x="8402638" y="6473825"/>
+            <a:ext cx="284162" cy="247650"/>
+          </a:xfrm>
+          <a:noFill/>
+          <a:extLst>
+            <a:ext uri="{909E8E84-426E-40dd-AFC4-6F175D3DCCD1}">
+              <a14:hiddenFill xmlns:a14="http://schemas.microsoft.com/office/drawing/2010/main">
+                <a:solidFill>
+                  <a:srgbClr val="FFFFFF"/>
+                </a:solidFill>
+              </a14:hiddenFill>
+            </a:ext>
+            <a:ext uri="{91240B29-F687-4f45-9708-019B960494DF}">
+              <a14:hiddenLine xmlns:a14="http://schemas.microsoft.com/office/drawing/2010/main" w="9525">
+                <a:solidFill>
+                  <a:srgbClr val="000000"/>
+                </a:solidFill>
+                <a:miter lim="800000"/>
+                <a:headEnd/>
+                <a:tailEnd/>
+              </a14:hiddenLine>
+            </a:ext>
+          </a:extLst>
+        </p:spPr>
+        <p:txBody>
+          <a:bodyPr/>
+          <a:lstStyle>
+            <a:lvl1pPr>
+              <a:defRPr>
+                <a:solidFill>
+                  <a:schemeClr val="tx1"/>
+                </a:solidFill>
+                <a:latin typeface="Arial" charset="0"/>
+                <a:ea typeface="ＭＳ Ｐゴシック" charset="0"/>
+                <a:cs typeface="ＭＳ Ｐゴシック" charset="0"/>
+              </a:defRPr>
+            </a:lvl1pPr>
+            <a:lvl2pPr marL="742950" indent="-285750">
+              <a:defRPr>
+                <a:solidFill>
+                  <a:schemeClr val="tx1"/>
+                </a:solidFill>
+                <a:latin typeface="Arial" charset="0"/>
+                <a:ea typeface="ＭＳ Ｐゴシック" charset="0"/>
+              </a:defRPr>
+            </a:lvl2pPr>
+            <a:lvl3pPr marL="1143000" indent="-228600">
+              <a:defRPr>
+                <a:solidFill>
+                  <a:schemeClr val="tx1"/>
+                </a:solidFill>
+                <a:latin typeface="Arial" charset="0"/>
+                <a:ea typeface="ＭＳ Ｐゴシック" charset="0"/>
+              </a:defRPr>
+            </a:lvl3pPr>
+            <a:lvl4pPr marL="1600200" indent="-228600">
+              <a:defRPr>
+                <a:solidFill>
+                  <a:schemeClr val="tx1"/>
+                </a:solidFill>
+                <a:latin typeface="Arial" charset="0"/>
+                <a:ea typeface="ＭＳ Ｐゴシック" charset="0"/>
+              </a:defRPr>
+            </a:lvl4pPr>
+            <a:lvl5pPr marL="2057400" indent="-228600">
+              <a:defRPr>
+                <a:solidFill>
+                  <a:schemeClr val="tx1"/>
+                </a:solidFill>
+                <a:latin typeface="Arial" charset="0"/>
+                <a:ea typeface="ＭＳ Ｐゴシック" charset="0"/>
+              </a:defRPr>
+            </a:lvl5pPr>
+            <a:lvl6pPr marL="2514600" indent="-228600" eaLnBrk="0" fontAlgn="base" hangingPunct="0">
+              <a:spcBef>
+                <a:spcPct val="0"/>
+              </a:spcBef>
+              <a:spcAft>
+                <a:spcPct val="0"/>
+              </a:spcAft>
+              <a:defRPr>
+                <a:solidFill>
+                  <a:schemeClr val="tx1"/>
+                </a:solidFill>
+                <a:latin typeface="Arial" charset="0"/>
+                <a:ea typeface="ＭＳ Ｐゴシック" charset="0"/>
+              </a:defRPr>
+            </a:lvl6pPr>
+            <a:lvl7pPr marL="2971800" indent="-228600" eaLnBrk="0" fontAlgn="base" hangingPunct="0">
+              <a:spcBef>
+                <a:spcPct val="0"/>
+              </a:spcBef>
+              <a:spcAft>
+                <a:spcPct val="0"/>
+              </a:spcAft>
+              <a:defRPr>
+                <a:solidFill>
+                  <a:schemeClr val="tx1"/>
+                </a:solidFill>
+                <a:latin typeface="Arial" charset="0"/>
+                <a:ea typeface="ＭＳ Ｐゴシック" charset="0"/>
+              </a:defRPr>
+            </a:lvl7pPr>
+            <a:lvl8pPr marL="3429000" indent="-228600" eaLnBrk="0" fontAlgn="base" hangingPunct="0">
+              <a:spcBef>
+                <a:spcPct val="0"/>
+              </a:spcBef>
+              <a:spcAft>
+                <a:spcPct val="0"/>
+              </a:spcAft>
+              <a:defRPr>
+                <a:solidFill>
+                  <a:schemeClr val="tx1"/>
+                </a:solidFill>
+                <a:latin typeface="Arial" charset="0"/>
+                <a:ea typeface="ＭＳ Ｐゴシック" charset="0"/>
+              </a:defRPr>
+            </a:lvl8pPr>
+            <a:lvl9pPr marL="3886200" indent="-228600" eaLnBrk="0" fontAlgn="base" hangingPunct="0">
+              <a:spcBef>
+                <a:spcPct val="0"/>
+              </a:spcBef>
+              <a:spcAft>
+                <a:spcPct val="0"/>
+              </a:spcAft>
+              <a:defRPr>
+                <a:solidFill>
+                  <a:schemeClr val="tx1"/>
+                </a:solidFill>
+                <a:latin typeface="Arial" charset="0"/>
+                <a:ea typeface="ＭＳ Ｐゴシック" charset="0"/>
+              </a:defRPr>
+            </a:lvl9pPr>
+          </a:lstStyle>
+          <a:p>
+            <a:fld id="{25CD1B4B-AADE-5845-A356-FBC12D20B348}" type="slidenum">
+              <a:rPr lang="en-GB" b="1">
+                <a:solidFill>
+                  <a:srgbClr val="045C75"/>
+                </a:solidFill>
+                <a:cs typeface="Arial" charset="0"/>
+              </a:rPr>
+              <a:pPr/>
+              <a:t>19</a:t>
+            </a:fld>
+            <a:endParaRPr lang="en-GB" b="1" dirty="0">
+              <a:solidFill>
+                <a:srgbClr val="045C75"/>
+              </a:solidFill>
+              <a:cs typeface="Arial" charset="0"/>
+            </a:endParaRPr>
+          </a:p>
+        </p:txBody>
+      </p:sp>
+      <p:graphicFrame>
+        <p:nvGraphicFramePr>
+          <p:cNvPr id="3" name="Table 2"/>
+          <p:cNvGraphicFramePr>
+            <a:graphicFrameLocks noGrp="1"/>
+          </p:cNvGraphicFramePr>
+          <p:nvPr>
+            <p:extLst>
+              <p:ext uri="{D42A27DB-BD31-4B8C-83A1-F6EECF244321}">
+                <p14:modId xmlns:p14="http://schemas.microsoft.com/office/powerpoint/2010/main" val="126267963"/>
+              </p:ext>
+            </p:extLst>
+          </p:nvPr>
+        </p:nvGraphicFramePr>
+        <p:xfrm>
+          <a:off x="584200" y="4088964"/>
+          <a:ext cx="8102600" cy="1991359"/>
+        </p:xfrm>
+        <a:graphic>
+          <a:graphicData uri="http://schemas.openxmlformats.org/drawingml/2006/table">
+            <a:tbl>
+              <a:tblPr firstRow="1" bandRow="1">
+                <a:tableStyleId>{5C22544A-7EE6-4342-B048-85BDC9FD1C3A}</a:tableStyleId>
+              </a:tblPr>
+              <a:tblGrid>
+                <a:gridCol w="3454400"/>
+                <a:gridCol w="1905000"/>
+                <a:gridCol w="2743200"/>
+              </a:tblGrid>
+              <a:tr h="370840">
+                <a:tc>
+                  <a:txBody>
+                    <a:bodyPr/>
+                    <a:lstStyle/>
+                    <a:p>
+                      <a:r>
+                        <a:rPr lang="en-GB" dirty="0" smtClean="0"/>
+                        <a:t>Tasks</a:t>
+                      </a:r>
+                      <a:endParaRPr lang="en-GB" dirty="0"/>
+                    </a:p>
+                  </a:txBody>
+                  <a:tcPr/>
+                </a:tc>
+                <a:tc>
+                  <a:txBody>
+                    <a:bodyPr/>
+                    <a:lstStyle/>
+                    <a:p>
+                      <a:r>
+                        <a:rPr lang="en-GB" dirty="0" smtClean="0"/>
+                        <a:t>Python</a:t>
+                      </a:r>
+                      <a:endParaRPr lang="en-GB" dirty="0"/>
+                    </a:p>
+                  </a:txBody>
+                  <a:tcPr/>
+                </a:tc>
+                <a:tc>
+                  <a:txBody>
+                    <a:bodyPr/>
+                    <a:lstStyle/>
+                    <a:p>
+                      <a:r>
+                        <a:rPr lang="en-GB" dirty="0" smtClean="0"/>
+                        <a:t>Java</a:t>
+                      </a:r>
+                      <a:endParaRPr lang="en-GB" dirty="0"/>
+                    </a:p>
+                  </a:txBody>
+                  <a:tcPr/>
+                </a:tc>
+              </a:tr>
+              <a:tr h="370840">
+                <a:tc>
+                  <a:txBody>
+                    <a:bodyPr/>
+                    <a:lstStyle/>
+                    <a:p>
+                      <a:pPr marL="0" marR="0" lvl="1" indent="0" algn="l" defTabSz="914400" rtl="0" eaLnBrk="1" fontAlgn="auto" latinLnBrk="0" hangingPunct="1">
+                        <a:lnSpc>
+                          <a:spcPct val="100000"/>
+                        </a:lnSpc>
+                        <a:spcBef>
+                          <a:spcPts val="0"/>
+                        </a:spcBef>
+                        <a:spcAft>
+                          <a:spcPts val="0"/>
+                        </a:spcAft>
+                        <a:buClrTx/>
+                        <a:buSzTx/>
+                        <a:buFontTx/>
+                        <a:buNone/>
+                        <a:tabLst/>
+                        <a:defRPr/>
+                      </a:pPr>
+                      <a:r>
+                        <a:rPr lang="en-GB" sz="1400" i="1" dirty="0" smtClean="0"/>
+                        <a:t>optional:</a:t>
+                      </a:r>
+                    </a:p>
+                    <a:p>
+                      <a:pPr marL="0" marR="0" lvl="1" indent="0" algn="l" defTabSz="914400" rtl="0" eaLnBrk="1" fontAlgn="auto" latinLnBrk="0" hangingPunct="1">
+                        <a:lnSpc>
+                          <a:spcPct val="100000"/>
+                        </a:lnSpc>
+                        <a:spcBef>
+                          <a:spcPts val="0"/>
+                        </a:spcBef>
+                        <a:spcAft>
+                          <a:spcPts val="0"/>
+                        </a:spcAft>
+                        <a:buClrTx/>
+                        <a:buSzTx/>
+                        <a:buFontTx/>
+                        <a:buNone/>
+                        <a:tabLst/>
+                        <a:defRPr/>
+                      </a:pPr>
+                      <a:r>
+                        <a:rPr lang="en-GB" sz="1400" dirty="0" smtClean="0"/>
+                        <a:t>define OAuth access data</a:t>
+                      </a:r>
+                    </a:p>
+                    <a:p>
+                      <a:pPr marL="0" marR="0" lvl="1" indent="0" algn="l" defTabSz="914400" rtl="0" eaLnBrk="1" fontAlgn="auto" latinLnBrk="0" hangingPunct="1">
+                        <a:lnSpc>
+                          <a:spcPct val="100000"/>
+                        </a:lnSpc>
+                        <a:spcBef>
+                          <a:spcPts val="0"/>
+                        </a:spcBef>
+                        <a:spcAft>
+                          <a:spcPts val="0"/>
+                        </a:spcAft>
+                        <a:buClrTx/>
+                        <a:buSzTx/>
+                        <a:buFontTx/>
+                        <a:buNone/>
+                        <a:tabLst/>
+                        <a:defRPr/>
+                      </a:pPr>
+                      <a:r>
+                        <a:rPr lang="en-GB" sz="1400" dirty="0" smtClean="0"/>
+                        <a:t>load / save data from token and session files</a:t>
+                      </a:r>
+                      <a:endParaRPr lang="en-GB" sz="1400" dirty="0"/>
+                    </a:p>
+                  </a:txBody>
+                  <a:tcPr/>
+                </a:tc>
+                <a:tc>
+                  <a:txBody>
+                    <a:bodyPr/>
+                    <a:lstStyle/>
+                    <a:p>
+                      <a:r>
+                        <a:rPr lang="en-GB" sz="1400" b="0" dirty="0" err="1" smtClean="0"/>
+                        <a:t>common_oauth.py</a:t>
+                      </a:r>
+                      <a:endParaRPr lang="en-GB" sz="1400" b="0" dirty="0"/>
+                    </a:p>
+                  </a:txBody>
+                  <a:tcPr/>
+                </a:tc>
+                <a:tc>
+                  <a:txBody>
+                    <a:bodyPr/>
+                    <a:lstStyle/>
+                    <a:p>
+                      <a:endParaRPr lang="en-GB" sz="1400" dirty="0"/>
+                    </a:p>
+                  </a:txBody>
+                  <a:tcPr/>
+                </a:tc>
+              </a:tr>
+              <a:tr h="370840">
+                <a:tc>
+                  <a:txBody>
+                    <a:bodyPr/>
+                    <a:lstStyle/>
+                    <a:p>
+                      <a:r>
+                        <a:rPr lang="en-GB" sz="1400" dirty="0" smtClean="0"/>
+                        <a:t>start the no-redirect and redirect workflows</a:t>
+                      </a:r>
+                      <a:endParaRPr lang="en-GB" sz="1400" dirty="0"/>
+                    </a:p>
+                  </a:txBody>
+                  <a:tcPr/>
+                </a:tc>
+                <a:tc>
+                  <a:txBody>
+                    <a:bodyPr/>
+                    <a:lstStyle/>
+                    <a:p>
+                      <a:r>
+                        <a:rPr lang="en-GB" sz="1400" b="0" dirty="0" err="1" smtClean="0"/>
+                        <a:t>oauth_client.py</a:t>
+                      </a:r>
+                      <a:endParaRPr lang="en-GB" sz="1400" b="0" dirty="0"/>
+                    </a:p>
+                  </a:txBody>
+                  <a:tcPr/>
+                </a:tc>
+                <a:tc>
+                  <a:txBody>
+                    <a:bodyPr/>
+                    <a:lstStyle/>
+                    <a:p>
+                      <a:r>
+                        <a:rPr lang="en-GB" sz="1400" dirty="0" err="1" smtClean="0"/>
+                        <a:t>OauthClient.java</a:t>
+                      </a:r>
+                      <a:endParaRPr lang="en-GB" sz="1400" dirty="0"/>
+                    </a:p>
+                  </a:txBody>
+                  <a:tcPr/>
+                </a:tc>
+              </a:tr>
+              <a:tr h="370840">
+                <a:tc>
+                  <a:txBody>
+                    <a:bodyPr/>
+                    <a:lstStyle/>
+                    <a:p>
+                      <a:r>
+                        <a:rPr lang="en-GB" sz="1400" dirty="0" smtClean="0"/>
+                        <a:t>implementation of the no-redirect and redirect workflows</a:t>
+                      </a:r>
+                      <a:endParaRPr lang="en-GB" sz="1400" dirty="0"/>
+                    </a:p>
+                  </a:txBody>
+                  <a:tcPr/>
+                </a:tc>
+                <a:tc>
+                  <a:txBody>
+                    <a:bodyPr/>
+                    <a:lstStyle/>
+                    <a:p>
+                      <a:r>
+                        <a:rPr lang="en-GB" sz="1400" b="0" dirty="0" err="1" smtClean="0"/>
+                        <a:t>dropbox_workflow.py</a:t>
+                      </a:r>
+                      <a:endParaRPr lang="en-GB" sz="1400" b="0" dirty="0"/>
+                    </a:p>
+                  </a:txBody>
+                  <a:tcPr/>
+                </a:tc>
+                <a:tc>
+                  <a:txBody>
+                    <a:bodyPr/>
+                    <a:lstStyle/>
+                    <a:p>
+                      <a:r>
+                        <a:rPr lang="en-GB" sz="1400" dirty="0" err="1" smtClean="0"/>
+                        <a:t>DropboxWorkflowNoRedirect.java</a:t>
+                      </a:r>
+                      <a:endParaRPr lang="en-GB" sz="1400" dirty="0" smtClean="0"/>
+                    </a:p>
+                    <a:p>
+                      <a:r>
+                        <a:rPr lang="en-GB" sz="1400" dirty="0" err="1" smtClean="0"/>
+                        <a:t>DropboxWorkflowRedirect.java</a:t>
+                      </a:r>
+                      <a:endParaRPr lang="en-GB" sz="1400" dirty="0"/>
+                    </a:p>
+                  </a:txBody>
+                  <a:tcPr/>
+                </a:tc>
+              </a:tr>
+            </a:tbl>
+          </a:graphicData>
+        </a:graphic>
+      </p:graphicFrame>
+    </p:spTree>
+    <p:extLst>
+      <p:ext uri="{BB962C8B-B14F-4D97-AF65-F5344CB8AC3E}">
+        <p14:creationId xmlns:p14="http://schemas.microsoft.com/office/powerpoint/2010/main" val="2963523716"/>
+      </p:ext>
+    </p:extLst>
+  </p:cSld>
+  <p:clrMapOvr>
+    <a:masterClrMapping/>
+  </p:clrMapOvr>
+  <p:timing>
+    <p:tnLst>
+      <p:par>
+        <p:cTn xmlns:p14="http://schemas.microsoft.com/office/powerpoint/2010/main" id="1" dur="indefinite" restart="never" nodeType="tmRoot"/>
+      </p:par>
+    </p:tnLst>
+  </p:timing>
+</p:sld>
+</file>
+
+<file path=ppt/slides/slide2.xml><?xml version="1.0" encoding="utf-8"?>
+<p:sld xmlns:a="http://schemas.openxmlformats.org/drawingml/2006/main" xmlns:r="http://schemas.openxmlformats.org/officeDocument/2006/relationships" xmlns:p="http://schemas.openxmlformats.org/presentationml/2006/main">
+  <p:cSld>
+    <p:spTree>
+      <p:nvGrpSpPr>
+        <p:cNvPr id="1" name=""/>
+        <p:cNvGrpSpPr/>
+        <p:nvPr/>
+      </p:nvGrpSpPr>
+      <p:grpSpPr>
+        <a:xfrm>
+          <a:off x="0" y="0"/>
+          <a:ext cx="0" cy="0"/>
+          <a:chOff x="0" y="0"/>
+          <a:chExt cx="0" cy="0"/>
+        </a:xfrm>
+      </p:grpSpPr>
+      <p:sp>
+        <p:nvSpPr>
+          <p:cNvPr id="3074" name="Rectangle 2"/>
+          <p:cNvSpPr>
+            <a:spLocks noGrp="1" noChangeArrowheads="1"/>
+          </p:cNvSpPr>
+          <p:nvPr>
+            <p:ph type="title" idx="4294967295"/>
+          </p:nvPr>
+        </p:nvSpPr>
+        <p:spPr/>
+        <p:txBody>
+          <a:bodyPr/>
+          <a:lstStyle/>
+          <a:p>
+            <a:pPr eaLnBrk="1" hangingPunct="1"/>
+            <a:r>
+              <a:rPr lang="en-GB">
+                <a:latin typeface="Calibri" charset="0"/>
+                <a:ea typeface="ＭＳ Ｐゴシック" charset="0"/>
+                <a:cs typeface="ＭＳ Ｐゴシック" charset="0"/>
+              </a:rPr>
+              <a:t>Agenda</a:t>
+            </a:r>
+          </a:p>
+        </p:txBody>
+      </p:sp>
+      <p:sp>
+        <p:nvSpPr>
+          <p:cNvPr id="3075" name="Rectangle 3"/>
+          <p:cNvSpPr>
+            <a:spLocks noGrp="1" noChangeArrowheads="1"/>
+          </p:cNvSpPr>
+          <p:nvPr>
+            <p:ph idx="4294967295"/>
+          </p:nvPr>
+        </p:nvSpPr>
+        <p:spPr>
+          <a:xfrm>
+            <a:off x="457200" y="1547813"/>
+            <a:ext cx="8229600" cy="2744341"/>
+          </a:xfrm>
+        </p:spPr>
+        <p:txBody>
+          <a:bodyPr>
+            <a:spAutoFit/>
+          </a:bodyPr>
+          <a:lstStyle/>
+          <a:p>
+            <a:pPr marL="1614488" indent="-1614488" eaLnBrk="1" hangingPunct="1">
+              <a:lnSpc>
+                <a:spcPct val="90000"/>
+              </a:lnSpc>
+              <a:buClr>
+                <a:schemeClr val="accent2"/>
+              </a:buClr>
+              <a:buFont typeface="Wingdings 2" charset="0"/>
+              <a:buNone/>
+            </a:pPr>
+            <a:r>
+              <a:rPr lang="en-US" sz="2000" dirty="0" smtClean="0">
+                <a:latin typeface="Calibri" charset="0"/>
+                <a:ea typeface="ＭＳ Ｐゴシック" charset="0"/>
+                <a:cs typeface="ＭＳ Ｐゴシック" charset="0"/>
+              </a:rPr>
+              <a:t>09:15 </a:t>
+            </a:r>
+            <a:r>
+              <a:rPr lang="en-US" sz="2000" dirty="0">
+                <a:latin typeface="Calibri" charset="0"/>
+                <a:ea typeface="ＭＳ Ｐゴシック" charset="0"/>
+                <a:cs typeface="ＭＳ Ｐゴシック" charset="0"/>
+              </a:rPr>
+              <a:t>- </a:t>
+            </a:r>
+            <a:r>
+              <a:rPr lang="en-US" sz="2000" dirty="0" smtClean="0">
+                <a:latin typeface="Calibri" charset="0"/>
+                <a:ea typeface="ＭＳ Ｐゴシック" charset="0"/>
+                <a:cs typeface="ＭＳ Ｐゴシック" charset="0"/>
+              </a:rPr>
+              <a:t>09:20</a:t>
+            </a:r>
+            <a:r>
+              <a:rPr lang="en-US" sz="2000" dirty="0">
+                <a:latin typeface="Calibri" charset="0"/>
+                <a:ea typeface="ＭＳ Ｐゴシック" charset="0"/>
+                <a:cs typeface="ＭＳ Ｐゴシック" charset="0"/>
+              </a:rPr>
+              <a:t>	Presenter </a:t>
+            </a:r>
+            <a:r>
+              <a:rPr lang="en-US" sz="2000" dirty="0" smtClean="0">
+                <a:latin typeface="Calibri" charset="0"/>
+                <a:ea typeface="ＭＳ Ｐゴシック" charset="0"/>
+                <a:cs typeface="ＭＳ Ｐゴシック" charset="0"/>
+              </a:rPr>
+              <a:t>Introduction</a:t>
+            </a:r>
+            <a:endParaRPr lang="en-US" sz="2000" dirty="0">
+              <a:latin typeface="Calibri" charset="0"/>
+              <a:ea typeface="ＭＳ Ｐゴシック" charset="0"/>
+              <a:cs typeface="ＭＳ Ｐゴシック" charset="0"/>
+            </a:endParaRPr>
+          </a:p>
+          <a:p>
+            <a:pPr marL="1614488" indent="-1614488" eaLnBrk="1" hangingPunct="1">
+              <a:lnSpc>
+                <a:spcPct val="90000"/>
+              </a:lnSpc>
+              <a:buClr>
+                <a:schemeClr val="accent2"/>
+              </a:buClr>
+              <a:buFont typeface="Wingdings 2" charset="0"/>
+              <a:buNone/>
+            </a:pPr>
+            <a:r>
+              <a:rPr lang="en-US" sz="2000" dirty="0" smtClean="0">
+                <a:latin typeface="Calibri" charset="0"/>
+                <a:ea typeface="ＭＳ Ｐゴシック" charset="0"/>
+                <a:cs typeface="ＭＳ Ｐゴシック" charset="0"/>
+              </a:rPr>
+              <a:t>09:20 </a:t>
+            </a:r>
+            <a:r>
+              <a:rPr lang="en-US" sz="2000" dirty="0">
+                <a:latin typeface="Calibri" charset="0"/>
+                <a:ea typeface="ＭＳ Ｐゴシック" charset="0"/>
+                <a:cs typeface="ＭＳ Ｐゴシック" charset="0"/>
+              </a:rPr>
+              <a:t>- </a:t>
+            </a:r>
+            <a:r>
+              <a:rPr lang="en-US" sz="2000" dirty="0" smtClean="0">
+                <a:latin typeface="Calibri" charset="0"/>
+                <a:ea typeface="ＭＳ Ｐゴシック" charset="0"/>
+                <a:cs typeface="ＭＳ Ｐゴシック" charset="0"/>
+              </a:rPr>
+              <a:t>09:30</a:t>
+            </a:r>
+            <a:r>
+              <a:rPr lang="en-US" sz="2000" dirty="0">
+                <a:latin typeface="Calibri" charset="0"/>
+                <a:ea typeface="ＭＳ Ｐゴシック" charset="0"/>
+                <a:cs typeface="ＭＳ Ｐゴシック" charset="0"/>
+              </a:rPr>
+              <a:t>	Problem </a:t>
+            </a:r>
+            <a:r>
+              <a:rPr lang="en-US" sz="2000" dirty="0" smtClean="0">
+                <a:latin typeface="Calibri" charset="0"/>
+                <a:ea typeface="ＭＳ Ｐゴシック" charset="0"/>
+                <a:cs typeface="ＭＳ Ｐゴシック" charset="0"/>
+              </a:rPr>
+              <a:t>Statement</a:t>
+            </a:r>
+          </a:p>
+          <a:p>
+            <a:pPr marL="1614488" indent="-1614488" eaLnBrk="1" hangingPunct="1">
+              <a:lnSpc>
+                <a:spcPct val="90000"/>
+              </a:lnSpc>
+              <a:buClr>
+                <a:schemeClr val="accent2"/>
+              </a:buClr>
+              <a:buFont typeface="Wingdings 2" charset="0"/>
+              <a:buNone/>
+            </a:pPr>
+            <a:r>
+              <a:rPr lang="en-US" sz="2000" dirty="0" smtClean="0">
+                <a:latin typeface="Calibri" charset="0"/>
+                <a:ea typeface="ＭＳ Ｐゴシック" charset="0"/>
+                <a:cs typeface="ＭＳ Ｐゴシック" charset="0"/>
+              </a:rPr>
+              <a:t>09:30 – 10:00	OAuth Overview</a:t>
+            </a:r>
+            <a:r>
+              <a:rPr lang="en-US" sz="2000" dirty="0">
+                <a:latin typeface="Calibri" charset="0"/>
+                <a:ea typeface="ＭＳ Ｐゴシック" charset="0"/>
+                <a:cs typeface="ＭＳ Ｐゴシック" charset="0"/>
+              </a:rPr>
+              <a:t>	</a:t>
+            </a:r>
+          </a:p>
+          <a:p>
+            <a:pPr marL="1614488" indent="-1614488" eaLnBrk="1" hangingPunct="1">
+              <a:lnSpc>
+                <a:spcPct val="90000"/>
+              </a:lnSpc>
+              <a:buClr>
+                <a:schemeClr val="accent2"/>
+              </a:buClr>
+              <a:buFont typeface="Wingdings 2" charset="0"/>
+              <a:buNone/>
+            </a:pPr>
+            <a:r>
+              <a:rPr lang="en-US" sz="2000" dirty="0" smtClean="0">
+                <a:latin typeface="Calibri" charset="0"/>
+                <a:ea typeface="ＭＳ Ｐゴシック" charset="0"/>
+                <a:cs typeface="ＭＳ Ｐゴシック" charset="0"/>
+              </a:rPr>
+              <a:t>10:00 </a:t>
+            </a:r>
+            <a:r>
+              <a:rPr lang="en-US" sz="2000" dirty="0">
+                <a:latin typeface="Calibri" charset="0"/>
+                <a:ea typeface="ＭＳ Ｐゴシック" charset="0"/>
+                <a:cs typeface="ＭＳ Ｐゴシック" charset="0"/>
+              </a:rPr>
+              <a:t>– </a:t>
+            </a:r>
+            <a:r>
+              <a:rPr lang="en-US" sz="2000" dirty="0" smtClean="0">
+                <a:latin typeface="Calibri" charset="0"/>
+                <a:ea typeface="ＭＳ Ｐゴシック" charset="0"/>
+                <a:cs typeface="ＭＳ Ｐゴシック" charset="0"/>
+              </a:rPr>
+              <a:t>10:15</a:t>
+            </a:r>
+            <a:r>
+              <a:rPr lang="en-US" sz="2000" dirty="0">
+                <a:latin typeface="Calibri" charset="0"/>
+                <a:ea typeface="ＭＳ Ｐゴシック" charset="0"/>
+                <a:cs typeface="ＭＳ Ｐゴシック" charset="0"/>
+              </a:rPr>
+              <a:t>	Environment </a:t>
+            </a:r>
+            <a:r>
+              <a:rPr lang="en-US" sz="2000" dirty="0" smtClean="0">
+                <a:latin typeface="Calibri" charset="0"/>
+                <a:ea typeface="ＭＳ Ｐゴシック" charset="0"/>
+                <a:cs typeface="ＭＳ Ｐゴシック" charset="0"/>
+              </a:rPr>
+              <a:t>Setup </a:t>
+            </a:r>
+            <a:r>
+              <a:rPr lang="en-US" sz="2000" dirty="0">
+                <a:latin typeface="Calibri" charset="0"/>
+                <a:ea typeface="ＭＳ Ｐゴシック" charset="0"/>
+                <a:cs typeface="ＭＳ Ｐゴシック" charset="0"/>
+              </a:rPr>
+              <a:t>and </a:t>
+            </a:r>
+            <a:r>
+              <a:rPr lang="en-US" sz="2000" dirty="0" smtClean="0">
+                <a:latin typeface="Calibri" charset="0"/>
+                <a:ea typeface="ＭＳ Ｐゴシック" charset="0"/>
+                <a:cs typeface="ＭＳ Ｐゴシック" charset="0"/>
+              </a:rPr>
+              <a:t>Break</a:t>
+            </a:r>
+            <a:r>
+              <a:rPr lang="en-US" sz="2000" dirty="0">
+                <a:latin typeface="Calibri" charset="0"/>
+                <a:ea typeface="ＭＳ Ｐゴシック" charset="0"/>
+                <a:cs typeface="ＭＳ Ｐゴシック" charset="0"/>
+              </a:rPr>
+              <a:t>	</a:t>
+            </a:r>
+          </a:p>
+          <a:p>
+            <a:pPr marL="1614488" indent="-1614488" eaLnBrk="1" hangingPunct="1">
+              <a:lnSpc>
+                <a:spcPct val="90000"/>
+              </a:lnSpc>
+              <a:buClr>
+                <a:schemeClr val="accent2"/>
+              </a:buClr>
+              <a:buFont typeface="Wingdings 2" charset="0"/>
+              <a:buNone/>
+            </a:pPr>
+            <a:r>
+              <a:rPr lang="en-US" sz="2000" dirty="0" smtClean="0">
+                <a:latin typeface="Calibri" charset="0"/>
+                <a:ea typeface="ＭＳ Ｐゴシック" charset="0"/>
+                <a:cs typeface="ＭＳ Ｐゴシック" charset="0"/>
+              </a:rPr>
+              <a:t>10:15 –11:00</a:t>
+            </a:r>
+            <a:r>
+              <a:rPr lang="en-US" sz="2000" dirty="0">
+                <a:latin typeface="Calibri" charset="0"/>
+                <a:ea typeface="ＭＳ Ｐゴシック" charset="0"/>
+                <a:cs typeface="ＭＳ Ｐゴシック" charset="0"/>
+              </a:rPr>
+              <a:t>	Exercise 1: Granting </a:t>
+            </a:r>
+            <a:r>
+              <a:rPr lang="en-US" sz="2000" dirty="0" smtClean="0">
+                <a:latin typeface="Calibri" charset="0"/>
+                <a:ea typeface="ＭＳ Ｐゴシック" charset="0"/>
+                <a:cs typeface="ＭＳ Ｐゴシック" charset="0"/>
+              </a:rPr>
+              <a:t>Access </a:t>
+            </a:r>
+            <a:r>
+              <a:rPr lang="en-US" sz="2000" dirty="0">
+                <a:latin typeface="Calibri" charset="0"/>
+                <a:ea typeface="ＭＳ Ｐゴシック" charset="0"/>
+                <a:cs typeface="ＭＳ Ｐゴシック" charset="0"/>
+              </a:rPr>
+              <a:t>to Dropbox </a:t>
+            </a:r>
+            <a:r>
+              <a:rPr lang="en-US" sz="2000" dirty="0" smtClean="0">
+                <a:latin typeface="Calibri" charset="0"/>
+                <a:ea typeface="ＭＳ Ｐゴシック" charset="0"/>
+                <a:cs typeface="ＭＳ Ｐゴシック" charset="0"/>
+              </a:rPr>
+              <a:t>Programmatically</a:t>
+            </a:r>
+            <a:endParaRPr lang="en-US" sz="2000" dirty="0">
+              <a:latin typeface="Calibri" charset="0"/>
+              <a:ea typeface="ＭＳ Ｐゴシック" charset="0"/>
+              <a:cs typeface="ＭＳ Ｐゴシック" charset="0"/>
+            </a:endParaRPr>
+          </a:p>
+          <a:p>
+            <a:pPr marL="1614488" indent="-1614488" eaLnBrk="1" hangingPunct="1">
+              <a:lnSpc>
+                <a:spcPct val="90000"/>
+              </a:lnSpc>
+              <a:buClr>
+                <a:schemeClr val="accent2"/>
+              </a:buClr>
+              <a:buFont typeface="Wingdings 2" charset="0"/>
+              <a:buNone/>
+            </a:pPr>
+            <a:r>
+              <a:rPr lang="en-US" sz="2000" dirty="0" smtClean="0">
+                <a:latin typeface="Calibri" charset="0"/>
+                <a:ea typeface="ＭＳ Ｐゴシック" charset="0"/>
+                <a:cs typeface="ＭＳ Ｐゴシック" charset="0"/>
+              </a:rPr>
+              <a:t>11:00 </a:t>
+            </a:r>
+            <a:r>
+              <a:rPr lang="en-US" sz="2000" dirty="0">
+                <a:latin typeface="Calibri" charset="0"/>
+                <a:ea typeface="ＭＳ Ｐゴシック" charset="0"/>
+                <a:cs typeface="ＭＳ Ｐゴシック" charset="0"/>
+              </a:rPr>
+              <a:t>– </a:t>
+            </a:r>
+            <a:r>
+              <a:rPr lang="en-US" sz="2000" dirty="0" smtClean="0">
+                <a:latin typeface="Calibri" charset="0"/>
+                <a:ea typeface="ＭＳ Ｐゴシック" charset="0"/>
+                <a:cs typeface="ＭＳ Ｐゴシック" charset="0"/>
+              </a:rPr>
+              <a:t>11:15</a:t>
+            </a:r>
+            <a:r>
+              <a:rPr lang="en-US" sz="2000" dirty="0">
+                <a:latin typeface="Calibri" charset="0"/>
+                <a:ea typeface="ＭＳ Ｐゴシック" charset="0"/>
+                <a:cs typeface="ＭＳ Ｐゴシック" charset="0"/>
+              </a:rPr>
+              <a:t>	</a:t>
+            </a:r>
+            <a:r>
+              <a:rPr lang="en-US" sz="2000" dirty="0" smtClean="0">
+                <a:latin typeface="Calibri" charset="0"/>
+                <a:ea typeface="ＭＳ Ｐゴシック" charset="0"/>
+                <a:cs typeface="ＭＳ Ｐゴシック" charset="0"/>
+              </a:rPr>
+              <a:t>Break</a:t>
+            </a:r>
+            <a:endParaRPr lang="en-US" sz="2000" dirty="0">
+              <a:latin typeface="Calibri" charset="0"/>
+              <a:ea typeface="ＭＳ Ｐゴシック" charset="0"/>
+              <a:cs typeface="ＭＳ Ｐゴシック" charset="0"/>
+            </a:endParaRPr>
+          </a:p>
+          <a:p>
+            <a:pPr marL="1614488" indent="-1614488" eaLnBrk="1" hangingPunct="1">
+              <a:lnSpc>
+                <a:spcPct val="90000"/>
+              </a:lnSpc>
+              <a:buClr>
+                <a:schemeClr val="accent2"/>
+              </a:buClr>
+              <a:buFont typeface="Wingdings 2" charset="0"/>
+              <a:buNone/>
+            </a:pPr>
+            <a:r>
+              <a:rPr lang="en-US" sz="2000" dirty="0" smtClean="0">
+                <a:latin typeface="Calibri" charset="0"/>
+                <a:ea typeface="ＭＳ Ｐゴシック" charset="0"/>
+                <a:cs typeface="ＭＳ Ｐゴシック" charset="0"/>
+              </a:rPr>
+              <a:t>11:15 </a:t>
+            </a:r>
+            <a:r>
+              <a:rPr lang="en-US" sz="2000" dirty="0">
+                <a:latin typeface="Calibri" charset="0"/>
+                <a:ea typeface="ＭＳ Ｐゴシック" charset="0"/>
+                <a:cs typeface="ＭＳ Ｐゴシック" charset="0"/>
+              </a:rPr>
+              <a:t>– </a:t>
+            </a:r>
+            <a:r>
+              <a:rPr lang="en-US" sz="2000" dirty="0" smtClean="0">
+                <a:latin typeface="Calibri" charset="0"/>
+                <a:ea typeface="ＭＳ Ｐゴシック" charset="0"/>
+                <a:cs typeface="ＭＳ Ｐゴシック" charset="0"/>
+              </a:rPr>
+              <a:t>11:45</a:t>
+            </a:r>
+            <a:r>
+              <a:rPr lang="en-US" sz="2000" dirty="0">
+                <a:latin typeface="Calibri" charset="0"/>
+                <a:ea typeface="ＭＳ Ｐゴシック" charset="0"/>
+                <a:cs typeface="ＭＳ Ｐゴシック" charset="0"/>
+              </a:rPr>
+              <a:t>	Exercise 2: Using the Dropbox API to </a:t>
+            </a:r>
+            <a:r>
+              <a:rPr lang="en-US" sz="2000" dirty="0" smtClean="0">
+                <a:latin typeface="Calibri" charset="0"/>
+                <a:ea typeface="ＭＳ Ｐゴシック" charset="0"/>
+                <a:cs typeface="ＭＳ Ｐゴシック" charset="0"/>
+              </a:rPr>
+              <a:t>Read </a:t>
+            </a:r>
+            <a:r>
+              <a:rPr lang="en-US" sz="2000" dirty="0">
+                <a:latin typeface="Calibri" charset="0"/>
+                <a:ea typeface="ＭＳ Ｐゴシック" charset="0"/>
+                <a:cs typeface="ＭＳ Ｐゴシック" charset="0"/>
+              </a:rPr>
+              <a:t>and </a:t>
+            </a:r>
+            <a:r>
+              <a:rPr lang="en-US" sz="2000" dirty="0" smtClean="0">
+                <a:latin typeface="Calibri" charset="0"/>
+                <a:ea typeface="ＭＳ Ｐゴシック" charset="0"/>
+                <a:cs typeface="ＭＳ Ｐゴシック" charset="0"/>
+              </a:rPr>
+              <a:t>Write Files </a:t>
+            </a:r>
+          </a:p>
+          <a:p>
+            <a:pPr marL="1614488" indent="-1614488" eaLnBrk="1" hangingPunct="1">
+              <a:lnSpc>
+                <a:spcPct val="90000"/>
+              </a:lnSpc>
+              <a:buClr>
+                <a:schemeClr val="accent2"/>
+              </a:buClr>
+              <a:buNone/>
+            </a:pPr>
+            <a:r>
+              <a:rPr lang="en-US" sz="2000" dirty="0" smtClean="0">
+                <a:latin typeface="Calibri" charset="0"/>
+                <a:ea typeface="ＭＳ Ｐゴシック" charset="0"/>
+                <a:cs typeface="ＭＳ Ｐゴシック" charset="0"/>
+              </a:rPr>
+              <a:t>11:45 – 12:00	Discussion: What Do We Think of OAuth?</a:t>
+            </a:r>
+            <a:endParaRPr lang="en-US" sz="2000" dirty="0">
+              <a:latin typeface="Calibri" charset="0"/>
+              <a:ea typeface="ＭＳ Ｐゴシック" charset="0"/>
+              <a:cs typeface="ＭＳ Ｐゴシック" charset="0"/>
+            </a:endParaRPr>
+          </a:p>
+        </p:txBody>
+      </p:sp>
+      <p:sp>
+        <p:nvSpPr>
+          <p:cNvPr id="3076" name="Slide Number Placeholder 17"/>
+          <p:cNvSpPr>
+            <a:spLocks noGrp="1"/>
+          </p:cNvSpPr>
+          <p:nvPr>
+            <p:ph type="sldNum" sz="quarter" idx="12"/>
+          </p:nvPr>
+        </p:nvSpPr>
+        <p:spPr bwMode="auto">
+          <a:xfrm>
+            <a:off x="8402638" y="6473825"/>
+            <a:ext cx="284162" cy="247650"/>
+          </a:xfrm>
+          <a:noFill/>
+          <a:extLst>
+            <a:ext uri="{909E8E84-426E-40dd-AFC4-6F175D3DCCD1}">
+              <a14:hiddenFill xmlns:a14="http://schemas.microsoft.com/office/drawing/2010/main">
+                <a:solidFill>
+                  <a:srgbClr val="FFFFFF"/>
+                </a:solidFill>
+              </a14:hiddenFill>
+            </a:ext>
+            <a:ext uri="{91240B29-F687-4f45-9708-019B960494DF}">
+              <a14:hiddenLine xmlns:a14="http://schemas.microsoft.com/office/drawing/2010/main" w="9525">
+                <a:solidFill>
+                  <a:srgbClr val="000000"/>
+                </a:solidFill>
+                <a:miter lim="800000"/>
+                <a:headEnd/>
+                <a:tailEnd/>
+              </a14:hiddenLine>
+            </a:ext>
+          </a:extLst>
+        </p:spPr>
+        <p:txBody>
+          <a:bodyPr/>
+          <a:lstStyle>
+            <a:lvl1pPr>
+              <a:defRPr>
+                <a:solidFill>
+                  <a:schemeClr val="tx1"/>
+                </a:solidFill>
+                <a:latin typeface="Arial" charset="0"/>
+                <a:ea typeface="ＭＳ Ｐゴシック" charset="0"/>
+                <a:cs typeface="ＭＳ Ｐゴシック" charset="0"/>
+              </a:defRPr>
+            </a:lvl1pPr>
+            <a:lvl2pPr marL="742950" indent="-285750">
+              <a:defRPr>
+                <a:solidFill>
+                  <a:schemeClr val="tx1"/>
+                </a:solidFill>
+                <a:latin typeface="Arial" charset="0"/>
+                <a:ea typeface="ＭＳ Ｐゴシック" charset="0"/>
+              </a:defRPr>
+            </a:lvl2pPr>
+            <a:lvl3pPr marL="1143000" indent="-228600">
+              <a:defRPr>
+                <a:solidFill>
+                  <a:schemeClr val="tx1"/>
+                </a:solidFill>
+                <a:latin typeface="Arial" charset="0"/>
+                <a:ea typeface="ＭＳ Ｐゴシック" charset="0"/>
+              </a:defRPr>
+            </a:lvl3pPr>
+            <a:lvl4pPr marL="1600200" indent="-228600">
+              <a:defRPr>
+                <a:solidFill>
+                  <a:schemeClr val="tx1"/>
+                </a:solidFill>
+                <a:latin typeface="Arial" charset="0"/>
+                <a:ea typeface="ＭＳ Ｐゴシック" charset="0"/>
+              </a:defRPr>
+            </a:lvl4pPr>
+            <a:lvl5pPr marL="2057400" indent="-228600">
+              <a:defRPr>
+                <a:solidFill>
+                  <a:schemeClr val="tx1"/>
+                </a:solidFill>
+                <a:latin typeface="Arial" charset="0"/>
+                <a:ea typeface="ＭＳ Ｐゴシック" charset="0"/>
+              </a:defRPr>
+            </a:lvl5pPr>
+            <a:lvl6pPr marL="2514600" indent="-228600" eaLnBrk="0" fontAlgn="base" hangingPunct="0">
+              <a:spcBef>
+                <a:spcPct val="0"/>
+              </a:spcBef>
+              <a:spcAft>
+                <a:spcPct val="0"/>
+              </a:spcAft>
+              <a:defRPr>
+                <a:solidFill>
+                  <a:schemeClr val="tx1"/>
+                </a:solidFill>
+                <a:latin typeface="Arial" charset="0"/>
+                <a:ea typeface="ＭＳ Ｐゴシック" charset="0"/>
+              </a:defRPr>
+            </a:lvl6pPr>
+            <a:lvl7pPr marL="2971800" indent="-228600" eaLnBrk="0" fontAlgn="base" hangingPunct="0">
+              <a:spcBef>
+                <a:spcPct val="0"/>
+              </a:spcBef>
+              <a:spcAft>
+                <a:spcPct val="0"/>
+              </a:spcAft>
+              <a:defRPr>
+                <a:solidFill>
+                  <a:schemeClr val="tx1"/>
+                </a:solidFill>
+                <a:latin typeface="Arial" charset="0"/>
+                <a:ea typeface="ＭＳ Ｐゴシック" charset="0"/>
+              </a:defRPr>
+            </a:lvl7pPr>
+            <a:lvl8pPr marL="3429000" indent="-228600" eaLnBrk="0" fontAlgn="base" hangingPunct="0">
+              <a:spcBef>
+                <a:spcPct val="0"/>
+              </a:spcBef>
+              <a:spcAft>
+                <a:spcPct val="0"/>
+              </a:spcAft>
+              <a:defRPr>
+                <a:solidFill>
+                  <a:schemeClr val="tx1"/>
+                </a:solidFill>
+                <a:latin typeface="Arial" charset="0"/>
+                <a:ea typeface="ＭＳ Ｐゴシック" charset="0"/>
+              </a:defRPr>
+            </a:lvl8pPr>
+            <a:lvl9pPr marL="3886200" indent="-228600" eaLnBrk="0" fontAlgn="base" hangingPunct="0">
+              <a:spcBef>
+                <a:spcPct val="0"/>
+              </a:spcBef>
+              <a:spcAft>
+                <a:spcPct val="0"/>
+              </a:spcAft>
+              <a:defRPr>
+                <a:solidFill>
+                  <a:schemeClr val="tx1"/>
+                </a:solidFill>
+                <a:latin typeface="Arial" charset="0"/>
+                <a:ea typeface="ＭＳ Ｐゴシック" charset="0"/>
+              </a:defRPr>
+            </a:lvl9pPr>
+          </a:lstStyle>
+          <a:p>
+            <a:fld id="{9B73BB86-193E-BE4A-B4E7-B30E96C16081}" type="slidenum">
+              <a:rPr lang="en-GB" b="1">
+                <a:solidFill>
+                  <a:srgbClr val="045C75"/>
+                </a:solidFill>
+                <a:cs typeface="Arial" charset="0"/>
+              </a:rPr>
+              <a:pPr/>
+              <a:t>2</a:t>
+            </a:fld>
+            <a:endParaRPr lang="en-GB" b="1">
+              <a:solidFill>
+                <a:srgbClr val="045C75"/>
+              </a:solidFill>
+              <a:cs typeface="Arial" charset="0"/>
+            </a:endParaRPr>
+          </a:p>
+        </p:txBody>
+      </p:sp>
+    </p:spTree>
+  </p:cSld>
+  <p:clrMapOvr>
+    <a:masterClrMapping/>
+  </p:clrMapOvr>
+  <p:timing>
+    <p:tnLst>
+      <p:par>
+        <p:cTn xmlns:p14="http://schemas.microsoft.com/office/powerpoint/2010/main" id="1" dur="indefinite" restart="never" nodeType="tmRoot"/>
+      </p:par>
+    </p:tnLst>
+  </p:timing>
+</p:sld>
+</file>
+
+<file path=ppt/slides/slide20.xml><?xml version="1.0" encoding="utf-8"?>
 <p:sld xmlns:a="http://schemas.openxmlformats.org/drawingml/2006/main" xmlns:r="http://schemas.openxmlformats.org/officeDocument/2006/relationships" xmlns:p="http://schemas.openxmlformats.org/presentationml/2006/main">
   <p:cSld>
     <p:spTree>
@@ -14517,14 +15608,14 @@
           </a:ln>
           <a:extLst>
             <a:ext uri="{909E8E84-426E-40dd-AFC4-6F175D3DCCD1}">
-              <a14:hiddenFill xmlns:a14="http://schemas.microsoft.com/office/drawing/2010/main" xmlns="">
+              <a14:hiddenFill xmlns:a14="http://schemas.microsoft.com/office/drawing/2010/main">
                 <a:solidFill>
                   <a:srgbClr val="FFFFFF"/>
                 </a:solidFill>
               </a14:hiddenFill>
             </a:ext>
             <a:ext uri="{91240B29-F687-4f45-9708-019B960494DF}">
-              <a14:hiddenLine xmlns:a14="http://schemas.microsoft.com/office/drawing/2010/main" xmlns="" w="9525">
+              <a14:hiddenLine xmlns:a14="http://schemas.microsoft.com/office/drawing/2010/main" w="9525">
                 <a:solidFill>
                   <a:srgbClr val="000000"/>
                 </a:solidFill>
@@ -14686,16 +15777,7 @@
                 </a:solidFill>
                 <a:latin typeface="Calibri" charset="0"/>
               </a:rPr>
-              <a:t>Exercise 2</a:t>
-            </a:r>
-            <a:r>
-              <a:rPr lang="en-US" sz="4000" dirty="0" smtClean="0">
-                <a:solidFill>
-                  <a:schemeClr val="tx2"/>
-                </a:solidFill>
-                <a:latin typeface="Calibri" charset="0"/>
-              </a:rPr>
-              <a:t>: Using the </a:t>
+              <a:t>Exercise 2: Using the </a:t>
             </a:r>
             <a:r>
               <a:rPr lang="en-US" sz="4000" dirty="0" err="1" smtClean="0">
@@ -14727,7 +15809,7 @@
     </p:spTree>
     <p:extLst>
       <p:ext uri="{BB962C8B-B14F-4D97-AF65-F5344CB8AC3E}">
-        <p14:creationId xmlns:p14="http://schemas.microsoft.com/office/powerpoint/2010/main" xmlns="" val="807119471"/>
+        <p14:creationId xmlns:p14="http://schemas.microsoft.com/office/powerpoint/2010/main" val="807119471"/>
       </p:ext>
     </p:extLst>
   </p:cSld>
@@ -14737,14 +15819,14 @@
   <p:timing>
     <p:tnLst>
       <p:par>
-        <p:cTn id="1" dur="indefinite" restart="never" nodeType="tmRoot"/>
+        <p:cTn xmlns:p14="http://schemas.microsoft.com/office/powerpoint/2010/main" id="1" dur="indefinite" restart="never" nodeType="tmRoot"/>
       </p:par>
     </p:tnLst>
   </p:timing>
 </p:sld>
 </file>
 
-<file path=ppt/slides/slide2.xml><?xml version="1.0" encoding="utf-8"?>
+<file path=ppt/slides/slide21.xml><?xml version="1.0" encoding="utf-8"?>
 <p:sld xmlns:a="http://schemas.openxmlformats.org/drawingml/2006/main" xmlns:r="http://schemas.openxmlformats.org/officeDocument/2006/relationships" xmlns:p="http://schemas.openxmlformats.org/presentationml/2006/main">
   <p:cSld>
     <p:spTree>
@@ -14763,7 +15845,7 @@
       </p:grpSpPr>
       <p:sp>
         <p:nvSpPr>
-          <p:cNvPr id="3074" name="Rectangle 2"/>
+          <p:cNvPr id="6146" name="Rectangle 2"/>
           <p:cNvSpPr>
             <a:spLocks noGrp="1" noChangeArrowheads="1"/>
           </p:cNvSpPr>
@@ -14771,26 +15853,44 @@
             <p:ph type="title" idx="4294967295"/>
           </p:nvPr>
         </p:nvSpPr>
-        <p:spPr/>
+        <p:spPr>
+          <a:xfrm>
+            <a:off x="457200" y="736600"/>
+            <a:ext cx="8229600" cy="1174750"/>
+          </a:xfrm>
+        </p:spPr>
         <p:txBody>
           <a:bodyPr/>
           <a:lstStyle/>
           <a:p>
             <a:pPr eaLnBrk="1" hangingPunct="1"/>
             <a:r>
-              <a:rPr lang="en-GB">
-                <a:latin typeface="Calibri" charset="0"/>
-                <a:ea typeface="ＭＳ Ｐゴシック" charset="0"/>
-                <a:cs typeface="ＭＳ Ｐゴシック" charset="0"/>
-              </a:rPr>
-              <a:t>Agenda</a:t>
-            </a:r>
+              <a:rPr lang="en-GB" dirty="0">
+                <a:latin typeface="Calibri" charset="0"/>
+                <a:ea typeface="ＭＳ Ｐゴシック" charset="0"/>
+                <a:cs typeface="ＭＳ Ｐゴシック" charset="0"/>
+              </a:rPr>
+              <a:t>Exercise 2: Using the Dropbox API to Read and Write </a:t>
+            </a:r>
+            <a:r>
+              <a:rPr lang="en-GB" dirty="0" smtClean="0">
+                <a:latin typeface="Calibri" charset="0"/>
+                <a:ea typeface="ＭＳ Ｐゴシック" charset="0"/>
+                <a:cs typeface="ＭＳ Ｐゴシック" charset="0"/>
+              </a:rPr>
+              <a:t>Files</a:t>
+            </a:r>
+            <a:endParaRPr lang="en-GB" dirty="0">
+              <a:latin typeface="Calibri" charset="0"/>
+              <a:ea typeface="ＭＳ Ｐゴシック" charset="0"/>
+              <a:cs typeface="ＭＳ Ｐゴシック" charset="0"/>
+            </a:endParaRPr>
           </a:p>
         </p:txBody>
       </p:sp>
       <p:sp>
         <p:nvSpPr>
-          <p:cNvPr id="3075" name="Rectangle 3"/>
+          <p:cNvPr id="6147" name="Rectangle 3"/>
           <p:cNvSpPr>
             <a:spLocks noGrp="1" noChangeArrowheads="1"/>
           </p:cNvSpPr>
@@ -14800,8 +15900,8 @@
         </p:nvSpPr>
         <p:spPr>
           <a:xfrm>
-            <a:off x="457200" y="1547813"/>
-            <a:ext cx="8229600" cy="2744341"/>
+            <a:off x="457200" y="2019300"/>
+            <a:ext cx="8229600" cy="2862322"/>
           </a:xfrm>
         </p:spPr>
         <p:txBody>
@@ -14810,15 +15910,10 @@
           </a:bodyPr>
           <a:lstStyle/>
           <a:p>
-            <a:pPr marL="1614488" indent="-1614488" eaLnBrk="1" hangingPunct="1">
-              <a:lnSpc>
-                <a:spcPct val="90000"/>
-              </a:lnSpc>
+            <a:pPr eaLnBrk="1" hangingPunct="1">
               <a:buClr>
                 <a:schemeClr val="accent2"/>
               </a:buClr>
-              <a:buFont typeface="Wingdings 2" charset="0"/>
-              <a:buNone/>
             </a:pPr>
             <a:r>
               <a:rPr lang="en-US" sz="2000" dirty="0" smtClean="0">
@@ -14826,15 +15921,15 @@
                 <a:ea typeface="ＭＳ Ｐゴシック" charset="0"/>
                 <a:cs typeface="ＭＳ Ｐゴシック" charset="0"/>
               </a:rPr>
-              <a:t>09:15 </a:t>
-            </a:r>
-            <a:r>
-              <a:rPr lang="en-US" sz="2000" dirty="0">
-                <a:latin typeface="Calibri" charset="0"/>
-                <a:ea typeface="ＭＳ Ｐゴシック" charset="0"/>
-                <a:cs typeface="ＭＳ Ｐゴシック" charset="0"/>
-              </a:rPr>
-              <a:t>- </a:t>
+              <a:t>Complete the code in the following files in the </a:t>
+            </a:r>
+            <a:r>
+              <a:rPr lang="en-US" sz="2000" b="1" dirty="0" smtClean="0">
+                <a:latin typeface="Calibri" charset="0"/>
+                <a:ea typeface="ＭＳ Ｐゴシック" charset="0"/>
+                <a:cs typeface="ＭＳ Ｐゴシック" charset="0"/>
+              </a:rPr>
+              <a:t>exercise</a:t>
             </a:r>
             <a:r>
               <a:rPr lang="en-US" sz="2000" dirty="0" smtClean="0">
@@ -14842,23 +15937,7 @@
                 <a:ea typeface="ＭＳ Ｐゴシック" charset="0"/>
                 <a:cs typeface="ＭＳ Ｐゴシック" charset="0"/>
               </a:rPr>
-              <a:t>09:20</a:t>
-            </a:r>
-            <a:r>
-              <a:rPr lang="en-US" sz="2000" dirty="0">
-                <a:latin typeface="Calibri" charset="0"/>
-                <a:ea typeface="ＭＳ Ｐゴシック" charset="0"/>
-                <a:cs typeface="ＭＳ Ｐゴシック" charset="0"/>
-              </a:rPr>
-              <a:t>	Presenter </a:t>
-            </a:r>
-            <a:r>
-              <a:rPr lang="en-US" sz="2000" dirty="0" smtClean="0">
-                <a:latin typeface="Calibri" charset="0"/>
-                <a:ea typeface="ＭＳ Ｐゴシック" charset="0"/>
-                <a:cs typeface="ＭＳ Ｐゴシック" charset="0"/>
-              </a:rPr>
-              <a:t>Introduction</a:t>
+              <a:t> directory</a:t>
             </a:r>
             <a:endParaRPr lang="en-US" sz="2000" dirty="0">
               <a:latin typeface="Calibri" charset="0"/>
@@ -14867,15 +15946,10 @@
             </a:endParaRPr>
           </a:p>
           <a:p>
-            <a:pPr marL="1614488" indent="-1614488" eaLnBrk="1" hangingPunct="1">
-              <a:lnSpc>
-                <a:spcPct val="90000"/>
-              </a:lnSpc>
+            <a:pPr eaLnBrk="1" hangingPunct="1">
               <a:buClr>
                 <a:schemeClr val="accent2"/>
               </a:buClr>
-              <a:buFont typeface="Wingdings 2" charset="0"/>
-              <a:buNone/>
             </a:pPr>
             <a:r>
               <a:rPr lang="en-US" sz="2000" dirty="0" smtClean="0">
@@ -14883,15 +15957,15 @@
                 <a:ea typeface="ＭＳ Ｐゴシック" charset="0"/>
                 <a:cs typeface="ＭＳ Ｐゴシック" charset="0"/>
               </a:rPr>
-              <a:t>09:20 </a:t>
-            </a:r>
-            <a:r>
-              <a:rPr lang="en-US" sz="2000" dirty="0">
-                <a:latin typeface="Calibri" charset="0"/>
-                <a:ea typeface="ＭＳ Ｐゴシック" charset="0"/>
-                <a:cs typeface="ＭＳ Ｐゴシック" charset="0"/>
-              </a:rPr>
-              <a:t>- </a:t>
+              <a:t>The source file identifies the code blocks you need to write using </a:t>
+            </a:r>
+            <a:r>
+              <a:rPr lang="en-US" sz="2000" b="1" dirty="0" smtClean="0">
+                <a:latin typeface="Calibri" charset="0"/>
+                <a:ea typeface="ＭＳ Ｐゴシック" charset="0"/>
+                <a:cs typeface="ＭＳ Ｐゴシック" charset="0"/>
+              </a:rPr>
+              <a:t>TODO</a:t>
             </a:r>
             <a:r>
               <a:rPr lang="en-US" sz="2000" dirty="0" smtClean="0">
@@ -14899,195 +15973,124 @@
                 <a:ea typeface="ＭＳ Ｐゴシック" charset="0"/>
                 <a:cs typeface="ＭＳ Ｐゴシック" charset="0"/>
               </a:rPr>
-              <a:t>09:30</a:t>
-            </a:r>
-            <a:r>
-              <a:rPr lang="en-US" sz="2000" dirty="0">
-                <a:latin typeface="Calibri" charset="0"/>
-                <a:ea typeface="ＭＳ Ｐゴシック" charset="0"/>
-                <a:cs typeface="ＭＳ Ｐゴシック" charset="0"/>
-              </a:rPr>
-              <a:t>	Problem </a:t>
-            </a:r>
-            <a:r>
-              <a:rPr lang="en-US" sz="2000" dirty="0" smtClean="0">
-                <a:latin typeface="Calibri" charset="0"/>
-                <a:ea typeface="ＭＳ Ｐゴシック" charset="0"/>
-                <a:cs typeface="ＭＳ Ｐゴシック" charset="0"/>
-              </a:rPr>
-              <a:t>Statement</a:t>
-            </a:r>
-          </a:p>
-          <a:p>
-            <a:pPr marL="1614488" indent="-1614488" eaLnBrk="1" hangingPunct="1">
-              <a:lnSpc>
-                <a:spcPct val="90000"/>
-              </a:lnSpc>
+              <a:t> tag</a:t>
+            </a:r>
+            <a:r>
+              <a:rPr lang="en-GB" sz="2000" dirty="0" smtClean="0">
+                <a:latin typeface="Calibri" charset="0"/>
+                <a:ea typeface="ＭＳ Ｐゴシック" charset="0"/>
+                <a:cs typeface="ＭＳ Ｐゴシック" charset="0"/>
+              </a:rPr>
+              <a:t>s</a:t>
+            </a:r>
+          </a:p>
+          <a:p>
+            <a:pPr eaLnBrk="1" hangingPunct="1">
               <a:buClr>
                 <a:schemeClr val="accent2"/>
               </a:buClr>
-              <a:buFont typeface="Wingdings 2" charset="0"/>
-              <a:buNone/>
             </a:pPr>
             <a:r>
-              <a:rPr lang="en-US" sz="2000" dirty="0" smtClean="0">
-                <a:latin typeface="Calibri" charset="0"/>
-                <a:ea typeface="ＭＳ Ｐゴシック" charset="0"/>
-                <a:cs typeface="ＭＳ Ｐゴシック" charset="0"/>
-              </a:rPr>
-              <a:t>09:30 </a:t>
-            </a:r>
-            <a:r>
-              <a:rPr lang="en-US" sz="2000" dirty="0" smtClean="0">
-                <a:latin typeface="Calibri" charset="0"/>
-                <a:ea typeface="ＭＳ Ｐゴシック" charset="0"/>
-                <a:cs typeface="ＭＳ Ｐゴシック" charset="0"/>
-              </a:rPr>
-              <a:t>– </a:t>
-            </a:r>
-            <a:r>
-              <a:rPr lang="en-US" sz="2000" dirty="0" smtClean="0">
-                <a:latin typeface="Calibri" charset="0"/>
-                <a:ea typeface="ＭＳ Ｐゴシック" charset="0"/>
-                <a:cs typeface="ＭＳ Ｐゴシック" charset="0"/>
-              </a:rPr>
-              <a:t>10:00</a:t>
-            </a:r>
-            <a:r>
-              <a:rPr lang="en-US" sz="2000" dirty="0" smtClean="0">
-                <a:latin typeface="Calibri" charset="0"/>
-                <a:ea typeface="ＭＳ Ｐゴシック" charset="0"/>
-                <a:cs typeface="ＭＳ Ｐゴシック" charset="0"/>
-              </a:rPr>
-              <a:t>	OAuth Overview</a:t>
-            </a:r>
-            <a:r>
-              <a:rPr lang="en-US" sz="2000" dirty="0">
-                <a:latin typeface="Calibri" charset="0"/>
-                <a:ea typeface="ＭＳ Ｐゴシック" charset="0"/>
-                <a:cs typeface="ＭＳ Ｐゴシック" charset="0"/>
-              </a:rPr>
-              <a:t>	</a:t>
-            </a:r>
-          </a:p>
-          <a:p>
-            <a:pPr marL="1614488" indent="-1614488" eaLnBrk="1" hangingPunct="1">
-              <a:lnSpc>
-                <a:spcPct val="90000"/>
-              </a:lnSpc>
+              <a:rPr lang="en-GB" sz="2000" dirty="0" smtClean="0">
+                <a:latin typeface="Calibri" charset="0"/>
+                <a:ea typeface="ＭＳ Ｐゴシック" charset="0"/>
+                <a:cs typeface="ＭＳ Ｐゴシック" charset="0"/>
+              </a:rPr>
+              <a:t>The tag is preceded by comments which explain what you have to do</a:t>
+            </a:r>
+          </a:p>
+          <a:p>
+            <a:pPr eaLnBrk="1" hangingPunct="1">
               <a:buClr>
                 <a:schemeClr val="accent2"/>
               </a:buClr>
-              <a:buFont typeface="Wingdings 2" charset="0"/>
-              <a:buNone/>
             </a:pPr>
             <a:r>
-              <a:rPr lang="en-US" sz="2000" dirty="0" smtClean="0">
-                <a:latin typeface="Calibri" charset="0"/>
-                <a:ea typeface="ＭＳ Ｐゴシック" charset="0"/>
-                <a:cs typeface="ＭＳ Ｐゴシック" charset="0"/>
-              </a:rPr>
-              <a:t>10:00 </a:t>
-            </a:r>
-            <a:r>
-              <a:rPr lang="en-US" sz="2000" dirty="0">
-                <a:latin typeface="Calibri" charset="0"/>
-                <a:ea typeface="ＭＳ Ｐゴシック" charset="0"/>
-                <a:cs typeface="ＭＳ Ｐゴシック" charset="0"/>
-              </a:rPr>
-              <a:t>– </a:t>
-            </a:r>
-            <a:r>
-              <a:rPr lang="en-US" sz="2000" dirty="0" smtClean="0">
-                <a:latin typeface="Calibri" charset="0"/>
-                <a:ea typeface="ＭＳ Ｐゴシック" charset="0"/>
-                <a:cs typeface="ＭＳ Ｐゴシック" charset="0"/>
-              </a:rPr>
-              <a:t>10:15</a:t>
-            </a:r>
-            <a:r>
-              <a:rPr lang="en-US" sz="2000" dirty="0">
-                <a:latin typeface="Calibri" charset="0"/>
-                <a:ea typeface="ＭＳ Ｐゴシック" charset="0"/>
-                <a:cs typeface="ＭＳ Ｐゴシック" charset="0"/>
-              </a:rPr>
-              <a:t>	Environment </a:t>
-            </a:r>
-            <a:r>
-              <a:rPr lang="en-US" sz="2000" dirty="0" smtClean="0">
-                <a:latin typeface="Calibri" charset="0"/>
-                <a:ea typeface="ＭＳ Ｐゴシック" charset="0"/>
-                <a:cs typeface="ＭＳ Ｐゴシック" charset="0"/>
-              </a:rPr>
-              <a:t>Setup </a:t>
-            </a:r>
-            <a:r>
-              <a:rPr lang="en-US" sz="2000" dirty="0">
-                <a:latin typeface="Calibri" charset="0"/>
-                <a:ea typeface="ＭＳ Ｐゴシック" charset="0"/>
-                <a:cs typeface="ＭＳ Ｐゴシック" charset="0"/>
-              </a:rPr>
-              <a:t>and </a:t>
-            </a:r>
-            <a:r>
-              <a:rPr lang="en-US" sz="2000" dirty="0" smtClean="0">
-                <a:latin typeface="Calibri" charset="0"/>
-                <a:ea typeface="ＭＳ Ｐゴシック" charset="0"/>
-                <a:cs typeface="ＭＳ Ｐゴシック" charset="0"/>
-              </a:rPr>
-              <a:t>Break</a:t>
-            </a:r>
-            <a:r>
-              <a:rPr lang="en-US" sz="2000" dirty="0">
-                <a:latin typeface="Calibri" charset="0"/>
-                <a:ea typeface="ＭＳ Ｐゴシック" charset="0"/>
-                <a:cs typeface="ＭＳ Ｐゴシック" charset="0"/>
-              </a:rPr>
-              <a:t>	</a:t>
-            </a:r>
-          </a:p>
-          <a:p>
-            <a:pPr marL="1614488" indent="-1614488" eaLnBrk="1" hangingPunct="1">
-              <a:lnSpc>
-                <a:spcPct val="90000"/>
-              </a:lnSpc>
+              <a:rPr lang="en-GB" sz="2000" dirty="0" smtClean="0">
+                <a:latin typeface="Calibri" charset="0"/>
+                <a:ea typeface="ＭＳ Ｐゴシック" charset="0"/>
+                <a:cs typeface="ＭＳ Ｐゴシック" charset="0"/>
+              </a:rPr>
+              <a:t>If you get stuck, look at the same file in the </a:t>
+            </a:r>
+            <a:r>
+              <a:rPr lang="en-GB" sz="2000" b="1" dirty="0" smtClean="0">
+                <a:latin typeface="Calibri" charset="0"/>
+                <a:ea typeface="ＭＳ Ｐゴシック" charset="0"/>
+                <a:cs typeface="ＭＳ Ｐゴシック" charset="0"/>
+              </a:rPr>
+              <a:t>demo</a:t>
+            </a:r>
+            <a:r>
+              <a:rPr lang="en-GB" sz="2000" dirty="0" smtClean="0">
+                <a:latin typeface="Calibri" charset="0"/>
+                <a:ea typeface="ＭＳ Ｐゴシック" charset="0"/>
+                <a:cs typeface="ＭＳ Ｐゴシック" charset="0"/>
+              </a:rPr>
+              <a:t> directory</a:t>
+            </a:r>
+          </a:p>
+          <a:p>
+            <a:pPr eaLnBrk="1" hangingPunct="1">
               <a:buClr>
                 <a:schemeClr val="accent2"/>
               </a:buClr>
-              <a:buFont typeface="Wingdings 2" charset="0"/>
-              <a:buNone/>
             </a:pPr>
             <a:r>
+              <a:rPr lang="en-GB" sz="2000" dirty="0" smtClean="0">
+                <a:latin typeface="Calibri" charset="0"/>
+                <a:ea typeface="ＭＳ Ｐゴシック" charset="0"/>
+                <a:cs typeface="ＭＳ Ｐゴシック" charset="0"/>
+              </a:rPr>
+              <a:t>You can also make Dropbox calls in the interpreter using the module variable </a:t>
+            </a:r>
+            <a:r>
+              <a:rPr lang="en-GB" sz="2000" b="1" dirty="0" err="1" smtClean="0"/>
+              <a:t>dropbox_client</a:t>
+            </a:r>
+            <a:r>
+              <a:rPr lang="en-GB" sz="2000" dirty="0"/>
+              <a:t> </a:t>
+            </a:r>
+            <a:r>
+              <a:rPr lang="en-GB" sz="2000" dirty="0" smtClean="0"/>
+              <a:t>(a </a:t>
+            </a:r>
+            <a:r>
+              <a:rPr lang="en-GB" sz="2000" b="1" dirty="0" err="1" smtClean="0"/>
+              <a:t>DropboxClient</a:t>
+            </a:r>
+            <a:r>
+              <a:rPr lang="en-GB" sz="2000" b="1" dirty="0" smtClean="0"/>
+              <a:t>()</a:t>
+            </a:r>
+            <a:r>
+              <a:rPr lang="en-GB" sz="2000" dirty="0" smtClean="0"/>
+              <a:t>)</a:t>
+            </a:r>
+          </a:p>
+          <a:p>
+            <a:pPr lvl="1" eaLnBrk="1" hangingPunct="1">
+              <a:buClr>
+                <a:schemeClr val="accent2"/>
+              </a:buClr>
+            </a:pPr>
+            <a:r>
               <a:rPr lang="en-US" sz="2000" dirty="0" smtClean="0">
                 <a:latin typeface="Calibri" charset="0"/>
                 <a:ea typeface="ＭＳ Ｐゴシック" charset="0"/>
                 <a:cs typeface="ＭＳ Ｐゴシック" charset="0"/>
               </a:rPr>
-              <a:t>10:15 –11:00</a:t>
-            </a:r>
-            <a:r>
-              <a:rPr lang="en-US" sz="2000" dirty="0">
-                <a:latin typeface="Calibri" charset="0"/>
-                <a:ea typeface="ＭＳ Ｐゴシック" charset="0"/>
-                <a:cs typeface="ＭＳ Ｐゴシック" charset="0"/>
-              </a:rPr>
-              <a:t>	Exercise 1: Granting </a:t>
+              <a:t>see </a:t>
             </a:r>
             <a:r>
               <a:rPr lang="en-US" sz="2000" dirty="0" smtClean="0">
                 <a:latin typeface="Calibri" charset="0"/>
                 <a:ea typeface="ＭＳ Ｐゴシック" charset="0"/>
                 <a:cs typeface="ＭＳ Ｐゴシック" charset="0"/>
-              </a:rPr>
-              <a:t>Access </a:t>
-            </a:r>
-            <a:r>
-              <a:rPr lang="en-US" sz="2000" dirty="0">
-                <a:latin typeface="Calibri" charset="0"/>
-                <a:ea typeface="ＭＳ Ｐゴシック" charset="0"/>
-                <a:cs typeface="ＭＳ Ｐゴシック" charset="0"/>
-              </a:rPr>
-              <a:t>to Dropbox </a:t>
+                <a:hlinkClick r:id="rId2"/>
+              </a:rPr>
+              <a:t>https://www.dropbox.com/developers/core/docs/python</a:t>
             </a:r>
             <a:r>
               <a:rPr lang="en-US" sz="2000" dirty="0" smtClean="0">
@@ -15095,7 +16098,7 @@
                 <a:ea typeface="ＭＳ Ｐゴシック" charset="0"/>
                 <a:cs typeface="ＭＳ Ｐゴシック" charset="0"/>
               </a:rPr>
-              <a:t>Programmatically</a:t>
+              <a:t> </a:t>
             </a:r>
             <a:endParaRPr lang="en-US" sz="2000" dirty="0">
               <a:latin typeface="Calibri" charset="0"/>
@@ -15103,184 +16106,11 @@
               <a:cs typeface="ＭＳ Ｐゴシック" charset="0"/>
             </a:endParaRPr>
           </a:p>
-          <a:p>
-            <a:pPr marL="1614488" indent="-1614488" eaLnBrk="1" hangingPunct="1">
-              <a:lnSpc>
-                <a:spcPct val="90000"/>
-              </a:lnSpc>
-              <a:buClr>
-                <a:schemeClr val="accent2"/>
-              </a:buClr>
-              <a:buFont typeface="Wingdings 2" charset="0"/>
-              <a:buNone/>
-            </a:pPr>
-            <a:r>
-              <a:rPr lang="en-US" sz="2000" dirty="0" smtClean="0">
-                <a:latin typeface="Calibri" charset="0"/>
-                <a:ea typeface="ＭＳ Ｐゴシック" charset="0"/>
-                <a:cs typeface="ＭＳ Ｐゴシック" charset="0"/>
-              </a:rPr>
-              <a:t>11:00 </a:t>
-            </a:r>
-            <a:r>
-              <a:rPr lang="en-US" sz="2000" dirty="0">
-                <a:latin typeface="Calibri" charset="0"/>
-                <a:ea typeface="ＭＳ Ｐゴシック" charset="0"/>
-                <a:cs typeface="ＭＳ Ｐゴシック" charset="0"/>
-              </a:rPr>
-              <a:t>– </a:t>
-            </a:r>
-            <a:r>
-              <a:rPr lang="en-US" sz="2000" dirty="0" smtClean="0">
-                <a:latin typeface="Calibri" charset="0"/>
-                <a:ea typeface="ＭＳ Ｐゴシック" charset="0"/>
-                <a:cs typeface="ＭＳ Ｐゴシック" charset="0"/>
-              </a:rPr>
-              <a:t>11:15</a:t>
-            </a:r>
-            <a:r>
-              <a:rPr lang="en-US" sz="2000" dirty="0">
-                <a:latin typeface="Calibri" charset="0"/>
-                <a:ea typeface="ＭＳ Ｐゴシック" charset="0"/>
-                <a:cs typeface="ＭＳ Ｐゴシック" charset="0"/>
-              </a:rPr>
-              <a:t>	</a:t>
-            </a:r>
-            <a:r>
-              <a:rPr lang="en-US" sz="2000" dirty="0" smtClean="0">
-                <a:latin typeface="Calibri" charset="0"/>
-                <a:ea typeface="ＭＳ Ｐゴシック" charset="0"/>
-                <a:cs typeface="ＭＳ Ｐゴシック" charset="0"/>
-              </a:rPr>
-              <a:t>Break</a:t>
-            </a:r>
-            <a:endParaRPr lang="en-US" sz="2000" dirty="0">
-              <a:latin typeface="Calibri" charset="0"/>
-              <a:ea typeface="ＭＳ Ｐゴシック" charset="0"/>
-              <a:cs typeface="ＭＳ Ｐゴシック" charset="0"/>
-            </a:endParaRPr>
-          </a:p>
-          <a:p>
-            <a:pPr marL="1614488" indent="-1614488" eaLnBrk="1" hangingPunct="1">
-              <a:lnSpc>
-                <a:spcPct val="90000"/>
-              </a:lnSpc>
-              <a:buClr>
-                <a:schemeClr val="accent2"/>
-              </a:buClr>
-              <a:buFont typeface="Wingdings 2" charset="0"/>
-              <a:buNone/>
-            </a:pPr>
-            <a:r>
-              <a:rPr lang="en-US" sz="2000" dirty="0" smtClean="0">
-                <a:latin typeface="Calibri" charset="0"/>
-                <a:ea typeface="ＭＳ Ｐゴシック" charset="0"/>
-                <a:cs typeface="ＭＳ Ｐゴシック" charset="0"/>
-              </a:rPr>
-              <a:t>11:15 </a:t>
-            </a:r>
-            <a:r>
-              <a:rPr lang="en-US" sz="2000" dirty="0">
-                <a:latin typeface="Calibri" charset="0"/>
-                <a:ea typeface="ＭＳ Ｐゴシック" charset="0"/>
-                <a:cs typeface="ＭＳ Ｐゴシック" charset="0"/>
-              </a:rPr>
-              <a:t>– </a:t>
-            </a:r>
-            <a:r>
-              <a:rPr lang="en-US" sz="2000" dirty="0" smtClean="0">
-                <a:latin typeface="Calibri" charset="0"/>
-                <a:ea typeface="ＭＳ Ｐゴシック" charset="0"/>
-                <a:cs typeface="ＭＳ Ｐゴシック" charset="0"/>
-              </a:rPr>
-              <a:t>11:45</a:t>
-            </a:r>
-            <a:r>
-              <a:rPr lang="en-US" sz="2000" dirty="0">
-                <a:latin typeface="Calibri" charset="0"/>
-                <a:ea typeface="ＭＳ Ｐゴシック" charset="0"/>
-                <a:cs typeface="ＭＳ Ｐゴシック" charset="0"/>
-              </a:rPr>
-              <a:t>	Exercise 2: Using the Dropbox API to </a:t>
-            </a:r>
-            <a:r>
-              <a:rPr lang="en-US" sz="2000" dirty="0" smtClean="0">
-                <a:latin typeface="Calibri" charset="0"/>
-                <a:ea typeface="ＭＳ Ｐゴシック" charset="0"/>
-                <a:cs typeface="ＭＳ Ｐゴシック" charset="0"/>
-              </a:rPr>
-              <a:t>Read </a:t>
-            </a:r>
-            <a:r>
-              <a:rPr lang="en-US" sz="2000" dirty="0">
-                <a:latin typeface="Calibri" charset="0"/>
-                <a:ea typeface="ＭＳ Ｐゴシック" charset="0"/>
-                <a:cs typeface="ＭＳ Ｐゴシック" charset="0"/>
-              </a:rPr>
-              <a:t>and </a:t>
-            </a:r>
-            <a:r>
-              <a:rPr lang="en-US" sz="2000" dirty="0" smtClean="0">
-                <a:latin typeface="Calibri" charset="0"/>
-                <a:ea typeface="ＭＳ Ｐゴシック" charset="0"/>
-                <a:cs typeface="ＭＳ Ｐゴシック" charset="0"/>
-              </a:rPr>
-              <a:t>Write Files </a:t>
-            </a:r>
-          </a:p>
-          <a:p>
-            <a:pPr marL="1614488" indent="-1614488" eaLnBrk="1" hangingPunct="1">
-              <a:lnSpc>
-                <a:spcPct val="90000"/>
-              </a:lnSpc>
-              <a:buClr>
-                <a:schemeClr val="accent2"/>
-              </a:buClr>
-              <a:buNone/>
-            </a:pPr>
-            <a:r>
-              <a:rPr lang="en-US" sz="2000" dirty="0" smtClean="0">
-                <a:latin typeface="Calibri" charset="0"/>
-                <a:ea typeface="ＭＳ Ｐゴシック" charset="0"/>
-                <a:cs typeface="ＭＳ Ｐゴシック" charset="0"/>
-              </a:rPr>
-              <a:t>11:45 </a:t>
-            </a:r>
-            <a:r>
-              <a:rPr lang="en-US" sz="2000" dirty="0" smtClean="0">
-                <a:latin typeface="Calibri" charset="0"/>
-                <a:ea typeface="ＭＳ Ｐゴシック" charset="0"/>
-                <a:cs typeface="ＭＳ Ｐゴシック" charset="0"/>
-              </a:rPr>
-              <a:t>– </a:t>
-            </a:r>
-            <a:r>
-              <a:rPr lang="en-US" sz="2000" dirty="0" smtClean="0">
-                <a:latin typeface="Calibri" charset="0"/>
-                <a:ea typeface="ＭＳ Ｐゴシック" charset="0"/>
-                <a:cs typeface="ＭＳ Ｐゴシック" charset="0"/>
-              </a:rPr>
-              <a:t>12:00</a:t>
-            </a:r>
-            <a:r>
-              <a:rPr lang="en-US" sz="2000" dirty="0" smtClean="0">
-                <a:latin typeface="Calibri" charset="0"/>
-                <a:ea typeface="ＭＳ Ｐゴシック" charset="0"/>
-                <a:cs typeface="ＭＳ Ｐゴシック" charset="0"/>
-              </a:rPr>
-              <a:t>	Discussion: What Do We Think of OAuth?</a:t>
-            </a:r>
-            <a:endParaRPr lang="en-US" sz="2000" dirty="0">
-              <a:latin typeface="Calibri" charset="0"/>
-              <a:ea typeface="ＭＳ Ｐゴシック" charset="0"/>
-              <a:cs typeface="ＭＳ Ｐゴシック" charset="0"/>
-            </a:endParaRPr>
-          </a:p>
         </p:txBody>
       </p:sp>
       <p:sp>
         <p:nvSpPr>
-          <p:cNvPr id="3076" name="Slide Number Placeholder 17"/>
+          <p:cNvPr id="6148" name="Slide Number Placeholder 17"/>
           <p:cNvSpPr>
             <a:spLocks noGrp="1"/>
           </p:cNvSpPr>
@@ -15296,14 +16126,14 @@
           <a:noFill/>
           <a:extLst>
             <a:ext uri="{909E8E84-426E-40dd-AFC4-6F175D3DCCD1}">
-              <a14:hiddenFill xmlns:a14="http://schemas.microsoft.com/office/drawing/2010/main" xmlns="">
+              <a14:hiddenFill xmlns:a14="http://schemas.microsoft.com/office/drawing/2010/main">
                 <a:solidFill>
                   <a:srgbClr val="FFFFFF"/>
                 </a:solidFill>
               </a14:hiddenFill>
             </a:ext>
             <a:ext uri="{91240B29-F687-4f45-9708-019B960494DF}">
-              <a14:hiddenLine xmlns:a14="http://schemas.microsoft.com/office/drawing/2010/main" xmlns="" w="9525">
+              <a14:hiddenLine xmlns:a14="http://schemas.microsoft.com/office/drawing/2010/main" w="9525">
                 <a:solidFill>
                   <a:srgbClr val="000000"/>
                 </a:solidFill>
@@ -15425,7 +16255,7 @@
             </a:lvl9pPr>
           </a:lstStyle>
           <a:p>
-            <a:fld id="{9B73BB86-193E-BE4A-B4E7-B30E96C16081}" type="slidenum">
+            <a:fld id="{25CD1B4B-AADE-5845-A356-FBC12D20B348}" type="slidenum">
               <a:rPr lang="en-GB" b="1">
                 <a:solidFill>
                   <a:srgbClr val="045C75"/>
@@ -15433,9 +16263,9 @@
                 <a:cs typeface="Arial" charset="0"/>
               </a:rPr>
               <a:pPr/>
-              <a:t>2</a:t>
+              <a:t>21</a:t>
             </a:fld>
-            <a:endParaRPr lang="en-GB" b="1">
+            <a:endParaRPr lang="en-GB" b="1" dirty="0">
               <a:solidFill>
                 <a:srgbClr val="045C75"/>
               </a:solidFill>
@@ -15444,7 +16274,149 @@
           </a:p>
         </p:txBody>
       </p:sp>
+      <p:graphicFrame>
+        <p:nvGraphicFramePr>
+          <p:cNvPr id="5" name="Table 4"/>
+          <p:cNvGraphicFramePr>
+            <a:graphicFrameLocks noGrp="1"/>
+          </p:cNvGraphicFramePr>
+          <p:nvPr>
+            <p:extLst>
+              <p:ext uri="{D42A27DB-BD31-4B8C-83A1-F6EECF244321}">
+                <p14:modId xmlns:p14="http://schemas.microsoft.com/office/powerpoint/2010/main" val="3535650092"/>
+              </p:ext>
+            </p:extLst>
+          </p:nvPr>
+        </p:nvGraphicFramePr>
+        <p:xfrm>
+          <a:off x="584200" y="5193864"/>
+          <a:ext cx="8102600" cy="741680"/>
+        </p:xfrm>
+        <a:graphic>
+          <a:graphicData uri="http://schemas.openxmlformats.org/drawingml/2006/table">
+            <a:tbl>
+              <a:tblPr firstRow="1" bandRow="1">
+                <a:tableStyleId>{5C22544A-7EE6-4342-B048-85BDC9FD1C3A}</a:tableStyleId>
+              </a:tblPr>
+              <a:tblGrid>
+                <a:gridCol w="3454400"/>
+                <a:gridCol w="1905000"/>
+                <a:gridCol w="2743200"/>
+              </a:tblGrid>
+              <a:tr h="370840">
+                <a:tc>
+                  <a:txBody>
+                    <a:bodyPr/>
+                    <a:lstStyle/>
+                    <a:p>
+                      <a:r>
+                        <a:rPr lang="en-GB" dirty="0" smtClean="0"/>
+                        <a:t>Tasks</a:t>
+                      </a:r>
+                      <a:endParaRPr lang="en-GB" dirty="0"/>
+                    </a:p>
+                  </a:txBody>
+                  <a:tcPr/>
+                </a:tc>
+                <a:tc>
+                  <a:txBody>
+                    <a:bodyPr/>
+                    <a:lstStyle/>
+                    <a:p>
+                      <a:r>
+                        <a:rPr lang="en-GB" dirty="0" smtClean="0"/>
+                        <a:t>Python</a:t>
+                      </a:r>
+                      <a:endParaRPr lang="en-GB" dirty="0"/>
+                    </a:p>
+                  </a:txBody>
+                  <a:tcPr/>
+                </a:tc>
+                <a:tc>
+                  <a:txBody>
+                    <a:bodyPr/>
+                    <a:lstStyle/>
+                    <a:p>
+                      <a:r>
+                        <a:rPr lang="en-GB" dirty="0" smtClean="0"/>
+                        <a:t>Java</a:t>
+                      </a:r>
+                      <a:endParaRPr lang="en-GB" dirty="0"/>
+                    </a:p>
+                  </a:txBody>
+                  <a:tcPr/>
+                </a:tc>
+              </a:tr>
+              <a:tr h="370840">
+                <a:tc>
+                  <a:txBody>
+                    <a:bodyPr/>
+                    <a:lstStyle/>
+                    <a:p>
+                      <a:pPr marL="0" marR="0" lvl="1" indent="0" algn="l" defTabSz="914400" rtl="0" eaLnBrk="1" fontAlgn="auto" latinLnBrk="0" hangingPunct="1">
+                        <a:lnSpc>
+                          <a:spcPct val="100000"/>
+                        </a:lnSpc>
+                        <a:spcBef>
+                          <a:spcPts val="0"/>
+                        </a:spcBef>
+                        <a:spcAft>
+                          <a:spcPts val="0"/>
+                        </a:spcAft>
+                        <a:buClrTx/>
+                        <a:buSzTx/>
+                        <a:buFontTx/>
+                        <a:buNone/>
+                        <a:tabLst/>
+                        <a:defRPr/>
+                      </a:pPr>
+                      <a:r>
+                        <a:rPr lang="en-GB" sz="1400" dirty="0" smtClean="0"/>
+                        <a:t>display, create, delete files</a:t>
+                      </a:r>
+                    </a:p>
+                  </a:txBody>
+                  <a:tcPr/>
+                </a:tc>
+                <a:tc>
+                  <a:txBody>
+                    <a:bodyPr/>
+                    <a:lstStyle/>
+                    <a:p>
+                      <a:r>
+                        <a:rPr lang="en-GB" sz="1400" b="0" dirty="0" err="1" smtClean="0"/>
+                        <a:t>dropbox_tools.py</a:t>
+                      </a:r>
+                      <a:endParaRPr lang="en-GB" sz="1400" b="0" dirty="0"/>
+                    </a:p>
+                  </a:txBody>
+                  <a:tcPr/>
+                </a:tc>
+                <a:tc>
+                  <a:txBody>
+                    <a:bodyPr/>
+                    <a:lstStyle/>
+                    <a:p>
+                      <a:r>
+                        <a:rPr lang="en-GB" sz="1400" dirty="0" err="1" smtClean="0"/>
+                        <a:t>DropboxTools.java</a:t>
+                      </a:r>
+                      <a:endParaRPr lang="en-GB" sz="1400" dirty="0"/>
+                    </a:p>
+                  </a:txBody>
+                  <a:tcPr/>
+                </a:tc>
+              </a:tr>
+            </a:tbl>
+          </a:graphicData>
+        </a:graphic>
+      </p:graphicFrame>
     </p:spTree>
+    <p:extLst>
+      <p:ext uri="{BB962C8B-B14F-4D97-AF65-F5344CB8AC3E}">
+        <p14:creationId xmlns:p14="http://schemas.microsoft.com/office/powerpoint/2010/main" val="1306732012"/>
+      </p:ext>
+    </p:extLst>
   </p:cSld>
   <p:clrMapOvr>
     <a:masterClrMapping/>
@@ -15452,14 +16424,253 @@
   <p:timing>
     <p:tnLst>
       <p:par>
-        <p:cTn id="1" dur="indefinite" restart="never" nodeType="tmRoot"/>
+        <p:cTn xmlns:p14="http://schemas.microsoft.com/office/powerpoint/2010/main" id="1" dur="indefinite" restart="never" nodeType="tmRoot"/>
       </p:par>
     </p:tnLst>
   </p:timing>
 </p:sld>
 </file>
 
-<file path=ppt/slides/slide20.xml><?xml version="1.0" encoding="utf-8"?>
+<file path=ppt/slides/slide22.xml><?xml version="1.0" encoding="utf-8"?>
+<p:sld xmlns:a="http://schemas.openxmlformats.org/drawingml/2006/main" xmlns:r="http://schemas.openxmlformats.org/officeDocument/2006/relationships" xmlns:p="http://schemas.openxmlformats.org/presentationml/2006/main">
+  <p:cSld>
+    <p:spTree>
+      <p:nvGrpSpPr>
+        <p:cNvPr id="1" name=""/>
+        <p:cNvGrpSpPr/>
+        <p:nvPr/>
+      </p:nvGrpSpPr>
+      <p:grpSpPr>
+        <a:xfrm>
+          <a:off x="0" y="0"/>
+          <a:ext cx="0" cy="0"/>
+          <a:chOff x="0" y="0"/>
+          <a:chExt cx="0" cy="0"/>
+        </a:xfrm>
+      </p:grpSpPr>
+      <p:sp>
+        <p:nvSpPr>
+          <p:cNvPr id="2050" name="Text Box 4"/>
+          <p:cNvSpPr txBox="1">
+            <a:spLocks noChangeArrowheads="1"/>
+          </p:cNvSpPr>
+          <p:nvPr/>
+        </p:nvSpPr>
+        <p:spPr bwMode="auto">
+          <a:xfrm>
+            <a:off x="349250" y="1246188"/>
+            <a:ext cx="8366125" cy="1569660"/>
+          </a:xfrm>
+          <a:prstGeom prst="rect">
+            <a:avLst/>
+          </a:prstGeom>
+          <a:noFill/>
+          <a:ln>
+            <a:noFill/>
+          </a:ln>
+          <a:extLst>
+            <a:ext uri="{909E8E84-426E-40dd-AFC4-6F175D3DCCD1}">
+              <a14:hiddenFill xmlns:a14="http://schemas.microsoft.com/office/drawing/2010/main">
+                <a:solidFill>
+                  <a:srgbClr val="FFFFFF"/>
+                </a:solidFill>
+              </a14:hiddenFill>
+            </a:ext>
+            <a:ext uri="{91240B29-F687-4f45-9708-019B960494DF}">
+              <a14:hiddenLine xmlns:a14="http://schemas.microsoft.com/office/drawing/2010/main" w="9525">
+                <a:solidFill>
+                  <a:srgbClr val="000000"/>
+                </a:solidFill>
+                <a:miter lim="800000"/>
+                <a:headEnd/>
+                <a:tailEnd/>
+              </a14:hiddenLine>
+            </a:ext>
+          </a:extLst>
+        </p:spPr>
+        <p:txBody>
+          <a:bodyPr>
+            <a:spAutoFit/>
+          </a:bodyPr>
+          <a:lstStyle>
+            <a:lvl1pPr>
+              <a:defRPr>
+                <a:solidFill>
+                  <a:schemeClr val="tx1"/>
+                </a:solidFill>
+                <a:latin typeface="Arial" charset="0"/>
+                <a:ea typeface="ＭＳ Ｐゴシック" charset="0"/>
+                <a:cs typeface="ＭＳ Ｐゴシック" charset="0"/>
+              </a:defRPr>
+            </a:lvl1pPr>
+            <a:lvl2pPr marL="742950" indent="-285750">
+              <a:defRPr>
+                <a:solidFill>
+                  <a:schemeClr val="tx1"/>
+                </a:solidFill>
+                <a:latin typeface="Arial" charset="0"/>
+                <a:ea typeface="ＭＳ Ｐゴシック" charset="0"/>
+              </a:defRPr>
+            </a:lvl2pPr>
+            <a:lvl3pPr marL="1143000" indent="-228600">
+              <a:defRPr>
+                <a:solidFill>
+                  <a:schemeClr val="tx1"/>
+                </a:solidFill>
+                <a:latin typeface="Arial" charset="0"/>
+                <a:ea typeface="ＭＳ Ｐゴシック" charset="0"/>
+              </a:defRPr>
+            </a:lvl3pPr>
+            <a:lvl4pPr marL="1600200" indent="-228600">
+              <a:defRPr>
+                <a:solidFill>
+                  <a:schemeClr val="tx1"/>
+                </a:solidFill>
+                <a:latin typeface="Arial" charset="0"/>
+                <a:ea typeface="ＭＳ Ｐゴシック" charset="0"/>
+              </a:defRPr>
+            </a:lvl4pPr>
+            <a:lvl5pPr marL="2057400" indent="-228600">
+              <a:defRPr>
+                <a:solidFill>
+                  <a:schemeClr val="tx1"/>
+                </a:solidFill>
+                <a:latin typeface="Arial" charset="0"/>
+                <a:ea typeface="ＭＳ Ｐゴシック" charset="0"/>
+              </a:defRPr>
+            </a:lvl5pPr>
+            <a:lvl6pPr marL="2514600" indent="-228600" eaLnBrk="0" fontAlgn="base" hangingPunct="0">
+              <a:spcBef>
+                <a:spcPct val="0"/>
+              </a:spcBef>
+              <a:spcAft>
+                <a:spcPct val="0"/>
+              </a:spcAft>
+              <a:defRPr>
+                <a:solidFill>
+                  <a:schemeClr val="tx1"/>
+                </a:solidFill>
+                <a:latin typeface="Arial" charset="0"/>
+                <a:ea typeface="ＭＳ Ｐゴシック" charset="0"/>
+              </a:defRPr>
+            </a:lvl6pPr>
+            <a:lvl7pPr marL="2971800" indent="-228600" eaLnBrk="0" fontAlgn="base" hangingPunct="0">
+              <a:spcBef>
+                <a:spcPct val="0"/>
+              </a:spcBef>
+              <a:spcAft>
+                <a:spcPct val="0"/>
+              </a:spcAft>
+              <a:defRPr>
+                <a:solidFill>
+                  <a:schemeClr val="tx1"/>
+                </a:solidFill>
+                <a:latin typeface="Arial" charset="0"/>
+                <a:ea typeface="ＭＳ Ｐゴシック" charset="0"/>
+              </a:defRPr>
+            </a:lvl7pPr>
+            <a:lvl8pPr marL="3429000" indent="-228600" eaLnBrk="0" fontAlgn="base" hangingPunct="0">
+              <a:spcBef>
+                <a:spcPct val="0"/>
+              </a:spcBef>
+              <a:spcAft>
+                <a:spcPct val="0"/>
+              </a:spcAft>
+              <a:defRPr>
+                <a:solidFill>
+                  <a:schemeClr val="tx1"/>
+                </a:solidFill>
+                <a:latin typeface="Arial" charset="0"/>
+                <a:ea typeface="ＭＳ Ｐゴシック" charset="0"/>
+              </a:defRPr>
+            </a:lvl8pPr>
+            <a:lvl9pPr marL="3886200" indent="-228600" eaLnBrk="0" fontAlgn="base" hangingPunct="0">
+              <a:spcBef>
+                <a:spcPct val="0"/>
+              </a:spcBef>
+              <a:spcAft>
+                <a:spcPct val="0"/>
+              </a:spcAft>
+              <a:defRPr>
+                <a:solidFill>
+                  <a:schemeClr val="tx1"/>
+                </a:solidFill>
+                <a:latin typeface="Arial" charset="0"/>
+                <a:ea typeface="ＭＳ Ｐゴシック" charset="0"/>
+              </a:defRPr>
+            </a:lvl9pPr>
+          </a:lstStyle>
+          <a:p>
+            <a:pPr defTabSz="914400"/>
+            <a:r>
+              <a:rPr lang="en-GB" sz="2800" dirty="0">
+                <a:solidFill>
+                  <a:schemeClr val="tx2"/>
+                </a:solidFill>
+                <a:latin typeface="Calibri" charset="0"/>
+              </a:rPr>
+              <a:t>Keeping Passwords Private with </a:t>
+            </a:r>
+            <a:r>
+              <a:rPr lang="en-GB" sz="2800" dirty="0" smtClean="0">
+                <a:solidFill>
+                  <a:schemeClr val="tx2"/>
+                </a:solidFill>
+                <a:latin typeface="Calibri" charset="0"/>
+              </a:rPr>
+              <a:t>OAuth</a:t>
+            </a:r>
+          </a:p>
+          <a:p>
+            <a:pPr defTabSz="914400"/>
+            <a:endParaRPr lang="en-GB" sz="2800" dirty="0">
+              <a:solidFill>
+                <a:schemeClr val="tx2"/>
+              </a:solidFill>
+              <a:latin typeface="Calibri" charset="0"/>
+            </a:endParaRPr>
+          </a:p>
+          <a:p>
+            <a:pPr defTabSz="914400"/>
+            <a:r>
+              <a:rPr lang="en-US" sz="4000" dirty="0" smtClean="0">
+                <a:solidFill>
+                  <a:schemeClr val="tx2"/>
+                </a:solidFill>
+                <a:latin typeface="Calibri" charset="0"/>
+              </a:rPr>
+              <a:t>Conclusion</a:t>
+            </a:r>
+            <a:endParaRPr lang="en-GB" sz="4000" dirty="0">
+              <a:solidFill>
+                <a:schemeClr val="tx2"/>
+              </a:solidFill>
+              <a:latin typeface="Calibri" charset="0"/>
+            </a:endParaRPr>
+          </a:p>
+        </p:txBody>
+      </p:sp>
+    </p:spTree>
+    <p:extLst>
+      <p:ext uri="{BB962C8B-B14F-4D97-AF65-F5344CB8AC3E}">
+        <p14:creationId xmlns:p14="http://schemas.microsoft.com/office/powerpoint/2010/main" val="2777446546"/>
+      </p:ext>
+    </p:extLst>
+  </p:cSld>
+  <p:clrMapOvr>
+    <a:masterClrMapping/>
+  </p:clrMapOvr>
+  <p:timing>
+    <p:tnLst>
+      <p:par>
+        <p:cTn xmlns:p14="http://schemas.microsoft.com/office/powerpoint/2010/main" id="1" dur="indefinite" restart="never" nodeType="tmRoot"/>
+      </p:par>
+    </p:tnLst>
+  </p:timing>
+</p:sld>
+</file>
+
+<file path=ppt/slides/slide23.xml><?xml version="1.0" encoding="utf-8"?>
 <p:sld xmlns:a="http://schemas.openxmlformats.org/drawingml/2006/main" xmlns:r="http://schemas.openxmlformats.org/officeDocument/2006/relationships" xmlns:p="http://schemas.openxmlformats.org/presentationml/2006/main">
   <p:cSld>
     <p:spTree>
@@ -15765,14 +16976,14 @@
           <a:noFill/>
           <a:extLst>
             <a:ext uri="{909E8E84-426E-40dd-AFC4-6F175D3DCCD1}">
-              <a14:hiddenFill xmlns:a14="http://schemas.microsoft.com/office/drawing/2010/main" xmlns="">
+              <a14:hiddenFill xmlns:a14="http://schemas.microsoft.com/office/drawing/2010/main">
                 <a:solidFill>
                   <a:srgbClr val="FFFFFF"/>
                 </a:solidFill>
               </a14:hiddenFill>
             </a:ext>
             <a:ext uri="{91240B29-F687-4f45-9708-019B960494DF}">
-              <a14:hiddenLine xmlns:a14="http://schemas.microsoft.com/office/drawing/2010/main" xmlns="" w="9525">
+              <a14:hiddenLine xmlns:a14="http://schemas.microsoft.com/office/drawing/2010/main" w="9525">
                 <a:solidFill>
                   <a:srgbClr val="000000"/>
                 </a:solidFill>
@@ -15902,7 +17113,7 @@
                 <a:cs typeface="Arial" charset="0"/>
               </a:rPr>
               <a:pPr/>
-              <a:t>20</a:t>
+              <a:t>23</a:t>
             </a:fld>
             <a:endParaRPr lang="en-GB" b="1" dirty="0">
               <a:solidFill>
@@ -15970,7 +17181,7 @@
     </p:spTree>
     <p:extLst>
       <p:ext uri="{BB962C8B-B14F-4D97-AF65-F5344CB8AC3E}">
-        <p14:creationId xmlns:p14="http://schemas.microsoft.com/office/powerpoint/2010/main" xmlns="" val="873895107"/>
+        <p14:creationId xmlns:p14="http://schemas.microsoft.com/office/powerpoint/2010/main" val="873895107"/>
       </p:ext>
     </p:extLst>
   </p:cSld>
@@ -15980,14 +17191,14 @@
   <p:timing>
     <p:tnLst>
       <p:par>
-        <p:cTn id="1" dur="indefinite" restart="never" nodeType="tmRoot"/>
+        <p:cTn xmlns:p14="http://schemas.microsoft.com/office/powerpoint/2010/main" id="1" dur="indefinite" restart="never" nodeType="tmRoot"/>
       </p:par>
     </p:tnLst>
   </p:timing>
 </p:sld>
 </file>
 
-<file path=ppt/slides/slide21.xml><?xml version="1.0" encoding="utf-8"?>
+<file path=ppt/slides/slide24.xml><?xml version="1.0" encoding="utf-8"?>
 <p:sld xmlns:a="http://schemas.openxmlformats.org/drawingml/2006/main" xmlns:r="http://schemas.openxmlformats.org/officeDocument/2006/relationships" xmlns:p="http://schemas.openxmlformats.org/presentationml/2006/main">
   <p:cSld>
     <p:spTree>
@@ -16026,14 +17237,14 @@
           </a:ln>
           <a:extLst>
             <a:ext uri="{909E8E84-426E-40dd-AFC4-6F175D3DCCD1}">
-              <a14:hiddenFill xmlns:a14="http://schemas.microsoft.com/office/drawing/2010/main" xmlns="">
+              <a14:hiddenFill xmlns:a14="http://schemas.microsoft.com/office/drawing/2010/main">
                 <a:solidFill>
                   <a:srgbClr val="FFFFFF"/>
                 </a:solidFill>
               </a14:hiddenFill>
             </a:ext>
             <a:ext uri="{91240B29-F687-4f45-9708-019B960494DF}">
-              <a14:hiddenLine xmlns:a14="http://schemas.microsoft.com/office/drawing/2010/main" xmlns="" w="9525">
+              <a14:hiddenLine xmlns:a14="http://schemas.microsoft.com/office/drawing/2010/main" w="9525">
                 <a:solidFill>
                   <a:srgbClr val="000000"/>
                 </a:solidFill>
@@ -16195,7 +17406,7 @@
                 </a:solidFill>
                 <a:latin typeface="Calibri" charset="0"/>
               </a:rPr>
-              <a:t>Appendix: Further Information</a:t>
+              <a:t>Appendix</a:t>
             </a:r>
             <a:endParaRPr lang="en-GB" sz="4000" dirty="0">
               <a:solidFill>
@@ -16209,7 +17420,7 @@
     </p:spTree>
     <p:extLst>
       <p:ext uri="{BB962C8B-B14F-4D97-AF65-F5344CB8AC3E}">
-        <p14:creationId xmlns:p14="http://schemas.microsoft.com/office/powerpoint/2010/main" xmlns="" val="807119471"/>
+        <p14:creationId xmlns:p14="http://schemas.microsoft.com/office/powerpoint/2010/main" val="807119471"/>
       </p:ext>
     </p:extLst>
   </p:cSld>
@@ -16219,14 +17430,909 @@
   <p:timing>
     <p:tnLst>
       <p:par>
-        <p:cTn id="1" dur="indefinite" restart="never" nodeType="tmRoot"/>
+        <p:cTn xmlns:p14="http://schemas.microsoft.com/office/powerpoint/2010/main" id="1" dur="indefinite" restart="never" nodeType="tmRoot"/>
       </p:par>
     </p:tnLst>
   </p:timing>
 </p:sld>
 </file>
 
-<file path=ppt/slides/slide22.xml><?xml version="1.0" encoding="utf-8"?>
+<file path=ppt/slides/slide25.xml><?xml version="1.0" encoding="utf-8"?>
+<p:sld xmlns:a="http://schemas.openxmlformats.org/drawingml/2006/main" xmlns:r="http://schemas.openxmlformats.org/officeDocument/2006/relationships" xmlns:p="http://schemas.openxmlformats.org/presentationml/2006/main">
+  <p:cSld>
+    <p:spTree>
+      <p:nvGrpSpPr>
+        <p:cNvPr id="1" name=""/>
+        <p:cNvGrpSpPr/>
+        <p:nvPr/>
+      </p:nvGrpSpPr>
+      <p:grpSpPr>
+        <a:xfrm>
+          <a:off x="0" y="0"/>
+          <a:ext cx="0" cy="0"/>
+          <a:chOff x="0" y="0"/>
+          <a:chExt cx="0" cy="0"/>
+        </a:xfrm>
+      </p:grpSpPr>
+      <p:pic>
+        <p:nvPicPr>
+          <p:cNvPr id="6" name="Picture 5" descr="TerminalScreenSnapz004.png"/>
+          <p:cNvPicPr>
+            <a:picLocks noChangeAspect="1"/>
+          </p:cNvPicPr>
+          <p:nvPr/>
+        </p:nvPicPr>
+        <p:blipFill>
+          <a:blip r:embed="rId2">
+            <a:extLst>
+              <a:ext uri="{28A0092B-C50C-407E-A947-70E740481C1C}">
+                <a14:useLocalDpi xmlns:a14="http://schemas.microsoft.com/office/drawing/2010/main" val="0"/>
+              </a:ext>
+            </a:extLst>
+          </a:blip>
+          <a:stretch>
+            <a:fillRect/>
+          </a:stretch>
+        </p:blipFill>
+        <p:spPr>
+          <a:xfrm>
+            <a:off x="3079998" y="1216759"/>
+            <a:ext cx="3746500" cy="5422900"/>
+          </a:xfrm>
+          <a:prstGeom prst="rect">
+            <a:avLst/>
+          </a:prstGeom>
+        </p:spPr>
+      </p:pic>
+      <p:sp>
+        <p:nvSpPr>
+          <p:cNvPr id="6148" name="Slide Number Placeholder 17"/>
+          <p:cNvSpPr>
+            <a:spLocks noGrp="1"/>
+          </p:cNvSpPr>
+          <p:nvPr>
+            <p:ph type="sldNum" sz="quarter" idx="12"/>
+          </p:nvPr>
+        </p:nvSpPr>
+        <p:spPr bwMode="auto">
+          <a:xfrm>
+            <a:off x="8402638" y="6473825"/>
+            <a:ext cx="284162" cy="247650"/>
+          </a:xfrm>
+          <a:noFill/>
+          <a:extLst>
+            <a:ext uri="{909E8E84-426E-40dd-AFC4-6F175D3DCCD1}">
+              <a14:hiddenFill xmlns:a14="http://schemas.microsoft.com/office/drawing/2010/main">
+                <a:solidFill>
+                  <a:srgbClr val="FFFFFF"/>
+                </a:solidFill>
+              </a14:hiddenFill>
+            </a:ext>
+            <a:ext uri="{91240B29-F687-4f45-9708-019B960494DF}">
+              <a14:hiddenLine xmlns:a14="http://schemas.microsoft.com/office/drawing/2010/main" w="9525">
+                <a:solidFill>
+                  <a:srgbClr val="000000"/>
+                </a:solidFill>
+                <a:miter lim="800000"/>
+                <a:headEnd/>
+                <a:tailEnd/>
+              </a14:hiddenLine>
+            </a:ext>
+          </a:extLst>
+        </p:spPr>
+        <p:txBody>
+          <a:bodyPr/>
+          <a:lstStyle>
+            <a:lvl1pPr>
+              <a:defRPr>
+                <a:solidFill>
+                  <a:schemeClr val="tx1"/>
+                </a:solidFill>
+                <a:latin typeface="Arial" charset="0"/>
+                <a:ea typeface="ＭＳ Ｐゴシック" charset="0"/>
+                <a:cs typeface="ＭＳ Ｐゴシック" charset="0"/>
+              </a:defRPr>
+            </a:lvl1pPr>
+            <a:lvl2pPr marL="742950" indent="-285750">
+              <a:defRPr>
+                <a:solidFill>
+                  <a:schemeClr val="tx1"/>
+                </a:solidFill>
+                <a:latin typeface="Arial" charset="0"/>
+                <a:ea typeface="ＭＳ Ｐゴシック" charset="0"/>
+              </a:defRPr>
+            </a:lvl2pPr>
+            <a:lvl3pPr marL="1143000" indent="-228600">
+              <a:defRPr>
+                <a:solidFill>
+                  <a:schemeClr val="tx1"/>
+                </a:solidFill>
+                <a:latin typeface="Arial" charset="0"/>
+                <a:ea typeface="ＭＳ Ｐゴシック" charset="0"/>
+              </a:defRPr>
+            </a:lvl3pPr>
+            <a:lvl4pPr marL="1600200" indent="-228600">
+              <a:defRPr>
+                <a:solidFill>
+                  <a:schemeClr val="tx1"/>
+                </a:solidFill>
+                <a:latin typeface="Arial" charset="0"/>
+                <a:ea typeface="ＭＳ Ｐゴシック" charset="0"/>
+              </a:defRPr>
+            </a:lvl4pPr>
+            <a:lvl5pPr marL="2057400" indent="-228600">
+              <a:defRPr>
+                <a:solidFill>
+                  <a:schemeClr val="tx1"/>
+                </a:solidFill>
+                <a:latin typeface="Arial" charset="0"/>
+                <a:ea typeface="ＭＳ Ｐゴシック" charset="0"/>
+              </a:defRPr>
+            </a:lvl5pPr>
+            <a:lvl6pPr marL="2514600" indent="-228600" eaLnBrk="0" fontAlgn="base" hangingPunct="0">
+              <a:spcBef>
+                <a:spcPct val="0"/>
+              </a:spcBef>
+              <a:spcAft>
+                <a:spcPct val="0"/>
+              </a:spcAft>
+              <a:defRPr>
+                <a:solidFill>
+                  <a:schemeClr val="tx1"/>
+                </a:solidFill>
+                <a:latin typeface="Arial" charset="0"/>
+                <a:ea typeface="ＭＳ Ｐゴシック" charset="0"/>
+              </a:defRPr>
+            </a:lvl6pPr>
+            <a:lvl7pPr marL="2971800" indent="-228600" eaLnBrk="0" fontAlgn="base" hangingPunct="0">
+              <a:spcBef>
+                <a:spcPct val="0"/>
+              </a:spcBef>
+              <a:spcAft>
+                <a:spcPct val="0"/>
+              </a:spcAft>
+              <a:defRPr>
+                <a:solidFill>
+                  <a:schemeClr val="tx1"/>
+                </a:solidFill>
+                <a:latin typeface="Arial" charset="0"/>
+                <a:ea typeface="ＭＳ Ｐゴシック" charset="0"/>
+              </a:defRPr>
+            </a:lvl7pPr>
+            <a:lvl8pPr marL="3429000" indent="-228600" eaLnBrk="0" fontAlgn="base" hangingPunct="0">
+              <a:spcBef>
+                <a:spcPct val="0"/>
+              </a:spcBef>
+              <a:spcAft>
+                <a:spcPct val="0"/>
+              </a:spcAft>
+              <a:defRPr>
+                <a:solidFill>
+                  <a:schemeClr val="tx1"/>
+                </a:solidFill>
+                <a:latin typeface="Arial" charset="0"/>
+                <a:ea typeface="ＭＳ Ｐゴシック" charset="0"/>
+              </a:defRPr>
+            </a:lvl8pPr>
+            <a:lvl9pPr marL="3886200" indent="-228600" eaLnBrk="0" fontAlgn="base" hangingPunct="0">
+              <a:spcBef>
+                <a:spcPct val="0"/>
+              </a:spcBef>
+              <a:spcAft>
+                <a:spcPct val="0"/>
+              </a:spcAft>
+              <a:defRPr>
+                <a:solidFill>
+                  <a:schemeClr val="tx1"/>
+                </a:solidFill>
+                <a:latin typeface="Arial" charset="0"/>
+                <a:ea typeface="ＭＳ Ｐゴシック" charset="0"/>
+              </a:defRPr>
+            </a:lvl9pPr>
+          </a:lstStyle>
+          <a:p>
+            <a:fld id="{25CD1B4B-AADE-5845-A356-FBC12D20B348}" type="slidenum">
+              <a:rPr lang="en-GB" b="1">
+                <a:solidFill>
+                  <a:srgbClr val="045C75"/>
+                </a:solidFill>
+                <a:cs typeface="Arial" charset="0"/>
+              </a:rPr>
+              <a:pPr/>
+              <a:t>25</a:t>
+            </a:fld>
+            <a:endParaRPr lang="en-GB" b="1" dirty="0">
+              <a:solidFill>
+                <a:srgbClr val="045C75"/>
+              </a:solidFill>
+              <a:cs typeface="Arial" charset="0"/>
+            </a:endParaRPr>
+          </a:p>
+        </p:txBody>
+      </p:sp>
+      <p:sp>
+        <p:nvSpPr>
+          <p:cNvPr id="5" name="Line Callout 1 4"/>
+          <p:cNvSpPr/>
+          <p:nvPr/>
+        </p:nvSpPr>
+        <p:spPr bwMode="auto">
+          <a:xfrm>
+            <a:off x="680846" y="1859348"/>
+            <a:ext cx="1898522" cy="680890"/>
+          </a:xfrm>
+          <a:prstGeom prst="borderCallout1">
+            <a:avLst>
+              <a:gd name="adj1" fmla="val 16827"/>
+              <a:gd name="adj2" fmla="val 100308"/>
+              <a:gd name="adj3" fmla="val -49039"/>
+              <a:gd name="adj4" fmla="val 147393"/>
+            </a:avLst>
+          </a:prstGeom>
+          <a:solidFill>
+            <a:schemeClr val="bg1"/>
+          </a:solidFill>
+          <a:ln w="9525" cap="flat" cmpd="sng" algn="ctr">
+            <a:solidFill>
+              <a:srgbClr val="FF0000"/>
+            </a:solidFill>
+            <a:prstDash val="solid"/>
+            <a:round/>
+            <a:headEnd type="none" w="med" len="med"/>
+            <a:tailEnd type="triangle" w="lg" len="lg"/>
+          </a:ln>
+          <a:effectLst/>
+        </p:spPr>
+        <p:txBody>
+          <a:bodyPr vert="horz" wrap="square" lIns="91440" tIns="45720" rIns="91440" bIns="45720" numCol="1" rtlCol="0" anchor="t" anchorCtr="0" compatLnSpc="1">
+            <a:prstTxWarp prst="textNoShape">
+              <a:avLst/>
+            </a:prstTxWarp>
+          </a:bodyPr>
+          <a:lstStyle/>
+          <a:p>
+            <a:pPr defTabSz="914400"/>
+            <a:r>
+              <a:rPr lang="en-GB" sz="1400" dirty="0"/>
+              <a:t>demonstration files (do not change these)</a:t>
+            </a:r>
+          </a:p>
+        </p:txBody>
+      </p:sp>
+      <p:sp>
+        <p:nvSpPr>
+          <p:cNvPr id="10" name="Line Callout 1 9"/>
+          <p:cNvSpPr/>
+          <p:nvPr/>
+        </p:nvSpPr>
+        <p:spPr bwMode="auto">
+          <a:xfrm>
+            <a:off x="680846" y="2723554"/>
+            <a:ext cx="1898522" cy="497577"/>
+          </a:xfrm>
+          <a:prstGeom prst="borderCallout1">
+            <a:avLst>
+              <a:gd name="adj1" fmla="val 27354"/>
+              <a:gd name="adj2" fmla="val 99619"/>
+              <a:gd name="adj3" fmla="val -52582"/>
+              <a:gd name="adj4" fmla="val 182566"/>
+            </a:avLst>
+          </a:prstGeom>
+          <a:solidFill>
+            <a:schemeClr val="bg1"/>
+          </a:solidFill>
+          <a:ln w="9525" cap="flat" cmpd="sng" algn="ctr">
+            <a:solidFill>
+              <a:srgbClr val="FF0000"/>
+            </a:solidFill>
+            <a:prstDash val="solid"/>
+            <a:round/>
+            <a:headEnd type="none" w="med" len="med"/>
+            <a:tailEnd type="triangle" w="lg" len="lg"/>
+          </a:ln>
+          <a:effectLst/>
+        </p:spPr>
+        <p:txBody>
+          <a:bodyPr vert="horz" wrap="square" lIns="91440" tIns="45720" rIns="91440" bIns="45720" numCol="1" rtlCol="0" anchor="t" anchorCtr="0" compatLnSpc="1">
+            <a:prstTxWarp prst="textNoShape">
+              <a:avLst/>
+            </a:prstTxWarp>
+          </a:bodyPr>
+          <a:lstStyle/>
+          <a:p>
+            <a:pPr defTabSz="914400"/>
+            <a:r>
+              <a:rPr lang="en-GB" sz="1400" dirty="0"/>
+              <a:t>help files for demo code</a:t>
+            </a:r>
+          </a:p>
+        </p:txBody>
+      </p:sp>
+      <p:sp>
+        <p:nvSpPr>
+          <p:cNvPr id="11" name="Line Callout 1 10"/>
+          <p:cNvSpPr/>
+          <p:nvPr/>
+        </p:nvSpPr>
+        <p:spPr bwMode="auto">
+          <a:xfrm>
+            <a:off x="680846" y="5189966"/>
+            <a:ext cx="1898522" cy="497577"/>
+          </a:xfrm>
+          <a:prstGeom prst="borderCallout1">
+            <a:avLst>
+              <a:gd name="adj1" fmla="val 24722"/>
+              <a:gd name="adj2" fmla="val 99618"/>
+              <a:gd name="adj3" fmla="val -57844"/>
+              <a:gd name="adj4" fmla="val 184635"/>
+            </a:avLst>
+          </a:prstGeom>
+          <a:solidFill>
+            <a:schemeClr val="bg1"/>
+          </a:solidFill>
+          <a:ln w="9525" cap="flat" cmpd="sng" algn="ctr">
+            <a:solidFill>
+              <a:srgbClr val="FF0000"/>
+            </a:solidFill>
+            <a:prstDash val="solid"/>
+            <a:round/>
+            <a:headEnd type="none" w="med" len="med"/>
+            <a:tailEnd type="triangle" w="lg" len="lg"/>
+          </a:ln>
+          <a:effectLst/>
+        </p:spPr>
+        <p:txBody>
+          <a:bodyPr vert="horz" wrap="square" lIns="91440" tIns="45720" rIns="91440" bIns="45720" numCol="1" rtlCol="0" anchor="t" anchorCtr="0" compatLnSpc="1">
+            <a:prstTxWarp prst="textNoShape">
+              <a:avLst/>
+            </a:prstTxWarp>
+          </a:bodyPr>
+          <a:lstStyle/>
+          <a:p>
+            <a:pPr defTabSz="914400"/>
+            <a:r>
+              <a:rPr lang="en-GB" sz="1400" dirty="0" smtClean="0"/>
+              <a:t>where token and session files go</a:t>
+            </a:r>
+            <a:endParaRPr lang="en-GB" sz="1400" dirty="0"/>
+          </a:p>
+        </p:txBody>
+      </p:sp>
+      <p:sp>
+        <p:nvSpPr>
+          <p:cNvPr id="16" name="Line Callout 1 15"/>
+          <p:cNvSpPr/>
+          <p:nvPr/>
+        </p:nvSpPr>
+        <p:spPr bwMode="auto">
+          <a:xfrm>
+            <a:off x="680846" y="2723554"/>
+            <a:ext cx="1898522" cy="497577"/>
+          </a:xfrm>
+          <a:prstGeom prst="borderCallout1">
+            <a:avLst>
+              <a:gd name="adj1" fmla="val 37880"/>
+              <a:gd name="adj2" fmla="val 100308"/>
+              <a:gd name="adj3" fmla="val 247416"/>
+              <a:gd name="adj4" fmla="val 183255"/>
+            </a:avLst>
+          </a:prstGeom>
+          <a:solidFill>
+            <a:schemeClr val="bg1"/>
+          </a:solidFill>
+          <a:ln w="9525" cap="flat" cmpd="sng" algn="ctr">
+            <a:solidFill>
+              <a:srgbClr val="FF0000"/>
+            </a:solidFill>
+            <a:prstDash val="solid"/>
+            <a:round/>
+            <a:headEnd type="none" w="med" len="med"/>
+            <a:tailEnd type="triangle" w="lg" len="lg"/>
+          </a:ln>
+          <a:effectLst/>
+        </p:spPr>
+        <p:txBody>
+          <a:bodyPr vert="horz" wrap="square" lIns="91440" tIns="45720" rIns="91440" bIns="45720" numCol="1" rtlCol="0" anchor="t" anchorCtr="0" compatLnSpc="1">
+            <a:prstTxWarp prst="textNoShape">
+              <a:avLst/>
+            </a:prstTxWarp>
+          </a:bodyPr>
+          <a:lstStyle/>
+          <a:p>
+            <a:pPr defTabSz="914400"/>
+            <a:r>
+              <a:rPr lang="en-GB" sz="1400" dirty="0"/>
+              <a:t>help files for demo code</a:t>
+            </a:r>
+          </a:p>
+        </p:txBody>
+      </p:sp>
+      <p:sp>
+        <p:nvSpPr>
+          <p:cNvPr id="17" name="Line Callout 1 16"/>
+          <p:cNvSpPr/>
+          <p:nvPr/>
+        </p:nvSpPr>
+        <p:spPr bwMode="auto">
+          <a:xfrm>
+            <a:off x="680846" y="5198328"/>
+            <a:ext cx="1898522" cy="497577"/>
+          </a:xfrm>
+          <a:prstGeom prst="borderCallout1">
+            <a:avLst>
+              <a:gd name="adj1" fmla="val 22090"/>
+              <a:gd name="adj2" fmla="val 98239"/>
+              <a:gd name="adj3" fmla="val 136891"/>
+              <a:gd name="adj4" fmla="val 186015"/>
+            </a:avLst>
+          </a:prstGeom>
+          <a:solidFill>
+            <a:schemeClr val="bg1"/>
+          </a:solidFill>
+          <a:ln w="9525" cap="flat" cmpd="sng" algn="ctr">
+            <a:solidFill>
+              <a:srgbClr val="FF0000"/>
+            </a:solidFill>
+            <a:prstDash val="solid"/>
+            <a:round/>
+            <a:headEnd type="none" w="med" len="med"/>
+            <a:tailEnd type="triangle" w="lg" len="lg"/>
+          </a:ln>
+          <a:effectLst/>
+        </p:spPr>
+        <p:txBody>
+          <a:bodyPr vert="horz" wrap="square" lIns="91440" tIns="45720" rIns="91440" bIns="45720" numCol="1" rtlCol="0" anchor="t" anchorCtr="0" compatLnSpc="1">
+            <a:prstTxWarp prst="textNoShape">
+              <a:avLst/>
+            </a:prstTxWarp>
+          </a:bodyPr>
+          <a:lstStyle/>
+          <a:p>
+            <a:pPr defTabSz="914400"/>
+            <a:r>
+              <a:rPr lang="en-GB" sz="1400" dirty="0" smtClean="0"/>
+              <a:t>where token and session files go</a:t>
+            </a:r>
+            <a:endParaRPr lang="en-GB" sz="1400" dirty="0"/>
+          </a:p>
+        </p:txBody>
+      </p:sp>
+      <p:sp>
+        <p:nvSpPr>
+          <p:cNvPr id="18" name="Line Callout 1 17"/>
+          <p:cNvSpPr/>
+          <p:nvPr/>
+        </p:nvSpPr>
+        <p:spPr bwMode="auto">
+          <a:xfrm>
+            <a:off x="680846" y="3888927"/>
+            <a:ext cx="1898522" cy="484483"/>
+          </a:xfrm>
+          <a:prstGeom prst="borderCallout1">
+            <a:avLst>
+              <a:gd name="adj1" fmla="val 16827"/>
+              <a:gd name="adj2" fmla="val 100308"/>
+              <a:gd name="adj3" fmla="val 115824"/>
+              <a:gd name="adj4" fmla="val 150152"/>
+            </a:avLst>
+          </a:prstGeom>
+          <a:solidFill>
+            <a:schemeClr val="bg1"/>
+          </a:solidFill>
+          <a:ln w="9525" cap="flat" cmpd="sng" algn="ctr">
+            <a:solidFill>
+              <a:srgbClr val="FF0000"/>
+            </a:solidFill>
+            <a:prstDash val="solid"/>
+            <a:round/>
+            <a:headEnd type="none" w="med" len="med"/>
+            <a:tailEnd type="triangle" w="lg" len="lg"/>
+          </a:ln>
+          <a:effectLst/>
+        </p:spPr>
+        <p:txBody>
+          <a:bodyPr vert="horz" wrap="square" lIns="91440" tIns="45720" rIns="91440" bIns="45720" numCol="1" rtlCol="0" anchor="t" anchorCtr="0" compatLnSpc="1">
+            <a:prstTxWarp prst="textNoShape">
+              <a:avLst/>
+            </a:prstTxWarp>
+          </a:bodyPr>
+          <a:lstStyle/>
+          <a:p>
+            <a:pPr defTabSz="914400"/>
+            <a:r>
+              <a:rPr lang="en-GB" sz="1400" dirty="0" smtClean="0"/>
+              <a:t>exercise files (work in here)</a:t>
+            </a:r>
+            <a:endParaRPr lang="en-GB" sz="1400" dirty="0"/>
+          </a:p>
+        </p:txBody>
+      </p:sp>
+      <p:sp>
+        <p:nvSpPr>
+          <p:cNvPr id="21" name="Line Callout 1 20"/>
+          <p:cNvSpPr/>
+          <p:nvPr/>
+        </p:nvSpPr>
+        <p:spPr bwMode="auto">
+          <a:xfrm>
+            <a:off x="6559716" y="5679181"/>
+            <a:ext cx="1898522" cy="497577"/>
+          </a:xfrm>
+          <a:prstGeom prst="borderCallout1">
+            <a:avLst>
+              <a:gd name="adj1" fmla="val 29985"/>
+              <a:gd name="adj2" fmla="val -382"/>
+              <a:gd name="adj3" fmla="val -47318"/>
+              <a:gd name="adj4" fmla="val -57434"/>
+            </a:avLst>
+          </a:prstGeom>
+          <a:solidFill>
+            <a:schemeClr val="bg1"/>
+          </a:solidFill>
+          <a:ln w="9525" cap="flat" cmpd="sng" algn="ctr">
+            <a:solidFill>
+              <a:srgbClr val="FF0000"/>
+            </a:solidFill>
+            <a:prstDash val="solid"/>
+            <a:round/>
+            <a:headEnd type="none" w="med" len="med"/>
+            <a:tailEnd type="triangle" w="lg" len="lg"/>
+          </a:ln>
+          <a:effectLst/>
+        </p:spPr>
+        <p:txBody>
+          <a:bodyPr vert="horz" wrap="square" lIns="91440" tIns="45720" rIns="91440" bIns="45720" numCol="1" rtlCol="0" anchor="t" anchorCtr="0" compatLnSpc="1">
+            <a:prstTxWarp prst="textNoShape">
+              <a:avLst/>
+            </a:prstTxWarp>
+          </a:bodyPr>
+          <a:lstStyle/>
+          <a:p>
+            <a:pPr defTabSz="914400"/>
+            <a:r>
+              <a:rPr lang="en-GB" sz="1400" dirty="0" smtClean="0"/>
+              <a:t>where token and session files go</a:t>
+            </a:r>
+            <a:endParaRPr lang="en-GB" sz="1400" dirty="0"/>
+          </a:p>
+        </p:txBody>
+      </p:sp>
+      <p:sp>
+        <p:nvSpPr>
+          <p:cNvPr id="22" name="Line Callout 1 21"/>
+          <p:cNvSpPr/>
+          <p:nvPr/>
+        </p:nvSpPr>
+        <p:spPr bwMode="auto">
+          <a:xfrm>
+            <a:off x="6559716" y="5687543"/>
+            <a:ext cx="1898522" cy="497577"/>
+          </a:xfrm>
+          <a:prstGeom prst="borderCallout1">
+            <a:avLst>
+              <a:gd name="adj1" fmla="val 32616"/>
+              <a:gd name="adj2" fmla="val -382"/>
+              <a:gd name="adj3" fmla="val 18470"/>
+              <a:gd name="adj4" fmla="val -111916"/>
+            </a:avLst>
+          </a:prstGeom>
+          <a:solidFill>
+            <a:schemeClr val="bg1"/>
+          </a:solidFill>
+          <a:ln w="9525" cap="flat" cmpd="sng" algn="ctr">
+            <a:solidFill>
+              <a:srgbClr val="FF0000"/>
+            </a:solidFill>
+            <a:prstDash val="solid"/>
+            <a:round/>
+            <a:headEnd type="none" w="med" len="med"/>
+            <a:tailEnd type="triangle" w="lg" len="lg"/>
+          </a:ln>
+          <a:effectLst/>
+        </p:spPr>
+        <p:txBody>
+          <a:bodyPr vert="horz" wrap="square" lIns="91440" tIns="45720" rIns="91440" bIns="45720" numCol="1" rtlCol="0" anchor="t" anchorCtr="0" compatLnSpc="1">
+            <a:prstTxWarp prst="textNoShape">
+              <a:avLst/>
+            </a:prstTxWarp>
+          </a:bodyPr>
+          <a:lstStyle/>
+          <a:p>
+            <a:pPr defTabSz="914400"/>
+            <a:r>
+              <a:rPr lang="en-GB" sz="1400" dirty="0" smtClean="0"/>
+              <a:t>source files (edit these)</a:t>
+            </a:r>
+            <a:endParaRPr lang="en-GB" sz="1400" dirty="0"/>
+          </a:p>
+        </p:txBody>
+      </p:sp>
+      <p:sp>
+        <p:nvSpPr>
+          <p:cNvPr id="25" name="Rectangle 24"/>
+          <p:cNvSpPr/>
+          <p:nvPr/>
+        </p:nvSpPr>
+        <p:spPr bwMode="auto">
+          <a:xfrm>
+            <a:off x="298580" y="114300"/>
+            <a:ext cx="8388220" cy="730250"/>
+          </a:xfrm>
+          <a:prstGeom prst="rect">
+            <a:avLst/>
+          </a:prstGeom>
+          <a:solidFill>
+            <a:schemeClr val="bg1"/>
+          </a:solidFill>
+          <a:ln w="9525" cap="flat" cmpd="sng" algn="ctr">
+            <a:solidFill>
+              <a:schemeClr val="bg1"/>
+            </a:solidFill>
+            <a:prstDash val="solid"/>
+            <a:round/>
+            <a:headEnd type="none" w="med" len="med"/>
+            <a:tailEnd type="none" w="med" len="med"/>
+          </a:ln>
+          <a:effectLst/>
+        </p:spPr>
+        <p:txBody>
+          <a:bodyPr vert="horz" wrap="square" lIns="91440" tIns="45720" rIns="91440" bIns="45720" numCol="1" rtlCol="0" anchor="t" anchorCtr="0" compatLnSpc="1">
+            <a:prstTxWarp prst="textNoShape">
+              <a:avLst/>
+            </a:prstTxWarp>
+          </a:bodyPr>
+          <a:lstStyle/>
+          <a:p>
+            <a:pPr marL="0" marR="0" indent="0" algn="l" defTabSz="914400" rtl="0" eaLnBrk="0" fontAlgn="base" latinLnBrk="0" hangingPunct="0">
+              <a:lnSpc>
+                <a:spcPct val="100000"/>
+              </a:lnSpc>
+              <a:spcBef>
+                <a:spcPct val="0"/>
+              </a:spcBef>
+              <a:spcAft>
+                <a:spcPct val="0"/>
+              </a:spcAft>
+              <a:buClrTx/>
+              <a:buSzTx/>
+              <a:buFontTx/>
+              <a:buNone/>
+              <a:tabLst/>
+            </a:pPr>
+            <a:endParaRPr kumimoji="0" lang="en-GB" sz="1800" b="0" i="0" u="none" strike="noStrike" cap="none" normalizeH="0" baseline="0" smtClean="0">
+              <a:ln>
+                <a:noFill/>
+              </a:ln>
+              <a:solidFill>
+                <a:schemeClr val="tx1"/>
+              </a:solidFill>
+              <a:effectLst/>
+              <a:latin typeface="Arial" charset="0"/>
+            </a:endParaRPr>
+          </a:p>
+        </p:txBody>
+      </p:sp>
+      <p:sp>
+        <p:nvSpPr>
+          <p:cNvPr id="26" name="Rectangle 2"/>
+          <p:cNvSpPr txBox="1">
+            <a:spLocks noChangeArrowheads="1"/>
+          </p:cNvSpPr>
+          <p:nvPr/>
+        </p:nvSpPr>
+        <p:spPr bwMode="auto">
+          <a:xfrm>
+            <a:off x="457200" y="114300"/>
+            <a:ext cx="8229600" cy="730250"/>
+          </a:xfrm>
+          <a:prstGeom prst="rect">
+            <a:avLst/>
+          </a:prstGeom>
+          <a:noFill/>
+          <a:ln>
+            <a:noFill/>
+          </a:ln>
+          <a:extLst>
+            <a:ext uri="{909E8E84-426E-40dd-AFC4-6F175D3DCCD1}">
+              <a14:hiddenFill xmlns:a14="http://schemas.microsoft.com/office/drawing/2010/main">
+                <a:solidFill>
+                  <a:srgbClr val="FFFFFF"/>
+                </a:solidFill>
+              </a14:hiddenFill>
+            </a:ext>
+            <a:ext uri="{91240B29-F687-4f45-9708-019B960494DF}">
+              <a14:hiddenLine xmlns:a14="http://schemas.microsoft.com/office/drawing/2010/main" w="9525">
+                <a:solidFill>
+                  <a:srgbClr val="000000"/>
+                </a:solidFill>
+                <a:miter lim="800000"/>
+                <a:headEnd/>
+                <a:tailEnd/>
+              </a14:hiddenLine>
+            </a:ext>
+            <a:ext uri="{FAA26D3D-D897-4be2-8F04-BA451C77F1D7}">
+              <ma14:placeholderFlag xmlns:ma14="http://schemas.microsoft.com/office/mac/drawingml/2011/main" val="1"/>
+            </a:ext>
+          </a:extLst>
+        </p:spPr>
+        <p:txBody>
+          <a:bodyPr vert="horz" wrap="square" lIns="0" tIns="45720" rIns="0" bIns="0" numCol="1" anchor="b" anchorCtr="0" compatLnSpc="1">
+            <a:prstTxWarp prst="textNoShape">
+              <a:avLst/>
+            </a:prstTxWarp>
+          </a:bodyPr>
+          <a:lstStyle>
+            <a:lvl1pPr algn="l" rtl="0" eaLnBrk="0" fontAlgn="base" hangingPunct="0">
+              <a:spcBef>
+                <a:spcPct val="0"/>
+              </a:spcBef>
+              <a:spcAft>
+                <a:spcPct val="0"/>
+              </a:spcAft>
+              <a:defRPr sz="3600">
+                <a:solidFill>
+                  <a:schemeClr val="tx2"/>
+                </a:solidFill>
+                <a:latin typeface="+mj-lt"/>
+                <a:ea typeface="ＭＳ Ｐゴシック" charset="-128"/>
+                <a:cs typeface="ＭＳ Ｐゴシック" charset="-128"/>
+              </a:defRPr>
+            </a:lvl1pPr>
+            <a:lvl2pPr algn="l" rtl="0" eaLnBrk="0" fontAlgn="base" hangingPunct="0">
+              <a:spcBef>
+                <a:spcPct val="0"/>
+              </a:spcBef>
+              <a:spcAft>
+                <a:spcPct val="0"/>
+              </a:spcAft>
+              <a:defRPr sz="3600">
+                <a:solidFill>
+                  <a:schemeClr val="tx2"/>
+                </a:solidFill>
+                <a:latin typeface="Calibri" pitchFamily="34" charset="0"/>
+                <a:ea typeface="ＭＳ Ｐゴシック" charset="-128"/>
+                <a:cs typeface="ＭＳ Ｐゴシック" charset="-128"/>
+              </a:defRPr>
+            </a:lvl2pPr>
+            <a:lvl3pPr algn="l" rtl="0" eaLnBrk="0" fontAlgn="base" hangingPunct="0">
+              <a:spcBef>
+                <a:spcPct val="0"/>
+              </a:spcBef>
+              <a:spcAft>
+                <a:spcPct val="0"/>
+              </a:spcAft>
+              <a:defRPr sz="3600">
+                <a:solidFill>
+                  <a:schemeClr val="tx2"/>
+                </a:solidFill>
+                <a:latin typeface="Calibri" pitchFamily="34" charset="0"/>
+                <a:ea typeface="ＭＳ Ｐゴシック" charset="-128"/>
+                <a:cs typeface="ＭＳ Ｐゴシック" charset="-128"/>
+              </a:defRPr>
+            </a:lvl3pPr>
+            <a:lvl4pPr algn="l" rtl="0" eaLnBrk="0" fontAlgn="base" hangingPunct="0">
+              <a:spcBef>
+                <a:spcPct val="0"/>
+              </a:spcBef>
+              <a:spcAft>
+                <a:spcPct val="0"/>
+              </a:spcAft>
+              <a:defRPr sz="3600">
+                <a:solidFill>
+                  <a:schemeClr val="tx2"/>
+                </a:solidFill>
+                <a:latin typeface="Calibri" pitchFamily="34" charset="0"/>
+                <a:ea typeface="ＭＳ Ｐゴシック" charset="-128"/>
+                <a:cs typeface="ＭＳ Ｐゴシック" charset="-128"/>
+              </a:defRPr>
+            </a:lvl4pPr>
+            <a:lvl5pPr algn="l" rtl="0" eaLnBrk="0" fontAlgn="base" hangingPunct="0">
+              <a:spcBef>
+                <a:spcPct val="0"/>
+              </a:spcBef>
+              <a:spcAft>
+                <a:spcPct val="0"/>
+              </a:spcAft>
+              <a:defRPr sz="3600">
+                <a:solidFill>
+                  <a:schemeClr val="tx2"/>
+                </a:solidFill>
+                <a:latin typeface="Calibri" pitchFamily="34" charset="0"/>
+                <a:ea typeface="ＭＳ Ｐゴシック" charset="-128"/>
+                <a:cs typeface="ＭＳ Ｐゴシック" charset="-128"/>
+              </a:defRPr>
+            </a:lvl5pPr>
+            <a:lvl6pPr marL="457200" algn="l" rtl="0" fontAlgn="base">
+              <a:spcBef>
+                <a:spcPct val="0"/>
+              </a:spcBef>
+              <a:spcAft>
+                <a:spcPct val="0"/>
+              </a:spcAft>
+              <a:defRPr sz="4400">
+                <a:solidFill>
+                  <a:schemeClr val="tx2"/>
+                </a:solidFill>
+                <a:latin typeface="Calibri" pitchFamily="34" charset="0"/>
+              </a:defRPr>
+            </a:lvl6pPr>
+            <a:lvl7pPr marL="914400" algn="l" rtl="0" fontAlgn="base">
+              <a:spcBef>
+                <a:spcPct val="0"/>
+              </a:spcBef>
+              <a:spcAft>
+                <a:spcPct val="0"/>
+              </a:spcAft>
+              <a:defRPr sz="4400">
+                <a:solidFill>
+                  <a:schemeClr val="tx2"/>
+                </a:solidFill>
+                <a:latin typeface="Calibri" pitchFamily="34" charset="0"/>
+              </a:defRPr>
+            </a:lvl7pPr>
+            <a:lvl8pPr marL="1371600" algn="l" rtl="0" fontAlgn="base">
+              <a:spcBef>
+                <a:spcPct val="0"/>
+              </a:spcBef>
+              <a:spcAft>
+                <a:spcPct val="0"/>
+              </a:spcAft>
+              <a:defRPr sz="4400">
+                <a:solidFill>
+                  <a:schemeClr val="tx2"/>
+                </a:solidFill>
+                <a:latin typeface="Calibri" pitchFamily="34" charset="0"/>
+              </a:defRPr>
+            </a:lvl8pPr>
+            <a:lvl9pPr marL="1828800" algn="l" rtl="0" fontAlgn="base">
+              <a:spcBef>
+                <a:spcPct val="0"/>
+              </a:spcBef>
+              <a:spcAft>
+                <a:spcPct val="0"/>
+              </a:spcAft>
+              <a:defRPr sz="4400">
+                <a:solidFill>
+                  <a:schemeClr val="tx2"/>
+                </a:solidFill>
+                <a:latin typeface="Calibri" pitchFamily="34" charset="0"/>
+              </a:defRPr>
+            </a:lvl9pPr>
+          </a:lstStyle>
+          <a:p>
+            <a:pPr eaLnBrk="1" hangingPunct="1"/>
+            <a:r>
+              <a:rPr lang="en-GB" dirty="0" smtClean="0">
+                <a:latin typeface="Calibri" charset="0"/>
+                <a:ea typeface="ＭＳ Ｐゴシック" charset="0"/>
+                <a:cs typeface="ＭＳ Ｐゴシック" charset="0"/>
+              </a:rPr>
+              <a:t>Appendix: Directory Structure</a:t>
+            </a:r>
+            <a:endParaRPr lang="en-GB" dirty="0">
+              <a:latin typeface="Calibri" charset="0"/>
+              <a:ea typeface="ＭＳ Ｐゴシック" charset="0"/>
+              <a:cs typeface="ＭＳ Ｐゴシック" charset="0"/>
+            </a:endParaRPr>
+          </a:p>
+        </p:txBody>
+      </p:sp>
+    </p:spTree>
+  </p:cSld>
+  <p:clrMapOvr>
+    <a:masterClrMapping/>
+  </p:clrMapOvr>
+  <p:timing>
+    <p:tnLst>
+      <p:par>
+        <p:cTn xmlns:p14="http://schemas.microsoft.com/office/powerpoint/2010/main" id="1" dur="indefinite" restart="never" nodeType="tmRoot"/>
+      </p:par>
+    </p:tnLst>
+  </p:timing>
+</p:sld>
+</file>
+
+<file path=ppt/slides/slide26.xml><?xml version="1.0" encoding="utf-8"?>
 <p:sld xmlns:a="http://schemas.openxmlformats.org/drawingml/2006/main" xmlns:r="http://schemas.openxmlformats.org/officeDocument/2006/relationships" xmlns:p="http://schemas.openxmlformats.org/presentationml/2006/main">
   <p:cSld>
     <p:spTree>
@@ -16371,15 +18477,7 @@
                 <a:ea typeface="ＭＳ Ｐゴシック" charset="0"/>
                 <a:cs typeface="ＭＳ Ｐゴシック" charset="0"/>
               </a:rPr>
-              <a:t> </a:t>
-            </a:r>
-            <a:r>
-              <a:rPr lang="en-US" sz="1400" b="1" dirty="0" smtClean="0">
-                <a:latin typeface="Calibri" charset="0"/>
-                <a:ea typeface="ＭＳ Ｐゴシック" charset="0"/>
-                <a:cs typeface="ＭＳ Ｐゴシック" charset="0"/>
-              </a:rPr>
-              <a:t>2 Specification</a:t>
+              <a:t> 2 Specification</a:t>
             </a:r>
           </a:p>
           <a:p>
@@ -16419,15 +18517,7 @@
                 <a:ea typeface="ＭＳ Ｐゴシック" charset="0"/>
                 <a:cs typeface="ＭＳ Ｐゴシック" charset="0"/>
               </a:rPr>
-              <a:t> </a:t>
-            </a:r>
-            <a:r>
-              <a:rPr lang="en-US" sz="1400" b="1" dirty="0" smtClean="0">
-                <a:latin typeface="Calibri" charset="0"/>
-                <a:ea typeface="ＭＳ Ｐゴシック" charset="0"/>
-                <a:cs typeface="ＭＳ Ｐゴシック" charset="0"/>
-              </a:rPr>
-              <a:t>2 Workflow Diagrams</a:t>
+              <a:t> 2 Workflow Diagrams</a:t>
             </a:r>
           </a:p>
           <a:p>
@@ -16491,11 +18581,6 @@
               </a:rPr>
               <a:t>APIs</a:t>
             </a:r>
-            <a:endParaRPr lang="en-US" sz="1400" b="1" dirty="0" smtClean="0">
-              <a:latin typeface="Calibri" charset="0"/>
-              <a:ea typeface="ＭＳ Ｐゴシック" charset="0"/>
-              <a:cs typeface="ＭＳ Ｐゴシック" charset="0"/>
-            </a:endParaRPr>
           </a:p>
           <a:p>
             <a:pPr marL="0" indent="0" eaLnBrk="1" hangingPunct="1">
@@ -16661,15 +18746,7 @@
                 <a:ea typeface="ＭＳ Ｐゴシック" charset="0"/>
                 <a:cs typeface="ＭＳ Ｐゴシック" charset="0"/>
               </a:rPr>
-              <a:t> </a:t>
-            </a:r>
-            <a:r>
-              <a:rPr lang="en-US" sz="1400" b="1" dirty="0" smtClean="0">
-                <a:latin typeface="Calibri" charset="0"/>
-                <a:ea typeface="ＭＳ Ｐゴシック" charset="0"/>
-                <a:cs typeface="ＭＳ Ｐゴシック" charset="0"/>
-              </a:rPr>
-              <a:t>Tutorials</a:t>
+              <a:t> Tutorials</a:t>
             </a:r>
           </a:p>
           <a:p>
@@ -16702,15 +18779,7 @@
                 <a:ea typeface="ＭＳ Ｐゴシック" charset="0"/>
                 <a:cs typeface="ＭＳ Ｐゴシック" charset="0"/>
               </a:rPr>
-              <a:t> (also Java, Ruby, </a:t>
-            </a:r>
-            <a:r>
-              <a:rPr lang="en-US" sz="1400" dirty="0" smtClean="0">
-                <a:latin typeface="Calibri" charset="0"/>
-                <a:ea typeface="ＭＳ Ｐゴシック" charset="0"/>
-                <a:cs typeface="ＭＳ Ｐゴシック" charset="0"/>
-              </a:rPr>
-              <a:t>…)</a:t>
+              <a:t> (also Java, Ruby, …)</a:t>
             </a:r>
           </a:p>
           <a:p>
@@ -16763,16 +18832,7 @@
                 <a:cs typeface="ＭＳ Ｐゴシック" charset="0"/>
                 <a:hlinkClick r:id="rId8"/>
               </a:rPr>
-              <a:t>http://hueniverse.com/2012/07/26/oauth-2-0-and-the-road-to-hell</a:t>
-            </a:r>
-            <a:r>
-              <a:rPr lang="en-US" sz="1400" dirty="0" smtClean="0">
-                <a:latin typeface="Calibri" charset="0"/>
-                <a:ea typeface="ＭＳ Ｐゴシック" charset="0"/>
-                <a:cs typeface="ＭＳ Ｐゴシック" charset="0"/>
-                <a:hlinkClick r:id="rId8"/>
-              </a:rPr>
-              <a:t>/</a:t>
+              <a:t>http://hueniverse.com/2012/07/26/oauth-2-0-and-the-road-to-hell/</a:t>
             </a:r>
             <a:endParaRPr lang="en-US" sz="1400" dirty="0" smtClean="0">
               <a:latin typeface="Calibri" charset="0"/>
@@ -16800,14 +18860,14 @@
           <a:noFill/>
           <a:extLst>
             <a:ext uri="{909E8E84-426E-40dd-AFC4-6F175D3DCCD1}">
-              <a14:hiddenFill xmlns:a14="http://schemas.microsoft.com/office/drawing/2010/main" xmlns="">
+              <a14:hiddenFill xmlns:a14="http://schemas.microsoft.com/office/drawing/2010/main">
                 <a:solidFill>
                   <a:srgbClr val="FFFFFF"/>
                 </a:solidFill>
               </a14:hiddenFill>
             </a:ext>
             <a:ext uri="{91240B29-F687-4f45-9708-019B960494DF}">
-              <a14:hiddenLine xmlns:a14="http://schemas.microsoft.com/office/drawing/2010/main" xmlns="" w="9525">
+              <a14:hiddenLine xmlns:a14="http://schemas.microsoft.com/office/drawing/2010/main" w="9525">
                 <a:solidFill>
                   <a:srgbClr val="000000"/>
                 </a:solidFill>
@@ -16937,7 +18997,7 @@
                 <a:cs typeface="Arial" charset="0"/>
               </a:rPr>
               <a:pPr/>
-              <a:t>22</a:t>
+              <a:t>26</a:t>
             </a:fld>
             <a:endParaRPr lang="en-GB" b="1" dirty="0">
               <a:solidFill>
@@ -16949,6 +19009,11 @@
         </p:txBody>
       </p:sp>
     </p:spTree>
+    <p:extLst>
+      <p:ext uri="{BB962C8B-B14F-4D97-AF65-F5344CB8AC3E}">
+        <p14:creationId xmlns:p14="http://schemas.microsoft.com/office/powerpoint/2010/main" val="985106318"/>
+      </p:ext>
+    </p:extLst>
   </p:cSld>
   <p:clrMapOvr>
     <a:masterClrMapping/>
@@ -16956,7 +19021,7 @@
   <p:timing>
     <p:tnLst>
       <p:par>
-        <p:cTn id="1" dur="indefinite" restart="never" nodeType="tmRoot"/>
+        <p:cTn xmlns:p14="http://schemas.microsoft.com/office/powerpoint/2010/main" id="1" dur="indefinite" restart="never" nodeType="tmRoot"/>
       </p:par>
     </p:tnLst>
   </p:timing>
@@ -17352,14 +19417,14 @@
           <a:noFill/>
           <a:extLst>
             <a:ext uri="{909E8E84-426E-40dd-AFC4-6F175D3DCCD1}">
-              <a14:hiddenFill xmlns:a14="http://schemas.microsoft.com/office/drawing/2010/main" xmlns="">
+              <a14:hiddenFill xmlns:a14="http://schemas.microsoft.com/office/drawing/2010/main">
                 <a:solidFill>
                   <a:srgbClr val="FFFFFF"/>
                 </a:solidFill>
               </a14:hiddenFill>
             </a:ext>
             <a:ext uri="{91240B29-F687-4f45-9708-019B960494DF}">
-              <a14:hiddenLine xmlns:a14="http://schemas.microsoft.com/office/drawing/2010/main" xmlns="" w="9525">
+              <a14:hiddenLine xmlns:a14="http://schemas.microsoft.com/office/drawing/2010/main" w="9525">
                 <a:solidFill>
                   <a:srgbClr val="000000"/>
                 </a:solidFill>
@@ -17512,7 +19577,7 @@
           <a:blip r:embed="rId3">
             <a:extLst>
               <a:ext uri="{28A0092B-C50C-407E-A947-70E740481C1C}">
-                <a14:useLocalDpi xmlns:a14="http://schemas.microsoft.com/office/drawing/2010/main" xmlns="" val="0"/>
+                <a14:useLocalDpi xmlns:a14="http://schemas.microsoft.com/office/drawing/2010/main" val="0"/>
               </a:ext>
             </a:extLst>
           </a:blip>
@@ -17535,14 +19600,14 @@
           </a:ln>
           <a:extLst>
             <a:ext uri="{909E8E84-426E-40dd-AFC4-6F175D3DCCD1}">
-              <a14:hiddenFill xmlns:a14="http://schemas.microsoft.com/office/drawing/2010/main" xmlns="">
+              <a14:hiddenFill xmlns:a14="http://schemas.microsoft.com/office/drawing/2010/main">
                 <a:solidFill>
                   <a:srgbClr val="FFFFFF"/>
                 </a:solidFill>
               </a14:hiddenFill>
             </a:ext>
             <a:ext uri="{91240B29-F687-4f45-9708-019B960494DF}">
-              <a14:hiddenLine xmlns:a14="http://schemas.microsoft.com/office/drawing/2010/main" xmlns="" w="9525">
+              <a14:hiddenLine xmlns:a14="http://schemas.microsoft.com/office/drawing/2010/main" w="9525">
                 <a:solidFill>
                   <a:srgbClr val="000000"/>
                 </a:solidFill>
@@ -17562,7 +19627,7 @@
   <p:timing>
     <p:tnLst>
       <p:par>
-        <p:cTn id="1" dur="indefinite" restart="never" nodeType="tmRoot"/>
+        <p:cTn xmlns:p14="http://schemas.microsoft.com/office/powerpoint/2010/main" id="1" dur="indefinite" restart="never" nodeType="tmRoot"/>
       </p:par>
     </p:tnLst>
   </p:timing>
@@ -17703,15 +19768,7 @@
                 <a:ea typeface="ＭＳ Ｐゴシック" charset="0"/>
                 <a:cs typeface="ＭＳ Ｐゴシック" charset="0"/>
               </a:rPr>
-              <a:t>These cloud-based services are almost always </a:t>
-            </a:r>
-            <a:r>
-              <a:rPr lang="en-GB" sz="2000" dirty="0" smtClean="0">
-                <a:latin typeface="Calibri" charset="0"/>
-                <a:ea typeface="ＭＳ Ｐゴシック" charset="0"/>
-                <a:cs typeface="ＭＳ Ｐゴシック" charset="0"/>
-              </a:rPr>
-              <a:t>secured </a:t>
+              <a:t>These cloud-based services are almost always secured </a:t>
             </a:r>
             <a:r>
               <a:rPr lang="en-GB" sz="2000" dirty="0">
@@ -17884,14 +19941,14 @@
           <a:noFill/>
           <a:extLst>
             <a:ext uri="{909E8E84-426E-40dd-AFC4-6F175D3DCCD1}">
-              <a14:hiddenFill xmlns:a14="http://schemas.microsoft.com/office/drawing/2010/main" xmlns="">
+              <a14:hiddenFill xmlns:a14="http://schemas.microsoft.com/office/drawing/2010/main">
                 <a:solidFill>
                   <a:srgbClr val="FFFFFF"/>
                 </a:solidFill>
               </a14:hiddenFill>
             </a:ext>
             <a:ext uri="{91240B29-F687-4f45-9708-019B960494DF}">
-              <a14:hiddenLine xmlns:a14="http://schemas.microsoft.com/office/drawing/2010/main" xmlns="" w="9525">
+              <a14:hiddenLine xmlns:a14="http://schemas.microsoft.com/office/drawing/2010/main" w="9525">
                 <a:solidFill>
                   <a:srgbClr val="000000"/>
                 </a:solidFill>
@@ -18852,7 +20909,7 @@
   <p:timing>
     <p:tnLst>
       <p:par>
-        <p:cTn id="1" dur="indefinite" restart="never" nodeType="tmRoot"/>
+        <p:cTn xmlns:p14="http://schemas.microsoft.com/office/powerpoint/2010/main" id="1" dur="indefinite" restart="never" nodeType="tmRoot"/>
       </p:par>
     </p:tnLst>
   </p:timing>
@@ -18920,8 +20977,8 @@
         </p:nvSpPr>
         <p:spPr>
           <a:xfrm>
-            <a:off x="2120900" y="1750190"/>
-            <a:ext cx="6705600" cy="3143250"/>
+            <a:off x="2120900" y="1121677"/>
+            <a:ext cx="6705600" cy="3579081"/>
           </a:xfrm>
         </p:spPr>
         <p:txBody>
@@ -18935,12 +20992,11 @@
               <a:buNone/>
             </a:pPr>
             <a:r>
-              <a:rPr lang="en-GB" sz="2000" dirty="0" smtClean="0">
-                <a:latin typeface="Calibri" charset="0"/>
-                <a:ea typeface="ＭＳ Ｐゴシック" charset="0"/>
-                <a:cs typeface="ＭＳ Ｐゴシック" charset="0"/>
-              </a:rPr>
-              <a:t>      </a:t>
+              <a:rPr lang="en-GB" sz="8000" b="1" baseline="-20000" dirty="0" smtClean="0">
+                <a:latin typeface="Garamond"/>
+                <a:cs typeface="Garamond"/>
+              </a:rPr>
+              <a:t>“</a:t>
             </a:r>
             <a:r>
               <a:rPr lang="en-GB" sz="2000" dirty="0" smtClean="0">
@@ -19044,40 +21100,9 @@
                 <a:ea typeface="ＭＳ Ｐゴシック" charset="0"/>
                 <a:cs typeface="Garamond"/>
               </a:rPr>
-              <a:t>OAuth was created to </a:t>
-            </a:r>
-            <a:r>
-              <a:rPr lang="en-GB" sz="2000" dirty="0" smtClean="0">
-                <a:latin typeface="Garamond"/>
-                <a:ea typeface="ＭＳ Ｐゴシック" charset="0"/>
-                <a:cs typeface="Garamond"/>
-              </a:rPr>
-              <a:t>solve the same</a:t>
-            </a:r>
-            <a:br>
-              <a:rPr lang="en-GB" sz="2000" dirty="0" smtClean="0">
-                <a:latin typeface="Garamond"/>
-                <a:ea typeface="ＭＳ Ｐゴシック" charset="0"/>
-                <a:cs typeface="Garamond"/>
-              </a:rPr>
-            </a:br>
-            <a:r>
-              <a:rPr lang="en-GB" sz="2000" dirty="0" smtClean="0">
-                <a:latin typeface="Garamond"/>
-                <a:ea typeface="ＭＳ Ｐゴシック" charset="0"/>
-                <a:cs typeface="Garamond"/>
-              </a:rPr>
-              <a:t>core </a:t>
-            </a:r>
-            <a:r>
-              <a:rPr lang="en-GB" sz="2000" dirty="0" smtClean="0">
-                <a:latin typeface="Garamond"/>
-                <a:ea typeface="ＭＳ Ｐゴシック" charset="0"/>
-                <a:cs typeface="Garamond"/>
-              </a:rPr>
-              <a:t>issue online.</a:t>
-            </a:r>
-            <a:endParaRPr lang="en-GB" sz="10000" baseline="-25000" dirty="0" smtClean="0">
+              <a:t>OAuth was created to solve the same</a:t>
+            </a:r>
+            <a:endParaRPr lang="en-GB" sz="4000" baseline="-25000" dirty="0" smtClean="0">
               <a:latin typeface="Garamond"/>
               <a:ea typeface="ＭＳ Ｐゴシック" charset="0"/>
               <a:cs typeface="Garamond"/>
@@ -19103,14 +21128,14 @@
           <a:noFill/>
           <a:extLst>
             <a:ext uri="{909E8E84-426E-40dd-AFC4-6F175D3DCCD1}">
-              <a14:hiddenFill xmlns:a14="http://schemas.microsoft.com/office/drawing/2010/main" xmlns="">
+              <a14:hiddenFill xmlns:a14="http://schemas.microsoft.com/office/drawing/2010/main">
                 <a:solidFill>
                   <a:srgbClr val="FFFFFF"/>
                 </a:solidFill>
               </a14:hiddenFill>
             </a:ext>
             <a:ext uri="{91240B29-F687-4f45-9708-019B960494DF}">
-              <a14:hiddenLine xmlns:a14="http://schemas.microsoft.com/office/drawing/2010/main" xmlns="" w="9525">
+              <a14:hiddenLine xmlns:a14="http://schemas.microsoft.com/office/drawing/2010/main" w="9525">
                 <a:solidFill>
                   <a:srgbClr val="000000"/>
                 </a:solidFill>
@@ -19275,70 +21300,6 @@
           </a:prstGeom>
         </p:spPr>
       </p:pic>
-      <p:sp>
-        <p:nvSpPr>
-          <p:cNvPr id="3" name="Rectangle 2"/>
-          <p:cNvSpPr/>
-          <p:nvPr/>
-        </p:nvSpPr>
-        <p:spPr>
-          <a:xfrm>
-            <a:off x="1979990" y="774841"/>
-            <a:ext cx="586619" cy="1077218"/>
-          </a:xfrm>
-          <a:prstGeom prst="rect">
-            <a:avLst/>
-          </a:prstGeom>
-        </p:spPr>
-        <p:txBody>
-          <a:bodyPr wrap="none">
-            <a:spAutoFit/>
-          </a:bodyPr>
-          <a:lstStyle/>
-          <a:p>
-            <a:r>
-              <a:rPr lang="en-GB" sz="9600" b="1" baseline="-20000" dirty="0">
-                <a:latin typeface="Garamond"/>
-                <a:cs typeface="Garamond"/>
-              </a:rPr>
-              <a:t>“</a:t>
-            </a:r>
-            <a:endParaRPr lang="en-US" dirty="0"/>
-          </a:p>
-        </p:txBody>
-      </p:sp>
-      <p:sp>
-        <p:nvSpPr>
-          <p:cNvPr id="8" name="Rectangle 7"/>
-          <p:cNvSpPr/>
-          <p:nvPr/>
-        </p:nvSpPr>
-        <p:spPr>
-          <a:xfrm rot="10800000">
-            <a:off x="3910736" y="4922593"/>
-            <a:ext cx="586619" cy="1077218"/>
-          </a:xfrm>
-          <a:prstGeom prst="rect">
-            <a:avLst/>
-          </a:prstGeom>
-        </p:spPr>
-        <p:txBody>
-          <a:bodyPr wrap="none">
-            <a:spAutoFit/>
-          </a:bodyPr>
-          <a:lstStyle/>
-          <a:p>
-            <a:r>
-              <a:rPr lang="en-GB" sz="9600" b="1" baseline="-20000" dirty="0">
-                <a:latin typeface="Garamond"/>
-                <a:cs typeface="Garamond"/>
-              </a:rPr>
-              <a:t>“</a:t>
-            </a:r>
-            <a:endParaRPr lang="en-US" dirty="0"/>
-          </a:p>
-        </p:txBody>
-      </p:sp>
       <p:pic>
         <p:nvPicPr>
           <p:cNvPr id="7" name="Picture 6"/>
@@ -19385,14 +21346,14 @@
           </a:ln>
           <a:extLst>
             <a:ext uri="{909E8E84-426E-40dd-AFC4-6F175D3DCCD1}">
-              <a14:hiddenFill xmlns:a14="http://schemas.microsoft.com/office/drawing/2010/main" xmlns="">
+              <a14:hiddenFill xmlns:a14="http://schemas.microsoft.com/office/drawing/2010/main">
                 <a:solidFill>
                   <a:srgbClr val="FFFFFF"/>
                 </a:solidFill>
               </a14:hiddenFill>
             </a:ext>
             <a:ext uri="{91240B29-F687-4f45-9708-019B960494DF}">
-              <a14:hiddenLine xmlns:a14="http://schemas.microsoft.com/office/drawing/2010/main" xmlns="" w="9525">
+              <a14:hiddenLine xmlns:a14="http://schemas.microsoft.com/office/drawing/2010/main" w="9525">
                 <a:solidFill>
                   <a:srgbClr val="000000"/>
                 </a:solidFill>
@@ -19402,7 +21363,7 @@
               </a14:hiddenLine>
             </a:ext>
             <a:ext uri="{FAA26D3D-D897-4be2-8F04-BA451C77F1D7}">
-              <ma14:placeholderFlag xmlns:ma14="http://schemas.microsoft.com/office/mac/drawingml/2011/main" xmlns="" val="1"/>
+              <ma14:placeholderFlag xmlns:ma14="http://schemas.microsoft.com/office/mac/drawingml/2011/main" val="1"/>
             </a:ext>
           </a:extLst>
         </p:spPr>
@@ -19646,10 +21607,279 @@
           </a:p>
         </p:txBody>
       </p:sp>
+      <p:sp>
+        <p:nvSpPr>
+          <p:cNvPr id="10" name="Rectangle 3"/>
+          <p:cNvSpPr txBox="1">
+            <a:spLocks noChangeArrowheads="1"/>
+          </p:cNvSpPr>
+          <p:nvPr/>
+        </p:nvSpPr>
+        <p:spPr bwMode="auto">
+          <a:xfrm>
+            <a:off x="2120900" y="3850481"/>
+            <a:ext cx="6705600" cy="1305448"/>
+          </a:xfrm>
+          <a:prstGeom prst="rect">
+            <a:avLst/>
+          </a:prstGeom>
+          <a:noFill/>
+          <a:ln>
+            <a:noFill/>
+          </a:ln>
+          <a:extLst>
+            <a:ext uri="{909E8E84-426E-40dd-AFC4-6F175D3DCCD1}">
+              <a14:hiddenFill xmlns:a14="http://schemas.microsoft.com/office/drawing/2010/main">
+                <a:solidFill>
+                  <a:srgbClr val="FFFFFF"/>
+                </a:solidFill>
+              </a14:hiddenFill>
+            </a:ext>
+            <a:ext uri="{91240B29-F687-4f45-9708-019B960494DF}">
+              <a14:hiddenLine xmlns:a14="http://schemas.microsoft.com/office/drawing/2010/main" w="9525">
+                <a:solidFill>
+                  <a:srgbClr val="000000"/>
+                </a:solidFill>
+                <a:miter lim="800000"/>
+                <a:headEnd/>
+                <a:tailEnd/>
+              </a14:hiddenLine>
+            </a:ext>
+            <a:ext uri="{FAA26D3D-D897-4be2-8F04-BA451C77F1D7}">
+              <ma14:placeholderFlag xmlns:ma14="http://schemas.microsoft.com/office/mac/drawingml/2011/main" val="1"/>
+            </a:ext>
+          </a:extLst>
+        </p:spPr>
+        <p:txBody>
+          <a:bodyPr vert="horz" wrap="square" lIns="91440" tIns="45720" rIns="91440" bIns="45720" numCol="1" anchor="t" anchorCtr="0" compatLnSpc="1">
+            <a:prstTxWarp prst="textNoShape">
+              <a:avLst/>
+            </a:prstTxWarp>
+          </a:bodyPr>
+          <a:lstStyle>
+            <a:lvl1pPr marL="273050" indent="-273050" algn="l" rtl="0" eaLnBrk="0" fontAlgn="base" hangingPunct="0">
+              <a:spcBef>
+                <a:spcPct val="20000"/>
+              </a:spcBef>
+              <a:spcAft>
+                <a:spcPct val="0"/>
+              </a:spcAft>
+              <a:buClr>
+                <a:srgbClr val="0BD0D9"/>
+              </a:buClr>
+              <a:buSzPct val="95000"/>
+              <a:buFont typeface="Wingdings 2" charset="0"/>
+              <a:buChar char=""/>
+              <a:defRPr sz="2600">
+                <a:solidFill>
+                  <a:schemeClr val="tx1"/>
+                </a:solidFill>
+                <a:latin typeface="+mn-lt"/>
+                <a:ea typeface="ＭＳ Ｐゴシック" charset="-128"/>
+                <a:cs typeface="ＭＳ Ｐゴシック" charset="-128"/>
+              </a:defRPr>
+            </a:lvl1pPr>
+            <a:lvl2pPr marL="639763" indent="-246063" algn="l" rtl="0" eaLnBrk="0" fontAlgn="base" hangingPunct="0">
+              <a:spcBef>
+                <a:spcPct val="20000"/>
+              </a:spcBef>
+              <a:spcAft>
+                <a:spcPct val="0"/>
+              </a:spcAft>
+              <a:buClr>
+                <a:schemeClr val="accent1"/>
+              </a:buClr>
+              <a:buSzPct val="85000"/>
+              <a:buFont typeface="Wingdings 2" charset="0"/>
+              <a:buChar char=""/>
+              <a:defRPr sz="2400">
+                <a:solidFill>
+                  <a:schemeClr val="tx1"/>
+                </a:solidFill>
+                <a:latin typeface="+mn-lt"/>
+                <a:ea typeface="ＭＳ Ｐゴシック" charset="-128"/>
+              </a:defRPr>
+            </a:lvl2pPr>
+            <a:lvl3pPr marL="914400" indent="-246063" algn="l" rtl="0" eaLnBrk="0" fontAlgn="base" hangingPunct="0">
+              <a:spcBef>
+                <a:spcPct val="20000"/>
+              </a:spcBef>
+              <a:spcAft>
+                <a:spcPct val="0"/>
+              </a:spcAft>
+              <a:buClr>
+                <a:schemeClr val="accent2"/>
+              </a:buClr>
+              <a:buSzPct val="70000"/>
+              <a:buFont typeface="Wingdings 2" charset="0"/>
+              <a:buChar char=""/>
+              <a:defRPr sz="2100">
+                <a:solidFill>
+                  <a:schemeClr val="tx1"/>
+                </a:solidFill>
+                <a:latin typeface="+mn-lt"/>
+                <a:ea typeface="ＭＳ Ｐゴシック" charset="-128"/>
+              </a:defRPr>
+            </a:lvl3pPr>
+            <a:lvl4pPr marL="1187450" indent="-209550" algn="l" rtl="0" eaLnBrk="0" fontAlgn="base" hangingPunct="0">
+              <a:spcBef>
+                <a:spcPct val="20000"/>
+              </a:spcBef>
+              <a:spcAft>
+                <a:spcPct val="0"/>
+              </a:spcAft>
+              <a:buClr>
+                <a:srgbClr val="0BD0D9"/>
+              </a:buClr>
+              <a:buSzPct val="65000"/>
+              <a:buFont typeface="Wingdings 2" charset="0"/>
+              <a:buChar char=""/>
+              <a:defRPr sz="2000">
+                <a:solidFill>
+                  <a:schemeClr val="tx1"/>
+                </a:solidFill>
+                <a:latin typeface="+mn-lt"/>
+                <a:ea typeface="ＭＳ Ｐゴシック" charset="-128"/>
+              </a:defRPr>
+            </a:lvl4pPr>
+            <a:lvl5pPr marL="1462088" indent="-209550" algn="l" rtl="0" eaLnBrk="0" fontAlgn="base" hangingPunct="0">
+              <a:spcBef>
+                <a:spcPct val="20000"/>
+              </a:spcBef>
+              <a:spcAft>
+                <a:spcPct val="0"/>
+              </a:spcAft>
+              <a:buClr>
+                <a:srgbClr val="10CF9B"/>
+              </a:buClr>
+              <a:buSzPct val="65000"/>
+              <a:buFont typeface="Wingdings 2" charset="0"/>
+              <a:buChar char=""/>
+              <a:defRPr sz="2000">
+                <a:solidFill>
+                  <a:schemeClr val="tx1"/>
+                </a:solidFill>
+                <a:latin typeface="+mn-lt"/>
+                <a:ea typeface="ＭＳ Ｐゴシック" charset="-128"/>
+              </a:defRPr>
+            </a:lvl5pPr>
+            <a:lvl6pPr marL="1919288" indent="-209550" algn="l" rtl="0" fontAlgn="base">
+              <a:spcBef>
+                <a:spcPct val="20000"/>
+              </a:spcBef>
+              <a:spcAft>
+                <a:spcPct val="0"/>
+              </a:spcAft>
+              <a:buClr>
+                <a:srgbClr val="10CF9B"/>
+              </a:buClr>
+              <a:buSzPct val="65000"/>
+              <a:buFont typeface="Wingdings 2" pitchFamily="18" charset="2"/>
+              <a:buChar char=""/>
+              <a:defRPr sz="2000">
+                <a:solidFill>
+                  <a:schemeClr val="tx1"/>
+                </a:solidFill>
+                <a:latin typeface="+mn-lt"/>
+              </a:defRPr>
+            </a:lvl6pPr>
+            <a:lvl7pPr marL="2376488" indent="-209550" algn="l" rtl="0" fontAlgn="base">
+              <a:spcBef>
+                <a:spcPct val="20000"/>
+              </a:spcBef>
+              <a:spcAft>
+                <a:spcPct val="0"/>
+              </a:spcAft>
+              <a:buClr>
+                <a:srgbClr val="10CF9B"/>
+              </a:buClr>
+              <a:buSzPct val="65000"/>
+              <a:buFont typeface="Wingdings 2" pitchFamily="18" charset="2"/>
+              <a:buChar char=""/>
+              <a:defRPr sz="2000">
+                <a:solidFill>
+                  <a:schemeClr val="tx1"/>
+                </a:solidFill>
+                <a:latin typeface="+mn-lt"/>
+              </a:defRPr>
+            </a:lvl7pPr>
+            <a:lvl8pPr marL="2833688" indent="-209550" algn="l" rtl="0" fontAlgn="base">
+              <a:spcBef>
+                <a:spcPct val="20000"/>
+              </a:spcBef>
+              <a:spcAft>
+                <a:spcPct val="0"/>
+              </a:spcAft>
+              <a:buClr>
+                <a:srgbClr val="10CF9B"/>
+              </a:buClr>
+              <a:buSzPct val="65000"/>
+              <a:buFont typeface="Wingdings 2" pitchFamily="18" charset="2"/>
+              <a:buChar char=""/>
+              <a:defRPr sz="2000">
+                <a:solidFill>
+                  <a:schemeClr val="tx1"/>
+                </a:solidFill>
+                <a:latin typeface="+mn-lt"/>
+              </a:defRPr>
+            </a:lvl8pPr>
+            <a:lvl9pPr marL="3290888" indent="-209550" algn="l" rtl="0" fontAlgn="base">
+              <a:spcBef>
+                <a:spcPct val="20000"/>
+              </a:spcBef>
+              <a:spcAft>
+                <a:spcPct val="0"/>
+              </a:spcAft>
+              <a:buClr>
+                <a:srgbClr val="10CF9B"/>
+              </a:buClr>
+              <a:buSzPct val="65000"/>
+              <a:buFont typeface="Wingdings 2" pitchFamily="18" charset="2"/>
+              <a:buChar char=""/>
+              <a:defRPr sz="2000">
+                <a:solidFill>
+                  <a:schemeClr val="tx1"/>
+                </a:solidFill>
+                <a:latin typeface="+mn-lt"/>
+              </a:defRPr>
+            </a:lvl9pPr>
+          </a:lstStyle>
+          <a:p>
+            <a:pPr marL="0" indent="0" eaLnBrk="1" hangingPunct="1">
+              <a:buClr>
+                <a:schemeClr val="accent2"/>
+              </a:buClr>
+              <a:buFont typeface="Wingdings 2" charset="0"/>
+              <a:buNone/>
+            </a:pPr>
+            <a:r>
+              <a:rPr lang="en-GB" sz="2000" dirty="0" smtClean="0">
+                <a:latin typeface="Garamond"/>
+                <a:ea typeface="ＭＳ Ｐゴシック" charset="0"/>
+                <a:cs typeface="Garamond"/>
+              </a:rPr>
+              <a:t>core issue online.</a:t>
+            </a:r>
+            <a:r>
+              <a:rPr lang="en-GB" sz="11000" baseline="-25000" dirty="0" smtClean="0">
+                <a:latin typeface="Garamond"/>
+                <a:ea typeface="ＭＳ Ｐゴシック" charset="0"/>
+                <a:cs typeface="Garamond"/>
+              </a:rPr>
+              <a:t>”</a:t>
+            </a:r>
+            <a:endParaRPr lang="en-GB" sz="11000" baseline="-25000" dirty="0" smtClean="0">
+              <a:latin typeface="Garamond"/>
+              <a:ea typeface="ＭＳ Ｐゴシック" charset="0"/>
+              <a:cs typeface="Garamond"/>
+            </a:endParaRPr>
+          </a:p>
+        </p:txBody>
+      </p:sp>
     </p:spTree>
     <p:extLst>
       <p:ext uri="{BB962C8B-B14F-4D97-AF65-F5344CB8AC3E}">
-        <p14:creationId xmlns:p14="http://schemas.microsoft.com/office/powerpoint/2010/main" xmlns="" val="3482688512"/>
+        <p14:creationId xmlns:p14="http://schemas.microsoft.com/office/powerpoint/2010/main" val="3482688512"/>
       </p:ext>
     </p:extLst>
   </p:cSld>
@@ -19659,7 +21889,7 @@
   <p:timing>
     <p:tnLst>
       <p:par>
-        <p:cTn id="1" dur="indefinite" restart="never" nodeType="tmRoot"/>
+        <p:cTn xmlns:p14="http://schemas.microsoft.com/office/powerpoint/2010/main" id="1" dur="indefinite" restart="never" nodeType="tmRoot"/>
       </p:par>
     </p:tnLst>
   </p:timing>
@@ -19913,14 +22143,14 @@
           <a:noFill/>
           <a:extLst>
             <a:ext uri="{909E8E84-426E-40dd-AFC4-6F175D3DCCD1}">
-              <a14:hiddenFill xmlns:a14="http://schemas.microsoft.com/office/drawing/2010/main" xmlns="">
+              <a14:hiddenFill xmlns:a14="http://schemas.microsoft.com/office/drawing/2010/main">
                 <a:solidFill>
                   <a:srgbClr val="FFFFFF"/>
                 </a:solidFill>
               </a14:hiddenFill>
             </a:ext>
             <a:ext uri="{91240B29-F687-4f45-9708-019B960494DF}">
-              <a14:hiddenLine xmlns:a14="http://schemas.microsoft.com/office/drawing/2010/main" xmlns="" w="9525">
+              <a14:hiddenLine xmlns:a14="http://schemas.microsoft.com/office/drawing/2010/main" w="9525">
                 <a:solidFill>
                   <a:srgbClr val="000000"/>
                 </a:solidFill>
@@ -20307,31 +22537,8 @@
                   <a:effectLst/>
                   <a:latin typeface="Arial" charset="0"/>
                 </a:rPr>
-                <a:t>lient </a:t>
+                <a:t>lient program</a:t>
               </a:r>
-              <a:r>
-                <a:rPr kumimoji="0" lang="en-GB" sz="1800" b="0" i="0" u="none" strike="noStrike" cap="none" normalizeH="0" baseline="0" dirty="0" smtClean="0">
-                  <a:ln>
-                    <a:noFill/>
-                  </a:ln>
-                  <a:solidFill>
-                    <a:schemeClr val="tx1"/>
-                  </a:solidFill>
-                  <a:effectLst/>
-                  <a:latin typeface="Arial" charset="0"/>
-                </a:rPr>
-                <a:t>program</a:t>
-              </a:r>
-              <a:endParaRPr kumimoji="0" lang="en-GB" sz="1800" b="0" i="0" u="none" strike="noStrike" cap="none" normalizeH="0" baseline="0" dirty="0" smtClean="0">
-                <a:ln>
-                  <a:noFill/>
-                </a:ln>
-                <a:solidFill>
-                  <a:schemeClr val="tx1"/>
-                </a:solidFill>
-                <a:effectLst/>
-                <a:latin typeface="Arial" charset="0"/>
-              </a:endParaRPr>
             </a:p>
           </p:txBody>
         </p:sp>
@@ -21536,7 +23743,7 @@
     </p:spTree>
     <p:extLst>
       <p:ext uri="{BB962C8B-B14F-4D97-AF65-F5344CB8AC3E}">
-        <p14:creationId xmlns:p14="http://schemas.microsoft.com/office/powerpoint/2010/main" xmlns="" val="2719432612"/>
+        <p14:creationId xmlns:p14="http://schemas.microsoft.com/office/powerpoint/2010/main" val="2719432612"/>
       </p:ext>
     </p:extLst>
   </p:cSld>
@@ -21546,7 +23753,7 @@
   <p:timing>
     <p:tnLst>
       <p:par>
-        <p:cTn id="1" dur="indefinite" restart="never" nodeType="tmRoot"/>
+        <p:cTn xmlns:p14="http://schemas.microsoft.com/office/powerpoint/2010/main" id="1" dur="indefinite" restart="never" nodeType="tmRoot"/>
       </p:par>
     </p:tnLst>
   </p:timing>
@@ -21756,15 +23963,7 @@
                 <a:ea typeface="ＭＳ Ｐゴシック" charset="0"/>
                 <a:cs typeface="ＭＳ Ｐゴシック" charset="0"/>
               </a:rPr>
-              <a:t>Wikipedia now lists about 70-80 service providers who support OAuth 1 or </a:t>
-            </a:r>
-            <a:r>
-              <a:rPr lang="en-GB" sz="2000" dirty="0" smtClean="0">
-                <a:latin typeface="Calibri" charset="0"/>
-                <a:ea typeface="ＭＳ Ｐゴシック" charset="0"/>
-                <a:cs typeface="ＭＳ Ｐゴシック" charset="0"/>
-              </a:rPr>
-              <a:t>2</a:t>
+              <a:t>Wikipedia now lists about 70-80 service providers who support OAuth 1 or 2</a:t>
             </a:r>
           </a:p>
           <a:p>
@@ -21829,11 +24028,6 @@
               </a:rPr>
               <a:t>…</a:t>
             </a:r>
-            <a:endParaRPr lang="en-GB" sz="2000" dirty="0" smtClean="0">
-              <a:latin typeface="Calibri" charset="0"/>
-              <a:ea typeface="ＭＳ Ｐゴシック" charset="0"/>
-              <a:cs typeface="ＭＳ Ｐゴシック" charset="0"/>
-            </a:endParaRPr>
           </a:p>
           <a:p>
             <a:pPr eaLnBrk="1" hangingPunct="1">
@@ -21929,15 +24123,7 @@
                 <a:ea typeface="ＭＳ Ｐゴシック" charset="0"/>
                 <a:cs typeface="ＭＳ Ｐゴシック" charset="0"/>
               </a:rPr>
-              <a:t>a designed-by-committee patchwork of compromises</a:t>
-            </a:r>
-            <a:r>
-              <a:rPr lang="en-US" sz="2000" dirty="0" smtClean="0">
-                <a:latin typeface="Calibri" charset="0"/>
-                <a:ea typeface="ＭＳ Ｐゴシック" charset="0"/>
-                <a:cs typeface="ＭＳ Ｐゴシック" charset="0"/>
-              </a:rPr>
-              <a:t>”</a:t>
+              <a:t>a designed-by-committee patchwork of compromises”</a:t>
             </a:r>
           </a:p>
         </p:txBody>
@@ -21960,14 +24146,14 @@
           <a:noFill/>
           <a:extLst>
             <a:ext uri="{909E8E84-426E-40dd-AFC4-6F175D3DCCD1}">
-              <a14:hiddenFill xmlns:a14="http://schemas.microsoft.com/office/drawing/2010/main" xmlns="">
+              <a14:hiddenFill xmlns:a14="http://schemas.microsoft.com/office/drawing/2010/main">
                 <a:solidFill>
                   <a:srgbClr val="FFFFFF"/>
                 </a:solidFill>
               </a14:hiddenFill>
             </a:ext>
             <a:ext uri="{91240B29-F687-4f45-9708-019B960494DF}">
-              <a14:hiddenLine xmlns:a14="http://schemas.microsoft.com/office/drawing/2010/main" xmlns="" w="9525">
+              <a14:hiddenLine xmlns:a14="http://schemas.microsoft.com/office/drawing/2010/main" w="9525">
                 <a:solidFill>
                   <a:srgbClr val="000000"/>
                 </a:solidFill>
@@ -22190,7 +24376,7 @@
     </p:spTree>
     <p:extLst>
       <p:ext uri="{BB962C8B-B14F-4D97-AF65-F5344CB8AC3E}">
-        <p14:creationId xmlns:p14="http://schemas.microsoft.com/office/powerpoint/2010/main" xmlns="" val="1706506711"/>
+        <p14:creationId xmlns:p14="http://schemas.microsoft.com/office/powerpoint/2010/main" val="1706506711"/>
       </p:ext>
     </p:extLst>
   </p:cSld>
@@ -22200,7 +24386,7 @@
   <p:timing>
     <p:tnLst>
       <p:par>
-        <p:cTn id="1" dur="indefinite" restart="never" nodeType="tmRoot"/>
+        <p:cTn xmlns:p14="http://schemas.microsoft.com/office/powerpoint/2010/main" id="1" dur="indefinite" restart="never" nodeType="tmRoot"/>
       </p:par>
     </p:tnLst>
   </p:timing>
@@ -22246,15 +24432,7 @@
                 <a:ea typeface="ＭＳ Ｐゴシック" charset="0"/>
                 <a:cs typeface="ＭＳ Ｐゴシック" charset="0"/>
               </a:rPr>
-              <a:t>OAuth Benefits </a:t>
-            </a:r>
-            <a:r>
-              <a:rPr lang="en-GB" dirty="0" smtClean="0">
-                <a:latin typeface="Calibri" charset="0"/>
-                <a:ea typeface="ＭＳ Ｐゴシック" charset="0"/>
-                <a:cs typeface="ＭＳ Ｐゴシック" charset="0"/>
-              </a:rPr>
-              <a:t>(and Criticisms)</a:t>
+              <a:t>OAuth Benefits (and Criticisms)</a:t>
             </a:r>
             <a:endParaRPr lang="en-GB" dirty="0">
               <a:latin typeface="Calibri" charset="0"/>
@@ -22450,14 +24628,14 @@
           <a:noFill/>
           <a:extLst>
             <a:ext uri="{909E8E84-426E-40dd-AFC4-6F175D3DCCD1}">
-              <a14:hiddenFill xmlns:a14="http://schemas.microsoft.com/office/drawing/2010/main" xmlns="">
+              <a14:hiddenFill xmlns:a14="http://schemas.microsoft.com/office/drawing/2010/main">
                 <a:solidFill>
                   <a:srgbClr val="FFFFFF"/>
                 </a:solidFill>
               </a14:hiddenFill>
             </a:ext>
             <a:ext uri="{91240B29-F687-4f45-9708-019B960494DF}">
-              <a14:hiddenLine xmlns:a14="http://schemas.microsoft.com/office/drawing/2010/main" xmlns="" w="9525">
+              <a14:hiddenLine xmlns:a14="http://schemas.microsoft.com/office/drawing/2010/main" w="9525">
                 <a:solidFill>
                   <a:srgbClr val="000000"/>
                 </a:solidFill>
@@ -22620,14 +24798,14 @@
           </a:ln>
           <a:extLst>
             <a:ext uri="{909E8E84-426E-40dd-AFC4-6F175D3DCCD1}">
-              <a14:hiddenFill xmlns:a14="http://schemas.microsoft.com/office/drawing/2010/main" xmlns="">
+              <a14:hiddenFill xmlns:a14="http://schemas.microsoft.com/office/drawing/2010/main">
                 <a:solidFill>
                   <a:srgbClr val="FFFFFF"/>
                 </a:solidFill>
               </a14:hiddenFill>
             </a:ext>
             <a:ext uri="{91240B29-F687-4f45-9708-019B960494DF}">
-              <a14:hiddenLine xmlns:a14="http://schemas.microsoft.com/office/drawing/2010/main" xmlns="" w="9525">
+              <a14:hiddenLine xmlns:a14="http://schemas.microsoft.com/office/drawing/2010/main" w="9525">
                 <a:solidFill>
                   <a:srgbClr val="000000"/>
                 </a:solidFill>
@@ -22637,7 +24815,7 @@
               </a14:hiddenLine>
             </a:ext>
             <a:ext uri="{FAA26D3D-D897-4be2-8F04-BA451C77F1D7}">
-              <ma14:placeholderFlag xmlns:ma14="http://schemas.microsoft.com/office/mac/drawingml/2011/main" xmlns="" val="1"/>
+              <ma14:placeholderFlag xmlns:ma14="http://schemas.microsoft.com/office/mac/drawingml/2011/main" val="1"/>
             </a:ext>
           </a:extLst>
         </p:spPr>
@@ -22916,28 +25094,7 @@
                 <a:ea typeface="ＭＳ Ｐゴシック" charset="0"/>
                 <a:cs typeface="ＭＳ Ｐゴシック" charset="0"/>
               </a:rPr>
-              <a:t>OAuth </a:t>
-            </a:r>
-            <a:r>
-              <a:rPr lang="en-GB" sz="1600" b="1" dirty="0" smtClean="0">
-                <a:ea typeface="ＭＳ Ｐゴシック" charset="0"/>
-                <a:cs typeface="ＭＳ Ｐゴシック" charset="0"/>
-              </a:rPr>
-              <a:t>2 does not require </a:t>
-            </a:r>
-            <a:r>
-              <a:rPr lang="en-GB" sz="1600" b="1" dirty="0" smtClean="0">
-                <a:ea typeface="ＭＳ Ｐゴシック" charset="0"/>
-                <a:cs typeface="ＭＳ Ｐゴシック" charset="0"/>
-              </a:rPr>
-              <a:t>signatures </a:t>
-            </a:r>
-            <a:r>
-              <a:rPr lang="en-GB" sz="1600" b="1" dirty="0" smtClean="0">
-                <a:ea typeface="ＭＳ Ｐゴシック" charset="0"/>
-                <a:cs typeface="ＭＳ Ｐゴシック" charset="0"/>
-              </a:rPr>
-              <a:t>to identify endpoints</a:t>
+              <a:t>OAuth 2 does not require signatures to identify endpoints</a:t>
             </a:r>
           </a:p>
           <a:p>
@@ -22976,13 +25133,7 @@
               <a:rPr lang="en-GB" sz="1600" dirty="0" smtClean="0">
                 <a:ea typeface="ＭＳ Ｐゴシック" charset="0"/>
               </a:rPr>
-              <a:t>this aspect of the standard is still being </a:t>
-            </a:r>
-            <a:r>
-              <a:rPr lang="en-GB" sz="1600" dirty="0" smtClean="0">
-                <a:ea typeface="ＭＳ Ｐゴシック" charset="0"/>
-              </a:rPr>
-              <a:t>developed</a:t>
+              <a:t>this aspect of the standard is still being developed</a:t>
             </a:r>
           </a:p>
           <a:p>
@@ -22998,26 +25149,8 @@
                 <a:ea typeface="ＭＳ Ｐゴシック" charset="0"/>
                 <a:cs typeface="ＭＳ Ｐゴシック" charset="0"/>
               </a:rPr>
-              <a:t>OAuth </a:t>
-            </a:r>
-            <a:r>
-              <a:rPr lang="en-GB" sz="1600" b="1" dirty="0" smtClean="0">
-                <a:ea typeface="ＭＳ Ｐゴシック" charset="0"/>
-                <a:cs typeface="ＭＳ Ｐゴシック" charset="0"/>
-              </a:rPr>
-              <a:t>2 </a:t>
-            </a:r>
-            <a:r>
-              <a:rPr lang="en-GB" sz="1600" b="1" dirty="0" smtClean="0">
-                <a:ea typeface="ＭＳ Ｐゴシック" charset="0"/>
-                <a:cs typeface="ＭＳ Ｐゴシック" charset="0"/>
-              </a:rPr>
-              <a:t>is “complicated!”</a:t>
-            </a:r>
-            <a:endParaRPr lang="en-GB" sz="1600" b="1" dirty="0" smtClean="0">
-              <a:ea typeface="ＭＳ Ｐゴシック" charset="0"/>
-              <a:cs typeface="ＭＳ Ｐゴシック" charset="0"/>
-            </a:endParaRPr>
+              <a:t>OAuth 2 is “complicated!”</a:t>
+            </a:r>
           </a:p>
           <a:p>
             <a:pPr lvl="1" eaLnBrk="1" hangingPunct="1">
@@ -23029,25 +25162,7 @@
               <a:rPr lang="en-GB" sz="1600" dirty="0" smtClean="0">
                 <a:ea typeface="ＭＳ Ｐゴシック" charset="0"/>
               </a:rPr>
-              <a:t>easy for </a:t>
-            </a:r>
-            <a:r>
-              <a:rPr lang="en-GB" sz="1600" dirty="0" smtClean="0">
-                <a:ea typeface="ＭＳ Ｐゴシック" charset="0"/>
-              </a:rPr>
-              <a:t>developers </a:t>
-            </a:r>
-            <a:r>
-              <a:rPr lang="en-GB" sz="1600" dirty="0" smtClean="0">
-                <a:ea typeface="ＭＳ Ｐゴシック" charset="0"/>
-              </a:rPr>
-              <a:t>to </a:t>
-            </a:r>
-            <a:r>
-              <a:rPr lang="en-GB" sz="1600" dirty="0" smtClean="0">
-                <a:ea typeface="ＭＳ Ｐゴシック" charset="0"/>
-              </a:rPr>
-              <a:t>get something wrong</a:t>
+              <a:t>easy for developers to get something wrong</a:t>
             </a:r>
             <a:endParaRPr lang="en-GB" sz="1600" dirty="0">
               <a:ea typeface="ＭＳ Ｐゴシック" charset="0"/>
@@ -23058,7 +25173,7 @@
     </p:spTree>
     <p:extLst>
       <p:ext uri="{BB962C8B-B14F-4D97-AF65-F5344CB8AC3E}">
-        <p14:creationId xmlns:p14="http://schemas.microsoft.com/office/powerpoint/2010/main" xmlns="" val="3682318819"/>
+        <p14:creationId xmlns:p14="http://schemas.microsoft.com/office/powerpoint/2010/main" val="3682318819"/>
       </p:ext>
     </p:extLst>
   </p:cSld>
@@ -23068,7 +25183,7 @@
   <p:timing>
     <p:tnLst>
       <p:par>
-        <p:cTn id="1" dur="indefinite" restart="never" nodeType="tmRoot"/>
+        <p:cTn xmlns:p14="http://schemas.microsoft.com/office/powerpoint/2010/main" id="1" dur="indefinite" restart="never" nodeType="tmRoot"/>
       </p:par>
     </p:tnLst>
   </p:timing>
@@ -23142,14 +25257,14 @@
           <a:noFill/>
           <a:extLst>
             <a:ext uri="{909E8E84-426E-40dd-AFC4-6F175D3DCCD1}">
-              <a14:hiddenFill xmlns:a14="http://schemas.microsoft.com/office/drawing/2010/main" xmlns="">
+              <a14:hiddenFill xmlns:a14="http://schemas.microsoft.com/office/drawing/2010/main">
                 <a:solidFill>
                   <a:srgbClr val="FFFFFF"/>
                 </a:solidFill>
               </a14:hiddenFill>
             </a:ext>
             <a:ext uri="{91240B29-F687-4f45-9708-019B960494DF}">
-              <a14:hiddenLine xmlns:a14="http://schemas.microsoft.com/office/drawing/2010/main" xmlns="" w="9525">
+              <a14:hiddenLine xmlns:a14="http://schemas.microsoft.com/office/drawing/2010/main" w="9525">
                 <a:solidFill>
                   <a:srgbClr val="000000"/>
                 </a:solidFill>
@@ -23299,14 +25414,14 @@
           <p:nvPr>
             <p:extLst>
               <p:ext uri="{D42A27DB-BD31-4B8C-83A1-F6EECF244321}">
-                <p14:modId xmlns:p14="http://schemas.microsoft.com/office/powerpoint/2010/main" xmlns="" val="1649218641"/>
+                <p14:modId xmlns:p14="http://schemas.microsoft.com/office/powerpoint/2010/main" val="1649218641"/>
               </p:ext>
             </p:extLst>
           </p:nvPr>
         </p:nvGraphicFramePr>
         <p:xfrm>
           <a:off x="223838" y="1466850"/>
-          <a:ext cx="8615362" cy="4917440"/>
+          <a:ext cx="8615362" cy="4917439"/>
         </p:xfrm>
         <a:graphic>
           <a:graphicData uri="http://schemas.openxmlformats.org/drawingml/2006/table">
@@ -23385,19 +25500,7 @@
                     <a:p>
                       <a:r>
                         <a:rPr lang="en-GB" sz="1400" baseline="0" dirty="0" smtClean="0"/>
-                        <a:t>Person who has </a:t>
-                      </a:r>
-                      <a:r>
-                        <a:rPr lang="en-GB" sz="1400" baseline="0" dirty="0" smtClean="0"/>
-                        <a:t>authority to grant access to </a:t>
-                      </a:r>
-                      <a:r>
-                        <a:rPr lang="en-GB" sz="1400" baseline="0" dirty="0" smtClean="0"/>
-                        <a:t>data </a:t>
-                      </a:r>
-                      <a:r>
-                        <a:rPr lang="en-GB" sz="1400" baseline="0" dirty="0" smtClean="0"/>
-                        <a:t>and services </a:t>
+                        <a:t>Person who has authority to grant access to data and services </a:t>
                       </a:r>
                       <a:endParaRPr lang="en-GB" sz="1400" dirty="0"/>
                     </a:p>
@@ -23463,11 +25566,7 @@
                       </a:r>
                       <a:r>
                         <a:rPr lang="en-GB" sz="1400" dirty="0" smtClean="0"/>
-                        <a:t> </a:t>
-                      </a:r>
-                      <a:r>
-                        <a:rPr lang="en-GB" sz="1400" dirty="0" smtClean="0"/>
-                        <a:t>files /</a:t>
+                        <a:t> files /</a:t>
                       </a:r>
                     </a:p>
                     <a:p>
@@ -23506,15 +25605,7 @@
                     <a:p>
                       <a:r>
                         <a:rPr lang="en-GB" sz="1400" dirty="0" smtClean="0"/>
-                        <a:t>The server which hosts the </a:t>
-                      </a:r>
-                      <a:r>
-                        <a:rPr lang="en-GB" sz="1400" dirty="0" smtClean="0"/>
-                        <a:t>resources </a:t>
-                      </a:r>
-                      <a:r>
-                        <a:rPr lang="en-GB" sz="1400" dirty="0" smtClean="0"/>
-                        <a:t>that are protected by OAuth</a:t>
+                        <a:t>The server which hosts the resources that are protected by OAuth</a:t>
                       </a:r>
                       <a:endParaRPr lang="en-GB" sz="1400" dirty="0"/>
                     </a:p>
@@ -23570,15 +25661,7 @@
                       </a:r>
                       <a:r>
                         <a:rPr lang="en-GB" sz="1400" baseline="0" dirty="0" smtClean="0"/>
-                        <a:t> </a:t>
-                      </a:r>
-                      <a:r>
-                        <a:rPr lang="en-GB" sz="1400" baseline="0" dirty="0" smtClean="0"/>
-                        <a:t>which performs </a:t>
-                      </a:r>
-                      <a:r>
-                        <a:rPr lang="en-GB" sz="1400" baseline="0" dirty="0" smtClean="0"/>
-                        <a:t>resource authorisation actions, including:</a:t>
+                        <a:t> which performs resource authorisation actions, including:</a:t>
                       </a:r>
                     </a:p>
                     <a:p>
@@ -23612,15 +25695,7 @@
                       </a:pPr>
                       <a:r>
                         <a:rPr lang="en-GB" sz="1400" baseline="0" dirty="0" smtClean="0"/>
-                        <a:t>validates access </a:t>
-                      </a:r>
-                      <a:r>
-                        <a:rPr lang="en-GB" sz="1400" baseline="0" dirty="0" smtClean="0"/>
-                        <a:t>tokens </a:t>
-                      </a:r>
-                      <a:r>
-                        <a:rPr lang="en-GB" sz="1400" baseline="0" dirty="0" smtClean="0"/>
-                        <a:t>provided by clients</a:t>
+                        <a:t>validates access tokens provided by clients</a:t>
                       </a:r>
                       <a:endParaRPr lang="en-GB" sz="1400" dirty="0"/>
                     </a:p>
@@ -23705,11 +25780,7 @@
                       </a:r>
                       <a:r>
                         <a:rPr lang="en-GB" sz="1400" dirty="0" smtClean="0"/>
-                        <a:t> calls </a:t>
-                      </a:r>
-                      <a:r>
-                        <a:rPr lang="en-GB" sz="1400" dirty="0" smtClean="0"/>
-                        <a:t>to perform actions on protected resources on behalf of the resource owner</a:t>
+                        <a:t> calls to perform actions on protected resources on behalf of the resource owner</a:t>
                       </a:r>
                       <a:endParaRPr lang="en-GB" sz="1400" dirty="0"/>
                     </a:p>
@@ -23775,11 +25846,7 @@
                     <a:p>
                       <a:r>
                         <a:rPr lang="en-GB" sz="1400" i="1" dirty="0" smtClean="0"/>
-                        <a:t>See </a:t>
-                      </a:r>
-                      <a:r>
-                        <a:rPr lang="en-GB" sz="1400" i="1" dirty="0" smtClean="0"/>
-                        <a:t>following slides</a:t>
+                        <a:t>See following slides</a:t>
                       </a:r>
                       <a:endParaRPr lang="en-GB" sz="1400" i="1" dirty="0"/>
                     </a:p>
@@ -23863,7 +25930,7 @@
     </p:spTree>
     <p:extLst>
       <p:ext uri="{BB962C8B-B14F-4D97-AF65-F5344CB8AC3E}">
-        <p14:creationId xmlns:p14="http://schemas.microsoft.com/office/powerpoint/2010/main" xmlns="" val="323753504"/>
+        <p14:creationId xmlns:p14="http://schemas.microsoft.com/office/powerpoint/2010/main" val="323753504"/>
       </p:ext>
     </p:extLst>
   </p:cSld>
@@ -23873,7 +25940,7 @@
   <p:timing>
     <p:tnLst>
       <p:par>
-        <p:cTn id="1" dur="indefinite" restart="never" nodeType="tmRoot"/>
+        <p:cTn xmlns:p14="http://schemas.microsoft.com/office/powerpoint/2010/main" id="1" dur="indefinite" restart="never" nodeType="tmRoot"/>
       </p:par>
     </p:tnLst>
   </p:timing>

--- a/session-materials/Oauth-Session.pptx
+++ b/session-materials/Oauth-Session.pptx
@@ -251,7 +251,7 @@
             <a:fld id="{761FAC92-251B-B34F-B048-8699966A6B34}" type="datetimeFigureOut">
               <a:rPr lang="en-US" smtClean="0"/>
               <a:pPr/>
-              <a:t>21/06/2014</a:t>
+              <a:t>30/06/2014</a:t>
             </a:fld>
             <a:endParaRPr lang="en-GB"/>
           </a:p>
@@ -428,7 +428,7 @@
             <a:fld id="{34B7DD38-5B8A-884F-A4F1-888BCE980ABD}" type="datetimeFigureOut">
               <a:rPr lang="en-GB"/>
               <a:pPr/>
-              <a:t>21/06/2014</a:t>
+              <a:t>30/06/2014</a:t>
             </a:fld>
             <a:endParaRPr lang="en-GB"/>
           </a:p>
@@ -1402,7 +1402,7 @@
             <a:fld id="{B37F9263-0D28-A947-82B3-E306807255D6}" type="datetime1">
               <a:rPr lang="en-GB"/>
               <a:pPr/>
-              <a:t>21/06/2014</a:t>
+              <a:t>30/06/2014</a:t>
             </a:fld>
             <a:endParaRPr lang="en-GB"/>
           </a:p>
@@ -1589,7 +1589,7 @@
             <a:fld id="{F5483EDC-A27D-D447-94F8-607CCF07BA43}" type="datetime1">
               <a:rPr lang="en-GB"/>
               <a:pPr/>
-              <a:t>21/06/2014</a:t>
+              <a:t>30/06/2014</a:t>
             </a:fld>
             <a:endParaRPr lang="en-GB"/>
           </a:p>
@@ -1786,7 +1786,7 @@
             <a:fld id="{D13606D2-9B84-F843-9C89-B9416B784FCA}" type="datetime1">
               <a:rPr lang="en-GB"/>
               <a:pPr/>
-              <a:t>21/06/2014</a:t>
+              <a:t>30/06/2014</a:t>
             </a:fld>
             <a:endParaRPr lang="en-GB"/>
           </a:p>
@@ -1973,7 +1973,7 @@
             <a:fld id="{69BF0744-F7CD-7E4F-9882-55853F706263}" type="datetime1">
               <a:rPr lang="en-GB"/>
               <a:pPr/>
-              <a:t>21/06/2014</a:t>
+              <a:t>30/06/2014</a:t>
             </a:fld>
             <a:endParaRPr lang="en-GB"/>
           </a:p>
@@ -2182,7 +2182,7 @@
             <a:fld id="{6D0236A6-409E-674F-89AC-E896F189E47F}" type="datetime1">
               <a:rPr lang="en-GB"/>
               <a:pPr/>
-              <a:t>21/06/2014</a:t>
+              <a:t>30/06/2014</a:t>
             </a:fld>
             <a:endParaRPr lang="en-GB"/>
           </a:p>
@@ -2487,7 +2487,7 @@
             <a:fld id="{4F6A9725-7D81-084B-9E97-48A18A77D304}" type="datetime1">
               <a:rPr lang="en-GB"/>
               <a:pPr/>
-              <a:t>21/06/2014</a:t>
+              <a:t>30/06/2014</a:t>
             </a:fld>
             <a:endParaRPr lang="en-GB"/>
           </a:p>
@@ -2931,7 +2931,7 @@
             <a:fld id="{36892021-AFE2-7646-9A69-7AF9AF8A9C0C}" type="datetime1">
               <a:rPr lang="en-GB"/>
               <a:pPr/>
-              <a:t>21/06/2014</a:t>
+              <a:t>30/06/2014</a:t>
             </a:fld>
             <a:endParaRPr lang="en-GB"/>
           </a:p>
@@ -3066,7 +3066,7 @@
             <a:fld id="{FCA7C272-6524-5F4A-8F45-7EB0153F335F}" type="datetime1">
               <a:rPr lang="en-GB"/>
               <a:pPr/>
-              <a:t>21/06/2014</a:t>
+              <a:t>30/06/2014</a:t>
             </a:fld>
             <a:endParaRPr lang="en-GB"/>
           </a:p>
@@ -3178,7 +3178,7 @@
             <a:fld id="{231A887B-6191-C147-8923-F80BD8C33FCD}" type="datetime1">
               <a:rPr lang="en-GB"/>
               <a:pPr/>
-              <a:t>21/06/2014</a:t>
+              <a:t>30/06/2014</a:t>
             </a:fld>
             <a:endParaRPr lang="en-GB"/>
           </a:p>
@@ -3472,7 +3472,7 @@
             <a:fld id="{9294713F-FC05-3A40-96CF-B6994D056B93}" type="datetime1">
               <a:rPr lang="en-GB"/>
               <a:pPr/>
-              <a:t>21/06/2014</a:t>
+              <a:t>30/06/2014</a:t>
             </a:fld>
             <a:endParaRPr lang="en-GB"/>
           </a:p>
@@ -3743,7 +3743,7 @@
             <a:fld id="{7CBA5132-EE38-7F4A-835F-B1102FDE0768}" type="datetime1">
               <a:rPr lang="en-GB"/>
               <a:pPr/>
-              <a:t>21/06/2014</a:t>
+              <a:t>30/06/2014</a:t>
             </a:fld>
             <a:endParaRPr lang="en-GB"/>
           </a:p>
@@ -4286,7 +4286,7 @@
             <a:fld id="{97C548F9-45AE-614C-B4B1-E298E2074A53}" type="datetime1">
               <a:rPr lang="en-GB"/>
               <a:pPr/>
-              <a:t>21/06/2014</a:t>
+              <a:t>30/06/2014</a:t>
             </a:fld>
             <a:endParaRPr lang="en-GB"/>
           </a:p>
@@ -5412,25 +5412,24 @@
                 </a:solidFill>
                 <a:hlinkClick r:id="rId4"/>
               </a:rPr>
-              <a:t>eoin</a:t>
-            </a:r>
-            <a:r>
-              <a:rPr lang="en-GB" dirty="0">
+              <a:t>eoin.woods@artechra</a:t>
+            </a:r>
+            <a:r>
+              <a:rPr lang="en-GB" dirty="0" smtClean="0">
                 <a:solidFill>
                   <a:schemeClr val="tx2"/>
                 </a:solidFill>
                 <a:hlinkClick r:id="rId4"/>
               </a:rPr>
-              <a:t>@</a:t>
+              <a:t>.com</a:t>
             </a:r>
             <a:r>
               <a:rPr lang="en-GB" dirty="0" smtClean="0">
                 <a:solidFill>
                   <a:schemeClr val="tx2"/>
                 </a:solidFill>
-                <a:hlinkClick r:id="rId4"/>
-              </a:rPr>
-              <a:t>copse.org.uk</a:t>
+              </a:rPr>
+              <a:t> </a:t>
             </a:r>
             <a:r>
               <a:rPr lang="en-GB" dirty="0" smtClean="0">
@@ -5440,6 +5439,11 @@
               </a:rPr>
               <a:t> </a:t>
             </a:r>
+            <a:endParaRPr lang="en-GB" dirty="0" smtClean="0">
+              <a:solidFill>
+                <a:schemeClr val="tx2"/>
+              </a:solidFill>
+            </a:endParaRPr>
           </a:p>
           <a:p>
             <a:pPr lvl="1"/>
@@ -6887,23 +6891,7 @@
                 <a:ea typeface="ＭＳ Ｐゴシック" charset="0"/>
                 <a:cs typeface="ＭＳ Ｐゴシック" charset="0"/>
               </a:rPr>
-              <a:t>Authorization Code Workflow (</a:t>
-            </a:r>
-            <a:r>
-              <a:rPr lang="en-GB" dirty="0" smtClean="0">
-                <a:latin typeface="Calibri" charset="0"/>
-                <a:ea typeface="ＭＳ Ｐゴシック" charset="0"/>
-                <a:cs typeface="ＭＳ Ｐゴシック" charset="0"/>
-              </a:rPr>
-              <a:t>No-Redirect</a:t>
-            </a:r>
-            <a:r>
-              <a:rPr lang="en-GB" dirty="0" smtClean="0">
-                <a:latin typeface="Calibri" charset="0"/>
-                <a:ea typeface="ＭＳ Ｐゴシック" charset="0"/>
-                <a:cs typeface="ＭＳ Ｐゴシック" charset="0"/>
-              </a:rPr>
-              <a:t>)</a:t>
+              <a:t>Authorization Code Workflow (No-Redirect)</a:t>
             </a:r>
             <a:endParaRPr lang="en-GB" dirty="0">
               <a:latin typeface="Calibri" charset="0"/>
@@ -13562,15 +13550,7 @@
                 <a:ea typeface="ＭＳ Ｐゴシック" charset="0"/>
                 <a:cs typeface="ＭＳ Ｐゴシック" charset="0"/>
               </a:rPr>
-              <a:t>What’s in the </a:t>
-            </a:r>
-            <a:r>
-              <a:rPr lang="en-GB" dirty="0" smtClean="0">
-                <a:latin typeface="Calibri" charset="0"/>
-                <a:ea typeface="ＭＳ Ｐゴシック" charset="0"/>
-                <a:cs typeface="ＭＳ Ｐゴシック" charset="0"/>
-              </a:rPr>
-              <a:t>Repository (</a:t>
+              <a:t>What’s in the Repository (</a:t>
             </a:r>
             <a:r>
               <a:rPr lang="en-GB" i="1" dirty="0" smtClean="0">
@@ -21868,11 +21848,6 @@
               </a:rPr>
               <a:t>”</a:t>
             </a:r>
-            <a:endParaRPr lang="en-GB" sz="11000" baseline="-25000" dirty="0" smtClean="0">
-              <a:latin typeface="Garamond"/>
-              <a:ea typeface="ＭＳ Ｐゴシック" charset="0"/>
-              <a:cs typeface="Garamond"/>
-            </a:endParaRPr>
           </a:p>
         </p:txBody>
       </p:sp>

--- a/session-materials/Oauth-Session.pptx
+++ b/session-materials/Oauth-Session.pptx
@@ -5,10 +5,10 @@
     <p:sldMasterId id="2147483733" r:id="rId1"/>
   </p:sldMasterIdLst>
   <p:notesMasterIdLst>
-    <p:notesMasterId r:id="rId28"/>
+    <p:notesMasterId r:id="rId29"/>
   </p:notesMasterIdLst>
   <p:handoutMasterIdLst>
-    <p:handoutMasterId r:id="rId29"/>
+    <p:handoutMasterId r:id="rId30"/>
   </p:handoutMasterIdLst>
   <p:sldIdLst>
     <p:sldId id="256" r:id="rId2"/>
@@ -20,23 +20,24 @@
     <p:sldId id="265" r:id="rId8"/>
     <p:sldId id="266" r:id="rId9"/>
     <p:sldId id="267" r:id="rId10"/>
-    <p:sldId id="271" r:id="rId11"/>
-    <p:sldId id="264" r:id="rId12"/>
-    <p:sldId id="273" r:id="rId13"/>
-    <p:sldId id="277" r:id="rId14"/>
-    <p:sldId id="278" r:id="rId15"/>
+    <p:sldId id="277" r:id="rId11"/>
+    <p:sldId id="278" r:id="rId12"/>
+    <p:sldId id="271" r:id="rId13"/>
+    <p:sldId id="264" r:id="rId14"/>
+    <p:sldId id="273" r:id="rId15"/>
     <p:sldId id="279" r:id="rId16"/>
     <p:sldId id="284" r:id="rId17"/>
     <p:sldId id="275" r:id="rId18"/>
-    <p:sldId id="281" r:id="rId19"/>
-    <p:sldId id="288" r:id="rId20"/>
-    <p:sldId id="282" r:id="rId21"/>
-    <p:sldId id="286" r:id="rId22"/>
-    <p:sldId id="289" r:id="rId23"/>
-    <p:sldId id="280" r:id="rId24"/>
-    <p:sldId id="274" r:id="rId25"/>
-    <p:sldId id="261" r:id="rId26"/>
-    <p:sldId id="290" r:id="rId27"/>
+    <p:sldId id="291" r:id="rId19"/>
+    <p:sldId id="281" r:id="rId20"/>
+    <p:sldId id="288" r:id="rId21"/>
+    <p:sldId id="282" r:id="rId22"/>
+    <p:sldId id="286" r:id="rId23"/>
+    <p:sldId id="289" r:id="rId24"/>
+    <p:sldId id="280" r:id="rId25"/>
+    <p:sldId id="274" r:id="rId26"/>
+    <p:sldId id="261" r:id="rId27"/>
+    <p:sldId id="290" r:id="rId28"/>
   </p:sldIdLst>
   <p:sldSz cx="9144000" cy="6858000" type="screen4x3"/>
   <p:notesSz cx="6858000" cy="9144000"/>
@@ -5412,38 +5413,16 @@
                 </a:solidFill>
                 <a:hlinkClick r:id="rId4"/>
               </a:rPr>
-              <a:t>eoin.woods@artechra</a:t>
+              <a:t>eoin.woods@artechra.com</a:t>
             </a:r>
             <a:r>
               <a:rPr lang="en-GB" dirty="0" smtClean="0">
                 <a:solidFill>
                   <a:schemeClr val="tx2"/>
                 </a:solidFill>
-                <a:hlinkClick r:id="rId4"/>
-              </a:rPr>
-              <a:t>.com</a:t>
-            </a:r>
-            <a:r>
-              <a:rPr lang="en-GB" dirty="0" smtClean="0">
-                <a:solidFill>
-                  <a:schemeClr val="tx2"/>
-                </a:solidFill>
-              </a:rPr>
-              <a:t> </a:t>
-            </a:r>
-            <a:r>
-              <a:rPr lang="en-GB" dirty="0" smtClean="0">
-                <a:solidFill>
-                  <a:schemeClr val="tx2"/>
-                </a:solidFill>
-              </a:rPr>
-              <a:t> </a:t>
-            </a:r>
-            <a:endParaRPr lang="en-GB" dirty="0" smtClean="0">
-              <a:solidFill>
-                <a:schemeClr val="tx2"/>
-              </a:solidFill>
-            </a:endParaRPr>
+              </a:rPr>
+              <a:t>  </a:t>
+            </a:r>
           </a:p>
           <a:p>
             <a:pPr lvl="1"/>
@@ -5624,13 +5603,298 @@
                 <a:ea typeface="ＭＳ Ｐゴシック" charset="0"/>
                 <a:cs typeface="ＭＳ Ｐゴシック" charset="0"/>
               </a:rPr>
-              <a:t>OAuth Workflow</a:t>
+              <a:t>Application Registration</a:t>
             </a:r>
             <a:endParaRPr lang="en-GB" dirty="0">
               <a:latin typeface="Calibri" charset="0"/>
               <a:ea typeface="ＭＳ Ｐゴシック" charset="0"/>
               <a:cs typeface="ＭＳ Ｐゴシック" charset="0"/>
             </a:endParaRPr>
+          </a:p>
+        </p:txBody>
+      </p:sp>
+      <p:sp>
+        <p:nvSpPr>
+          <p:cNvPr id="5123" name="Rectangle 3"/>
+          <p:cNvSpPr>
+            <a:spLocks noGrp="1" noChangeArrowheads="1"/>
+          </p:cNvSpPr>
+          <p:nvPr>
+            <p:ph idx="4294967295"/>
+          </p:nvPr>
+        </p:nvSpPr>
+        <p:spPr>
+          <a:xfrm>
+            <a:off x="203200" y="1581150"/>
+            <a:ext cx="8762254" cy="4955203"/>
+          </a:xfrm>
+        </p:spPr>
+        <p:txBody>
+          <a:bodyPr>
+            <a:spAutoFit/>
+          </a:bodyPr>
+          <a:lstStyle/>
+          <a:p>
+            <a:pPr eaLnBrk="1" hangingPunct="1">
+              <a:buClr>
+                <a:schemeClr val="accent2"/>
+              </a:buClr>
+            </a:pPr>
+            <a:r>
+              <a:rPr lang="en-GB" sz="2000" dirty="0" smtClean="0">
+                <a:latin typeface="Calibri" charset="0"/>
+                <a:ea typeface="ＭＳ Ｐゴシック" charset="0"/>
+                <a:cs typeface="ＭＳ Ｐゴシック" charset="0"/>
+              </a:rPr>
+              <a:t>OAuth 2 requires that clients </a:t>
+            </a:r>
+            <a:r>
+              <a:rPr lang="en-GB" sz="2000" i="1" dirty="0" smtClean="0">
+                <a:latin typeface="Calibri" charset="0"/>
+                <a:ea typeface="ＭＳ Ｐゴシック" charset="0"/>
+                <a:cs typeface="ＭＳ Ｐゴシック" charset="0"/>
+              </a:rPr>
+              <a:t>register</a:t>
+            </a:r>
+            <a:r>
+              <a:rPr lang="en-GB" sz="2000" dirty="0" smtClean="0">
+                <a:latin typeface="Calibri" charset="0"/>
+                <a:ea typeface="ＭＳ Ｐゴシック" charset="0"/>
+                <a:cs typeface="ＭＳ Ｐゴシック" charset="0"/>
+              </a:rPr>
+              <a:t> with the authorisation server so that client requests can be properly identified</a:t>
+            </a:r>
+          </a:p>
+          <a:p>
+            <a:pPr eaLnBrk="1" hangingPunct="1">
+              <a:buClr>
+                <a:schemeClr val="accent2"/>
+              </a:buClr>
+            </a:pPr>
+            <a:r>
+              <a:rPr lang="en-GB" sz="2000" dirty="0" smtClean="0">
+                <a:latin typeface="Calibri" charset="0"/>
+                <a:ea typeface="ＭＳ Ｐゴシック" charset="0"/>
+                <a:cs typeface="ＭＳ Ｐゴシック" charset="0"/>
+              </a:rPr>
+              <a:t>Service providers normally provide some sort of web console to do this, eg:</a:t>
+            </a:r>
+          </a:p>
+          <a:p>
+            <a:pPr lvl="1" eaLnBrk="1" hangingPunct="1">
+              <a:buClr>
+                <a:schemeClr val="accent2"/>
+              </a:buClr>
+            </a:pPr>
+            <a:r>
+              <a:rPr lang="en-GB" sz="2000" dirty="0" smtClean="0">
+                <a:latin typeface="Calibri" charset="0"/>
+                <a:ea typeface="ＭＳ Ｐゴシック" charset="0"/>
+                <a:cs typeface="ＭＳ Ｐゴシック" charset="0"/>
+              </a:rPr>
+              <a:t>Google API Console</a:t>
+            </a:r>
+          </a:p>
+          <a:p>
+            <a:pPr lvl="1" eaLnBrk="1" hangingPunct="1">
+              <a:buClr>
+                <a:schemeClr val="accent2"/>
+              </a:buClr>
+            </a:pPr>
+            <a:r>
+              <a:rPr lang="en-GB" sz="2000" dirty="0" smtClean="0">
+                <a:latin typeface="Calibri" charset="0"/>
+                <a:ea typeface="ＭＳ Ｐゴシック" charset="0"/>
+                <a:cs typeface="ＭＳ Ｐゴシック" charset="0"/>
+              </a:rPr>
+              <a:t>Windows </a:t>
+            </a:r>
+            <a:r>
+              <a:rPr lang="en-GB" sz="2000" dirty="0" smtClean="0">
+                <a:latin typeface="Calibri" charset="0"/>
+                <a:ea typeface="ＭＳ Ｐゴシック" charset="0"/>
+                <a:cs typeface="ＭＳ Ｐゴシック" charset="0"/>
+              </a:rPr>
+              <a:t>Live </a:t>
+            </a:r>
+            <a:r>
+              <a:rPr lang="en-GB" sz="2000" dirty="0" smtClean="0">
+                <a:latin typeface="Calibri" charset="0"/>
+                <a:ea typeface="ＭＳ Ｐゴシック" charset="0"/>
+                <a:cs typeface="ＭＳ Ｐゴシック" charset="0"/>
+              </a:rPr>
+              <a:t>Application Management site</a:t>
+            </a:r>
+          </a:p>
+          <a:p>
+            <a:pPr lvl="1" eaLnBrk="1" hangingPunct="1">
+              <a:buClr>
+                <a:schemeClr val="accent2"/>
+              </a:buClr>
+            </a:pPr>
+            <a:r>
+              <a:rPr lang="en-GB" sz="2000" dirty="0" smtClean="0">
+                <a:latin typeface="Calibri" charset="0"/>
+                <a:ea typeface="ＭＳ Ｐゴシック" charset="0"/>
+                <a:cs typeface="ＭＳ Ｐゴシック" charset="0"/>
+              </a:rPr>
+              <a:t>Facebook Developer site</a:t>
+            </a:r>
+          </a:p>
+          <a:p>
+            <a:pPr lvl="1" eaLnBrk="1" hangingPunct="1">
+              <a:buClr>
+                <a:schemeClr val="accent2"/>
+              </a:buClr>
+            </a:pPr>
+            <a:r>
+              <a:rPr lang="en-GB" sz="2000" dirty="0" smtClean="0">
+                <a:latin typeface="Calibri" charset="0"/>
+                <a:ea typeface="ＭＳ Ｐゴシック" charset="0"/>
+                <a:cs typeface="ＭＳ Ｐゴシック" charset="0"/>
+              </a:rPr>
+              <a:t>Dropbox App Console</a:t>
+            </a:r>
+          </a:p>
+          <a:p>
+            <a:pPr eaLnBrk="1" hangingPunct="1">
+              <a:buClr>
+                <a:schemeClr val="accent2"/>
+              </a:buClr>
+            </a:pPr>
+            <a:r>
+              <a:rPr lang="en-GB" sz="2000" dirty="0" smtClean="0">
+                <a:latin typeface="Calibri" charset="0"/>
+                <a:ea typeface="ＭＳ Ｐゴシック" charset="0"/>
+                <a:cs typeface="ＭＳ Ｐゴシック" charset="0"/>
+              </a:rPr>
+              <a:t>Once registered, the client is issued with a </a:t>
+            </a:r>
+            <a:r>
+              <a:rPr lang="en-GB" sz="2000" i="1" dirty="0" smtClean="0">
+                <a:latin typeface="Calibri" charset="0"/>
+                <a:ea typeface="ＭＳ Ｐゴシック" charset="0"/>
+                <a:cs typeface="ＭＳ Ｐゴシック" charset="0"/>
+              </a:rPr>
+              <a:t>client id </a:t>
+            </a:r>
+            <a:r>
+              <a:rPr lang="en-GB" sz="2000" dirty="0" smtClean="0">
+                <a:latin typeface="Calibri" charset="0"/>
+                <a:ea typeface="ＭＳ Ｐゴシック" charset="0"/>
+                <a:cs typeface="ＭＳ Ｐゴシック" charset="0"/>
+              </a:rPr>
+              <a:t>and </a:t>
+            </a:r>
+            <a:r>
+              <a:rPr lang="en-GB" sz="2000" i="1" dirty="0" smtClean="0">
+                <a:latin typeface="Calibri" charset="0"/>
+                <a:ea typeface="ＭＳ Ｐゴシック" charset="0"/>
+                <a:cs typeface="ＭＳ Ｐゴシック" charset="0"/>
+              </a:rPr>
+              <a:t>client secret</a:t>
+            </a:r>
+          </a:p>
+          <a:p>
+            <a:pPr eaLnBrk="1" hangingPunct="1">
+              <a:buClr>
+                <a:schemeClr val="accent2"/>
+              </a:buClr>
+            </a:pPr>
+            <a:r>
+              <a:rPr lang="en-GB" sz="2000" dirty="0" smtClean="0">
+                <a:latin typeface="Calibri" charset="0"/>
+                <a:ea typeface="ＭＳ Ｐゴシック" charset="0"/>
+                <a:cs typeface="ＭＳ Ｐゴシック" charset="0"/>
+              </a:rPr>
+              <a:t>During registration you have to specify one or more allowable </a:t>
+            </a:r>
+            <a:r>
+              <a:rPr lang="en-GB" sz="2000" i="1" dirty="0" smtClean="0">
+                <a:latin typeface="Calibri" charset="0"/>
+                <a:ea typeface="ＭＳ Ｐゴシック" charset="0"/>
+                <a:cs typeface="ＭＳ Ｐゴシック" charset="0"/>
+              </a:rPr>
+              <a:t>redirect URL</a:t>
+            </a:r>
+            <a:r>
+              <a:rPr lang="en-GB" sz="2000" dirty="0" smtClean="0">
+                <a:latin typeface="Calibri" charset="0"/>
+                <a:ea typeface="ＭＳ Ｐゴシック" charset="0"/>
+                <a:cs typeface="ＭＳ Ｐゴシック" charset="0"/>
+              </a:rPr>
+              <a:t>s</a:t>
+            </a:r>
+            <a:r>
+              <a:rPr lang="en-GB" sz="2000" i="1" dirty="0" smtClean="0">
+                <a:latin typeface="Calibri" charset="0"/>
+                <a:ea typeface="ＭＳ Ｐゴシック" charset="0"/>
+                <a:cs typeface="ＭＳ Ｐゴシック" charset="0"/>
+              </a:rPr>
+              <a:t> </a:t>
+            </a:r>
+            <a:r>
+              <a:rPr lang="en-GB" sz="2000" dirty="0" smtClean="0">
+                <a:latin typeface="Calibri" charset="0"/>
+                <a:ea typeface="ＭＳ Ｐゴシック" charset="0"/>
+                <a:cs typeface="ＭＳ Ｐゴシック" charset="0"/>
+              </a:rPr>
+              <a:t>or </a:t>
+            </a:r>
+            <a:r>
+              <a:rPr lang="en-GB" sz="2000" i="1" dirty="0" smtClean="0">
+                <a:latin typeface="Calibri" charset="0"/>
+                <a:ea typeface="ＭＳ Ｐゴシック" charset="0"/>
+                <a:cs typeface="ＭＳ Ｐゴシック" charset="0"/>
+              </a:rPr>
+              <a:t>URI</a:t>
+            </a:r>
+            <a:r>
+              <a:rPr lang="en-GB" sz="2000" dirty="0">
+                <a:latin typeface="Calibri" charset="0"/>
+                <a:ea typeface="ＭＳ Ｐゴシック" charset="0"/>
+                <a:cs typeface="ＭＳ Ｐゴシック" charset="0"/>
+              </a:rPr>
+              <a:t>s </a:t>
+            </a:r>
+            <a:r>
+              <a:rPr lang="en-GB" sz="2000" dirty="0" smtClean="0">
+                <a:latin typeface="Calibri" charset="0"/>
+                <a:ea typeface="ＭＳ Ｐゴシック" charset="0"/>
+                <a:cs typeface="ＭＳ Ｐゴシック" charset="0"/>
+              </a:rPr>
+              <a:t>(Uniform Resource Identifiers)</a:t>
+            </a:r>
+          </a:p>
+          <a:p>
+            <a:pPr lvl="1" eaLnBrk="1" hangingPunct="1">
+              <a:buClr>
+                <a:schemeClr val="accent2"/>
+              </a:buClr>
+            </a:pPr>
+            <a:r>
+              <a:rPr lang="en-GB" sz="2000" dirty="0" smtClean="0">
+                <a:latin typeface="Calibri" charset="0"/>
+                <a:ea typeface="ＭＳ Ｐゴシック" charset="0"/>
+                <a:cs typeface="ＭＳ Ｐゴシック" charset="0"/>
+              </a:rPr>
+              <a:t>The client can only redirect to one of these URIs</a:t>
+            </a:r>
+          </a:p>
+          <a:p>
+            <a:pPr eaLnBrk="1" hangingPunct="1">
+              <a:buClr>
+                <a:schemeClr val="accent2"/>
+              </a:buClr>
+            </a:pPr>
+            <a:r>
+              <a:rPr lang="en-GB" sz="2000" dirty="0" smtClean="0">
+                <a:latin typeface="Calibri" charset="0"/>
+                <a:ea typeface="ＭＳ Ｐゴシック" charset="0"/>
+                <a:cs typeface="ＭＳ Ｐゴシック" charset="0"/>
+              </a:rPr>
+              <a:t>Registration helps ensure workflow requests are authentic, and enables the service provider to tailor its response according to the privileges granted to that client</a:t>
+            </a:r>
           </a:p>
         </p:txBody>
       </p:sp>
@@ -5790,6 +6054,1035 @@
               </a:rPr>
               <a:pPr/>
               <a:t>10</a:t>
+            </a:fld>
+            <a:endParaRPr lang="en-GB" b="1" dirty="0">
+              <a:solidFill>
+                <a:srgbClr val="045C75"/>
+              </a:solidFill>
+              <a:cs typeface="Arial" charset="0"/>
+            </a:endParaRPr>
+          </a:p>
+        </p:txBody>
+      </p:sp>
+    </p:spTree>
+    <p:extLst>
+      <p:ext uri="{BB962C8B-B14F-4D97-AF65-F5344CB8AC3E}">
+        <p14:creationId xmlns:p14="http://schemas.microsoft.com/office/powerpoint/2010/main" val="787013994"/>
+      </p:ext>
+    </p:extLst>
+  </p:cSld>
+  <p:clrMapOvr>
+    <a:masterClrMapping/>
+  </p:clrMapOvr>
+  <p:timing>
+    <p:tnLst>
+      <p:par>
+        <p:cTn xmlns:p14="http://schemas.microsoft.com/office/powerpoint/2010/main" id="1" dur="indefinite" restart="never" nodeType="tmRoot"/>
+      </p:par>
+    </p:tnLst>
+  </p:timing>
+</p:sld>
+</file>
+
+<file path=ppt/slides/slide11.xml><?xml version="1.0" encoding="utf-8"?>
+<p:sld xmlns:a="http://schemas.openxmlformats.org/drawingml/2006/main" xmlns:r="http://schemas.openxmlformats.org/officeDocument/2006/relationships" xmlns:p="http://schemas.openxmlformats.org/presentationml/2006/main">
+  <p:cSld>
+    <p:spTree>
+      <p:nvGrpSpPr>
+        <p:cNvPr id="1" name=""/>
+        <p:cNvGrpSpPr/>
+        <p:nvPr/>
+      </p:nvGrpSpPr>
+      <p:grpSpPr>
+        <a:xfrm>
+          <a:off x="0" y="0"/>
+          <a:ext cx="0" cy="0"/>
+          <a:chOff x="0" y="0"/>
+          <a:chExt cx="0" cy="0"/>
+        </a:xfrm>
+      </p:grpSpPr>
+      <p:sp>
+        <p:nvSpPr>
+          <p:cNvPr id="5122" name="Rectangle 2"/>
+          <p:cNvSpPr>
+            <a:spLocks noGrp="1" noChangeArrowheads="1"/>
+          </p:cNvSpPr>
+          <p:nvPr>
+            <p:ph type="title" idx="4294967295"/>
+          </p:nvPr>
+        </p:nvSpPr>
+        <p:spPr/>
+        <p:txBody>
+          <a:bodyPr/>
+          <a:lstStyle/>
+          <a:p>
+            <a:pPr eaLnBrk="1" hangingPunct="1"/>
+            <a:r>
+              <a:rPr lang="en-GB" dirty="0" smtClean="0">
+                <a:latin typeface="Calibri" charset="0"/>
+                <a:ea typeface="ＭＳ Ｐゴシック" charset="0"/>
+                <a:cs typeface="ＭＳ Ｐゴシック" charset="0"/>
+              </a:rPr>
+              <a:t>Example: </a:t>
+            </a:r>
+            <a:r>
+              <a:rPr lang="en-GB" dirty="0" err="1" smtClean="0">
+                <a:latin typeface="Calibri" charset="0"/>
+                <a:ea typeface="ＭＳ Ｐゴシック" charset="0"/>
+                <a:cs typeface="ＭＳ Ｐゴシック" charset="0"/>
+              </a:rPr>
+              <a:t>Dropbox</a:t>
+            </a:r>
+            <a:r>
+              <a:rPr lang="en-GB" dirty="0" smtClean="0">
+                <a:latin typeface="Calibri" charset="0"/>
+                <a:ea typeface="ＭＳ Ｐゴシック" charset="0"/>
+                <a:cs typeface="ＭＳ Ｐゴシック" charset="0"/>
+              </a:rPr>
+              <a:t> Application Registration</a:t>
+            </a:r>
+            <a:endParaRPr lang="en-GB" dirty="0">
+              <a:latin typeface="Calibri" charset="0"/>
+              <a:ea typeface="ＭＳ Ｐゴシック" charset="0"/>
+              <a:cs typeface="ＭＳ Ｐゴシック" charset="0"/>
+            </a:endParaRPr>
+          </a:p>
+        </p:txBody>
+      </p:sp>
+      <p:sp>
+        <p:nvSpPr>
+          <p:cNvPr id="5124" name="Slide Number Placeholder 17"/>
+          <p:cNvSpPr>
+            <a:spLocks noGrp="1"/>
+          </p:cNvSpPr>
+          <p:nvPr>
+            <p:ph type="sldNum" sz="quarter" idx="12"/>
+          </p:nvPr>
+        </p:nvSpPr>
+        <p:spPr bwMode="auto">
+          <a:xfrm>
+            <a:off x="8402638" y="6473825"/>
+            <a:ext cx="284162" cy="247650"/>
+          </a:xfrm>
+          <a:noFill/>
+          <a:extLst>
+            <a:ext uri="{909E8E84-426E-40dd-AFC4-6F175D3DCCD1}">
+              <a14:hiddenFill xmlns:a14="http://schemas.microsoft.com/office/drawing/2010/main">
+                <a:solidFill>
+                  <a:srgbClr val="FFFFFF"/>
+                </a:solidFill>
+              </a14:hiddenFill>
+            </a:ext>
+            <a:ext uri="{91240B29-F687-4f45-9708-019B960494DF}">
+              <a14:hiddenLine xmlns:a14="http://schemas.microsoft.com/office/drawing/2010/main" w="9525">
+                <a:solidFill>
+                  <a:srgbClr val="000000"/>
+                </a:solidFill>
+                <a:miter lim="800000"/>
+                <a:headEnd/>
+                <a:tailEnd/>
+              </a14:hiddenLine>
+            </a:ext>
+          </a:extLst>
+        </p:spPr>
+        <p:txBody>
+          <a:bodyPr/>
+          <a:lstStyle>
+            <a:lvl1pPr>
+              <a:defRPr>
+                <a:solidFill>
+                  <a:schemeClr val="tx1"/>
+                </a:solidFill>
+                <a:latin typeface="Arial" charset="0"/>
+                <a:ea typeface="ＭＳ Ｐゴシック" charset="0"/>
+                <a:cs typeface="ＭＳ Ｐゴシック" charset="0"/>
+              </a:defRPr>
+            </a:lvl1pPr>
+            <a:lvl2pPr marL="742950" indent="-285750">
+              <a:defRPr>
+                <a:solidFill>
+                  <a:schemeClr val="tx1"/>
+                </a:solidFill>
+                <a:latin typeface="Arial" charset="0"/>
+                <a:ea typeface="ＭＳ Ｐゴシック" charset="0"/>
+              </a:defRPr>
+            </a:lvl2pPr>
+            <a:lvl3pPr marL="1143000" indent="-228600">
+              <a:defRPr>
+                <a:solidFill>
+                  <a:schemeClr val="tx1"/>
+                </a:solidFill>
+                <a:latin typeface="Arial" charset="0"/>
+                <a:ea typeface="ＭＳ Ｐゴシック" charset="0"/>
+              </a:defRPr>
+            </a:lvl3pPr>
+            <a:lvl4pPr marL="1600200" indent="-228600">
+              <a:defRPr>
+                <a:solidFill>
+                  <a:schemeClr val="tx1"/>
+                </a:solidFill>
+                <a:latin typeface="Arial" charset="0"/>
+                <a:ea typeface="ＭＳ Ｐゴシック" charset="0"/>
+              </a:defRPr>
+            </a:lvl4pPr>
+            <a:lvl5pPr marL="2057400" indent="-228600">
+              <a:defRPr>
+                <a:solidFill>
+                  <a:schemeClr val="tx1"/>
+                </a:solidFill>
+                <a:latin typeface="Arial" charset="0"/>
+                <a:ea typeface="ＭＳ Ｐゴシック" charset="0"/>
+              </a:defRPr>
+            </a:lvl5pPr>
+            <a:lvl6pPr marL="2514600" indent="-228600" eaLnBrk="0" fontAlgn="base" hangingPunct="0">
+              <a:spcBef>
+                <a:spcPct val="0"/>
+              </a:spcBef>
+              <a:spcAft>
+                <a:spcPct val="0"/>
+              </a:spcAft>
+              <a:defRPr>
+                <a:solidFill>
+                  <a:schemeClr val="tx1"/>
+                </a:solidFill>
+                <a:latin typeface="Arial" charset="0"/>
+                <a:ea typeface="ＭＳ Ｐゴシック" charset="0"/>
+              </a:defRPr>
+            </a:lvl6pPr>
+            <a:lvl7pPr marL="2971800" indent="-228600" eaLnBrk="0" fontAlgn="base" hangingPunct="0">
+              <a:spcBef>
+                <a:spcPct val="0"/>
+              </a:spcBef>
+              <a:spcAft>
+                <a:spcPct val="0"/>
+              </a:spcAft>
+              <a:defRPr>
+                <a:solidFill>
+                  <a:schemeClr val="tx1"/>
+                </a:solidFill>
+                <a:latin typeface="Arial" charset="0"/>
+                <a:ea typeface="ＭＳ Ｐゴシック" charset="0"/>
+              </a:defRPr>
+            </a:lvl7pPr>
+            <a:lvl8pPr marL="3429000" indent="-228600" eaLnBrk="0" fontAlgn="base" hangingPunct="0">
+              <a:spcBef>
+                <a:spcPct val="0"/>
+              </a:spcBef>
+              <a:spcAft>
+                <a:spcPct val="0"/>
+              </a:spcAft>
+              <a:defRPr>
+                <a:solidFill>
+                  <a:schemeClr val="tx1"/>
+                </a:solidFill>
+                <a:latin typeface="Arial" charset="0"/>
+                <a:ea typeface="ＭＳ Ｐゴシック" charset="0"/>
+              </a:defRPr>
+            </a:lvl8pPr>
+            <a:lvl9pPr marL="3886200" indent="-228600" eaLnBrk="0" fontAlgn="base" hangingPunct="0">
+              <a:spcBef>
+                <a:spcPct val="0"/>
+              </a:spcBef>
+              <a:spcAft>
+                <a:spcPct val="0"/>
+              </a:spcAft>
+              <a:defRPr>
+                <a:solidFill>
+                  <a:schemeClr val="tx1"/>
+                </a:solidFill>
+                <a:latin typeface="Arial" charset="0"/>
+                <a:ea typeface="ＭＳ Ｐゴシック" charset="0"/>
+              </a:defRPr>
+            </a:lvl9pPr>
+          </a:lstStyle>
+          <a:p>
+            <a:fld id="{CA415223-74E1-9842-94D0-DE11413B0913}" type="slidenum">
+              <a:rPr lang="en-GB" b="1">
+                <a:solidFill>
+                  <a:srgbClr val="045C75"/>
+                </a:solidFill>
+                <a:cs typeface="Arial" charset="0"/>
+              </a:rPr>
+              <a:pPr/>
+              <a:t>11</a:t>
+            </a:fld>
+            <a:endParaRPr lang="en-GB" b="1" dirty="0">
+              <a:solidFill>
+                <a:srgbClr val="045C75"/>
+              </a:solidFill>
+              <a:cs typeface="Arial" charset="0"/>
+            </a:endParaRPr>
+          </a:p>
+        </p:txBody>
+      </p:sp>
+      <p:pic>
+        <p:nvPicPr>
+          <p:cNvPr id="3" name="Picture 2" descr="dropbox-app-console.png"/>
+          <p:cNvPicPr>
+            <a:picLocks noChangeAspect="1"/>
+          </p:cNvPicPr>
+          <p:nvPr/>
+        </p:nvPicPr>
+        <p:blipFill>
+          <a:blip r:embed="rId2">
+            <a:extLst>
+              <a:ext uri="{28A0092B-C50C-407E-A947-70E740481C1C}">
+                <a14:useLocalDpi xmlns:a14="http://schemas.microsoft.com/office/drawing/2010/main" val="0"/>
+              </a:ext>
+            </a:extLst>
+          </a:blip>
+          <a:stretch>
+            <a:fillRect/>
+          </a:stretch>
+        </p:blipFill>
+        <p:spPr>
+          <a:xfrm>
+            <a:off x="190500" y="1446660"/>
+            <a:ext cx="6464299" cy="5321121"/>
+          </a:xfrm>
+          <a:prstGeom prst="rect">
+            <a:avLst/>
+          </a:prstGeom>
+          <a:ln>
+            <a:solidFill>
+              <a:schemeClr val="tx1"/>
+            </a:solidFill>
+          </a:ln>
+        </p:spPr>
+      </p:pic>
+      <p:sp>
+        <p:nvSpPr>
+          <p:cNvPr id="4" name="Line Callout 1 3"/>
+          <p:cNvSpPr/>
+          <p:nvPr/>
+        </p:nvSpPr>
+        <p:spPr bwMode="auto">
+          <a:xfrm>
+            <a:off x="6946900" y="2578100"/>
+            <a:ext cx="1917700" cy="600164"/>
+          </a:xfrm>
+          <a:prstGeom prst="borderCallout1">
+            <a:avLst>
+              <a:gd name="adj1" fmla="val 18750"/>
+              <a:gd name="adj2" fmla="val -8333"/>
+              <a:gd name="adj3" fmla="val 266975"/>
+              <a:gd name="adj4" fmla="val -177406"/>
+            </a:avLst>
+          </a:prstGeom>
+          <a:solidFill>
+            <a:srgbClr val="FFFF00"/>
+          </a:solidFill>
+          <a:ln w="31750" cap="flat" cmpd="sng" algn="ctr">
+            <a:solidFill>
+              <a:schemeClr val="bg2">
+                <a:lumMod val="50000"/>
+              </a:schemeClr>
+            </a:solidFill>
+            <a:prstDash val="solid"/>
+            <a:round/>
+            <a:headEnd type="none" w="med" len="med"/>
+            <a:tailEnd type="triangle" w="lg" len="lg"/>
+          </a:ln>
+          <a:effectLst/>
+        </p:spPr>
+        <p:txBody>
+          <a:bodyPr vert="horz" wrap="square" lIns="91440" tIns="45720" rIns="91440" bIns="45720" numCol="1" rtlCol="0" anchor="t" anchorCtr="0" compatLnSpc="1">
+            <a:prstTxWarp prst="textNoShape">
+              <a:avLst/>
+            </a:prstTxWarp>
+            <a:spAutoFit/>
+          </a:bodyPr>
+          <a:lstStyle/>
+          <a:p>
+            <a:pPr marL="0" marR="0" indent="0" algn="l" defTabSz="914400" rtl="0" eaLnBrk="0" fontAlgn="base" latinLnBrk="0" hangingPunct="0">
+              <a:lnSpc>
+                <a:spcPct val="100000"/>
+              </a:lnSpc>
+              <a:spcBef>
+                <a:spcPct val="0"/>
+              </a:spcBef>
+              <a:spcAft>
+                <a:spcPct val="0"/>
+              </a:spcAft>
+              <a:buClrTx/>
+              <a:buSzTx/>
+              <a:buFontTx/>
+              <a:buNone/>
+              <a:tabLst/>
+            </a:pPr>
+            <a:r>
+              <a:rPr kumimoji="0" lang="en-GB" sz="1100" b="0" i="0" u="none" strike="noStrike" cap="none" normalizeH="0" baseline="0" dirty="0" smtClean="0">
+                <a:ln>
+                  <a:noFill/>
+                </a:ln>
+                <a:solidFill>
+                  <a:schemeClr val="tx1"/>
+                </a:solidFill>
+                <a:effectLst/>
+                <a:latin typeface="Arial" charset="0"/>
+              </a:rPr>
+              <a:t>Application files are stored in the Dropbox folder</a:t>
+            </a:r>
+            <a:br>
+              <a:rPr kumimoji="0" lang="en-GB" sz="1100" b="0" i="0" u="none" strike="noStrike" cap="none" normalizeH="0" baseline="0" dirty="0" smtClean="0">
+                <a:ln>
+                  <a:noFill/>
+                </a:ln>
+                <a:solidFill>
+                  <a:schemeClr val="tx1"/>
+                </a:solidFill>
+                <a:effectLst/>
+                <a:latin typeface="Arial" charset="0"/>
+              </a:rPr>
+            </a:br>
+            <a:r>
+              <a:rPr kumimoji="0" lang="en-GB" sz="1100" b="1" i="0" u="none" strike="noStrike" cap="none" normalizeH="0" baseline="0" dirty="0" smtClean="0">
+                <a:ln>
+                  <a:noFill/>
+                </a:ln>
+                <a:solidFill>
+                  <a:schemeClr val="tx1"/>
+                </a:solidFill>
+                <a:effectLst/>
+                <a:latin typeface="Arial" charset="0"/>
+              </a:rPr>
+              <a:t>apps/bcs_spa_2014</a:t>
+            </a:r>
+          </a:p>
+        </p:txBody>
+      </p:sp>
+      <p:sp>
+        <p:nvSpPr>
+          <p:cNvPr id="8" name="Line Callout 1 7"/>
+          <p:cNvSpPr/>
+          <p:nvPr/>
+        </p:nvSpPr>
+        <p:spPr bwMode="auto">
+          <a:xfrm>
+            <a:off x="6946900" y="3810000"/>
+            <a:ext cx="1917700" cy="600164"/>
+          </a:xfrm>
+          <a:prstGeom prst="borderCallout1">
+            <a:avLst>
+              <a:gd name="adj1" fmla="val 18750"/>
+              <a:gd name="adj2" fmla="val -8333"/>
+              <a:gd name="adj3" fmla="val 159346"/>
+              <a:gd name="adj4" fmla="val -175068"/>
+            </a:avLst>
+          </a:prstGeom>
+          <a:solidFill>
+            <a:srgbClr val="FFFF00"/>
+          </a:solidFill>
+          <a:ln w="31750" cap="flat" cmpd="sng" algn="ctr">
+            <a:solidFill>
+              <a:schemeClr val="bg2">
+                <a:lumMod val="50000"/>
+              </a:schemeClr>
+            </a:solidFill>
+            <a:prstDash val="solid"/>
+            <a:round/>
+            <a:headEnd type="none" w="med" len="med"/>
+            <a:tailEnd type="triangle" w="lg" len="lg"/>
+          </a:ln>
+          <a:effectLst/>
+        </p:spPr>
+        <p:txBody>
+          <a:bodyPr vert="horz" wrap="square" lIns="91440" tIns="45720" rIns="91440" bIns="45720" numCol="1" rtlCol="0" anchor="t" anchorCtr="0" compatLnSpc="1">
+            <a:prstTxWarp prst="textNoShape">
+              <a:avLst/>
+            </a:prstTxWarp>
+            <a:spAutoFit/>
+          </a:bodyPr>
+          <a:lstStyle/>
+          <a:p>
+            <a:pPr marL="0" marR="0" indent="0" algn="l" defTabSz="914400" rtl="0" eaLnBrk="0" fontAlgn="base" latinLnBrk="0" hangingPunct="0">
+              <a:lnSpc>
+                <a:spcPct val="100000"/>
+              </a:lnSpc>
+              <a:spcBef>
+                <a:spcPct val="0"/>
+              </a:spcBef>
+              <a:spcAft>
+                <a:spcPct val="0"/>
+              </a:spcAft>
+              <a:buClrTx/>
+              <a:buSzTx/>
+              <a:buFontTx/>
+              <a:buNone/>
+              <a:tabLst/>
+            </a:pPr>
+            <a:r>
+              <a:rPr kumimoji="0" lang="en-GB" sz="1100" b="0" i="0" u="none" strike="noStrike" cap="none" normalizeH="0" baseline="0" dirty="0" smtClean="0">
+                <a:ln>
+                  <a:noFill/>
+                </a:ln>
+                <a:solidFill>
+                  <a:schemeClr val="tx1"/>
+                </a:solidFill>
+                <a:effectLst/>
+                <a:latin typeface="Arial" charset="0"/>
+              </a:rPr>
+              <a:t>The </a:t>
+            </a:r>
+            <a:r>
+              <a:rPr kumimoji="0" lang="en-GB" sz="1100" b="1" i="0" u="none" strike="noStrike" cap="none" normalizeH="0" baseline="0" dirty="0" smtClean="0">
+                <a:ln>
+                  <a:noFill/>
+                </a:ln>
+                <a:solidFill>
+                  <a:schemeClr val="tx1"/>
+                </a:solidFill>
+                <a:effectLst/>
+                <a:latin typeface="Arial" charset="0"/>
+              </a:rPr>
+              <a:t>client key </a:t>
+            </a:r>
+            <a:r>
+              <a:rPr kumimoji="0" lang="en-GB" sz="1100" b="0" i="0" u="none" strike="noStrike" cap="none" normalizeH="0" baseline="0" dirty="0" smtClean="0">
+                <a:ln>
+                  <a:noFill/>
+                </a:ln>
+                <a:solidFill>
+                  <a:schemeClr val="tx1"/>
+                </a:solidFill>
+                <a:effectLst/>
+                <a:latin typeface="Arial" charset="0"/>
+              </a:rPr>
+              <a:t>and </a:t>
+            </a:r>
+            <a:r>
+              <a:rPr kumimoji="0" lang="en-GB" sz="1100" b="1" i="0" u="none" strike="noStrike" cap="none" normalizeH="0" baseline="0" dirty="0" smtClean="0">
+                <a:ln>
+                  <a:noFill/>
+                </a:ln>
+                <a:solidFill>
+                  <a:schemeClr val="tx1"/>
+                </a:solidFill>
+                <a:effectLst/>
+                <a:latin typeface="Arial" charset="0"/>
+              </a:rPr>
+              <a:t>secret</a:t>
+            </a:r>
+            <a:r>
+              <a:rPr kumimoji="0" lang="en-GB" sz="1100" b="0" i="0" u="none" strike="noStrike" cap="none" normalizeH="0" baseline="0" dirty="0" smtClean="0">
+                <a:ln>
+                  <a:noFill/>
+                </a:ln>
+                <a:solidFill>
+                  <a:schemeClr val="tx1"/>
+                </a:solidFill>
+                <a:effectLst/>
+                <a:latin typeface="Arial" charset="0"/>
+              </a:rPr>
+              <a:t> are allocated by Dropbox</a:t>
+            </a:r>
+            <a:r>
+              <a:rPr kumimoji="0" lang="en-GB" sz="1100" b="0" i="0" u="none" strike="noStrike" cap="none" normalizeH="0" dirty="0" smtClean="0">
+                <a:ln>
+                  <a:noFill/>
+                </a:ln>
+                <a:solidFill>
+                  <a:schemeClr val="tx1"/>
+                </a:solidFill>
+                <a:effectLst/>
+                <a:latin typeface="Arial" charset="0"/>
+              </a:rPr>
+              <a:t> at registration time</a:t>
+            </a:r>
+            <a:endParaRPr kumimoji="0" lang="en-GB" sz="1100" b="1" i="0" u="none" strike="noStrike" cap="none" normalizeH="0" baseline="0" dirty="0" smtClean="0">
+              <a:ln>
+                <a:noFill/>
+              </a:ln>
+              <a:solidFill>
+                <a:schemeClr val="tx1"/>
+              </a:solidFill>
+              <a:effectLst/>
+              <a:latin typeface="Arial" charset="0"/>
+            </a:endParaRPr>
+          </a:p>
+        </p:txBody>
+      </p:sp>
+      <p:sp>
+        <p:nvSpPr>
+          <p:cNvPr id="9" name="Line Callout 1 8"/>
+          <p:cNvSpPr/>
+          <p:nvPr/>
+        </p:nvSpPr>
+        <p:spPr bwMode="auto">
+          <a:xfrm>
+            <a:off x="6946900" y="4927600"/>
+            <a:ext cx="1917700" cy="938719"/>
+          </a:xfrm>
+          <a:prstGeom prst="borderCallout1">
+            <a:avLst>
+              <a:gd name="adj1" fmla="val 18750"/>
+              <a:gd name="adj2" fmla="val -8333"/>
+              <a:gd name="adj3" fmla="val 84054"/>
+              <a:gd name="adj4" fmla="val -117804"/>
+            </a:avLst>
+          </a:prstGeom>
+          <a:solidFill>
+            <a:srgbClr val="FFFF00"/>
+          </a:solidFill>
+          <a:ln w="31750" cap="flat" cmpd="sng" algn="ctr">
+            <a:solidFill>
+              <a:schemeClr val="bg2">
+                <a:lumMod val="50000"/>
+              </a:schemeClr>
+            </a:solidFill>
+            <a:prstDash val="solid"/>
+            <a:round/>
+            <a:headEnd type="none" w="med" len="med"/>
+            <a:tailEnd type="triangle" w="lg" len="lg"/>
+          </a:ln>
+          <a:effectLst/>
+        </p:spPr>
+        <p:txBody>
+          <a:bodyPr vert="horz" wrap="square" lIns="91440" tIns="45720" rIns="91440" bIns="45720" numCol="1" rtlCol="0" anchor="t" anchorCtr="0" compatLnSpc="1">
+            <a:prstTxWarp prst="textNoShape">
+              <a:avLst/>
+            </a:prstTxWarp>
+            <a:spAutoFit/>
+          </a:bodyPr>
+          <a:lstStyle/>
+          <a:p>
+            <a:pPr marL="0" marR="0" indent="0" algn="l" defTabSz="914400" rtl="0" eaLnBrk="0" fontAlgn="base" latinLnBrk="0" hangingPunct="0">
+              <a:lnSpc>
+                <a:spcPct val="100000"/>
+              </a:lnSpc>
+              <a:spcBef>
+                <a:spcPct val="0"/>
+              </a:spcBef>
+              <a:spcAft>
+                <a:spcPct val="0"/>
+              </a:spcAft>
+              <a:buClrTx/>
+              <a:buSzTx/>
+              <a:buFontTx/>
+              <a:buNone/>
+              <a:tabLst/>
+            </a:pPr>
+            <a:r>
+              <a:rPr kumimoji="0" lang="en-GB" sz="1100" b="0" i="0" u="none" strike="noStrike" cap="none" normalizeH="0" baseline="0" dirty="0" smtClean="0">
+                <a:ln>
+                  <a:noFill/>
+                </a:ln>
+                <a:solidFill>
+                  <a:schemeClr val="tx1"/>
+                </a:solidFill>
+                <a:effectLst/>
+                <a:latin typeface="Arial" charset="0"/>
+              </a:rPr>
+              <a:t>The app owner enters one or more </a:t>
+            </a:r>
+            <a:r>
+              <a:rPr kumimoji="0" lang="en-GB" sz="1100" b="1" i="0" u="none" strike="noStrike" cap="none" normalizeH="0" baseline="0" dirty="0" smtClean="0">
+                <a:ln>
+                  <a:noFill/>
+                </a:ln>
+                <a:solidFill>
+                  <a:schemeClr val="tx1"/>
+                </a:solidFill>
+                <a:effectLst/>
+                <a:latin typeface="Arial" charset="0"/>
+              </a:rPr>
+              <a:t>redirect URIs</a:t>
+            </a:r>
+            <a:br>
+              <a:rPr kumimoji="0" lang="en-GB" sz="1100" b="1" i="0" u="none" strike="noStrike" cap="none" normalizeH="0" baseline="0" dirty="0" smtClean="0">
+                <a:ln>
+                  <a:noFill/>
+                </a:ln>
+                <a:solidFill>
+                  <a:schemeClr val="tx1"/>
+                </a:solidFill>
+                <a:effectLst/>
+                <a:latin typeface="Arial" charset="0"/>
+              </a:rPr>
+            </a:br>
+            <a:r>
+              <a:rPr kumimoji="0" lang="en-GB" sz="1100" b="1" i="0" u="none" strike="noStrike" cap="none" normalizeH="0" baseline="0" dirty="0" smtClean="0">
+                <a:ln>
+                  <a:noFill/>
+                </a:ln>
+                <a:solidFill>
+                  <a:schemeClr val="tx1"/>
+                </a:solidFill>
+                <a:effectLst/>
+                <a:latin typeface="Arial" charset="0"/>
+              </a:rPr>
+              <a:t>t</a:t>
+            </a:r>
+            <a:r>
+              <a:rPr kumimoji="0" lang="en-GB" sz="1100" b="0" i="0" u="none" strike="noStrike" cap="none" normalizeH="0" baseline="0" dirty="0" smtClean="0">
+                <a:ln>
+                  <a:noFill/>
+                </a:ln>
+                <a:solidFill>
+                  <a:schemeClr val="tx1"/>
+                </a:solidFill>
+                <a:effectLst/>
+                <a:latin typeface="Arial" charset="0"/>
+              </a:rPr>
+              <a:t>he client can only redirect to one of these in the “finish”</a:t>
+            </a:r>
+            <a:r>
+              <a:rPr kumimoji="0" lang="en-GB" sz="1100" b="0" i="0" u="none" strike="noStrike" cap="none" normalizeH="0" dirty="0" smtClean="0">
+                <a:ln>
+                  <a:noFill/>
+                </a:ln>
+                <a:solidFill>
+                  <a:schemeClr val="tx1"/>
+                </a:solidFill>
+                <a:effectLst/>
+                <a:latin typeface="Arial" charset="0"/>
+              </a:rPr>
+              <a:t> </a:t>
+            </a:r>
+            <a:r>
+              <a:rPr kumimoji="0" lang="en-GB" sz="1100" b="0" i="0" u="none" strike="noStrike" cap="none" normalizeH="0" baseline="0" dirty="0" smtClean="0">
+                <a:ln>
+                  <a:noFill/>
+                </a:ln>
+                <a:solidFill>
+                  <a:schemeClr val="tx1"/>
+                </a:solidFill>
+                <a:effectLst/>
+                <a:latin typeface="Arial" charset="0"/>
+              </a:rPr>
+              <a:t>step of authorisation</a:t>
+            </a:r>
+            <a:endParaRPr kumimoji="0" lang="en-GB" sz="1100" b="1" i="0" u="none" strike="noStrike" cap="none" normalizeH="0" baseline="0" dirty="0" smtClean="0">
+              <a:ln>
+                <a:noFill/>
+              </a:ln>
+              <a:solidFill>
+                <a:schemeClr val="tx1"/>
+              </a:solidFill>
+              <a:effectLst/>
+              <a:latin typeface="Arial" charset="0"/>
+            </a:endParaRPr>
+          </a:p>
+        </p:txBody>
+      </p:sp>
+      <p:sp>
+        <p:nvSpPr>
+          <p:cNvPr id="10" name="Line Callout 1 9"/>
+          <p:cNvSpPr/>
+          <p:nvPr/>
+        </p:nvSpPr>
+        <p:spPr bwMode="auto">
+          <a:xfrm>
+            <a:off x="6946900" y="1877547"/>
+            <a:ext cx="1917700" cy="430887"/>
+          </a:xfrm>
+          <a:prstGeom prst="borderCallout1">
+            <a:avLst>
+              <a:gd name="adj1" fmla="val 18750"/>
+              <a:gd name="adj2" fmla="val -8333"/>
+              <a:gd name="adj3" fmla="val 35792"/>
+              <a:gd name="adj4" fmla="val -223102"/>
+            </a:avLst>
+          </a:prstGeom>
+          <a:solidFill>
+            <a:srgbClr val="FFFF00"/>
+          </a:solidFill>
+          <a:ln w="31750" cap="flat" cmpd="sng" algn="ctr">
+            <a:solidFill>
+              <a:schemeClr val="bg2">
+                <a:lumMod val="50000"/>
+              </a:schemeClr>
+            </a:solidFill>
+            <a:prstDash val="solid"/>
+            <a:round/>
+            <a:headEnd type="none" w="med" len="med"/>
+            <a:tailEnd type="triangle" w="lg" len="lg"/>
+          </a:ln>
+          <a:effectLst/>
+        </p:spPr>
+        <p:txBody>
+          <a:bodyPr vert="horz" wrap="square" lIns="91440" tIns="45720" rIns="91440" bIns="45720" numCol="1" rtlCol="0" anchor="t" anchorCtr="0" compatLnSpc="1">
+            <a:prstTxWarp prst="textNoShape">
+              <a:avLst/>
+            </a:prstTxWarp>
+            <a:spAutoFit/>
+          </a:bodyPr>
+          <a:lstStyle/>
+          <a:p>
+            <a:pPr marL="0" marR="0" indent="0" algn="l" defTabSz="914400" rtl="0" eaLnBrk="0" fontAlgn="base" latinLnBrk="0" hangingPunct="0">
+              <a:lnSpc>
+                <a:spcPct val="100000"/>
+              </a:lnSpc>
+              <a:spcBef>
+                <a:spcPct val="0"/>
+              </a:spcBef>
+              <a:spcAft>
+                <a:spcPct val="0"/>
+              </a:spcAft>
+              <a:buClrTx/>
+              <a:buSzTx/>
+              <a:buFontTx/>
+              <a:buNone/>
+              <a:tabLst/>
+            </a:pPr>
+            <a:r>
+              <a:rPr kumimoji="0" lang="en-GB" sz="1100" b="0" i="0" u="none" strike="noStrike" cap="none" normalizeH="0" baseline="0" dirty="0" smtClean="0">
+                <a:ln>
+                  <a:noFill/>
+                </a:ln>
+                <a:solidFill>
+                  <a:schemeClr val="tx1"/>
+                </a:solidFill>
+                <a:effectLst/>
+                <a:latin typeface="Arial" charset="0"/>
+              </a:rPr>
+              <a:t>The </a:t>
+            </a:r>
+            <a:r>
+              <a:rPr lang="en-GB" sz="1100" dirty="0" smtClean="0"/>
+              <a:t>Dropbox app is called </a:t>
+            </a:r>
+            <a:r>
+              <a:rPr kumimoji="0" lang="en-GB" sz="1100" b="1" i="0" u="none" strike="noStrike" cap="none" normalizeH="0" baseline="0" dirty="0" smtClean="0">
+                <a:ln>
+                  <a:noFill/>
+                </a:ln>
+                <a:solidFill>
+                  <a:schemeClr val="tx1"/>
+                </a:solidFill>
+                <a:effectLst/>
+                <a:latin typeface="Arial" charset="0"/>
+              </a:rPr>
+              <a:t>BCS SPA 2014</a:t>
+            </a:r>
+          </a:p>
+        </p:txBody>
+      </p:sp>
+    </p:spTree>
+    <p:extLst>
+      <p:ext uri="{BB962C8B-B14F-4D97-AF65-F5344CB8AC3E}">
+        <p14:creationId xmlns:p14="http://schemas.microsoft.com/office/powerpoint/2010/main" val="3683282966"/>
+      </p:ext>
+    </p:extLst>
+  </p:cSld>
+  <p:clrMapOvr>
+    <a:masterClrMapping/>
+  </p:clrMapOvr>
+  <p:timing>
+    <p:tnLst>
+      <p:par>
+        <p:cTn xmlns:p14="http://schemas.microsoft.com/office/powerpoint/2010/main" id="1" dur="indefinite" restart="never" nodeType="tmRoot"/>
+      </p:par>
+    </p:tnLst>
+  </p:timing>
+</p:sld>
+</file>
+
+<file path=ppt/slides/slide12.xml><?xml version="1.0" encoding="utf-8"?>
+<p:sld xmlns:a="http://schemas.openxmlformats.org/drawingml/2006/main" xmlns:r="http://schemas.openxmlformats.org/officeDocument/2006/relationships" xmlns:p="http://schemas.openxmlformats.org/presentationml/2006/main">
+  <p:cSld>
+    <p:spTree>
+      <p:nvGrpSpPr>
+        <p:cNvPr id="1" name=""/>
+        <p:cNvGrpSpPr/>
+        <p:nvPr/>
+      </p:nvGrpSpPr>
+      <p:grpSpPr>
+        <a:xfrm>
+          <a:off x="0" y="0"/>
+          <a:ext cx="0" cy="0"/>
+          <a:chOff x="0" y="0"/>
+          <a:chExt cx="0" cy="0"/>
+        </a:xfrm>
+      </p:grpSpPr>
+      <p:sp>
+        <p:nvSpPr>
+          <p:cNvPr id="5122" name="Rectangle 2"/>
+          <p:cNvSpPr>
+            <a:spLocks noGrp="1" noChangeArrowheads="1"/>
+          </p:cNvSpPr>
+          <p:nvPr>
+            <p:ph type="title" idx="4294967295"/>
+          </p:nvPr>
+        </p:nvSpPr>
+        <p:spPr/>
+        <p:txBody>
+          <a:bodyPr/>
+          <a:lstStyle/>
+          <a:p>
+            <a:pPr eaLnBrk="1" hangingPunct="1"/>
+            <a:r>
+              <a:rPr lang="en-GB" dirty="0" smtClean="0">
+                <a:latin typeface="Calibri" charset="0"/>
+                <a:ea typeface="ＭＳ Ｐゴシック" charset="0"/>
+                <a:cs typeface="ＭＳ Ｐゴシック" charset="0"/>
+              </a:rPr>
+              <a:t>OAuth Workflow</a:t>
+            </a:r>
+            <a:endParaRPr lang="en-GB" dirty="0">
+              <a:latin typeface="Calibri" charset="0"/>
+              <a:ea typeface="ＭＳ Ｐゴシック" charset="0"/>
+              <a:cs typeface="ＭＳ Ｐゴシック" charset="0"/>
+            </a:endParaRPr>
+          </a:p>
+        </p:txBody>
+      </p:sp>
+      <p:sp>
+        <p:nvSpPr>
+          <p:cNvPr id="5124" name="Slide Number Placeholder 17"/>
+          <p:cNvSpPr>
+            <a:spLocks noGrp="1"/>
+          </p:cNvSpPr>
+          <p:nvPr>
+            <p:ph type="sldNum" sz="quarter" idx="12"/>
+          </p:nvPr>
+        </p:nvSpPr>
+        <p:spPr bwMode="auto">
+          <a:xfrm>
+            <a:off x="8402638" y="6473825"/>
+            <a:ext cx="284162" cy="247650"/>
+          </a:xfrm>
+          <a:noFill/>
+          <a:extLst>
+            <a:ext uri="{909E8E84-426E-40dd-AFC4-6F175D3DCCD1}">
+              <a14:hiddenFill xmlns:a14="http://schemas.microsoft.com/office/drawing/2010/main">
+                <a:solidFill>
+                  <a:srgbClr val="FFFFFF"/>
+                </a:solidFill>
+              </a14:hiddenFill>
+            </a:ext>
+            <a:ext uri="{91240B29-F687-4f45-9708-019B960494DF}">
+              <a14:hiddenLine xmlns:a14="http://schemas.microsoft.com/office/drawing/2010/main" w="9525">
+                <a:solidFill>
+                  <a:srgbClr val="000000"/>
+                </a:solidFill>
+                <a:miter lim="800000"/>
+                <a:headEnd/>
+                <a:tailEnd/>
+              </a14:hiddenLine>
+            </a:ext>
+          </a:extLst>
+        </p:spPr>
+        <p:txBody>
+          <a:bodyPr/>
+          <a:lstStyle>
+            <a:lvl1pPr>
+              <a:defRPr>
+                <a:solidFill>
+                  <a:schemeClr val="tx1"/>
+                </a:solidFill>
+                <a:latin typeface="Arial" charset="0"/>
+                <a:ea typeface="ＭＳ Ｐゴシック" charset="0"/>
+                <a:cs typeface="ＭＳ Ｐゴシック" charset="0"/>
+              </a:defRPr>
+            </a:lvl1pPr>
+            <a:lvl2pPr marL="742950" indent="-285750">
+              <a:defRPr>
+                <a:solidFill>
+                  <a:schemeClr val="tx1"/>
+                </a:solidFill>
+                <a:latin typeface="Arial" charset="0"/>
+                <a:ea typeface="ＭＳ Ｐゴシック" charset="0"/>
+              </a:defRPr>
+            </a:lvl2pPr>
+            <a:lvl3pPr marL="1143000" indent="-228600">
+              <a:defRPr>
+                <a:solidFill>
+                  <a:schemeClr val="tx1"/>
+                </a:solidFill>
+                <a:latin typeface="Arial" charset="0"/>
+                <a:ea typeface="ＭＳ Ｐゴシック" charset="0"/>
+              </a:defRPr>
+            </a:lvl3pPr>
+            <a:lvl4pPr marL="1600200" indent="-228600">
+              <a:defRPr>
+                <a:solidFill>
+                  <a:schemeClr val="tx1"/>
+                </a:solidFill>
+                <a:latin typeface="Arial" charset="0"/>
+                <a:ea typeface="ＭＳ Ｐゴシック" charset="0"/>
+              </a:defRPr>
+            </a:lvl4pPr>
+            <a:lvl5pPr marL="2057400" indent="-228600">
+              <a:defRPr>
+                <a:solidFill>
+                  <a:schemeClr val="tx1"/>
+                </a:solidFill>
+                <a:latin typeface="Arial" charset="0"/>
+                <a:ea typeface="ＭＳ Ｐゴシック" charset="0"/>
+              </a:defRPr>
+            </a:lvl5pPr>
+            <a:lvl6pPr marL="2514600" indent="-228600" eaLnBrk="0" fontAlgn="base" hangingPunct="0">
+              <a:spcBef>
+                <a:spcPct val="0"/>
+              </a:spcBef>
+              <a:spcAft>
+                <a:spcPct val="0"/>
+              </a:spcAft>
+              <a:defRPr>
+                <a:solidFill>
+                  <a:schemeClr val="tx1"/>
+                </a:solidFill>
+                <a:latin typeface="Arial" charset="0"/>
+                <a:ea typeface="ＭＳ Ｐゴシック" charset="0"/>
+              </a:defRPr>
+            </a:lvl6pPr>
+            <a:lvl7pPr marL="2971800" indent="-228600" eaLnBrk="0" fontAlgn="base" hangingPunct="0">
+              <a:spcBef>
+                <a:spcPct val="0"/>
+              </a:spcBef>
+              <a:spcAft>
+                <a:spcPct val="0"/>
+              </a:spcAft>
+              <a:defRPr>
+                <a:solidFill>
+                  <a:schemeClr val="tx1"/>
+                </a:solidFill>
+                <a:latin typeface="Arial" charset="0"/>
+                <a:ea typeface="ＭＳ Ｐゴシック" charset="0"/>
+              </a:defRPr>
+            </a:lvl7pPr>
+            <a:lvl8pPr marL="3429000" indent="-228600" eaLnBrk="0" fontAlgn="base" hangingPunct="0">
+              <a:spcBef>
+                <a:spcPct val="0"/>
+              </a:spcBef>
+              <a:spcAft>
+                <a:spcPct val="0"/>
+              </a:spcAft>
+              <a:defRPr>
+                <a:solidFill>
+                  <a:schemeClr val="tx1"/>
+                </a:solidFill>
+                <a:latin typeface="Arial" charset="0"/>
+                <a:ea typeface="ＭＳ Ｐゴシック" charset="0"/>
+              </a:defRPr>
+            </a:lvl8pPr>
+            <a:lvl9pPr marL="3886200" indent="-228600" eaLnBrk="0" fontAlgn="base" hangingPunct="0">
+              <a:spcBef>
+                <a:spcPct val="0"/>
+              </a:spcBef>
+              <a:spcAft>
+                <a:spcPct val="0"/>
+              </a:spcAft>
+              <a:defRPr>
+                <a:solidFill>
+                  <a:schemeClr val="tx1"/>
+                </a:solidFill>
+                <a:latin typeface="Arial" charset="0"/>
+                <a:ea typeface="ＭＳ Ｐゴシック" charset="0"/>
+              </a:defRPr>
+            </a:lvl9pPr>
+          </a:lstStyle>
+          <a:p>
+            <a:fld id="{CA415223-74E1-9842-94D0-DE11413B0913}" type="slidenum">
+              <a:rPr lang="en-GB" b="1">
+                <a:solidFill>
+                  <a:srgbClr val="045C75"/>
+                </a:solidFill>
+                <a:cs typeface="Arial" charset="0"/>
+              </a:rPr>
+              <a:pPr/>
+              <a:t>12</a:t>
             </a:fld>
             <a:endParaRPr lang="en-GB" b="1" dirty="0">
               <a:solidFill>
@@ -6449,7 +7742,7 @@
 </p:sld>
 </file>
 
-<file path=ppt/slides/slide11.xml><?xml version="1.0" encoding="utf-8"?>
+<file path=ppt/slides/slide13.xml><?xml version="1.0" encoding="utf-8"?>
 <p:sld xmlns:a="http://schemas.openxmlformats.org/drawingml/2006/main" xmlns:r="http://schemas.openxmlformats.org/officeDocument/2006/relationships" xmlns:p="http://schemas.openxmlformats.org/presentationml/2006/main">
   <p:cSld>
     <p:spTree>
@@ -7059,7 +8352,7 @@
                 <a:cs typeface="Arial" charset="0"/>
               </a:rPr>
               <a:pPr/>
-              <a:t>11</a:t>
+              <a:t>13</a:t>
             </a:fld>
             <a:endParaRPr lang="en-GB" b="1" dirty="0">
               <a:solidFill>
@@ -8748,7 +10041,7 @@
 </p:sld>
 </file>
 
-<file path=ppt/slides/slide12.xml><?xml version="1.0" encoding="utf-8"?>
+<file path=ppt/slides/slide14.xml><?xml version="1.0" encoding="utf-8"?>
 <p:sld xmlns:a="http://schemas.openxmlformats.org/drawingml/2006/main" xmlns:r="http://schemas.openxmlformats.org/officeDocument/2006/relationships" xmlns:p="http://schemas.openxmlformats.org/presentationml/2006/main">
   <p:cSld>
     <p:spTree>
@@ -9237,7 +10530,7 @@
                 <a:cs typeface="Arial" charset="0"/>
               </a:rPr>
               <a:pPr/>
-              <a:t>12</a:t>
+              <a:t>14</a:t>
             </a:fld>
             <a:endParaRPr lang="en-GB" b="1" dirty="0">
               <a:solidFill>
@@ -10988,1304 +12281,6 @@
 </p:sld>
 </file>
 
-<file path=ppt/slides/slide13.xml><?xml version="1.0" encoding="utf-8"?>
-<p:sld xmlns:a="http://schemas.openxmlformats.org/drawingml/2006/main" xmlns:r="http://schemas.openxmlformats.org/officeDocument/2006/relationships" xmlns:p="http://schemas.openxmlformats.org/presentationml/2006/main">
-  <p:cSld>
-    <p:spTree>
-      <p:nvGrpSpPr>
-        <p:cNvPr id="1" name=""/>
-        <p:cNvGrpSpPr/>
-        <p:nvPr/>
-      </p:nvGrpSpPr>
-      <p:grpSpPr>
-        <a:xfrm>
-          <a:off x="0" y="0"/>
-          <a:ext cx="0" cy="0"/>
-          <a:chOff x="0" y="0"/>
-          <a:chExt cx="0" cy="0"/>
-        </a:xfrm>
-      </p:grpSpPr>
-      <p:sp>
-        <p:nvSpPr>
-          <p:cNvPr id="5122" name="Rectangle 2"/>
-          <p:cNvSpPr>
-            <a:spLocks noGrp="1" noChangeArrowheads="1"/>
-          </p:cNvSpPr>
-          <p:nvPr>
-            <p:ph type="title" idx="4294967295"/>
-          </p:nvPr>
-        </p:nvSpPr>
-        <p:spPr/>
-        <p:txBody>
-          <a:bodyPr/>
-          <a:lstStyle/>
-          <a:p>
-            <a:pPr eaLnBrk="1" hangingPunct="1"/>
-            <a:r>
-              <a:rPr lang="en-GB" dirty="0" smtClean="0">
-                <a:latin typeface="Calibri" charset="0"/>
-                <a:ea typeface="ＭＳ Ｐゴシック" charset="0"/>
-                <a:cs typeface="ＭＳ Ｐゴシック" charset="0"/>
-              </a:rPr>
-              <a:t>Application Registration</a:t>
-            </a:r>
-            <a:endParaRPr lang="en-GB" dirty="0">
-              <a:latin typeface="Calibri" charset="0"/>
-              <a:ea typeface="ＭＳ Ｐゴシック" charset="0"/>
-              <a:cs typeface="ＭＳ Ｐゴシック" charset="0"/>
-            </a:endParaRPr>
-          </a:p>
-        </p:txBody>
-      </p:sp>
-      <p:sp>
-        <p:nvSpPr>
-          <p:cNvPr id="5123" name="Rectangle 3"/>
-          <p:cNvSpPr>
-            <a:spLocks noGrp="1" noChangeArrowheads="1"/>
-          </p:cNvSpPr>
-          <p:nvPr>
-            <p:ph idx="4294967295"/>
-          </p:nvPr>
-        </p:nvSpPr>
-        <p:spPr>
-          <a:xfrm>
-            <a:off x="203200" y="1581150"/>
-            <a:ext cx="8762254" cy="4955203"/>
-          </a:xfrm>
-        </p:spPr>
-        <p:txBody>
-          <a:bodyPr>
-            <a:spAutoFit/>
-          </a:bodyPr>
-          <a:lstStyle/>
-          <a:p>
-            <a:pPr eaLnBrk="1" hangingPunct="1">
-              <a:buClr>
-                <a:schemeClr val="accent2"/>
-              </a:buClr>
-            </a:pPr>
-            <a:r>
-              <a:rPr lang="en-GB" sz="2000" dirty="0" smtClean="0">
-                <a:latin typeface="Calibri" charset="0"/>
-                <a:ea typeface="ＭＳ Ｐゴシック" charset="0"/>
-                <a:cs typeface="ＭＳ Ｐゴシック" charset="0"/>
-              </a:rPr>
-              <a:t>OAuth 2 requires that clients </a:t>
-            </a:r>
-            <a:r>
-              <a:rPr lang="en-GB" sz="2000" i="1" dirty="0" smtClean="0">
-                <a:latin typeface="Calibri" charset="0"/>
-                <a:ea typeface="ＭＳ Ｐゴシック" charset="0"/>
-                <a:cs typeface="ＭＳ Ｐゴシック" charset="0"/>
-              </a:rPr>
-              <a:t>register</a:t>
-            </a:r>
-            <a:r>
-              <a:rPr lang="en-GB" sz="2000" dirty="0" smtClean="0">
-                <a:latin typeface="Calibri" charset="0"/>
-                <a:ea typeface="ＭＳ Ｐゴシック" charset="0"/>
-                <a:cs typeface="ＭＳ Ｐゴシック" charset="0"/>
-              </a:rPr>
-              <a:t> with the authorisation server so that client requests can be properly identified</a:t>
-            </a:r>
-          </a:p>
-          <a:p>
-            <a:pPr eaLnBrk="1" hangingPunct="1">
-              <a:buClr>
-                <a:schemeClr val="accent2"/>
-              </a:buClr>
-            </a:pPr>
-            <a:r>
-              <a:rPr lang="en-GB" sz="2000" dirty="0" smtClean="0">
-                <a:latin typeface="Calibri" charset="0"/>
-                <a:ea typeface="ＭＳ Ｐゴシック" charset="0"/>
-                <a:cs typeface="ＭＳ Ｐゴシック" charset="0"/>
-              </a:rPr>
-              <a:t>Service providers normally provide some sort of web console to do this, eg:</a:t>
-            </a:r>
-          </a:p>
-          <a:p>
-            <a:pPr lvl="1" eaLnBrk="1" hangingPunct="1">
-              <a:buClr>
-                <a:schemeClr val="accent2"/>
-              </a:buClr>
-            </a:pPr>
-            <a:r>
-              <a:rPr lang="en-GB" sz="2000" dirty="0" smtClean="0">
-                <a:latin typeface="Calibri" charset="0"/>
-                <a:ea typeface="ＭＳ Ｐゴシック" charset="0"/>
-                <a:cs typeface="ＭＳ Ｐゴシック" charset="0"/>
-              </a:rPr>
-              <a:t>Google API Console</a:t>
-            </a:r>
-          </a:p>
-          <a:p>
-            <a:pPr lvl="1" eaLnBrk="1" hangingPunct="1">
-              <a:buClr>
-                <a:schemeClr val="accent2"/>
-              </a:buClr>
-            </a:pPr>
-            <a:r>
-              <a:rPr lang="en-GB" sz="2000" dirty="0" smtClean="0">
-                <a:latin typeface="Calibri" charset="0"/>
-                <a:ea typeface="ＭＳ Ｐゴシック" charset="0"/>
-                <a:cs typeface="ＭＳ Ｐゴシック" charset="0"/>
-              </a:rPr>
-              <a:t>Windows Line Application Management site</a:t>
-            </a:r>
-          </a:p>
-          <a:p>
-            <a:pPr lvl="1" eaLnBrk="1" hangingPunct="1">
-              <a:buClr>
-                <a:schemeClr val="accent2"/>
-              </a:buClr>
-            </a:pPr>
-            <a:r>
-              <a:rPr lang="en-GB" sz="2000" dirty="0" smtClean="0">
-                <a:latin typeface="Calibri" charset="0"/>
-                <a:ea typeface="ＭＳ Ｐゴシック" charset="0"/>
-                <a:cs typeface="ＭＳ Ｐゴシック" charset="0"/>
-              </a:rPr>
-              <a:t>Facebook Developer site</a:t>
-            </a:r>
-          </a:p>
-          <a:p>
-            <a:pPr lvl="1" eaLnBrk="1" hangingPunct="1">
-              <a:buClr>
-                <a:schemeClr val="accent2"/>
-              </a:buClr>
-            </a:pPr>
-            <a:r>
-              <a:rPr lang="en-GB" sz="2000" dirty="0" smtClean="0">
-                <a:latin typeface="Calibri" charset="0"/>
-                <a:ea typeface="ＭＳ Ｐゴシック" charset="0"/>
-                <a:cs typeface="ＭＳ Ｐゴシック" charset="0"/>
-              </a:rPr>
-              <a:t>Dropbox App Console</a:t>
-            </a:r>
-          </a:p>
-          <a:p>
-            <a:pPr eaLnBrk="1" hangingPunct="1">
-              <a:buClr>
-                <a:schemeClr val="accent2"/>
-              </a:buClr>
-            </a:pPr>
-            <a:r>
-              <a:rPr lang="en-GB" sz="2000" dirty="0" smtClean="0">
-                <a:latin typeface="Calibri" charset="0"/>
-                <a:ea typeface="ＭＳ Ｐゴシック" charset="0"/>
-                <a:cs typeface="ＭＳ Ｐゴシック" charset="0"/>
-              </a:rPr>
-              <a:t>Once registered, the client is issued with a </a:t>
-            </a:r>
-            <a:r>
-              <a:rPr lang="en-GB" sz="2000" i="1" dirty="0" smtClean="0">
-                <a:latin typeface="Calibri" charset="0"/>
-                <a:ea typeface="ＭＳ Ｐゴシック" charset="0"/>
-                <a:cs typeface="ＭＳ Ｐゴシック" charset="0"/>
-              </a:rPr>
-              <a:t>client id </a:t>
-            </a:r>
-            <a:r>
-              <a:rPr lang="en-GB" sz="2000" dirty="0" smtClean="0">
-                <a:latin typeface="Calibri" charset="0"/>
-                <a:ea typeface="ＭＳ Ｐゴシック" charset="0"/>
-                <a:cs typeface="ＭＳ Ｐゴシック" charset="0"/>
-              </a:rPr>
-              <a:t>and </a:t>
-            </a:r>
-            <a:r>
-              <a:rPr lang="en-GB" sz="2000" i="1" dirty="0" smtClean="0">
-                <a:latin typeface="Calibri" charset="0"/>
-                <a:ea typeface="ＭＳ Ｐゴシック" charset="0"/>
-                <a:cs typeface="ＭＳ Ｐゴシック" charset="0"/>
-              </a:rPr>
-              <a:t>client secret</a:t>
-            </a:r>
-          </a:p>
-          <a:p>
-            <a:pPr eaLnBrk="1" hangingPunct="1">
-              <a:buClr>
-                <a:schemeClr val="accent2"/>
-              </a:buClr>
-            </a:pPr>
-            <a:r>
-              <a:rPr lang="en-GB" sz="2000" dirty="0" smtClean="0">
-                <a:latin typeface="Calibri" charset="0"/>
-                <a:ea typeface="ＭＳ Ｐゴシック" charset="0"/>
-                <a:cs typeface="ＭＳ Ｐゴシック" charset="0"/>
-              </a:rPr>
-              <a:t>During registration you have to specify one or more allowable </a:t>
-            </a:r>
-            <a:r>
-              <a:rPr lang="en-GB" sz="2000" i="1" dirty="0" smtClean="0">
-                <a:latin typeface="Calibri" charset="0"/>
-                <a:ea typeface="ＭＳ Ｐゴシック" charset="0"/>
-                <a:cs typeface="ＭＳ Ｐゴシック" charset="0"/>
-              </a:rPr>
-              <a:t>redirect URL</a:t>
-            </a:r>
-            <a:r>
-              <a:rPr lang="en-GB" sz="2000" dirty="0" smtClean="0">
-                <a:latin typeface="Calibri" charset="0"/>
-                <a:ea typeface="ＭＳ Ｐゴシック" charset="0"/>
-                <a:cs typeface="ＭＳ Ｐゴシック" charset="0"/>
-              </a:rPr>
-              <a:t>s</a:t>
-            </a:r>
-            <a:r>
-              <a:rPr lang="en-GB" sz="2000" i="1" dirty="0" smtClean="0">
-                <a:latin typeface="Calibri" charset="0"/>
-                <a:ea typeface="ＭＳ Ｐゴシック" charset="0"/>
-                <a:cs typeface="ＭＳ Ｐゴシック" charset="0"/>
-              </a:rPr>
-              <a:t> </a:t>
-            </a:r>
-            <a:r>
-              <a:rPr lang="en-GB" sz="2000" dirty="0" smtClean="0">
-                <a:latin typeface="Calibri" charset="0"/>
-                <a:ea typeface="ＭＳ Ｐゴシック" charset="0"/>
-                <a:cs typeface="ＭＳ Ｐゴシック" charset="0"/>
-              </a:rPr>
-              <a:t>or </a:t>
-            </a:r>
-            <a:r>
-              <a:rPr lang="en-GB" sz="2000" i="1" dirty="0" smtClean="0">
-                <a:latin typeface="Calibri" charset="0"/>
-                <a:ea typeface="ＭＳ Ｐゴシック" charset="0"/>
-                <a:cs typeface="ＭＳ Ｐゴシック" charset="0"/>
-              </a:rPr>
-              <a:t>URI</a:t>
-            </a:r>
-            <a:r>
-              <a:rPr lang="en-GB" sz="2000" dirty="0">
-                <a:latin typeface="Calibri" charset="0"/>
-                <a:ea typeface="ＭＳ Ｐゴシック" charset="0"/>
-                <a:cs typeface="ＭＳ Ｐゴシック" charset="0"/>
-              </a:rPr>
-              <a:t>s </a:t>
-            </a:r>
-            <a:r>
-              <a:rPr lang="en-GB" sz="2000" dirty="0" smtClean="0">
-                <a:latin typeface="Calibri" charset="0"/>
-                <a:ea typeface="ＭＳ Ｐゴシック" charset="0"/>
-                <a:cs typeface="ＭＳ Ｐゴシック" charset="0"/>
-              </a:rPr>
-              <a:t>(Uniform Resource Identifiers)</a:t>
-            </a:r>
-          </a:p>
-          <a:p>
-            <a:pPr lvl="1" eaLnBrk="1" hangingPunct="1">
-              <a:buClr>
-                <a:schemeClr val="accent2"/>
-              </a:buClr>
-            </a:pPr>
-            <a:r>
-              <a:rPr lang="en-GB" sz="2000" dirty="0" smtClean="0">
-                <a:latin typeface="Calibri" charset="0"/>
-                <a:ea typeface="ＭＳ Ｐゴシック" charset="0"/>
-                <a:cs typeface="ＭＳ Ｐゴシック" charset="0"/>
-              </a:rPr>
-              <a:t>The client can only redirect to one of these URIs</a:t>
-            </a:r>
-          </a:p>
-          <a:p>
-            <a:pPr eaLnBrk="1" hangingPunct="1">
-              <a:buClr>
-                <a:schemeClr val="accent2"/>
-              </a:buClr>
-            </a:pPr>
-            <a:r>
-              <a:rPr lang="en-GB" sz="2000" dirty="0" smtClean="0">
-                <a:latin typeface="Calibri" charset="0"/>
-                <a:ea typeface="ＭＳ Ｐゴシック" charset="0"/>
-                <a:cs typeface="ＭＳ Ｐゴシック" charset="0"/>
-              </a:rPr>
-              <a:t>Registration helps ensure workflow requests are authentic, and enables the service provider to tailor its response according to the privileges granted to that client</a:t>
-            </a:r>
-          </a:p>
-        </p:txBody>
-      </p:sp>
-      <p:sp>
-        <p:nvSpPr>
-          <p:cNvPr id="5124" name="Slide Number Placeholder 17"/>
-          <p:cNvSpPr>
-            <a:spLocks noGrp="1"/>
-          </p:cNvSpPr>
-          <p:nvPr>
-            <p:ph type="sldNum" sz="quarter" idx="12"/>
-          </p:nvPr>
-        </p:nvSpPr>
-        <p:spPr bwMode="auto">
-          <a:xfrm>
-            <a:off x="8402638" y="6473825"/>
-            <a:ext cx="284162" cy="247650"/>
-          </a:xfrm>
-          <a:noFill/>
-          <a:extLst>
-            <a:ext uri="{909E8E84-426E-40dd-AFC4-6F175D3DCCD1}">
-              <a14:hiddenFill xmlns:a14="http://schemas.microsoft.com/office/drawing/2010/main">
-                <a:solidFill>
-                  <a:srgbClr val="FFFFFF"/>
-                </a:solidFill>
-              </a14:hiddenFill>
-            </a:ext>
-            <a:ext uri="{91240B29-F687-4f45-9708-019B960494DF}">
-              <a14:hiddenLine xmlns:a14="http://schemas.microsoft.com/office/drawing/2010/main" w="9525">
-                <a:solidFill>
-                  <a:srgbClr val="000000"/>
-                </a:solidFill>
-                <a:miter lim="800000"/>
-                <a:headEnd/>
-                <a:tailEnd/>
-              </a14:hiddenLine>
-            </a:ext>
-          </a:extLst>
-        </p:spPr>
-        <p:txBody>
-          <a:bodyPr/>
-          <a:lstStyle>
-            <a:lvl1pPr>
-              <a:defRPr>
-                <a:solidFill>
-                  <a:schemeClr val="tx1"/>
-                </a:solidFill>
-                <a:latin typeface="Arial" charset="0"/>
-                <a:ea typeface="ＭＳ Ｐゴシック" charset="0"/>
-                <a:cs typeface="ＭＳ Ｐゴシック" charset="0"/>
-              </a:defRPr>
-            </a:lvl1pPr>
-            <a:lvl2pPr marL="742950" indent="-285750">
-              <a:defRPr>
-                <a:solidFill>
-                  <a:schemeClr val="tx1"/>
-                </a:solidFill>
-                <a:latin typeface="Arial" charset="0"/>
-                <a:ea typeface="ＭＳ Ｐゴシック" charset="0"/>
-              </a:defRPr>
-            </a:lvl2pPr>
-            <a:lvl3pPr marL="1143000" indent="-228600">
-              <a:defRPr>
-                <a:solidFill>
-                  <a:schemeClr val="tx1"/>
-                </a:solidFill>
-                <a:latin typeface="Arial" charset="0"/>
-                <a:ea typeface="ＭＳ Ｐゴシック" charset="0"/>
-              </a:defRPr>
-            </a:lvl3pPr>
-            <a:lvl4pPr marL="1600200" indent="-228600">
-              <a:defRPr>
-                <a:solidFill>
-                  <a:schemeClr val="tx1"/>
-                </a:solidFill>
-                <a:latin typeface="Arial" charset="0"/>
-                <a:ea typeface="ＭＳ Ｐゴシック" charset="0"/>
-              </a:defRPr>
-            </a:lvl4pPr>
-            <a:lvl5pPr marL="2057400" indent="-228600">
-              <a:defRPr>
-                <a:solidFill>
-                  <a:schemeClr val="tx1"/>
-                </a:solidFill>
-                <a:latin typeface="Arial" charset="0"/>
-                <a:ea typeface="ＭＳ Ｐゴシック" charset="0"/>
-              </a:defRPr>
-            </a:lvl5pPr>
-            <a:lvl6pPr marL="2514600" indent="-228600" eaLnBrk="0" fontAlgn="base" hangingPunct="0">
-              <a:spcBef>
-                <a:spcPct val="0"/>
-              </a:spcBef>
-              <a:spcAft>
-                <a:spcPct val="0"/>
-              </a:spcAft>
-              <a:defRPr>
-                <a:solidFill>
-                  <a:schemeClr val="tx1"/>
-                </a:solidFill>
-                <a:latin typeface="Arial" charset="0"/>
-                <a:ea typeface="ＭＳ Ｐゴシック" charset="0"/>
-              </a:defRPr>
-            </a:lvl6pPr>
-            <a:lvl7pPr marL="2971800" indent="-228600" eaLnBrk="0" fontAlgn="base" hangingPunct="0">
-              <a:spcBef>
-                <a:spcPct val="0"/>
-              </a:spcBef>
-              <a:spcAft>
-                <a:spcPct val="0"/>
-              </a:spcAft>
-              <a:defRPr>
-                <a:solidFill>
-                  <a:schemeClr val="tx1"/>
-                </a:solidFill>
-                <a:latin typeface="Arial" charset="0"/>
-                <a:ea typeface="ＭＳ Ｐゴシック" charset="0"/>
-              </a:defRPr>
-            </a:lvl7pPr>
-            <a:lvl8pPr marL="3429000" indent="-228600" eaLnBrk="0" fontAlgn="base" hangingPunct="0">
-              <a:spcBef>
-                <a:spcPct val="0"/>
-              </a:spcBef>
-              <a:spcAft>
-                <a:spcPct val="0"/>
-              </a:spcAft>
-              <a:defRPr>
-                <a:solidFill>
-                  <a:schemeClr val="tx1"/>
-                </a:solidFill>
-                <a:latin typeface="Arial" charset="0"/>
-                <a:ea typeface="ＭＳ Ｐゴシック" charset="0"/>
-              </a:defRPr>
-            </a:lvl8pPr>
-            <a:lvl9pPr marL="3886200" indent="-228600" eaLnBrk="0" fontAlgn="base" hangingPunct="0">
-              <a:spcBef>
-                <a:spcPct val="0"/>
-              </a:spcBef>
-              <a:spcAft>
-                <a:spcPct val="0"/>
-              </a:spcAft>
-              <a:defRPr>
-                <a:solidFill>
-                  <a:schemeClr val="tx1"/>
-                </a:solidFill>
-                <a:latin typeface="Arial" charset="0"/>
-                <a:ea typeface="ＭＳ Ｐゴシック" charset="0"/>
-              </a:defRPr>
-            </a:lvl9pPr>
-          </a:lstStyle>
-          <a:p>
-            <a:fld id="{CA415223-74E1-9842-94D0-DE11413B0913}" type="slidenum">
-              <a:rPr lang="en-GB" b="1">
-                <a:solidFill>
-                  <a:srgbClr val="045C75"/>
-                </a:solidFill>
-                <a:cs typeface="Arial" charset="0"/>
-              </a:rPr>
-              <a:pPr/>
-              <a:t>13</a:t>
-            </a:fld>
-            <a:endParaRPr lang="en-GB" b="1" dirty="0">
-              <a:solidFill>
-                <a:srgbClr val="045C75"/>
-              </a:solidFill>
-              <a:cs typeface="Arial" charset="0"/>
-            </a:endParaRPr>
-          </a:p>
-        </p:txBody>
-      </p:sp>
-    </p:spTree>
-    <p:extLst>
-      <p:ext uri="{BB962C8B-B14F-4D97-AF65-F5344CB8AC3E}">
-        <p14:creationId xmlns:p14="http://schemas.microsoft.com/office/powerpoint/2010/main" val="787013994"/>
-      </p:ext>
-    </p:extLst>
-  </p:cSld>
-  <p:clrMapOvr>
-    <a:masterClrMapping/>
-  </p:clrMapOvr>
-  <p:timing>
-    <p:tnLst>
-      <p:par>
-        <p:cTn xmlns:p14="http://schemas.microsoft.com/office/powerpoint/2010/main" id="1" dur="indefinite" restart="never" nodeType="tmRoot"/>
-      </p:par>
-    </p:tnLst>
-  </p:timing>
-</p:sld>
-</file>
-
-<file path=ppt/slides/slide14.xml><?xml version="1.0" encoding="utf-8"?>
-<p:sld xmlns:a="http://schemas.openxmlformats.org/drawingml/2006/main" xmlns:r="http://schemas.openxmlformats.org/officeDocument/2006/relationships" xmlns:p="http://schemas.openxmlformats.org/presentationml/2006/main">
-  <p:cSld>
-    <p:spTree>
-      <p:nvGrpSpPr>
-        <p:cNvPr id="1" name=""/>
-        <p:cNvGrpSpPr/>
-        <p:nvPr/>
-      </p:nvGrpSpPr>
-      <p:grpSpPr>
-        <a:xfrm>
-          <a:off x="0" y="0"/>
-          <a:ext cx="0" cy="0"/>
-          <a:chOff x="0" y="0"/>
-          <a:chExt cx="0" cy="0"/>
-        </a:xfrm>
-      </p:grpSpPr>
-      <p:sp>
-        <p:nvSpPr>
-          <p:cNvPr id="5122" name="Rectangle 2"/>
-          <p:cNvSpPr>
-            <a:spLocks noGrp="1" noChangeArrowheads="1"/>
-          </p:cNvSpPr>
-          <p:nvPr>
-            <p:ph type="title" idx="4294967295"/>
-          </p:nvPr>
-        </p:nvSpPr>
-        <p:spPr/>
-        <p:txBody>
-          <a:bodyPr/>
-          <a:lstStyle/>
-          <a:p>
-            <a:pPr eaLnBrk="1" hangingPunct="1"/>
-            <a:r>
-              <a:rPr lang="en-GB" dirty="0" smtClean="0">
-                <a:latin typeface="Calibri" charset="0"/>
-                <a:ea typeface="ＭＳ Ｐゴシック" charset="0"/>
-                <a:cs typeface="ＭＳ Ｐゴシック" charset="0"/>
-              </a:rPr>
-              <a:t>Example: </a:t>
-            </a:r>
-            <a:r>
-              <a:rPr lang="en-GB" dirty="0" err="1" smtClean="0">
-                <a:latin typeface="Calibri" charset="0"/>
-                <a:ea typeface="ＭＳ Ｐゴシック" charset="0"/>
-                <a:cs typeface="ＭＳ Ｐゴシック" charset="0"/>
-              </a:rPr>
-              <a:t>Dropbox</a:t>
-            </a:r>
-            <a:r>
-              <a:rPr lang="en-GB" dirty="0" smtClean="0">
-                <a:latin typeface="Calibri" charset="0"/>
-                <a:ea typeface="ＭＳ Ｐゴシック" charset="0"/>
-                <a:cs typeface="ＭＳ Ｐゴシック" charset="0"/>
-              </a:rPr>
-              <a:t> Application Registration</a:t>
-            </a:r>
-            <a:endParaRPr lang="en-GB" dirty="0">
-              <a:latin typeface="Calibri" charset="0"/>
-              <a:ea typeface="ＭＳ Ｐゴシック" charset="0"/>
-              <a:cs typeface="ＭＳ Ｐゴシック" charset="0"/>
-            </a:endParaRPr>
-          </a:p>
-        </p:txBody>
-      </p:sp>
-      <p:sp>
-        <p:nvSpPr>
-          <p:cNvPr id="5124" name="Slide Number Placeholder 17"/>
-          <p:cNvSpPr>
-            <a:spLocks noGrp="1"/>
-          </p:cNvSpPr>
-          <p:nvPr>
-            <p:ph type="sldNum" sz="quarter" idx="12"/>
-          </p:nvPr>
-        </p:nvSpPr>
-        <p:spPr bwMode="auto">
-          <a:xfrm>
-            <a:off x="8402638" y="6473825"/>
-            <a:ext cx="284162" cy="247650"/>
-          </a:xfrm>
-          <a:noFill/>
-          <a:extLst>
-            <a:ext uri="{909E8E84-426E-40dd-AFC4-6F175D3DCCD1}">
-              <a14:hiddenFill xmlns:a14="http://schemas.microsoft.com/office/drawing/2010/main">
-                <a:solidFill>
-                  <a:srgbClr val="FFFFFF"/>
-                </a:solidFill>
-              </a14:hiddenFill>
-            </a:ext>
-            <a:ext uri="{91240B29-F687-4f45-9708-019B960494DF}">
-              <a14:hiddenLine xmlns:a14="http://schemas.microsoft.com/office/drawing/2010/main" w="9525">
-                <a:solidFill>
-                  <a:srgbClr val="000000"/>
-                </a:solidFill>
-                <a:miter lim="800000"/>
-                <a:headEnd/>
-                <a:tailEnd/>
-              </a14:hiddenLine>
-            </a:ext>
-          </a:extLst>
-        </p:spPr>
-        <p:txBody>
-          <a:bodyPr/>
-          <a:lstStyle>
-            <a:lvl1pPr>
-              <a:defRPr>
-                <a:solidFill>
-                  <a:schemeClr val="tx1"/>
-                </a:solidFill>
-                <a:latin typeface="Arial" charset="0"/>
-                <a:ea typeface="ＭＳ Ｐゴシック" charset="0"/>
-                <a:cs typeface="ＭＳ Ｐゴシック" charset="0"/>
-              </a:defRPr>
-            </a:lvl1pPr>
-            <a:lvl2pPr marL="742950" indent="-285750">
-              <a:defRPr>
-                <a:solidFill>
-                  <a:schemeClr val="tx1"/>
-                </a:solidFill>
-                <a:latin typeface="Arial" charset="0"/>
-                <a:ea typeface="ＭＳ Ｐゴシック" charset="0"/>
-              </a:defRPr>
-            </a:lvl2pPr>
-            <a:lvl3pPr marL="1143000" indent="-228600">
-              <a:defRPr>
-                <a:solidFill>
-                  <a:schemeClr val="tx1"/>
-                </a:solidFill>
-                <a:latin typeface="Arial" charset="0"/>
-                <a:ea typeface="ＭＳ Ｐゴシック" charset="0"/>
-              </a:defRPr>
-            </a:lvl3pPr>
-            <a:lvl4pPr marL="1600200" indent="-228600">
-              <a:defRPr>
-                <a:solidFill>
-                  <a:schemeClr val="tx1"/>
-                </a:solidFill>
-                <a:latin typeface="Arial" charset="0"/>
-                <a:ea typeface="ＭＳ Ｐゴシック" charset="0"/>
-              </a:defRPr>
-            </a:lvl4pPr>
-            <a:lvl5pPr marL="2057400" indent="-228600">
-              <a:defRPr>
-                <a:solidFill>
-                  <a:schemeClr val="tx1"/>
-                </a:solidFill>
-                <a:latin typeface="Arial" charset="0"/>
-                <a:ea typeface="ＭＳ Ｐゴシック" charset="0"/>
-              </a:defRPr>
-            </a:lvl5pPr>
-            <a:lvl6pPr marL="2514600" indent="-228600" eaLnBrk="0" fontAlgn="base" hangingPunct="0">
-              <a:spcBef>
-                <a:spcPct val="0"/>
-              </a:spcBef>
-              <a:spcAft>
-                <a:spcPct val="0"/>
-              </a:spcAft>
-              <a:defRPr>
-                <a:solidFill>
-                  <a:schemeClr val="tx1"/>
-                </a:solidFill>
-                <a:latin typeface="Arial" charset="0"/>
-                <a:ea typeface="ＭＳ Ｐゴシック" charset="0"/>
-              </a:defRPr>
-            </a:lvl6pPr>
-            <a:lvl7pPr marL="2971800" indent="-228600" eaLnBrk="0" fontAlgn="base" hangingPunct="0">
-              <a:spcBef>
-                <a:spcPct val="0"/>
-              </a:spcBef>
-              <a:spcAft>
-                <a:spcPct val="0"/>
-              </a:spcAft>
-              <a:defRPr>
-                <a:solidFill>
-                  <a:schemeClr val="tx1"/>
-                </a:solidFill>
-                <a:latin typeface="Arial" charset="0"/>
-                <a:ea typeface="ＭＳ Ｐゴシック" charset="0"/>
-              </a:defRPr>
-            </a:lvl7pPr>
-            <a:lvl8pPr marL="3429000" indent="-228600" eaLnBrk="0" fontAlgn="base" hangingPunct="0">
-              <a:spcBef>
-                <a:spcPct val="0"/>
-              </a:spcBef>
-              <a:spcAft>
-                <a:spcPct val="0"/>
-              </a:spcAft>
-              <a:defRPr>
-                <a:solidFill>
-                  <a:schemeClr val="tx1"/>
-                </a:solidFill>
-                <a:latin typeface="Arial" charset="0"/>
-                <a:ea typeface="ＭＳ Ｐゴシック" charset="0"/>
-              </a:defRPr>
-            </a:lvl8pPr>
-            <a:lvl9pPr marL="3886200" indent="-228600" eaLnBrk="0" fontAlgn="base" hangingPunct="0">
-              <a:spcBef>
-                <a:spcPct val="0"/>
-              </a:spcBef>
-              <a:spcAft>
-                <a:spcPct val="0"/>
-              </a:spcAft>
-              <a:defRPr>
-                <a:solidFill>
-                  <a:schemeClr val="tx1"/>
-                </a:solidFill>
-                <a:latin typeface="Arial" charset="0"/>
-                <a:ea typeface="ＭＳ Ｐゴシック" charset="0"/>
-              </a:defRPr>
-            </a:lvl9pPr>
-          </a:lstStyle>
-          <a:p>
-            <a:fld id="{CA415223-74E1-9842-94D0-DE11413B0913}" type="slidenum">
-              <a:rPr lang="en-GB" b="1">
-                <a:solidFill>
-                  <a:srgbClr val="045C75"/>
-                </a:solidFill>
-                <a:cs typeface="Arial" charset="0"/>
-              </a:rPr>
-              <a:pPr/>
-              <a:t>14</a:t>
-            </a:fld>
-            <a:endParaRPr lang="en-GB" b="1" dirty="0">
-              <a:solidFill>
-                <a:srgbClr val="045C75"/>
-              </a:solidFill>
-              <a:cs typeface="Arial" charset="0"/>
-            </a:endParaRPr>
-          </a:p>
-        </p:txBody>
-      </p:sp>
-      <p:pic>
-        <p:nvPicPr>
-          <p:cNvPr id="3" name="Picture 2" descr="dropbox-app-console.png"/>
-          <p:cNvPicPr>
-            <a:picLocks noChangeAspect="1"/>
-          </p:cNvPicPr>
-          <p:nvPr/>
-        </p:nvPicPr>
-        <p:blipFill>
-          <a:blip r:embed="rId2">
-            <a:extLst>
-              <a:ext uri="{28A0092B-C50C-407E-A947-70E740481C1C}">
-                <a14:useLocalDpi xmlns:a14="http://schemas.microsoft.com/office/drawing/2010/main" val="0"/>
-              </a:ext>
-            </a:extLst>
-          </a:blip>
-          <a:stretch>
-            <a:fillRect/>
-          </a:stretch>
-        </p:blipFill>
-        <p:spPr>
-          <a:xfrm>
-            <a:off x="190500" y="1446660"/>
-            <a:ext cx="6464299" cy="5321121"/>
-          </a:xfrm>
-          <a:prstGeom prst="rect">
-            <a:avLst/>
-          </a:prstGeom>
-          <a:ln>
-            <a:solidFill>
-              <a:schemeClr val="tx1"/>
-            </a:solidFill>
-          </a:ln>
-        </p:spPr>
-      </p:pic>
-      <p:sp>
-        <p:nvSpPr>
-          <p:cNvPr id="4" name="Line Callout 1 3"/>
-          <p:cNvSpPr/>
-          <p:nvPr/>
-        </p:nvSpPr>
-        <p:spPr bwMode="auto">
-          <a:xfrm>
-            <a:off x="6946900" y="2578100"/>
-            <a:ext cx="1917700" cy="600164"/>
-          </a:xfrm>
-          <a:prstGeom prst="borderCallout1">
-            <a:avLst>
-              <a:gd name="adj1" fmla="val 18750"/>
-              <a:gd name="adj2" fmla="val -8333"/>
-              <a:gd name="adj3" fmla="val 266975"/>
-              <a:gd name="adj4" fmla="val -177406"/>
-            </a:avLst>
-          </a:prstGeom>
-          <a:solidFill>
-            <a:srgbClr val="FFFF00"/>
-          </a:solidFill>
-          <a:ln w="31750" cap="flat" cmpd="sng" algn="ctr">
-            <a:solidFill>
-              <a:schemeClr val="bg2">
-                <a:lumMod val="50000"/>
-              </a:schemeClr>
-            </a:solidFill>
-            <a:prstDash val="solid"/>
-            <a:round/>
-            <a:headEnd type="none" w="med" len="med"/>
-            <a:tailEnd type="triangle" w="lg" len="lg"/>
-          </a:ln>
-          <a:effectLst/>
-        </p:spPr>
-        <p:txBody>
-          <a:bodyPr vert="horz" wrap="square" lIns="91440" tIns="45720" rIns="91440" bIns="45720" numCol="1" rtlCol="0" anchor="t" anchorCtr="0" compatLnSpc="1">
-            <a:prstTxWarp prst="textNoShape">
-              <a:avLst/>
-            </a:prstTxWarp>
-            <a:spAutoFit/>
-          </a:bodyPr>
-          <a:lstStyle/>
-          <a:p>
-            <a:pPr marL="0" marR="0" indent="0" algn="l" defTabSz="914400" rtl="0" eaLnBrk="0" fontAlgn="base" latinLnBrk="0" hangingPunct="0">
-              <a:lnSpc>
-                <a:spcPct val="100000"/>
-              </a:lnSpc>
-              <a:spcBef>
-                <a:spcPct val="0"/>
-              </a:spcBef>
-              <a:spcAft>
-                <a:spcPct val="0"/>
-              </a:spcAft>
-              <a:buClrTx/>
-              <a:buSzTx/>
-              <a:buFontTx/>
-              <a:buNone/>
-              <a:tabLst/>
-            </a:pPr>
-            <a:r>
-              <a:rPr kumimoji="0" lang="en-GB" sz="1100" b="0" i="0" u="none" strike="noStrike" cap="none" normalizeH="0" baseline="0" dirty="0" smtClean="0">
-                <a:ln>
-                  <a:noFill/>
-                </a:ln>
-                <a:solidFill>
-                  <a:schemeClr val="tx1"/>
-                </a:solidFill>
-                <a:effectLst/>
-                <a:latin typeface="Arial" charset="0"/>
-              </a:rPr>
-              <a:t>Application files are stored in the Dropbox folder</a:t>
-            </a:r>
-            <a:br>
-              <a:rPr kumimoji="0" lang="en-GB" sz="1100" b="0" i="0" u="none" strike="noStrike" cap="none" normalizeH="0" baseline="0" dirty="0" smtClean="0">
-                <a:ln>
-                  <a:noFill/>
-                </a:ln>
-                <a:solidFill>
-                  <a:schemeClr val="tx1"/>
-                </a:solidFill>
-                <a:effectLst/>
-                <a:latin typeface="Arial" charset="0"/>
-              </a:rPr>
-            </a:br>
-            <a:r>
-              <a:rPr kumimoji="0" lang="en-GB" sz="1100" b="1" i="0" u="none" strike="noStrike" cap="none" normalizeH="0" baseline="0" dirty="0" smtClean="0">
-                <a:ln>
-                  <a:noFill/>
-                </a:ln>
-                <a:solidFill>
-                  <a:schemeClr val="tx1"/>
-                </a:solidFill>
-                <a:effectLst/>
-                <a:latin typeface="Arial" charset="0"/>
-              </a:rPr>
-              <a:t>apps/bcs_spa_2014</a:t>
-            </a:r>
-          </a:p>
-        </p:txBody>
-      </p:sp>
-      <p:sp>
-        <p:nvSpPr>
-          <p:cNvPr id="8" name="Line Callout 1 7"/>
-          <p:cNvSpPr/>
-          <p:nvPr/>
-        </p:nvSpPr>
-        <p:spPr bwMode="auto">
-          <a:xfrm>
-            <a:off x="6946900" y="3810000"/>
-            <a:ext cx="1917700" cy="600164"/>
-          </a:xfrm>
-          <a:prstGeom prst="borderCallout1">
-            <a:avLst>
-              <a:gd name="adj1" fmla="val 18750"/>
-              <a:gd name="adj2" fmla="val -8333"/>
-              <a:gd name="adj3" fmla="val 159346"/>
-              <a:gd name="adj4" fmla="val -175068"/>
-            </a:avLst>
-          </a:prstGeom>
-          <a:solidFill>
-            <a:srgbClr val="FFFF00"/>
-          </a:solidFill>
-          <a:ln w="31750" cap="flat" cmpd="sng" algn="ctr">
-            <a:solidFill>
-              <a:schemeClr val="bg2">
-                <a:lumMod val="50000"/>
-              </a:schemeClr>
-            </a:solidFill>
-            <a:prstDash val="solid"/>
-            <a:round/>
-            <a:headEnd type="none" w="med" len="med"/>
-            <a:tailEnd type="triangle" w="lg" len="lg"/>
-          </a:ln>
-          <a:effectLst/>
-        </p:spPr>
-        <p:txBody>
-          <a:bodyPr vert="horz" wrap="square" lIns="91440" tIns="45720" rIns="91440" bIns="45720" numCol="1" rtlCol="0" anchor="t" anchorCtr="0" compatLnSpc="1">
-            <a:prstTxWarp prst="textNoShape">
-              <a:avLst/>
-            </a:prstTxWarp>
-            <a:spAutoFit/>
-          </a:bodyPr>
-          <a:lstStyle/>
-          <a:p>
-            <a:pPr marL="0" marR="0" indent="0" algn="l" defTabSz="914400" rtl="0" eaLnBrk="0" fontAlgn="base" latinLnBrk="0" hangingPunct="0">
-              <a:lnSpc>
-                <a:spcPct val="100000"/>
-              </a:lnSpc>
-              <a:spcBef>
-                <a:spcPct val="0"/>
-              </a:spcBef>
-              <a:spcAft>
-                <a:spcPct val="0"/>
-              </a:spcAft>
-              <a:buClrTx/>
-              <a:buSzTx/>
-              <a:buFontTx/>
-              <a:buNone/>
-              <a:tabLst/>
-            </a:pPr>
-            <a:r>
-              <a:rPr kumimoji="0" lang="en-GB" sz="1100" b="0" i="0" u="none" strike="noStrike" cap="none" normalizeH="0" baseline="0" dirty="0" smtClean="0">
-                <a:ln>
-                  <a:noFill/>
-                </a:ln>
-                <a:solidFill>
-                  <a:schemeClr val="tx1"/>
-                </a:solidFill>
-                <a:effectLst/>
-                <a:latin typeface="Arial" charset="0"/>
-              </a:rPr>
-              <a:t>The </a:t>
-            </a:r>
-            <a:r>
-              <a:rPr kumimoji="0" lang="en-GB" sz="1100" b="1" i="0" u="none" strike="noStrike" cap="none" normalizeH="0" baseline="0" dirty="0" smtClean="0">
-                <a:ln>
-                  <a:noFill/>
-                </a:ln>
-                <a:solidFill>
-                  <a:schemeClr val="tx1"/>
-                </a:solidFill>
-                <a:effectLst/>
-                <a:latin typeface="Arial" charset="0"/>
-              </a:rPr>
-              <a:t>client key </a:t>
-            </a:r>
-            <a:r>
-              <a:rPr kumimoji="0" lang="en-GB" sz="1100" b="0" i="0" u="none" strike="noStrike" cap="none" normalizeH="0" baseline="0" dirty="0" smtClean="0">
-                <a:ln>
-                  <a:noFill/>
-                </a:ln>
-                <a:solidFill>
-                  <a:schemeClr val="tx1"/>
-                </a:solidFill>
-                <a:effectLst/>
-                <a:latin typeface="Arial" charset="0"/>
-              </a:rPr>
-              <a:t>and </a:t>
-            </a:r>
-            <a:r>
-              <a:rPr kumimoji="0" lang="en-GB" sz="1100" b="1" i="0" u="none" strike="noStrike" cap="none" normalizeH="0" baseline="0" dirty="0" smtClean="0">
-                <a:ln>
-                  <a:noFill/>
-                </a:ln>
-                <a:solidFill>
-                  <a:schemeClr val="tx1"/>
-                </a:solidFill>
-                <a:effectLst/>
-                <a:latin typeface="Arial" charset="0"/>
-              </a:rPr>
-              <a:t>secret</a:t>
-            </a:r>
-            <a:r>
-              <a:rPr kumimoji="0" lang="en-GB" sz="1100" b="0" i="0" u="none" strike="noStrike" cap="none" normalizeH="0" baseline="0" dirty="0" smtClean="0">
-                <a:ln>
-                  <a:noFill/>
-                </a:ln>
-                <a:solidFill>
-                  <a:schemeClr val="tx1"/>
-                </a:solidFill>
-                <a:effectLst/>
-                <a:latin typeface="Arial" charset="0"/>
-              </a:rPr>
-              <a:t> are allocated by Dropbox</a:t>
-            </a:r>
-            <a:r>
-              <a:rPr kumimoji="0" lang="en-GB" sz="1100" b="0" i="0" u="none" strike="noStrike" cap="none" normalizeH="0" dirty="0" smtClean="0">
-                <a:ln>
-                  <a:noFill/>
-                </a:ln>
-                <a:solidFill>
-                  <a:schemeClr val="tx1"/>
-                </a:solidFill>
-                <a:effectLst/>
-                <a:latin typeface="Arial" charset="0"/>
-              </a:rPr>
-              <a:t> at registration time</a:t>
-            </a:r>
-            <a:endParaRPr kumimoji="0" lang="en-GB" sz="1100" b="1" i="0" u="none" strike="noStrike" cap="none" normalizeH="0" baseline="0" dirty="0" smtClean="0">
-              <a:ln>
-                <a:noFill/>
-              </a:ln>
-              <a:solidFill>
-                <a:schemeClr val="tx1"/>
-              </a:solidFill>
-              <a:effectLst/>
-              <a:latin typeface="Arial" charset="0"/>
-            </a:endParaRPr>
-          </a:p>
-        </p:txBody>
-      </p:sp>
-      <p:sp>
-        <p:nvSpPr>
-          <p:cNvPr id="9" name="Line Callout 1 8"/>
-          <p:cNvSpPr/>
-          <p:nvPr/>
-        </p:nvSpPr>
-        <p:spPr bwMode="auto">
-          <a:xfrm>
-            <a:off x="6946900" y="4927600"/>
-            <a:ext cx="1917700" cy="938719"/>
-          </a:xfrm>
-          <a:prstGeom prst="borderCallout1">
-            <a:avLst>
-              <a:gd name="adj1" fmla="val 18750"/>
-              <a:gd name="adj2" fmla="val -8333"/>
-              <a:gd name="adj3" fmla="val 84054"/>
-              <a:gd name="adj4" fmla="val -117804"/>
-            </a:avLst>
-          </a:prstGeom>
-          <a:solidFill>
-            <a:srgbClr val="FFFF00"/>
-          </a:solidFill>
-          <a:ln w="31750" cap="flat" cmpd="sng" algn="ctr">
-            <a:solidFill>
-              <a:schemeClr val="bg2">
-                <a:lumMod val="50000"/>
-              </a:schemeClr>
-            </a:solidFill>
-            <a:prstDash val="solid"/>
-            <a:round/>
-            <a:headEnd type="none" w="med" len="med"/>
-            <a:tailEnd type="triangle" w="lg" len="lg"/>
-          </a:ln>
-          <a:effectLst/>
-        </p:spPr>
-        <p:txBody>
-          <a:bodyPr vert="horz" wrap="square" lIns="91440" tIns="45720" rIns="91440" bIns="45720" numCol="1" rtlCol="0" anchor="t" anchorCtr="0" compatLnSpc="1">
-            <a:prstTxWarp prst="textNoShape">
-              <a:avLst/>
-            </a:prstTxWarp>
-            <a:spAutoFit/>
-          </a:bodyPr>
-          <a:lstStyle/>
-          <a:p>
-            <a:pPr marL="0" marR="0" indent="0" algn="l" defTabSz="914400" rtl="0" eaLnBrk="0" fontAlgn="base" latinLnBrk="0" hangingPunct="0">
-              <a:lnSpc>
-                <a:spcPct val="100000"/>
-              </a:lnSpc>
-              <a:spcBef>
-                <a:spcPct val="0"/>
-              </a:spcBef>
-              <a:spcAft>
-                <a:spcPct val="0"/>
-              </a:spcAft>
-              <a:buClrTx/>
-              <a:buSzTx/>
-              <a:buFontTx/>
-              <a:buNone/>
-              <a:tabLst/>
-            </a:pPr>
-            <a:r>
-              <a:rPr kumimoji="0" lang="en-GB" sz="1100" b="0" i="0" u="none" strike="noStrike" cap="none" normalizeH="0" baseline="0" dirty="0" smtClean="0">
-                <a:ln>
-                  <a:noFill/>
-                </a:ln>
-                <a:solidFill>
-                  <a:schemeClr val="tx1"/>
-                </a:solidFill>
-                <a:effectLst/>
-                <a:latin typeface="Arial" charset="0"/>
-              </a:rPr>
-              <a:t>The app owner enters one or more </a:t>
-            </a:r>
-            <a:r>
-              <a:rPr kumimoji="0" lang="en-GB" sz="1100" b="1" i="0" u="none" strike="noStrike" cap="none" normalizeH="0" baseline="0" dirty="0" smtClean="0">
-                <a:ln>
-                  <a:noFill/>
-                </a:ln>
-                <a:solidFill>
-                  <a:schemeClr val="tx1"/>
-                </a:solidFill>
-                <a:effectLst/>
-                <a:latin typeface="Arial" charset="0"/>
-              </a:rPr>
-              <a:t>redirect URIs</a:t>
-            </a:r>
-            <a:br>
-              <a:rPr kumimoji="0" lang="en-GB" sz="1100" b="1" i="0" u="none" strike="noStrike" cap="none" normalizeH="0" baseline="0" dirty="0" smtClean="0">
-                <a:ln>
-                  <a:noFill/>
-                </a:ln>
-                <a:solidFill>
-                  <a:schemeClr val="tx1"/>
-                </a:solidFill>
-                <a:effectLst/>
-                <a:latin typeface="Arial" charset="0"/>
-              </a:rPr>
-            </a:br>
-            <a:r>
-              <a:rPr kumimoji="0" lang="en-GB" sz="1100" b="1" i="0" u="none" strike="noStrike" cap="none" normalizeH="0" baseline="0" dirty="0" smtClean="0">
-                <a:ln>
-                  <a:noFill/>
-                </a:ln>
-                <a:solidFill>
-                  <a:schemeClr val="tx1"/>
-                </a:solidFill>
-                <a:effectLst/>
-                <a:latin typeface="Arial" charset="0"/>
-              </a:rPr>
-              <a:t>t</a:t>
-            </a:r>
-            <a:r>
-              <a:rPr kumimoji="0" lang="en-GB" sz="1100" b="0" i="0" u="none" strike="noStrike" cap="none" normalizeH="0" baseline="0" dirty="0" smtClean="0">
-                <a:ln>
-                  <a:noFill/>
-                </a:ln>
-                <a:solidFill>
-                  <a:schemeClr val="tx1"/>
-                </a:solidFill>
-                <a:effectLst/>
-                <a:latin typeface="Arial" charset="0"/>
-              </a:rPr>
-              <a:t>he client can only redirect to one of these in the “finish”</a:t>
-            </a:r>
-            <a:r>
-              <a:rPr kumimoji="0" lang="en-GB" sz="1100" b="0" i="0" u="none" strike="noStrike" cap="none" normalizeH="0" dirty="0" smtClean="0">
-                <a:ln>
-                  <a:noFill/>
-                </a:ln>
-                <a:solidFill>
-                  <a:schemeClr val="tx1"/>
-                </a:solidFill>
-                <a:effectLst/>
-                <a:latin typeface="Arial" charset="0"/>
-              </a:rPr>
-              <a:t> </a:t>
-            </a:r>
-            <a:r>
-              <a:rPr kumimoji="0" lang="en-GB" sz="1100" b="0" i="0" u="none" strike="noStrike" cap="none" normalizeH="0" baseline="0" dirty="0" smtClean="0">
-                <a:ln>
-                  <a:noFill/>
-                </a:ln>
-                <a:solidFill>
-                  <a:schemeClr val="tx1"/>
-                </a:solidFill>
-                <a:effectLst/>
-                <a:latin typeface="Arial" charset="0"/>
-              </a:rPr>
-              <a:t>step of authorisation</a:t>
-            </a:r>
-            <a:endParaRPr kumimoji="0" lang="en-GB" sz="1100" b="1" i="0" u="none" strike="noStrike" cap="none" normalizeH="0" baseline="0" dirty="0" smtClean="0">
-              <a:ln>
-                <a:noFill/>
-              </a:ln>
-              <a:solidFill>
-                <a:schemeClr val="tx1"/>
-              </a:solidFill>
-              <a:effectLst/>
-              <a:latin typeface="Arial" charset="0"/>
-            </a:endParaRPr>
-          </a:p>
-        </p:txBody>
-      </p:sp>
-      <p:sp>
-        <p:nvSpPr>
-          <p:cNvPr id="10" name="Line Callout 1 9"/>
-          <p:cNvSpPr/>
-          <p:nvPr/>
-        </p:nvSpPr>
-        <p:spPr bwMode="auto">
-          <a:xfrm>
-            <a:off x="6946900" y="1877547"/>
-            <a:ext cx="1917700" cy="430887"/>
-          </a:xfrm>
-          <a:prstGeom prst="borderCallout1">
-            <a:avLst>
-              <a:gd name="adj1" fmla="val 18750"/>
-              <a:gd name="adj2" fmla="val -8333"/>
-              <a:gd name="adj3" fmla="val 35792"/>
-              <a:gd name="adj4" fmla="val -223102"/>
-            </a:avLst>
-          </a:prstGeom>
-          <a:solidFill>
-            <a:srgbClr val="FFFF00"/>
-          </a:solidFill>
-          <a:ln w="31750" cap="flat" cmpd="sng" algn="ctr">
-            <a:solidFill>
-              <a:schemeClr val="bg2">
-                <a:lumMod val="50000"/>
-              </a:schemeClr>
-            </a:solidFill>
-            <a:prstDash val="solid"/>
-            <a:round/>
-            <a:headEnd type="none" w="med" len="med"/>
-            <a:tailEnd type="triangle" w="lg" len="lg"/>
-          </a:ln>
-          <a:effectLst/>
-        </p:spPr>
-        <p:txBody>
-          <a:bodyPr vert="horz" wrap="square" lIns="91440" tIns="45720" rIns="91440" bIns="45720" numCol="1" rtlCol="0" anchor="t" anchorCtr="0" compatLnSpc="1">
-            <a:prstTxWarp prst="textNoShape">
-              <a:avLst/>
-            </a:prstTxWarp>
-            <a:spAutoFit/>
-          </a:bodyPr>
-          <a:lstStyle/>
-          <a:p>
-            <a:pPr marL="0" marR="0" indent="0" algn="l" defTabSz="914400" rtl="0" eaLnBrk="0" fontAlgn="base" latinLnBrk="0" hangingPunct="0">
-              <a:lnSpc>
-                <a:spcPct val="100000"/>
-              </a:lnSpc>
-              <a:spcBef>
-                <a:spcPct val="0"/>
-              </a:spcBef>
-              <a:spcAft>
-                <a:spcPct val="0"/>
-              </a:spcAft>
-              <a:buClrTx/>
-              <a:buSzTx/>
-              <a:buFontTx/>
-              <a:buNone/>
-              <a:tabLst/>
-            </a:pPr>
-            <a:r>
-              <a:rPr kumimoji="0" lang="en-GB" sz="1100" b="0" i="0" u="none" strike="noStrike" cap="none" normalizeH="0" baseline="0" dirty="0" smtClean="0">
-                <a:ln>
-                  <a:noFill/>
-                </a:ln>
-                <a:solidFill>
-                  <a:schemeClr val="tx1"/>
-                </a:solidFill>
-                <a:effectLst/>
-                <a:latin typeface="Arial" charset="0"/>
-              </a:rPr>
-              <a:t>The </a:t>
-            </a:r>
-            <a:r>
-              <a:rPr lang="en-GB" sz="1100" dirty="0" smtClean="0"/>
-              <a:t>Dropbox app is called </a:t>
-            </a:r>
-            <a:r>
-              <a:rPr kumimoji="0" lang="en-GB" sz="1100" b="1" i="0" u="none" strike="noStrike" cap="none" normalizeH="0" baseline="0" dirty="0" smtClean="0">
-                <a:ln>
-                  <a:noFill/>
-                </a:ln>
-                <a:solidFill>
-                  <a:schemeClr val="tx1"/>
-                </a:solidFill>
-                <a:effectLst/>
-                <a:latin typeface="Arial" charset="0"/>
-              </a:rPr>
-              <a:t>BCS SPA 2014</a:t>
-            </a:r>
-          </a:p>
-        </p:txBody>
-      </p:sp>
-    </p:spTree>
-    <p:extLst>
-      <p:ext uri="{BB962C8B-B14F-4D97-AF65-F5344CB8AC3E}">
-        <p14:creationId xmlns:p14="http://schemas.microsoft.com/office/powerpoint/2010/main" val="3683282966"/>
-      </p:ext>
-    </p:extLst>
-  </p:cSld>
-  <p:clrMapOvr>
-    <a:masterClrMapping/>
-  </p:clrMapOvr>
-  <p:timing>
-    <p:tnLst>
-      <p:par>
-        <p:cTn xmlns:p14="http://schemas.microsoft.com/office/powerpoint/2010/main" id="1" dur="indefinite" restart="never" nodeType="tmRoot"/>
-      </p:par>
-    </p:tnLst>
-  </p:timing>
-</p:sld>
-</file>
-
 <file path=ppt/slides/slide15.xml><?xml version="1.0" encoding="utf-8"?>
 <p:sld xmlns:a="http://schemas.openxmlformats.org/drawingml/2006/main" xmlns:r="http://schemas.openxmlformats.org/officeDocument/2006/relationships" xmlns:p="http://schemas.openxmlformats.org/presentationml/2006/main">
   <p:cSld>
@@ -12371,12 +12366,20 @@
               <a:t>The </a:t>
             </a:r>
             <a:r>
+              <a:rPr lang="en-US" sz="2000" dirty="0" smtClean="0">
+                <a:latin typeface="Calibri" charset="0"/>
+                <a:ea typeface="ＭＳ Ｐゴシック" charset="0"/>
+                <a:cs typeface="ＭＳ Ｐゴシック" charset="0"/>
+              </a:rPr>
+              <a:t>exercise has </a:t>
+            </a:r>
+            <a:r>
               <a:rPr lang="en-US" sz="2000" dirty="0">
                 <a:latin typeface="Calibri" charset="0"/>
                 <a:ea typeface="ＭＳ Ｐゴシック" charset="0"/>
                 <a:cs typeface="ＭＳ Ｐゴシック" charset="0"/>
               </a:rPr>
-              <a:t>demo has two parts:</a:t>
+              <a:t>two parts:</a:t>
             </a:r>
           </a:p>
           <a:p>
@@ -12619,28 +12622,12 @@
               <a:t>The </a:t>
             </a:r>
             <a:r>
-              <a:rPr lang="en-US" sz="2000" dirty="0">
-                <a:latin typeface="Calibri" charset="0"/>
-                <a:ea typeface="ＭＳ Ｐゴシック" charset="0"/>
-                <a:cs typeface="ＭＳ Ｐゴシック" charset="0"/>
-              </a:rPr>
-              <a:t>demo </a:t>
-            </a:r>
-            <a:r>
               <a:rPr lang="en-US" sz="2000" dirty="0" smtClean="0">
                 <a:latin typeface="Calibri" charset="0"/>
                 <a:ea typeface="ＭＳ Ｐゴシック" charset="0"/>
                 <a:cs typeface="ＭＳ Ｐゴシック" charset="0"/>
               </a:rPr>
-              <a:t>supports both </a:t>
-            </a:r>
-            <a:r>
-              <a:rPr lang="en-US" sz="2000" dirty="0" err="1" smtClean="0">
-                <a:latin typeface="Calibri" charset="0"/>
-                <a:ea typeface="ＭＳ Ｐゴシック" charset="0"/>
-                <a:cs typeface="ＭＳ Ｐゴシック" charset="0"/>
-              </a:rPr>
-              <a:t>Dropbox</a:t>
+              <a:t>exercise supports </a:t>
             </a:r>
             <a:r>
               <a:rPr lang="en-US" sz="2000" dirty="0" smtClean="0">
@@ -12648,7 +12635,7 @@
                 <a:ea typeface="ＭＳ Ｐゴシック" charset="0"/>
                 <a:cs typeface="ＭＳ Ｐゴシック" charset="0"/>
               </a:rPr>
-              <a:t> </a:t>
+              <a:t>both Dropbox </a:t>
             </a:r>
             <a:r>
               <a:rPr lang="en-US" sz="2000" dirty="0" err="1" smtClean="0">
@@ -13101,7 +13088,7 @@
         <p:spPr>
           <a:xfrm>
             <a:off x="457200" y="1466850"/>
-            <a:ext cx="8229600" cy="3539430"/>
+            <a:ext cx="8229600" cy="3847207"/>
           </a:xfrm>
         </p:spPr>
         <p:txBody>
@@ -13172,16 +13159,48 @@
                 <a:ea typeface="ＭＳ Ｐゴシック" charset="0"/>
                 <a:cs typeface="ＭＳ Ｐゴシック" charset="0"/>
               </a:rPr>
-              <a:t> repository (</a:t>
+              <a:t> </a:t>
             </a:r>
             <a:r>
               <a:rPr lang="en-US" sz="2000" dirty="0" smtClean="0">
                 <a:latin typeface="Calibri" charset="0"/>
                 <a:ea typeface="ＭＳ Ｐゴシック" charset="0"/>
                 <a:cs typeface="ＭＳ Ｐゴシック" charset="0"/>
+              </a:rPr>
+              <a:t>repository</a:t>
+            </a:r>
+            <a:br>
+              <a:rPr lang="en-US" sz="2000" dirty="0" smtClean="0">
+                <a:latin typeface="Calibri" charset="0"/>
+                <a:ea typeface="ＭＳ Ｐゴシック" charset="0"/>
+                <a:cs typeface="ＭＳ Ｐゴシック" charset="0"/>
+              </a:rPr>
+            </a:br>
+            <a:r>
+              <a:rPr lang="en-US" sz="2000" dirty="0" smtClean="0">
+                <a:latin typeface="Calibri" charset="0"/>
+                <a:ea typeface="ＭＳ Ｐゴシック" charset="0"/>
+                <a:cs typeface="ＭＳ Ｐゴシック" charset="0"/>
+              </a:rPr>
+              <a:t>(</a:t>
+            </a:r>
+            <a:r>
+              <a:rPr lang="en-US" sz="2000" dirty="0" smtClean="0">
+                <a:latin typeface="Calibri" charset="0"/>
+                <a:ea typeface="ＭＳ Ｐゴシック" charset="0"/>
+                <a:cs typeface="ＭＳ Ｐゴシック" charset="0"/>
                 <a:hlinkClick r:id="rId2"/>
               </a:rPr>
-              <a:t>https://github.com/rozanski/bcs_spa14</a:t>
+              <a:t>https</a:t>
+            </a:r>
+            <a:r>
+              <a:rPr lang="en-US" sz="2000" dirty="0" smtClean="0">
+                <a:latin typeface="Calibri" charset="0"/>
+                <a:ea typeface="ＭＳ Ｐゴシック" charset="0"/>
+                <a:cs typeface="ＭＳ Ｐゴシック" charset="0"/>
+                <a:hlinkClick r:id="rId2"/>
+              </a:rPr>
+              <a:t>://github.com/rozanski/bcs_spa14</a:t>
             </a:r>
             <a:r>
               <a:rPr lang="en-US" sz="2000" dirty="0" smtClean="0">
@@ -13220,7 +13239,23 @@
                 <a:ea typeface="ＭＳ Ｐゴシック" charset="0"/>
                 <a:cs typeface="ＭＳ Ｐゴシック" charset="0"/>
               </a:rPr>
-              <a:t>) or retrieve them using a </a:t>
+              <a:t>) or retrieve </a:t>
+            </a:r>
+            <a:r>
+              <a:rPr lang="en-US" sz="2000" dirty="0" smtClean="0">
+                <a:latin typeface="Calibri" charset="0"/>
+                <a:ea typeface="ＭＳ Ｐゴシック" charset="0"/>
+                <a:cs typeface="ＭＳ Ｐゴシック" charset="0"/>
+              </a:rPr>
+              <a:t>or clone them </a:t>
+            </a:r>
+            <a:r>
+              <a:rPr lang="en-US" sz="2000" dirty="0" smtClean="0">
+                <a:latin typeface="Calibri" charset="0"/>
+                <a:ea typeface="ＭＳ Ｐゴシック" charset="0"/>
+                <a:cs typeface="ＭＳ Ｐゴシック" charset="0"/>
+              </a:rPr>
+              <a:t>using a </a:t>
             </a:r>
             <a:r>
               <a:rPr lang="en-US" sz="2000" dirty="0" err="1" smtClean="0">
@@ -13236,8 +13271,60 @@
                 <a:ea typeface="ＭＳ Ｐゴシック" charset="0"/>
                 <a:cs typeface="ＭＳ Ｐゴシック" charset="0"/>
               </a:rPr>
-              <a:t> tool</a:t>
-            </a:r>
+              <a:t> </a:t>
+            </a:r>
+            <a:r>
+              <a:rPr lang="en-US" sz="2000" dirty="0" smtClean="0">
+                <a:latin typeface="Calibri" charset="0"/>
+                <a:ea typeface="ＭＳ Ｐゴシック" charset="0"/>
+                <a:cs typeface="ＭＳ Ｐゴシック" charset="0"/>
+              </a:rPr>
+              <a:t>tool</a:t>
+            </a:r>
+          </a:p>
+          <a:p>
+            <a:pPr lvl="1" eaLnBrk="1" hangingPunct="1">
+              <a:buClr>
+                <a:schemeClr val="accent2"/>
+              </a:buClr>
+            </a:pPr>
+            <a:r>
+              <a:rPr lang="en-US" sz="2000" dirty="0" smtClean="0">
+                <a:latin typeface="Calibri" charset="0"/>
+                <a:ea typeface="ＭＳ Ｐゴシック" charset="0"/>
+                <a:cs typeface="ＭＳ Ｐゴシック" charset="0"/>
+              </a:rPr>
+              <a:t>The repository includes the the </a:t>
+            </a:r>
+            <a:r>
+              <a:rPr lang="en-US" sz="2000" dirty="0">
+                <a:latin typeface="Calibri" charset="0"/>
+                <a:ea typeface="ＭＳ Ｐゴシック" charset="0"/>
+                <a:cs typeface="ＭＳ Ｐゴシック" charset="0"/>
+              </a:rPr>
+              <a:t>Dropbox Core API software (Python </a:t>
+            </a:r>
+            <a:r>
+              <a:rPr lang="en-US" sz="2000" dirty="0" smtClean="0">
+                <a:latin typeface="Calibri" charset="0"/>
+                <a:ea typeface="ＭＳ Ｐゴシック" charset="0"/>
+                <a:cs typeface="ＭＳ Ｐゴシック" charset="0"/>
+              </a:rPr>
+              <a:t>and </a:t>
+            </a:r>
+            <a:r>
+              <a:rPr lang="en-US" sz="2000" dirty="0">
+                <a:latin typeface="Calibri" charset="0"/>
+                <a:ea typeface="ＭＳ Ｐゴシック" charset="0"/>
+                <a:cs typeface="ＭＳ Ｐゴシック" charset="0"/>
+              </a:rPr>
+              <a:t>Java)</a:t>
+            </a:r>
+            <a:endParaRPr lang="en-US" sz="2000" dirty="0" smtClean="0">
+              <a:latin typeface="Calibri" charset="0"/>
+              <a:ea typeface="ＭＳ Ｐゴシック" charset="0"/>
+              <a:cs typeface="ＭＳ Ｐゴシック" charset="0"/>
+            </a:endParaRPr>
           </a:p>
           <a:p>
             <a:pPr marL="457200" indent="-457200" eaLnBrk="1" hangingPunct="1">
@@ -13253,15 +13340,7 @@
                 <a:ea typeface="ＭＳ Ｐゴシック" charset="0"/>
                 <a:cs typeface="ＭＳ Ｐゴシック" charset="0"/>
               </a:rPr>
-              <a:t>Download the </a:t>
-            </a:r>
-            <a:r>
-              <a:rPr lang="en-US" sz="2000" dirty="0" err="1" smtClean="0">
-                <a:latin typeface="Calibri" charset="0"/>
-                <a:ea typeface="ＭＳ Ｐゴシック" charset="0"/>
-                <a:cs typeface="ＭＳ Ｐゴシック" charset="0"/>
-              </a:rPr>
-              <a:t>Dropbox</a:t>
+              <a:t>Follow </a:t>
             </a:r>
             <a:r>
               <a:rPr lang="en-US" sz="2000" dirty="0" smtClean="0">
@@ -13269,7 +13348,7 @@
                 <a:ea typeface="ＭＳ Ｐゴシック" charset="0"/>
                 <a:cs typeface="ＭＳ Ｐゴシック" charset="0"/>
               </a:rPr>
-              <a:t> Core API software (Python or Java)</a:t>
+              <a:t>the other instructions in the project README and the README for your chosen language</a:t>
             </a:r>
           </a:p>
           <a:p>
@@ -13286,7 +13365,7 @@
                 <a:ea typeface="ＭＳ Ｐゴシック" charset="0"/>
                 <a:cs typeface="ＭＳ Ｐゴシック" charset="0"/>
               </a:rPr>
-              <a:t>Follow the other instructions in the project README and the README for your chosen language</a:t>
+              <a:t>Run the unit tests to make sure everything is working</a:t>
             </a:r>
           </a:p>
           <a:p>
@@ -13303,25 +13382,21 @@
                 <a:ea typeface="ＭＳ Ｐゴシック" charset="0"/>
                 <a:cs typeface="ＭＳ Ｐゴシック" charset="0"/>
               </a:rPr>
-              <a:t>Run the unit tests to make sure everything is working</a:t>
-            </a:r>
-          </a:p>
-          <a:p>
-            <a:pPr marL="457200" indent="-457200" eaLnBrk="1" hangingPunct="1">
-              <a:buClr>
-                <a:schemeClr val="accent2"/>
-              </a:buClr>
-              <a:buFont typeface="+mj-lt"/>
-              <a:buAutoNum type="arabicPeriod"/>
-            </a:pPr>
+              <a:t>You are ready to start coding</a:t>
+            </a:r>
             <a:r>
               <a:rPr lang="en-US" sz="2000" dirty="0" smtClean="0">
                 <a:latin typeface="Calibri" charset="0"/>
                 <a:ea typeface="ＭＳ Ｐゴシック" charset="0"/>
                 <a:cs typeface="ＭＳ Ｐゴシック" charset="0"/>
               </a:rPr>
-              <a:t>You are ready to start coding!</a:t>
-            </a:r>
+              <a:t>!</a:t>
+            </a:r>
+            <a:endParaRPr lang="en-US" sz="2000" dirty="0" smtClean="0">
+              <a:latin typeface="Calibri" charset="0"/>
+              <a:ea typeface="ＭＳ Ｐゴシック" charset="0"/>
+              <a:cs typeface="ＭＳ Ｐゴシック" charset="0"/>
+            </a:endParaRPr>
           </a:p>
         </p:txBody>
       </p:sp>
@@ -13655,7 +13730,23 @@
                 <a:ea typeface="ＭＳ Ｐゴシック" charset="0"/>
                 <a:cs typeface="ＭＳ Ｐゴシック" charset="0"/>
               </a:rPr>
-              <a:t>The demo code should run on Windows, Mac and Linux</a:t>
+              <a:t>The demo code </a:t>
+            </a:r>
+            <a:r>
+              <a:rPr lang="en-US" sz="2000" dirty="0" smtClean="0">
+                <a:latin typeface="Calibri" charset="0"/>
+                <a:ea typeface="ＭＳ Ｐゴシック" charset="0"/>
+                <a:cs typeface="ＭＳ Ｐゴシック" charset="0"/>
+              </a:rPr>
+              <a:t>runs </a:t>
+            </a:r>
+            <a:r>
+              <a:rPr lang="en-US" sz="2000" dirty="0" smtClean="0">
+                <a:latin typeface="Calibri" charset="0"/>
+                <a:ea typeface="ＭＳ Ｐゴシック" charset="0"/>
+                <a:cs typeface="ＭＳ Ｐゴシック" charset="0"/>
+              </a:rPr>
+              <a:t>on Windows, Mac and Linux</a:t>
             </a:r>
           </a:p>
           <a:p>
@@ -13731,7 +13822,23 @@
                 <a:ea typeface="ＭＳ Ｐゴシック" charset="0"/>
                 <a:cs typeface="ＭＳ Ｐゴシック" charset="0"/>
               </a:rPr>
-              <a:t>The exercise code contains comments which guide you to the various API calls you need to make</a:t>
+              <a:t>The exercise code contains </a:t>
+            </a:r>
+            <a:r>
+              <a:rPr lang="en-US" sz="2000" dirty="0" smtClean="0">
+                <a:latin typeface="Calibri" charset="0"/>
+                <a:ea typeface="ＭＳ Ｐゴシック" charset="0"/>
+                <a:cs typeface="ＭＳ Ｐゴシック" charset="0"/>
+              </a:rPr>
+              <a:t>comments </a:t>
+            </a:r>
+            <a:r>
+              <a:rPr lang="en-US" sz="2000" dirty="0" smtClean="0">
+                <a:latin typeface="Calibri" charset="0"/>
+                <a:ea typeface="ＭＳ Ｐゴシック" charset="0"/>
+                <a:cs typeface="ＭＳ Ｐゴシック" charset="0"/>
+              </a:rPr>
+              <a:t>which guide you to the various API calls you need to make</a:t>
             </a:r>
           </a:p>
           <a:p>
@@ -13956,7 +14063,785 @@
       </p:grpSpPr>
       <p:sp>
         <p:nvSpPr>
-          <p:cNvPr id="2050" name="Text Box 4"/>
+          <p:cNvPr id="2" name="Rectangle 1"/>
+          <p:cNvSpPr/>
+          <p:nvPr/>
+        </p:nvSpPr>
+        <p:spPr>
+          <a:xfrm>
+            <a:off x="292100" y="1714500"/>
+            <a:ext cx="8559800" cy="4801313"/>
+          </a:xfrm>
+          <a:prstGeom prst="rect">
+            <a:avLst/>
+          </a:prstGeom>
+        </p:spPr>
+        <p:txBody>
+          <a:bodyPr wrap="square">
+            <a:spAutoFit/>
+          </a:bodyPr>
+          <a:lstStyle/>
+          <a:p>
+            <a:r>
+              <a:rPr lang="en-GB" sz="1400" b="1" dirty="0" err="1" smtClean="0"/>
+              <a:t>DropboxWorkflowNoRedirect.java</a:t>
+            </a:r>
+            <a:endParaRPr lang="en-GB" sz="1400" dirty="0" smtClean="0">
+              <a:latin typeface="Courier New"/>
+              <a:cs typeface="Courier New"/>
+            </a:endParaRPr>
+          </a:p>
+          <a:p>
+            <a:endParaRPr lang="en-GB" sz="1200" dirty="0">
+              <a:latin typeface="Courier New"/>
+              <a:cs typeface="Courier New"/>
+            </a:endParaRPr>
+          </a:p>
+          <a:p>
+            <a:r>
+              <a:rPr lang="en-GB" sz="1200" dirty="0" smtClean="0">
+                <a:latin typeface="Courier New"/>
+                <a:cs typeface="Courier New"/>
+              </a:rPr>
+              <a:t>public </a:t>
+            </a:r>
+            <a:r>
+              <a:rPr lang="en-GB" sz="1200" dirty="0">
+                <a:latin typeface="Courier New"/>
+                <a:cs typeface="Courier New"/>
+              </a:rPr>
+              <a:t>static </a:t>
+            </a:r>
+            <a:r>
+              <a:rPr lang="en-GB" sz="1200" dirty="0" err="1">
+                <a:latin typeface="Courier New"/>
+                <a:cs typeface="Courier New"/>
+              </a:rPr>
+              <a:t>DropboxStatus</a:t>
+            </a:r>
+            <a:r>
+              <a:rPr lang="en-GB" sz="1200" dirty="0">
+                <a:latin typeface="Courier New"/>
+                <a:cs typeface="Courier New"/>
+              </a:rPr>
+              <a:t> </a:t>
+            </a:r>
+            <a:r>
+              <a:rPr lang="en-GB" sz="1200" dirty="0" err="1">
+                <a:latin typeface="Courier New"/>
+                <a:cs typeface="Courier New"/>
+              </a:rPr>
+              <a:t>noRedirectClientStart</a:t>
+            </a:r>
+            <a:r>
+              <a:rPr lang="en-GB" sz="1200" dirty="0">
+                <a:latin typeface="Courier New"/>
+                <a:cs typeface="Courier New"/>
+              </a:rPr>
+              <a:t>() {</a:t>
+            </a:r>
+          </a:p>
+          <a:p>
+            <a:r>
+              <a:rPr lang="en-GB" sz="1200" dirty="0" smtClean="0">
+                <a:latin typeface="Courier New"/>
+                <a:cs typeface="Courier New"/>
+              </a:rPr>
+              <a:t>	</a:t>
+            </a:r>
+            <a:r>
+              <a:rPr lang="en-GB" sz="1200" dirty="0" err="1" smtClean="0">
+                <a:latin typeface="Courier New"/>
+                <a:cs typeface="Courier New"/>
+              </a:rPr>
+              <a:t>ConsoleLogger.debug</a:t>
+            </a:r>
+            <a:r>
+              <a:rPr lang="en-GB" sz="1200" dirty="0">
+                <a:latin typeface="Courier New"/>
+                <a:cs typeface="Courier New"/>
+              </a:rPr>
+              <a:t>("starting Dropbox authorisation (no-redirect mode)");</a:t>
+            </a:r>
+          </a:p>
+          <a:p>
+            <a:r>
+              <a:rPr lang="en-GB" sz="1200" dirty="0" smtClean="0">
+                <a:latin typeface="Courier New"/>
+                <a:cs typeface="Courier New"/>
+              </a:rPr>
+              <a:t>	</a:t>
+            </a:r>
+            <a:r>
+              <a:rPr lang="en-GB" sz="1200" dirty="0" err="1" smtClean="0">
+                <a:latin typeface="Courier New"/>
+                <a:cs typeface="Courier New"/>
+              </a:rPr>
+              <a:t>ConsoleLogger.debug</a:t>
+            </a:r>
+            <a:r>
+              <a:rPr lang="en-GB" sz="1200" dirty="0">
+                <a:latin typeface="Courier New"/>
+                <a:cs typeface="Courier New"/>
+              </a:rPr>
+              <a:t>("creating </a:t>
+            </a:r>
+            <a:r>
+              <a:rPr lang="en-GB" sz="1200" dirty="0" err="1">
+                <a:latin typeface="Courier New"/>
+                <a:cs typeface="Courier New"/>
+              </a:rPr>
+              <a:t>DbxWebAuthNoRedirect</a:t>
+            </a:r>
+            <a:r>
+              <a:rPr lang="en-GB" sz="1200" dirty="0">
+                <a:latin typeface="Courier New"/>
+                <a:cs typeface="Courier New"/>
+              </a:rPr>
+              <a:t> client for app %s with key %s and secret %s",</a:t>
+            </a:r>
+          </a:p>
+          <a:p>
+            <a:r>
+              <a:rPr lang="en-GB" sz="1200" dirty="0" smtClean="0">
+                <a:latin typeface="Courier New"/>
+                <a:cs typeface="Courier New"/>
+              </a:rPr>
+              <a:t>	</a:t>
+            </a:r>
+            <a:r>
+              <a:rPr lang="en-GB" sz="1200" dirty="0" err="1" smtClean="0">
+                <a:latin typeface="Courier New"/>
+                <a:cs typeface="Courier New"/>
+              </a:rPr>
+              <a:t>AppData.APP_NAME</a:t>
+            </a:r>
+            <a:r>
+              <a:rPr lang="en-GB" sz="1200" dirty="0">
+                <a:latin typeface="Courier New"/>
+                <a:cs typeface="Courier New"/>
+              </a:rPr>
+              <a:t>, </a:t>
+            </a:r>
+            <a:r>
+              <a:rPr lang="en-GB" sz="1200" dirty="0" err="1">
+                <a:latin typeface="Courier New"/>
+                <a:cs typeface="Courier New"/>
+              </a:rPr>
+              <a:t>AppData.APP_KEY</a:t>
+            </a:r>
+            <a:r>
+              <a:rPr lang="en-GB" sz="1200" dirty="0">
+                <a:latin typeface="Courier New"/>
+                <a:cs typeface="Courier New"/>
+              </a:rPr>
+              <a:t>, </a:t>
+            </a:r>
+            <a:r>
+              <a:rPr lang="en-GB" sz="1200" dirty="0" err="1">
+                <a:latin typeface="Courier New"/>
+                <a:cs typeface="Courier New"/>
+              </a:rPr>
+              <a:t>AppData.APP_SECRET</a:t>
+            </a:r>
+            <a:r>
+              <a:rPr lang="en-GB" sz="1200" dirty="0">
+                <a:latin typeface="Courier New"/>
+                <a:cs typeface="Courier New"/>
+              </a:rPr>
+              <a:t>);</a:t>
+            </a:r>
+          </a:p>
+          <a:p>
+            <a:endParaRPr lang="en-GB" sz="1200" dirty="0" smtClean="0">
+              <a:latin typeface="Courier New"/>
+              <a:cs typeface="Courier New"/>
+            </a:endParaRPr>
+          </a:p>
+          <a:p>
+            <a:pPr lvl="1"/>
+            <a:r>
+              <a:rPr lang="en-GB" sz="1200" b="1" i="1" dirty="0" smtClean="0">
+                <a:latin typeface="Courier New"/>
+                <a:cs typeface="Courier New"/>
+              </a:rPr>
+              <a:t>/</a:t>
+            </a:r>
+            <a:r>
+              <a:rPr lang="en-GB" sz="1200" b="1" i="1" dirty="0">
+                <a:latin typeface="Courier New"/>
+                <a:cs typeface="Courier New"/>
+              </a:rPr>
+              <a:t>/ EXERCISE:</a:t>
+            </a:r>
+          </a:p>
+          <a:p>
+            <a:r>
+              <a:rPr lang="en-GB" sz="1200" b="1" i="1" dirty="0" smtClean="0">
+                <a:latin typeface="Courier New"/>
+                <a:cs typeface="Courier New"/>
+              </a:rPr>
+              <a:t>	/</a:t>
+            </a:r>
+            <a:r>
+              <a:rPr lang="en-GB" sz="1200" b="1" i="1" dirty="0">
+                <a:latin typeface="Courier New"/>
+                <a:cs typeface="Courier New"/>
+              </a:rPr>
+              <a:t>/ - create a Dropbox no-redirect client object with which to execute the Dropbox no-redirect workflow</a:t>
+            </a:r>
+          </a:p>
+          <a:p>
+            <a:r>
+              <a:rPr lang="en-GB" sz="1200" b="1" i="1" dirty="0" smtClean="0">
+                <a:latin typeface="Courier New"/>
+                <a:cs typeface="Courier New"/>
+              </a:rPr>
+              <a:t>	/</a:t>
+            </a:r>
+            <a:r>
+              <a:rPr lang="en-GB" sz="1200" b="1" i="1" dirty="0">
+                <a:latin typeface="Courier New"/>
+                <a:cs typeface="Courier New"/>
+              </a:rPr>
+              <a:t>/   hint: class is </a:t>
+            </a:r>
+            <a:r>
+              <a:rPr lang="en-GB" sz="1200" b="1" i="1" dirty="0" err="1">
+                <a:latin typeface="Courier New"/>
+                <a:cs typeface="Courier New"/>
+              </a:rPr>
+              <a:t>DbxWebAuthNoRedirect</a:t>
+            </a:r>
+            <a:r>
+              <a:rPr lang="en-GB" sz="1200" b="1" i="1" dirty="0">
+                <a:latin typeface="Courier New"/>
+                <a:cs typeface="Courier New"/>
+              </a:rPr>
+              <a:t>()</a:t>
+            </a:r>
+          </a:p>
+          <a:p>
+            <a:r>
+              <a:rPr lang="en-GB" sz="1200" b="1" i="1" dirty="0" smtClean="0">
+                <a:latin typeface="Courier New"/>
+                <a:cs typeface="Courier New"/>
+              </a:rPr>
+              <a:t>	/</a:t>
+            </a:r>
+            <a:r>
+              <a:rPr lang="en-GB" sz="1200" b="1" i="1" dirty="0">
+                <a:latin typeface="Courier New"/>
+                <a:cs typeface="Courier New"/>
+              </a:rPr>
+              <a:t>/ - this needs to be supplied with the app information</a:t>
+            </a:r>
+          </a:p>
+          <a:p>
+            <a:r>
+              <a:rPr lang="en-US" sz="1200" b="1" i="1" dirty="0" smtClean="0">
+                <a:latin typeface="Courier New"/>
+                <a:cs typeface="Courier New"/>
+              </a:rPr>
+              <a:t>	/</a:t>
+            </a:r>
+            <a:r>
+              <a:rPr lang="en-US" sz="1200" b="1" i="1" dirty="0">
+                <a:latin typeface="Courier New"/>
+                <a:cs typeface="Courier New"/>
+              </a:rPr>
+              <a:t>/   hint: get this from </a:t>
+            </a:r>
+            <a:r>
+              <a:rPr lang="en-US" sz="1200" b="1" i="1" dirty="0" err="1">
+                <a:latin typeface="Courier New"/>
+                <a:cs typeface="Courier New"/>
+              </a:rPr>
+              <a:t>AppData</a:t>
+            </a:r>
+            <a:r>
+              <a:rPr lang="en-US" sz="1200" b="1" i="1" dirty="0">
+                <a:latin typeface="Courier New"/>
+                <a:cs typeface="Courier New"/>
+              </a:rPr>
+              <a:t>()</a:t>
+            </a:r>
+          </a:p>
+          <a:p>
+            <a:r>
+              <a:rPr lang="en-US" sz="1200" b="1" i="1" dirty="0">
+                <a:latin typeface="Courier New"/>
+                <a:cs typeface="Courier New"/>
+              </a:rPr>
+              <a:t> </a:t>
+            </a:r>
+            <a:r>
+              <a:rPr lang="en-US" sz="1200" b="1" i="1" dirty="0" smtClean="0">
+                <a:latin typeface="Courier New"/>
+                <a:cs typeface="Courier New"/>
+              </a:rPr>
+              <a:t>	/</a:t>
+            </a:r>
+            <a:r>
+              <a:rPr lang="en-US" sz="1200" b="1" i="1" dirty="0">
+                <a:latin typeface="Courier New"/>
+                <a:cs typeface="Courier New"/>
+              </a:rPr>
+              <a:t>/ - it also needs to be supplied with a Dropbox </a:t>
+            </a:r>
+            <a:r>
+              <a:rPr lang="en-US" sz="1200" b="1" i="1" dirty="0" err="1">
+                <a:latin typeface="Courier New"/>
+                <a:cs typeface="Courier New"/>
+              </a:rPr>
+              <a:t>DbxRequestConfig</a:t>
+            </a:r>
+            <a:r>
+              <a:rPr lang="en-US" sz="1200" b="1" i="1" dirty="0">
+                <a:latin typeface="Courier New"/>
+                <a:cs typeface="Courier New"/>
+              </a:rPr>
+              <a:t>() object</a:t>
+            </a:r>
+          </a:p>
+          <a:p>
+            <a:r>
+              <a:rPr lang="en-US" sz="1200" b="1" i="1" dirty="0" smtClean="0">
+                <a:latin typeface="Courier New"/>
+                <a:cs typeface="Courier New"/>
+              </a:rPr>
+              <a:t>	/</a:t>
+            </a:r>
+            <a:r>
+              <a:rPr lang="en-US" sz="1200" b="1" i="1" dirty="0">
+                <a:latin typeface="Courier New"/>
+                <a:cs typeface="Courier New"/>
+              </a:rPr>
+              <a:t>/   hint: use the app name/version from </a:t>
+            </a:r>
+            <a:r>
+              <a:rPr lang="en-US" sz="1200" b="1" i="1" dirty="0" err="1">
+                <a:latin typeface="Courier New"/>
+                <a:cs typeface="Courier New"/>
+              </a:rPr>
+              <a:t>AppData</a:t>
+            </a:r>
+            <a:r>
+              <a:rPr lang="en-US" sz="1200" b="1" i="1" dirty="0">
+                <a:latin typeface="Courier New"/>
+                <a:cs typeface="Courier New"/>
+              </a:rPr>
+              <a:t> and the default Locale</a:t>
+            </a:r>
+          </a:p>
+          <a:p>
+            <a:r>
+              <a:rPr lang="en-US" sz="1200" b="1" i="1" dirty="0">
+                <a:latin typeface="Courier New"/>
+                <a:cs typeface="Courier New"/>
+              </a:rPr>
+              <a:t> </a:t>
+            </a:r>
+            <a:r>
+              <a:rPr lang="en-US" sz="1200" b="1" i="1" dirty="0" smtClean="0">
+                <a:latin typeface="Courier New"/>
+                <a:cs typeface="Courier New"/>
+              </a:rPr>
+              <a:t>	/</a:t>
+            </a:r>
+            <a:r>
+              <a:rPr lang="en-US" sz="1200" b="1" i="1" dirty="0">
+                <a:latin typeface="Courier New"/>
+                <a:cs typeface="Courier New"/>
+              </a:rPr>
+              <a:t>/ - call start() to start the no-redirect workflow</a:t>
+            </a:r>
+          </a:p>
+          <a:p>
+            <a:pPr lvl="1"/>
+            <a:r>
+              <a:rPr lang="en-US" sz="1200" b="1" i="1" dirty="0" smtClean="0">
+                <a:latin typeface="Courier New"/>
+                <a:cs typeface="Courier New"/>
+              </a:rPr>
+              <a:t>/</a:t>
+            </a:r>
+            <a:r>
+              <a:rPr lang="en-US" sz="1200" b="1" i="1" dirty="0">
+                <a:latin typeface="Courier New"/>
+                <a:cs typeface="Courier New"/>
+              </a:rPr>
+              <a:t>/   @</a:t>
+            </a:r>
+            <a:r>
+              <a:rPr lang="en-US" sz="1200" b="1" i="1" dirty="0" smtClean="0">
+                <a:latin typeface="Courier New"/>
+                <a:cs typeface="Courier New"/>
+              </a:rPr>
+              <a:t>see http</a:t>
+            </a:r>
+            <a:r>
+              <a:rPr lang="en-US" sz="1200" b="1" i="1" dirty="0">
+                <a:latin typeface="Courier New"/>
+                <a:cs typeface="Courier New"/>
+              </a:rPr>
+              <a:t>://</a:t>
+            </a:r>
+            <a:r>
+              <a:rPr lang="en-US" sz="1200" b="1" i="1" dirty="0" err="1">
+                <a:latin typeface="Courier New"/>
+                <a:cs typeface="Courier New"/>
+              </a:rPr>
+              <a:t>dropbox.github.io</a:t>
+            </a:r>
+            <a:r>
+              <a:rPr lang="en-US" sz="1200" b="1" i="1" dirty="0">
+                <a:latin typeface="Courier New"/>
+                <a:cs typeface="Courier New"/>
+              </a:rPr>
+              <a:t>/</a:t>
+            </a:r>
+            <a:r>
+              <a:rPr lang="en-US" sz="1200" b="1" i="1" dirty="0" err="1">
+                <a:latin typeface="Courier New"/>
+                <a:cs typeface="Courier New"/>
+              </a:rPr>
+              <a:t>dropbox</a:t>
+            </a:r>
+            <a:r>
+              <a:rPr lang="en-US" sz="1200" b="1" i="1" dirty="0">
+                <a:latin typeface="Courier New"/>
+                <a:cs typeface="Courier New"/>
+              </a:rPr>
+              <a:t>-</a:t>
+            </a:r>
+            <a:r>
+              <a:rPr lang="en-US" sz="1200" b="1" i="1" dirty="0" err="1">
+                <a:latin typeface="Courier New"/>
+                <a:cs typeface="Courier New"/>
+              </a:rPr>
+              <a:t>sdk</a:t>
+            </a:r>
+            <a:r>
+              <a:rPr lang="en-US" sz="1200" b="1" i="1" dirty="0">
+                <a:latin typeface="Courier New"/>
+                <a:cs typeface="Courier New"/>
+              </a:rPr>
+              <a:t>-java/</a:t>
+            </a:r>
+            <a:r>
+              <a:rPr lang="en-US" sz="1200" b="1" i="1" dirty="0" err="1">
+                <a:latin typeface="Courier New"/>
+                <a:cs typeface="Courier New"/>
+              </a:rPr>
+              <a:t>api</a:t>
+            </a:r>
+            <a:r>
+              <a:rPr lang="en-US" sz="1200" b="1" i="1" dirty="0">
+                <a:latin typeface="Courier New"/>
+                <a:cs typeface="Courier New"/>
+              </a:rPr>
+              <a:t>-docs/</a:t>
+            </a:r>
+            <a:br>
+              <a:rPr lang="en-US" sz="1200" b="1" i="1" dirty="0">
+                <a:latin typeface="Courier New"/>
+                <a:cs typeface="Courier New"/>
+              </a:rPr>
+            </a:br>
+            <a:r>
+              <a:rPr lang="en-US" sz="1200" b="1" i="1" dirty="0">
+                <a:latin typeface="Courier New"/>
+                <a:cs typeface="Courier New"/>
+              </a:rPr>
+              <a:t>	v1.7.x/com/</a:t>
+            </a:r>
+            <a:r>
+              <a:rPr lang="en-US" sz="1200" b="1" i="1" dirty="0" err="1">
+                <a:latin typeface="Courier New"/>
+                <a:cs typeface="Courier New"/>
+              </a:rPr>
+              <a:t>dropbox</a:t>
+            </a:r>
+            <a:r>
+              <a:rPr lang="en-US" sz="1200" b="1" i="1" dirty="0">
+                <a:latin typeface="Courier New"/>
+                <a:cs typeface="Courier New"/>
+              </a:rPr>
+              <a:t>/core/</a:t>
+            </a:r>
+            <a:r>
+              <a:rPr lang="en-US" sz="1200" b="1" i="1" dirty="0" err="1">
+                <a:latin typeface="Courier New"/>
+                <a:cs typeface="Courier New"/>
+              </a:rPr>
+              <a:t>DbxWebAuthNoRedirect.html</a:t>
+            </a:r>
+            <a:endParaRPr lang="en-US" sz="1200" b="1" i="1" u="sng" dirty="0">
+              <a:latin typeface="Courier New"/>
+              <a:cs typeface="Courier New"/>
+            </a:endParaRPr>
+          </a:p>
+          <a:p>
+            <a:r>
+              <a:rPr lang="en-US" sz="1200" b="1" i="1" dirty="0" smtClean="0">
+                <a:latin typeface="Courier New"/>
+                <a:cs typeface="Courier New"/>
+              </a:rPr>
+              <a:t>	/</a:t>
+            </a:r>
+            <a:r>
+              <a:rPr lang="en-US" sz="1200" b="1" i="1" dirty="0">
+                <a:latin typeface="Courier New"/>
+                <a:cs typeface="Courier New"/>
+              </a:rPr>
+              <a:t>/ - store the </a:t>
+            </a:r>
+            <a:r>
+              <a:rPr lang="en-US" sz="1200" b="1" i="1" dirty="0" err="1">
+                <a:latin typeface="Courier New"/>
+                <a:cs typeface="Courier New"/>
+              </a:rPr>
+              <a:t>authorise</a:t>
+            </a:r>
+            <a:r>
+              <a:rPr lang="en-US" sz="1200" b="1" i="1" dirty="0">
+                <a:latin typeface="Courier New"/>
+                <a:cs typeface="Courier New"/>
+              </a:rPr>
+              <a:t> URL returned by start() in </a:t>
+            </a:r>
+            <a:r>
+              <a:rPr lang="en-US" sz="1200" b="1" i="1" dirty="0" err="1" smtClean="0">
+                <a:latin typeface="Courier New"/>
+                <a:cs typeface="Courier New"/>
+              </a:rPr>
+              <a:t>authoriseUrl</a:t>
+            </a:r>
+            <a:endParaRPr lang="en-US" sz="1200" b="1" i="1" dirty="0">
+              <a:latin typeface="Courier New"/>
+              <a:cs typeface="Courier New"/>
+            </a:endParaRPr>
+          </a:p>
+          <a:p>
+            <a:r>
+              <a:rPr lang="pt-BR" sz="1200" b="1" i="1" dirty="0" smtClean="0">
+                <a:solidFill>
+                  <a:srgbClr val="FF0000"/>
+                </a:solidFill>
+                <a:latin typeface="Courier New"/>
+                <a:cs typeface="Courier New"/>
+              </a:rPr>
+              <a:t>/</a:t>
+            </a:r>
+            <a:r>
+              <a:rPr lang="pt-BR" sz="1200" b="1" i="1" dirty="0">
+                <a:solidFill>
+                  <a:srgbClr val="FF0000"/>
+                </a:solidFill>
+                <a:latin typeface="Courier New"/>
+                <a:cs typeface="Courier New"/>
+              </a:rPr>
+              <a:t>/ TODO ==&gt; INSERT CODE HERE &lt;==</a:t>
+            </a:r>
+          </a:p>
+          <a:p>
+            <a:r>
+              <a:rPr lang="pt-BR" sz="1200" dirty="0" smtClean="0">
+                <a:latin typeface="Courier New"/>
+                <a:cs typeface="Courier New"/>
+              </a:rPr>
+              <a:t>	</a:t>
+            </a:r>
+            <a:r>
+              <a:rPr lang="pt-BR" sz="1200" dirty="0" err="1" smtClean="0">
+                <a:latin typeface="Courier New"/>
+                <a:cs typeface="Courier New"/>
+              </a:rPr>
+              <a:t>ConsoleLogger.info</a:t>
+            </a:r>
+            <a:r>
+              <a:rPr lang="pt-BR" sz="1200" dirty="0">
+                <a:latin typeface="Courier New"/>
+                <a:cs typeface="Courier New"/>
+              </a:rPr>
+              <a:t>("Dropbox </a:t>
+            </a:r>
+            <a:r>
+              <a:rPr lang="pt-BR" sz="1200" dirty="0" err="1">
+                <a:latin typeface="Courier New"/>
+                <a:cs typeface="Courier New"/>
+              </a:rPr>
+              <a:t>authorisation</a:t>
+            </a:r>
+            <a:r>
+              <a:rPr lang="pt-BR" sz="1200" dirty="0">
+                <a:latin typeface="Courier New"/>
+                <a:cs typeface="Courier New"/>
+              </a:rPr>
+              <a:t> start </a:t>
+            </a:r>
+            <a:r>
+              <a:rPr lang="pt-BR" sz="1200" dirty="0" err="1">
+                <a:latin typeface="Courier New"/>
+                <a:cs typeface="Courier New"/>
+              </a:rPr>
+              <a:t>successful</a:t>
+            </a:r>
+            <a:r>
+              <a:rPr lang="pt-BR" sz="1200" dirty="0">
+                <a:latin typeface="Courier New"/>
+                <a:cs typeface="Courier New"/>
+              </a:rPr>
+              <a:t>, </a:t>
+            </a:r>
+            <a:r>
+              <a:rPr lang="pt-BR" sz="1200" dirty="0" err="1">
+                <a:latin typeface="Courier New"/>
+                <a:cs typeface="Courier New"/>
+              </a:rPr>
+              <a:t>got</a:t>
+            </a:r>
+            <a:r>
+              <a:rPr lang="pt-BR" sz="1200" dirty="0">
+                <a:latin typeface="Courier New"/>
+                <a:cs typeface="Courier New"/>
+              </a:rPr>
+              <a:t> </a:t>
+            </a:r>
+            <a:r>
+              <a:rPr lang="pt-BR" sz="1200" dirty="0" err="1">
+                <a:latin typeface="Courier New"/>
+                <a:cs typeface="Courier New"/>
+              </a:rPr>
+              <a:t>authorisation</a:t>
+            </a:r>
+            <a:r>
+              <a:rPr lang="pt-BR" sz="1200" dirty="0">
+                <a:latin typeface="Courier New"/>
+                <a:cs typeface="Courier New"/>
+              </a:rPr>
+              <a:t> URL %</a:t>
+            </a:r>
+            <a:r>
+              <a:rPr lang="pt-BR" sz="1200" dirty="0" err="1">
+                <a:latin typeface="Courier New"/>
+                <a:cs typeface="Courier New"/>
+              </a:rPr>
+              <a:t>s</a:t>
+            </a:r>
+            <a:r>
+              <a:rPr lang="pt-BR" sz="1200" dirty="0">
+                <a:latin typeface="Courier New"/>
+                <a:cs typeface="Courier New"/>
+              </a:rPr>
+              <a:t>", </a:t>
+            </a:r>
+            <a:r>
+              <a:rPr lang="pt-BR" sz="1200" dirty="0" err="1">
+                <a:latin typeface="Courier New"/>
+                <a:cs typeface="Courier New"/>
+              </a:rPr>
+              <a:t>authoriseUrl</a:t>
+            </a:r>
+            <a:r>
+              <a:rPr lang="pt-BR" sz="1200" dirty="0">
+                <a:latin typeface="Courier New"/>
+                <a:cs typeface="Courier New"/>
+              </a:rPr>
+              <a:t>);</a:t>
+            </a:r>
+          </a:p>
+          <a:p>
+            <a:r>
+              <a:rPr lang="pt-BR" sz="1200" dirty="0" smtClean="0">
+                <a:latin typeface="Courier New"/>
+                <a:cs typeface="Courier New"/>
+              </a:rPr>
+              <a:t>	</a:t>
+            </a:r>
+            <a:r>
+              <a:rPr lang="pt-BR" sz="1200" dirty="0" err="1" smtClean="0">
+                <a:latin typeface="Courier New"/>
+                <a:cs typeface="Courier New"/>
+              </a:rPr>
+              <a:t>return</a:t>
+            </a:r>
+            <a:r>
+              <a:rPr lang="pt-BR" sz="1200" dirty="0" smtClean="0">
+                <a:latin typeface="Courier New"/>
+                <a:cs typeface="Courier New"/>
+              </a:rPr>
+              <a:t> </a:t>
+            </a:r>
+            <a:r>
+              <a:rPr lang="pt-BR" sz="1200" dirty="0">
+                <a:latin typeface="Courier New"/>
+                <a:cs typeface="Courier New"/>
+              </a:rPr>
+              <a:t>new </a:t>
+            </a:r>
+            <a:r>
+              <a:rPr lang="pt-BR" sz="1200" dirty="0" err="1">
+                <a:latin typeface="Courier New"/>
+                <a:cs typeface="Courier New"/>
+              </a:rPr>
+              <a:t>DropboxStatus</a:t>
+            </a:r>
+            <a:r>
+              <a:rPr lang="pt-BR" sz="1200" dirty="0">
+                <a:latin typeface="Courier New"/>
+                <a:cs typeface="Courier New"/>
+              </a:rPr>
+              <a:t>(301, </a:t>
+            </a:r>
+            <a:r>
+              <a:rPr lang="pt-BR" sz="1200" dirty="0" err="1">
+                <a:latin typeface="Courier New"/>
+                <a:cs typeface="Courier New"/>
+              </a:rPr>
+              <a:t>DropboxStatus.makeUrl</a:t>
+            </a:r>
+            <a:r>
+              <a:rPr lang="pt-BR" sz="1200" dirty="0">
+                <a:latin typeface="Courier New"/>
+                <a:cs typeface="Courier New"/>
+              </a:rPr>
+              <a:t>(</a:t>
+            </a:r>
+            <a:r>
+              <a:rPr lang="pt-BR" sz="1200" dirty="0" err="1">
+                <a:latin typeface="Courier New"/>
+                <a:cs typeface="Courier New"/>
+              </a:rPr>
+              <a:t>authoriseUrl</a:t>
+            </a:r>
+            <a:r>
+              <a:rPr lang="pt-BR" sz="1200" dirty="0">
+                <a:latin typeface="Courier New"/>
+                <a:cs typeface="Courier New"/>
+              </a:rPr>
+              <a:t>));</a:t>
+            </a:r>
+          </a:p>
+          <a:p>
+            <a:r>
+              <a:rPr lang="pt-BR" sz="1200" dirty="0" smtClean="0">
+                <a:latin typeface="Courier New"/>
+                <a:cs typeface="Courier New"/>
+              </a:rPr>
+              <a:t>}</a:t>
+            </a:r>
+            <a:endParaRPr lang="pt-BR" sz="1200" dirty="0">
+              <a:latin typeface="Courier New"/>
+              <a:cs typeface="Courier New"/>
+            </a:endParaRPr>
+          </a:p>
+        </p:txBody>
+      </p:sp>
+      <p:sp>
+        <p:nvSpPr>
+          <p:cNvPr id="3" name="Rectangle 2"/>
           <p:cNvSpPr txBox="1">
             <a:spLocks noChangeArrowheads="1"/>
           </p:cNvSpPr>
@@ -13964,8 +14849,8 @@
         </p:nvSpPr>
         <p:spPr bwMode="auto">
           <a:xfrm>
-            <a:off x="349250" y="1246188"/>
-            <a:ext cx="8366125" cy="2185214"/>
+            <a:off x="457200" y="736600"/>
+            <a:ext cx="8229600" cy="730250"/>
           </a:xfrm>
           <a:prstGeom prst="rect">
             <a:avLst/>
@@ -13992,184 +14877,169 @@
                 <a:tailEnd/>
               </a14:hiddenLine>
             </a:ext>
+            <a:ext uri="{FAA26D3D-D897-4be2-8F04-BA451C77F1D7}">
+              <ma14:placeholderFlag xmlns:ma14="http://schemas.microsoft.com/office/mac/drawingml/2011/main" val="1"/>
+            </a:ext>
           </a:extLst>
         </p:spPr>
         <p:txBody>
-          <a:bodyPr>
-            <a:spAutoFit/>
+          <a:bodyPr vert="horz" wrap="square" lIns="0" tIns="45720" rIns="0" bIns="0" numCol="1" anchor="b" anchorCtr="0" compatLnSpc="1">
+            <a:prstTxWarp prst="textNoShape">
+              <a:avLst/>
+            </a:prstTxWarp>
           </a:bodyPr>
           <a:lstStyle>
-            <a:lvl1pPr>
-              <a:defRPr>
-                <a:solidFill>
-                  <a:schemeClr val="tx1"/>
-                </a:solidFill>
-                <a:latin typeface="Arial" charset="0"/>
-                <a:ea typeface="ＭＳ Ｐゴシック" charset="0"/>
-                <a:cs typeface="ＭＳ Ｐゴシック" charset="0"/>
-              </a:defRPr>
-            </a:lvl1pPr>
-            <a:lvl2pPr marL="742950" indent="-285750">
-              <a:defRPr>
-                <a:solidFill>
-                  <a:schemeClr val="tx1"/>
-                </a:solidFill>
-                <a:latin typeface="Arial" charset="0"/>
-                <a:ea typeface="ＭＳ Ｐゴシック" charset="0"/>
-              </a:defRPr>
-            </a:lvl2pPr>
-            <a:lvl3pPr marL="1143000" indent="-228600">
-              <a:defRPr>
-                <a:solidFill>
-                  <a:schemeClr val="tx1"/>
-                </a:solidFill>
-                <a:latin typeface="Arial" charset="0"/>
-                <a:ea typeface="ＭＳ Ｐゴシック" charset="0"/>
-              </a:defRPr>
-            </a:lvl3pPr>
-            <a:lvl4pPr marL="1600200" indent="-228600">
-              <a:defRPr>
-                <a:solidFill>
-                  <a:schemeClr val="tx1"/>
-                </a:solidFill>
-                <a:latin typeface="Arial" charset="0"/>
-                <a:ea typeface="ＭＳ Ｐゴシック" charset="0"/>
-              </a:defRPr>
-            </a:lvl4pPr>
-            <a:lvl5pPr marL="2057400" indent="-228600">
-              <a:defRPr>
-                <a:solidFill>
-                  <a:schemeClr val="tx1"/>
-                </a:solidFill>
-                <a:latin typeface="Arial" charset="0"/>
-                <a:ea typeface="ＭＳ Ｐゴシック" charset="0"/>
-              </a:defRPr>
-            </a:lvl5pPr>
-            <a:lvl6pPr marL="2514600" indent="-228600" eaLnBrk="0" fontAlgn="base" hangingPunct="0">
+            <a:lvl1pPr algn="l" rtl="0" eaLnBrk="0" fontAlgn="base" hangingPunct="0">
               <a:spcBef>
                 <a:spcPct val="0"/>
               </a:spcBef>
               <a:spcAft>
                 <a:spcPct val="0"/>
               </a:spcAft>
-              <a:defRPr>
-                <a:solidFill>
-                  <a:schemeClr val="tx1"/>
-                </a:solidFill>
-                <a:latin typeface="Arial" charset="0"/>
-                <a:ea typeface="ＭＳ Ｐゴシック" charset="0"/>
-              </a:defRPr>
-            </a:lvl6pPr>
-            <a:lvl7pPr marL="2971800" indent="-228600" eaLnBrk="0" fontAlgn="base" hangingPunct="0">
+              <a:defRPr sz="3600">
+                <a:solidFill>
+                  <a:schemeClr val="tx2"/>
+                </a:solidFill>
+                <a:latin typeface="+mj-lt"/>
+                <a:ea typeface="ＭＳ Ｐゴシック" charset="-128"/>
+                <a:cs typeface="ＭＳ Ｐゴシック" charset="-128"/>
+              </a:defRPr>
+            </a:lvl1pPr>
+            <a:lvl2pPr algn="l" rtl="0" eaLnBrk="0" fontAlgn="base" hangingPunct="0">
               <a:spcBef>
                 <a:spcPct val="0"/>
               </a:spcBef>
               <a:spcAft>
                 <a:spcPct val="0"/>
               </a:spcAft>
-              <a:defRPr>
-                <a:solidFill>
-                  <a:schemeClr val="tx1"/>
-                </a:solidFill>
-                <a:latin typeface="Arial" charset="0"/>
-                <a:ea typeface="ＭＳ Ｐゴシック" charset="0"/>
-              </a:defRPr>
-            </a:lvl7pPr>
-            <a:lvl8pPr marL="3429000" indent="-228600" eaLnBrk="0" fontAlgn="base" hangingPunct="0">
+              <a:defRPr sz="3600">
+                <a:solidFill>
+                  <a:schemeClr val="tx2"/>
+                </a:solidFill>
+                <a:latin typeface="Calibri" pitchFamily="34" charset="0"/>
+                <a:ea typeface="ＭＳ Ｐゴシック" charset="-128"/>
+                <a:cs typeface="ＭＳ Ｐゴシック" charset="-128"/>
+              </a:defRPr>
+            </a:lvl2pPr>
+            <a:lvl3pPr algn="l" rtl="0" eaLnBrk="0" fontAlgn="base" hangingPunct="0">
               <a:spcBef>
                 <a:spcPct val="0"/>
               </a:spcBef>
               <a:spcAft>
                 <a:spcPct val="0"/>
               </a:spcAft>
-              <a:defRPr>
-                <a:solidFill>
-                  <a:schemeClr val="tx1"/>
-                </a:solidFill>
-                <a:latin typeface="Arial" charset="0"/>
-                <a:ea typeface="ＭＳ Ｐゴシック" charset="0"/>
-              </a:defRPr>
-            </a:lvl8pPr>
-            <a:lvl9pPr marL="3886200" indent="-228600" eaLnBrk="0" fontAlgn="base" hangingPunct="0">
+              <a:defRPr sz="3600">
+                <a:solidFill>
+                  <a:schemeClr val="tx2"/>
+                </a:solidFill>
+                <a:latin typeface="Calibri" pitchFamily="34" charset="0"/>
+                <a:ea typeface="ＭＳ Ｐゴシック" charset="-128"/>
+                <a:cs typeface="ＭＳ Ｐゴシック" charset="-128"/>
+              </a:defRPr>
+            </a:lvl3pPr>
+            <a:lvl4pPr algn="l" rtl="0" eaLnBrk="0" fontAlgn="base" hangingPunct="0">
               <a:spcBef>
                 <a:spcPct val="0"/>
               </a:spcBef>
               <a:spcAft>
                 <a:spcPct val="0"/>
               </a:spcAft>
-              <a:defRPr>
-                <a:solidFill>
-                  <a:schemeClr val="tx1"/>
-                </a:solidFill>
-                <a:latin typeface="Arial" charset="0"/>
-                <a:ea typeface="ＭＳ Ｐゴシック" charset="0"/>
+              <a:defRPr sz="3600">
+                <a:solidFill>
+                  <a:schemeClr val="tx2"/>
+                </a:solidFill>
+                <a:latin typeface="Calibri" pitchFamily="34" charset="0"/>
+                <a:ea typeface="ＭＳ Ｐゴシック" charset="-128"/>
+                <a:cs typeface="ＭＳ Ｐゴシック" charset="-128"/>
+              </a:defRPr>
+            </a:lvl4pPr>
+            <a:lvl5pPr algn="l" rtl="0" eaLnBrk="0" fontAlgn="base" hangingPunct="0">
+              <a:spcBef>
+                <a:spcPct val="0"/>
+              </a:spcBef>
+              <a:spcAft>
+                <a:spcPct val="0"/>
+              </a:spcAft>
+              <a:defRPr sz="3600">
+                <a:solidFill>
+                  <a:schemeClr val="tx2"/>
+                </a:solidFill>
+                <a:latin typeface="Calibri" pitchFamily="34" charset="0"/>
+                <a:ea typeface="ＭＳ Ｐゴシック" charset="-128"/>
+                <a:cs typeface="ＭＳ Ｐゴシック" charset="-128"/>
+              </a:defRPr>
+            </a:lvl5pPr>
+            <a:lvl6pPr marL="457200" algn="l" rtl="0" fontAlgn="base">
+              <a:spcBef>
+                <a:spcPct val="0"/>
+              </a:spcBef>
+              <a:spcAft>
+                <a:spcPct val="0"/>
+              </a:spcAft>
+              <a:defRPr sz="4400">
+                <a:solidFill>
+                  <a:schemeClr val="tx2"/>
+                </a:solidFill>
+                <a:latin typeface="Calibri" pitchFamily="34" charset="0"/>
+              </a:defRPr>
+            </a:lvl6pPr>
+            <a:lvl7pPr marL="914400" algn="l" rtl="0" fontAlgn="base">
+              <a:spcBef>
+                <a:spcPct val="0"/>
+              </a:spcBef>
+              <a:spcAft>
+                <a:spcPct val="0"/>
+              </a:spcAft>
+              <a:defRPr sz="4400">
+                <a:solidFill>
+                  <a:schemeClr val="tx2"/>
+                </a:solidFill>
+                <a:latin typeface="Calibri" pitchFamily="34" charset="0"/>
+              </a:defRPr>
+            </a:lvl7pPr>
+            <a:lvl8pPr marL="1371600" algn="l" rtl="0" fontAlgn="base">
+              <a:spcBef>
+                <a:spcPct val="0"/>
+              </a:spcBef>
+              <a:spcAft>
+                <a:spcPct val="0"/>
+              </a:spcAft>
+              <a:defRPr sz="4400">
+                <a:solidFill>
+                  <a:schemeClr val="tx2"/>
+                </a:solidFill>
+                <a:latin typeface="Calibri" pitchFamily="34" charset="0"/>
+              </a:defRPr>
+            </a:lvl8pPr>
+            <a:lvl9pPr marL="1828800" algn="l" rtl="0" fontAlgn="base">
+              <a:spcBef>
+                <a:spcPct val="0"/>
+              </a:spcBef>
+              <a:spcAft>
+                <a:spcPct val="0"/>
+              </a:spcAft>
+              <a:defRPr sz="4400">
+                <a:solidFill>
+                  <a:schemeClr val="tx2"/>
+                </a:solidFill>
+                <a:latin typeface="Calibri" pitchFamily="34" charset="0"/>
               </a:defRPr>
             </a:lvl9pPr>
           </a:lstStyle>
           <a:p>
-            <a:pPr defTabSz="914400"/>
-            <a:r>
-              <a:rPr lang="en-GB" sz="2800" dirty="0">
-                <a:solidFill>
-                  <a:schemeClr val="tx2"/>
-                </a:solidFill>
-                <a:latin typeface="Calibri" charset="0"/>
-              </a:rPr>
-              <a:t>Keeping Passwords Private with </a:t>
-            </a:r>
-            <a:r>
-              <a:rPr lang="en-GB" sz="2800" dirty="0" smtClean="0">
-                <a:solidFill>
-                  <a:schemeClr val="tx2"/>
-                </a:solidFill>
-                <a:latin typeface="Calibri" charset="0"/>
-              </a:rPr>
-              <a:t>OAuth</a:t>
-            </a:r>
-          </a:p>
-          <a:p>
-            <a:pPr defTabSz="914400"/>
-            <a:endParaRPr lang="en-GB" sz="2800" dirty="0">
-              <a:solidFill>
-                <a:schemeClr val="tx2"/>
-              </a:solidFill>
+            <a:pPr eaLnBrk="1" hangingPunct="1"/>
+            <a:r>
+              <a:rPr lang="en-GB" dirty="0" smtClean="0">
+                <a:latin typeface="Calibri" charset="0"/>
+                <a:ea typeface="ＭＳ Ｐゴシック" charset="0"/>
+                <a:cs typeface="ＭＳ Ｐゴシック" charset="0"/>
+              </a:rPr>
+              <a:t>Example</a:t>
+            </a:r>
+            <a:endParaRPr lang="en-GB" dirty="0">
               <a:latin typeface="Calibri" charset="0"/>
-            </a:endParaRPr>
-          </a:p>
-          <a:p>
-            <a:pPr defTabSz="914400"/>
-            <a:r>
-              <a:rPr lang="en-US" sz="4000" dirty="0" smtClean="0">
-                <a:solidFill>
-                  <a:schemeClr val="tx2"/>
-                </a:solidFill>
-                <a:latin typeface="Calibri" charset="0"/>
-              </a:rPr>
-              <a:t>Exercise 1: Granting Access to </a:t>
-            </a:r>
-            <a:r>
-              <a:rPr lang="en-US" sz="4000" dirty="0" err="1" smtClean="0">
-                <a:solidFill>
-                  <a:schemeClr val="tx2"/>
-                </a:solidFill>
-                <a:latin typeface="Calibri" charset="0"/>
-              </a:rPr>
-              <a:t>Dropbox</a:t>
-            </a:r>
-            <a:r>
-              <a:rPr lang="en-US" sz="4000" dirty="0" smtClean="0">
-                <a:solidFill>
-                  <a:schemeClr val="tx2"/>
-                </a:solidFill>
-                <a:latin typeface="Calibri" charset="0"/>
-              </a:rPr>
-              <a:t> Programmatically</a:t>
-            </a:r>
-            <a:endParaRPr lang="en-GB" sz="4000" dirty="0">
-              <a:solidFill>
-                <a:schemeClr val="tx2"/>
-              </a:solidFill>
-              <a:latin typeface="Calibri" charset="0"/>
+              <a:ea typeface="ＭＳ Ｐゴシック" charset="0"/>
+              <a:cs typeface="ＭＳ Ｐゴシック" charset="0"/>
             </a:endParaRPr>
           </a:p>
         </p:txBody>
@@ -14177,7 +15047,7 @@
     </p:spTree>
     <p:extLst>
       <p:ext uri="{BB962C8B-B14F-4D97-AF65-F5344CB8AC3E}">
-        <p14:creationId xmlns:p14="http://schemas.microsoft.com/office/powerpoint/2010/main" val="807119471"/>
+        <p14:creationId xmlns:p14="http://schemas.microsoft.com/office/powerpoint/2010/main" val="1294879707"/>
       </p:ext>
     </p:extLst>
   </p:cSld>
@@ -14213,6 +15083,930 @@
       </p:grpSpPr>
       <p:sp>
         <p:nvSpPr>
+          <p:cNvPr id="2050" name="Text Box 4"/>
+          <p:cNvSpPr txBox="1">
+            <a:spLocks noChangeArrowheads="1"/>
+          </p:cNvSpPr>
+          <p:nvPr/>
+        </p:nvSpPr>
+        <p:spPr bwMode="auto">
+          <a:xfrm>
+            <a:off x="349250" y="1246188"/>
+            <a:ext cx="8366125" cy="2185214"/>
+          </a:xfrm>
+          <a:prstGeom prst="rect">
+            <a:avLst/>
+          </a:prstGeom>
+          <a:noFill/>
+          <a:ln>
+            <a:noFill/>
+          </a:ln>
+          <a:extLst>
+            <a:ext uri="{909E8E84-426E-40dd-AFC4-6F175D3DCCD1}">
+              <a14:hiddenFill xmlns:a14="http://schemas.microsoft.com/office/drawing/2010/main">
+                <a:solidFill>
+                  <a:srgbClr val="FFFFFF"/>
+                </a:solidFill>
+              </a14:hiddenFill>
+            </a:ext>
+            <a:ext uri="{91240B29-F687-4f45-9708-019B960494DF}">
+              <a14:hiddenLine xmlns:a14="http://schemas.microsoft.com/office/drawing/2010/main" w="9525">
+                <a:solidFill>
+                  <a:srgbClr val="000000"/>
+                </a:solidFill>
+                <a:miter lim="800000"/>
+                <a:headEnd/>
+                <a:tailEnd/>
+              </a14:hiddenLine>
+            </a:ext>
+          </a:extLst>
+        </p:spPr>
+        <p:txBody>
+          <a:bodyPr>
+            <a:spAutoFit/>
+          </a:bodyPr>
+          <a:lstStyle>
+            <a:lvl1pPr>
+              <a:defRPr>
+                <a:solidFill>
+                  <a:schemeClr val="tx1"/>
+                </a:solidFill>
+                <a:latin typeface="Arial" charset="0"/>
+                <a:ea typeface="ＭＳ Ｐゴシック" charset="0"/>
+                <a:cs typeface="ＭＳ Ｐゴシック" charset="0"/>
+              </a:defRPr>
+            </a:lvl1pPr>
+            <a:lvl2pPr marL="742950" indent="-285750">
+              <a:defRPr>
+                <a:solidFill>
+                  <a:schemeClr val="tx1"/>
+                </a:solidFill>
+                <a:latin typeface="Arial" charset="0"/>
+                <a:ea typeface="ＭＳ Ｐゴシック" charset="0"/>
+              </a:defRPr>
+            </a:lvl2pPr>
+            <a:lvl3pPr marL="1143000" indent="-228600">
+              <a:defRPr>
+                <a:solidFill>
+                  <a:schemeClr val="tx1"/>
+                </a:solidFill>
+                <a:latin typeface="Arial" charset="0"/>
+                <a:ea typeface="ＭＳ Ｐゴシック" charset="0"/>
+              </a:defRPr>
+            </a:lvl3pPr>
+            <a:lvl4pPr marL="1600200" indent="-228600">
+              <a:defRPr>
+                <a:solidFill>
+                  <a:schemeClr val="tx1"/>
+                </a:solidFill>
+                <a:latin typeface="Arial" charset="0"/>
+                <a:ea typeface="ＭＳ Ｐゴシック" charset="0"/>
+              </a:defRPr>
+            </a:lvl4pPr>
+            <a:lvl5pPr marL="2057400" indent="-228600">
+              <a:defRPr>
+                <a:solidFill>
+                  <a:schemeClr val="tx1"/>
+                </a:solidFill>
+                <a:latin typeface="Arial" charset="0"/>
+                <a:ea typeface="ＭＳ Ｐゴシック" charset="0"/>
+              </a:defRPr>
+            </a:lvl5pPr>
+            <a:lvl6pPr marL="2514600" indent="-228600" eaLnBrk="0" fontAlgn="base" hangingPunct="0">
+              <a:spcBef>
+                <a:spcPct val="0"/>
+              </a:spcBef>
+              <a:spcAft>
+                <a:spcPct val="0"/>
+              </a:spcAft>
+              <a:defRPr>
+                <a:solidFill>
+                  <a:schemeClr val="tx1"/>
+                </a:solidFill>
+                <a:latin typeface="Arial" charset="0"/>
+                <a:ea typeface="ＭＳ Ｐゴシック" charset="0"/>
+              </a:defRPr>
+            </a:lvl6pPr>
+            <a:lvl7pPr marL="2971800" indent="-228600" eaLnBrk="0" fontAlgn="base" hangingPunct="0">
+              <a:spcBef>
+                <a:spcPct val="0"/>
+              </a:spcBef>
+              <a:spcAft>
+                <a:spcPct val="0"/>
+              </a:spcAft>
+              <a:defRPr>
+                <a:solidFill>
+                  <a:schemeClr val="tx1"/>
+                </a:solidFill>
+                <a:latin typeface="Arial" charset="0"/>
+                <a:ea typeface="ＭＳ Ｐゴシック" charset="0"/>
+              </a:defRPr>
+            </a:lvl7pPr>
+            <a:lvl8pPr marL="3429000" indent="-228600" eaLnBrk="0" fontAlgn="base" hangingPunct="0">
+              <a:spcBef>
+                <a:spcPct val="0"/>
+              </a:spcBef>
+              <a:spcAft>
+                <a:spcPct val="0"/>
+              </a:spcAft>
+              <a:defRPr>
+                <a:solidFill>
+                  <a:schemeClr val="tx1"/>
+                </a:solidFill>
+                <a:latin typeface="Arial" charset="0"/>
+                <a:ea typeface="ＭＳ Ｐゴシック" charset="0"/>
+              </a:defRPr>
+            </a:lvl8pPr>
+            <a:lvl9pPr marL="3886200" indent="-228600" eaLnBrk="0" fontAlgn="base" hangingPunct="0">
+              <a:spcBef>
+                <a:spcPct val="0"/>
+              </a:spcBef>
+              <a:spcAft>
+                <a:spcPct val="0"/>
+              </a:spcAft>
+              <a:defRPr>
+                <a:solidFill>
+                  <a:schemeClr val="tx1"/>
+                </a:solidFill>
+                <a:latin typeface="Arial" charset="0"/>
+                <a:ea typeface="ＭＳ Ｐゴシック" charset="0"/>
+              </a:defRPr>
+            </a:lvl9pPr>
+          </a:lstStyle>
+          <a:p>
+            <a:pPr defTabSz="914400"/>
+            <a:r>
+              <a:rPr lang="en-GB" sz="2800" dirty="0">
+                <a:solidFill>
+                  <a:schemeClr val="tx2"/>
+                </a:solidFill>
+                <a:latin typeface="Calibri" charset="0"/>
+              </a:rPr>
+              <a:t>Keeping Passwords Private with </a:t>
+            </a:r>
+            <a:r>
+              <a:rPr lang="en-GB" sz="2800" dirty="0" smtClean="0">
+                <a:solidFill>
+                  <a:schemeClr val="tx2"/>
+                </a:solidFill>
+                <a:latin typeface="Calibri" charset="0"/>
+              </a:rPr>
+              <a:t>OAuth</a:t>
+            </a:r>
+          </a:p>
+          <a:p>
+            <a:pPr defTabSz="914400"/>
+            <a:endParaRPr lang="en-GB" sz="2800" dirty="0">
+              <a:solidFill>
+                <a:schemeClr val="tx2"/>
+              </a:solidFill>
+              <a:latin typeface="Calibri" charset="0"/>
+            </a:endParaRPr>
+          </a:p>
+          <a:p>
+            <a:pPr defTabSz="914400"/>
+            <a:r>
+              <a:rPr lang="en-US" sz="4000" dirty="0" smtClean="0">
+                <a:solidFill>
+                  <a:schemeClr val="tx2"/>
+                </a:solidFill>
+                <a:latin typeface="Calibri" charset="0"/>
+              </a:rPr>
+              <a:t>Exercise 1: Granting Access to </a:t>
+            </a:r>
+            <a:r>
+              <a:rPr lang="en-US" sz="4000" dirty="0" err="1" smtClean="0">
+                <a:solidFill>
+                  <a:schemeClr val="tx2"/>
+                </a:solidFill>
+                <a:latin typeface="Calibri" charset="0"/>
+              </a:rPr>
+              <a:t>Dropbox</a:t>
+            </a:r>
+            <a:r>
+              <a:rPr lang="en-US" sz="4000" dirty="0" smtClean="0">
+                <a:solidFill>
+                  <a:schemeClr val="tx2"/>
+                </a:solidFill>
+                <a:latin typeface="Calibri" charset="0"/>
+              </a:rPr>
+              <a:t> Programmatically</a:t>
+            </a:r>
+            <a:endParaRPr lang="en-GB" sz="4000" dirty="0">
+              <a:solidFill>
+                <a:schemeClr val="tx2"/>
+              </a:solidFill>
+              <a:latin typeface="Calibri" charset="0"/>
+            </a:endParaRPr>
+          </a:p>
+        </p:txBody>
+      </p:sp>
+    </p:spTree>
+    <p:extLst>
+      <p:ext uri="{BB962C8B-B14F-4D97-AF65-F5344CB8AC3E}">
+        <p14:creationId xmlns:p14="http://schemas.microsoft.com/office/powerpoint/2010/main" val="807119471"/>
+      </p:ext>
+    </p:extLst>
+  </p:cSld>
+  <p:clrMapOvr>
+    <a:masterClrMapping/>
+  </p:clrMapOvr>
+  <p:timing>
+    <p:tnLst>
+      <p:par>
+        <p:cTn xmlns:p14="http://schemas.microsoft.com/office/powerpoint/2010/main" id="1" dur="indefinite" restart="never" nodeType="tmRoot"/>
+      </p:par>
+    </p:tnLst>
+  </p:timing>
+</p:sld>
+</file>
+
+<file path=ppt/slides/slide2.xml><?xml version="1.0" encoding="utf-8"?>
+<p:sld xmlns:a="http://schemas.openxmlformats.org/drawingml/2006/main" xmlns:r="http://schemas.openxmlformats.org/officeDocument/2006/relationships" xmlns:p="http://schemas.openxmlformats.org/presentationml/2006/main">
+  <p:cSld>
+    <p:spTree>
+      <p:nvGrpSpPr>
+        <p:cNvPr id="1" name=""/>
+        <p:cNvGrpSpPr/>
+        <p:nvPr/>
+      </p:nvGrpSpPr>
+      <p:grpSpPr>
+        <a:xfrm>
+          <a:off x="0" y="0"/>
+          <a:ext cx="0" cy="0"/>
+          <a:chOff x="0" y="0"/>
+          <a:chExt cx="0" cy="0"/>
+        </a:xfrm>
+      </p:grpSpPr>
+      <p:sp>
+        <p:nvSpPr>
+          <p:cNvPr id="3074" name="Rectangle 2"/>
+          <p:cNvSpPr>
+            <a:spLocks noGrp="1" noChangeArrowheads="1"/>
+          </p:cNvSpPr>
+          <p:nvPr>
+            <p:ph type="title" idx="4294967295"/>
+          </p:nvPr>
+        </p:nvSpPr>
+        <p:spPr/>
+        <p:txBody>
+          <a:bodyPr/>
+          <a:lstStyle/>
+          <a:p>
+            <a:pPr eaLnBrk="1" hangingPunct="1"/>
+            <a:r>
+              <a:rPr lang="en-GB">
+                <a:latin typeface="Calibri" charset="0"/>
+                <a:ea typeface="ＭＳ Ｐゴシック" charset="0"/>
+                <a:cs typeface="ＭＳ Ｐゴシック" charset="0"/>
+              </a:rPr>
+              <a:t>Agenda</a:t>
+            </a:r>
+          </a:p>
+        </p:txBody>
+      </p:sp>
+      <p:sp>
+        <p:nvSpPr>
+          <p:cNvPr id="3075" name="Rectangle 3"/>
+          <p:cNvSpPr>
+            <a:spLocks noGrp="1" noChangeArrowheads="1"/>
+          </p:cNvSpPr>
+          <p:nvPr>
+            <p:ph idx="4294967295"/>
+          </p:nvPr>
+        </p:nvSpPr>
+        <p:spPr>
+          <a:xfrm>
+            <a:off x="457200" y="1547813"/>
+            <a:ext cx="8229600" cy="2744341"/>
+          </a:xfrm>
+        </p:spPr>
+        <p:txBody>
+          <a:bodyPr>
+            <a:spAutoFit/>
+          </a:bodyPr>
+          <a:lstStyle/>
+          <a:p>
+            <a:pPr marL="1614488" indent="-1614488" eaLnBrk="1" hangingPunct="1">
+              <a:lnSpc>
+                <a:spcPct val="90000"/>
+              </a:lnSpc>
+              <a:buClr>
+                <a:schemeClr val="accent2"/>
+              </a:buClr>
+              <a:buFont typeface="Wingdings 2" charset="0"/>
+              <a:buNone/>
+            </a:pPr>
+            <a:r>
+              <a:rPr lang="en-US" sz="2000" dirty="0" smtClean="0">
+                <a:latin typeface="Calibri" charset="0"/>
+                <a:ea typeface="ＭＳ Ｐゴシック" charset="0"/>
+                <a:cs typeface="ＭＳ Ｐゴシック" charset="0"/>
+              </a:rPr>
+              <a:t>09:15 </a:t>
+            </a:r>
+            <a:r>
+              <a:rPr lang="en-US" sz="2000" dirty="0">
+                <a:latin typeface="Calibri" charset="0"/>
+                <a:ea typeface="ＭＳ Ｐゴシック" charset="0"/>
+                <a:cs typeface="ＭＳ Ｐゴシック" charset="0"/>
+              </a:rPr>
+              <a:t>- </a:t>
+            </a:r>
+            <a:r>
+              <a:rPr lang="en-US" sz="2000" dirty="0" smtClean="0">
+                <a:latin typeface="Calibri" charset="0"/>
+                <a:ea typeface="ＭＳ Ｐゴシック" charset="0"/>
+                <a:cs typeface="ＭＳ Ｐゴシック" charset="0"/>
+              </a:rPr>
+              <a:t>09:20</a:t>
+            </a:r>
+            <a:r>
+              <a:rPr lang="en-US" sz="2000" dirty="0">
+                <a:latin typeface="Calibri" charset="0"/>
+                <a:ea typeface="ＭＳ Ｐゴシック" charset="0"/>
+                <a:cs typeface="ＭＳ Ｐゴシック" charset="0"/>
+              </a:rPr>
+              <a:t>	Presenter </a:t>
+            </a:r>
+            <a:r>
+              <a:rPr lang="en-US" sz="2000" dirty="0" smtClean="0">
+                <a:latin typeface="Calibri" charset="0"/>
+                <a:ea typeface="ＭＳ Ｐゴシック" charset="0"/>
+                <a:cs typeface="ＭＳ Ｐゴシック" charset="0"/>
+              </a:rPr>
+              <a:t>Introduction</a:t>
+            </a:r>
+            <a:endParaRPr lang="en-US" sz="2000" dirty="0">
+              <a:latin typeface="Calibri" charset="0"/>
+              <a:ea typeface="ＭＳ Ｐゴシック" charset="0"/>
+              <a:cs typeface="ＭＳ Ｐゴシック" charset="0"/>
+            </a:endParaRPr>
+          </a:p>
+          <a:p>
+            <a:pPr marL="1614488" indent="-1614488" eaLnBrk="1" hangingPunct="1">
+              <a:lnSpc>
+                <a:spcPct val="90000"/>
+              </a:lnSpc>
+              <a:buClr>
+                <a:schemeClr val="accent2"/>
+              </a:buClr>
+              <a:buFont typeface="Wingdings 2" charset="0"/>
+              <a:buNone/>
+            </a:pPr>
+            <a:r>
+              <a:rPr lang="en-US" sz="2000" dirty="0" smtClean="0">
+                <a:latin typeface="Calibri" charset="0"/>
+                <a:ea typeface="ＭＳ Ｐゴシック" charset="0"/>
+                <a:cs typeface="ＭＳ Ｐゴシック" charset="0"/>
+              </a:rPr>
+              <a:t>09:20 </a:t>
+            </a:r>
+            <a:r>
+              <a:rPr lang="en-US" sz="2000" dirty="0">
+                <a:latin typeface="Calibri" charset="0"/>
+                <a:ea typeface="ＭＳ Ｐゴシック" charset="0"/>
+                <a:cs typeface="ＭＳ Ｐゴシック" charset="0"/>
+              </a:rPr>
+              <a:t>- </a:t>
+            </a:r>
+            <a:r>
+              <a:rPr lang="en-US" sz="2000" dirty="0" smtClean="0">
+                <a:latin typeface="Calibri" charset="0"/>
+                <a:ea typeface="ＭＳ Ｐゴシック" charset="0"/>
+                <a:cs typeface="ＭＳ Ｐゴシック" charset="0"/>
+              </a:rPr>
+              <a:t>09:30</a:t>
+            </a:r>
+            <a:r>
+              <a:rPr lang="en-US" sz="2000" dirty="0">
+                <a:latin typeface="Calibri" charset="0"/>
+                <a:ea typeface="ＭＳ Ｐゴシック" charset="0"/>
+                <a:cs typeface="ＭＳ Ｐゴシック" charset="0"/>
+              </a:rPr>
+              <a:t>	Problem </a:t>
+            </a:r>
+            <a:r>
+              <a:rPr lang="en-US" sz="2000" dirty="0" smtClean="0">
+                <a:latin typeface="Calibri" charset="0"/>
+                <a:ea typeface="ＭＳ Ｐゴシック" charset="0"/>
+                <a:cs typeface="ＭＳ Ｐゴシック" charset="0"/>
+              </a:rPr>
+              <a:t>Statement</a:t>
+            </a:r>
+          </a:p>
+          <a:p>
+            <a:pPr marL="1614488" indent="-1614488" eaLnBrk="1" hangingPunct="1">
+              <a:lnSpc>
+                <a:spcPct val="90000"/>
+              </a:lnSpc>
+              <a:buClr>
+                <a:schemeClr val="accent2"/>
+              </a:buClr>
+              <a:buFont typeface="Wingdings 2" charset="0"/>
+              <a:buNone/>
+            </a:pPr>
+            <a:r>
+              <a:rPr lang="en-US" sz="2000" dirty="0" smtClean="0">
+                <a:latin typeface="Calibri" charset="0"/>
+                <a:ea typeface="ＭＳ Ｐゴシック" charset="0"/>
+                <a:cs typeface="ＭＳ Ｐゴシック" charset="0"/>
+              </a:rPr>
+              <a:t>09:30 – 10:00	OAuth Overview</a:t>
+            </a:r>
+            <a:r>
+              <a:rPr lang="en-US" sz="2000" dirty="0">
+                <a:latin typeface="Calibri" charset="0"/>
+                <a:ea typeface="ＭＳ Ｐゴシック" charset="0"/>
+                <a:cs typeface="ＭＳ Ｐゴシック" charset="0"/>
+              </a:rPr>
+              <a:t>	</a:t>
+            </a:r>
+          </a:p>
+          <a:p>
+            <a:pPr marL="1614488" indent="-1614488" eaLnBrk="1" hangingPunct="1">
+              <a:lnSpc>
+                <a:spcPct val="90000"/>
+              </a:lnSpc>
+              <a:buClr>
+                <a:schemeClr val="accent2"/>
+              </a:buClr>
+              <a:buFont typeface="Wingdings 2" charset="0"/>
+              <a:buNone/>
+            </a:pPr>
+            <a:r>
+              <a:rPr lang="en-US" sz="2000" dirty="0" smtClean="0">
+                <a:latin typeface="Calibri" charset="0"/>
+                <a:ea typeface="ＭＳ Ｐゴシック" charset="0"/>
+                <a:cs typeface="ＭＳ Ｐゴシック" charset="0"/>
+              </a:rPr>
+              <a:t>10:00 </a:t>
+            </a:r>
+            <a:r>
+              <a:rPr lang="en-US" sz="2000" dirty="0">
+                <a:latin typeface="Calibri" charset="0"/>
+                <a:ea typeface="ＭＳ Ｐゴシック" charset="0"/>
+                <a:cs typeface="ＭＳ Ｐゴシック" charset="0"/>
+              </a:rPr>
+              <a:t>– </a:t>
+            </a:r>
+            <a:r>
+              <a:rPr lang="en-US" sz="2000" dirty="0" smtClean="0">
+                <a:latin typeface="Calibri" charset="0"/>
+                <a:ea typeface="ＭＳ Ｐゴシック" charset="0"/>
+                <a:cs typeface="ＭＳ Ｐゴシック" charset="0"/>
+              </a:rPr>
+              <a:t>10:15</a:t>
+            </a:r>
+            <a:r>
+              <a:rPr lang="en-US" sz="2000" dirty="0">
+                <a:latin typeface="Calibri" charset="0"/>
+                <a:ea typeface="ＭＳ Ｐゴシック" charset="0"/>
+                <a:cs typeface="ＭＳ Ｐゴシック" charset="0"/>
+              </a:rPr>
+              <a:t>	Environment </a:t>
+            </a:r>
+            <a:r>
+              <a:rPr lang="en-US" sz="2000" dirty="0" smtClean="0">
+                <a:latin typeface="Calibri" charset="0"/>
+                <a:ea typeface="ＭＳ Ｐゴシック" charset="0"/>
+                <a:cs typeface="ＭＳ Ｐゴシック" charset="0"/>
+              </a:rPr>
+              <a:t>Setup </a:t>
+            </a:r>
+            <a:r>
+              <a:rPr lang="en-US" sz="2000" dirty="0">
+                <a:latin typeface="Calibri" charset="0"/>
+                <a:ea typeface="ＭＳ Ｐゴシック" charset="0"/>
+                <a:cs typeface="ＭＳ Ｐゴシック" charset="0"/>
+              </a:rPr>
+              <a:t>and </a:t>
+            </a:r>
+            <a:r>
+              <a:rPr lang="en-US" sz="2000" dirty="0" smtClean="0">
+                <a:latin typeface="Calibri" charset="0"/>
+                <a:ea typeface="ＭＳ Ｐゴシック" charset="0"/>
+                <a:cs typeface="ＭＳ Ｐゴシック" charset="0"/>
+              </a:rPr>
+              <a:t>Break</a:t>
+            </a:r>
+            <a:r>
+              <a:rPr lang="en-US" sz="2000" dirty="0">
+                <a:latin typeface="Calibri" charset="0"/>
+                <a:ea typeface="ＭＳ Ｐゴシック" charset="0"/>
+                <a:cs typeface="ＭＳ Ｐゴシック" charset="0"/>
+              </a:rPr>
+              <a:t>	</a:t>
+            </a:r>
+          </a:p>
+          <a:p>
+            <a:pPr marL="1614488" indent="-1614488" eaLnBrk="1" hangingPunct="1">
+              <a:lnSpc>
+                <a:spcPct val="90000"/>
+              </a:lnSpc>
+              <a:buClr>
+                <a:schemeClr val="accent2"/>
+              </a:buClr>
+              <a:buFont typeface="Wingdings 2" charset="0"/>
+              <a:buNone/>
+            </a:pPr>
+            <a:r>
+              <a:rPr lang="en-US" sz="2000" dirty="0" smtClean="0">
+                <a:latin typeface="Calibri" charset="0"/>
+                <a:ea typeface="ＭＳ Ｐゴシック" charset="0"/>
+                <a:cs typeface="ＭＳ Ｐゴシック" charset="0"/>
+              </a:rPr>
+              <a:t>10:15 –11:00</a:t>
+            </a:r>
+            <a:r>
+              <a:rPr lang="en-US" sz="2000" dirty="0">
+                <a:latin typeface="Calibri" charset="0"/>
+                <a:ea typeface="ＭＳ Ｐゴシック" charset="0"/>
+                <a:cs typeface="ＭＳ Ｐゴシック" charset="0"/>
+              </a:rPr>
+              <a:t>	Exercise 1: Granting </a:t>
+            </a:r>
+            <a:r>
+              <a:rPr lang="en-US" sz="2000" dirty="0" smtClean="0">
+                <a:latin typeface="Calibri" charset="0"/>
+                <a:ea typeface="ＭＳ Ｐゴシック" charset="0"/>
+                <a:cs typeface="ＭＳ Ｐゴシック" charset="0"/>
+              </a:rPr>
+              <a:t>Access </a:t>
+            </a:r>
+            <a:r>
+              <a:rPr lang="en-US" sz="2000" dirty="0">
+                <a:latin typeface="Calibri" charset="0"/>
+                <a:ea typeface="ＭＳ Ｐゴシック" charset="0"/>
+                <a:cs typeface="ＭＳ Ｐゴシック" charset="0"/>
+              </a:rPr>
+              <a:t>to Dropbox </a:t>
+            </a:r>
+            <a:r>
+              <a:rPr lang="en-US" sz="2000" dirty="0" smtClean="0">
+                <a:latin typeface="Calibri" charset="0"/>
+                <a:ea typeface="ＭＳ Ｐゴシック" charset="0"/>
+                <a:cs typeface="ＭＳ Ｐゴシック" charset="0"/>
+              </a:rPr>
+              <a:t>Programmatically</a:t>
+            </a:r>
+            <a:endParaRPr lang="en-US" sz="2000" dirty="0">
+              <a:latin typeface="Calibri" charset="0"/>
+              <a:ea typeface="ＭＳ Ｐゴシック" charset="0"/>
+              <a:cs typeface="ＭＳ Ｐゴシック" charset="0"/>
+            </a:endParaRPr>
+          </a:p>
+          <a:p>
+            <a:pPr marL="1614488" indent="-1614488" eaLnBrk="1" hangingPunct="1">
+              <a:lnSpc>
+                <a:spcPct val="90000"/>
+              </a:lnSpc>
+              <a:buClr>
+                <a:schemeClr val="accent2"/>
+              </a:buClr>
+              <a:buFont typeface="Wingdings 2" charset="0"/>
+              <a:buNone/>
+            </a:pPr>
+            <a:r>
+              <a:rPr lang="en-US" sz="2000" dirty="0" smtClean="0">
+                <a:latin typeface="Calibri" charset="0"/>
+                <a:ea typeface="ＭＳ Ｐゴシック" charset="0"/>
+                <a:cs typeface="ＭＳ Ｐゴシック" charset="0"/>
+              </a:rPr>
+              <a:t>11:00 </a:t>
+            </a:r>
+            <a:r>
+              <a:rPr lang="en-US" sz="2000" dirty="0">
+                <a:latin typeface="Calibri" charset="0"/>
+                <a:ea typeface="ＭＳ Ｐゴシック" charset="0"/>
+                <a:cs typeface="ＭＳ Ｐゴシック" charset="0"/>
+              </a:rPr>
+              <a:t>– </a:t>
+            </a:r>
+            <a:r>
+              <a:rPr lang="en-US" sz="2000" dirty="0" smtClean="0">
+                <a:latin typeface="Calibri" charset="0"/>
+                <a:ea typeface="ＭＳ Ｐゴシック" charset="0"/>
+                <a:cs typeface="ＭＳ Ｐゴシック" charset="0"/>
+              </a:rPr>
+              <a:t>11:15</a:t>
+            </a:r>
+            <a:r>
+              <a:rPr lang="en-US" sz="2000" dirty="0">
+                <a:latin typeface="Calibri" charset="0"/>
+                <a:ea typeface="ＭＳ Ｐゴシック" charset="0"/>
+                <a:cs typeface="ＭＳ Ｐゴシック" charset="0"/>
+              </a:rPr>
+              <a:t>	</a:t>
+            </a:r>
+            <a:r>
+              <a:rPr lang="en-US" sz="2000" dirty="0" smtClean="0">
+                <a:latin typeface="Calibri" charset="0"/>
+                <a:ea typeface="ＭＳ Ｐゴシック" charset="0"/>
+                <a:cs typeface="ＭＳ Ｐゴシック" charset="0"/>
+              </a:rPr>
+              <a:t>Break</a:t>
+            </a:r>
+            <a:endParaRPr lang="en-US" sz="2000" dirty="0">
+              <a:latin typeface="Calibri" charset="0"/>
+              <a:ea typeface="ＭＳ Ｐゴシック" charset="0"/>
+              <a:cs typeface="ＭＳ Ｐゴシック" charset="0"/>
+            </a:endParaRPr>
+          </a:p>
+          <a:p>
+            <a:pPr marL="1614488" indent="-1614488" eaLnBrk="1" hangingPunct="1">
+              <a:lnSpc>
+                <a:spcPct val="90000"/>
+              </a:lnSpc>
+              <a:buClr>
+                <a:schemeClr val="accent2"/>
+              </a:buClr>
+              <a:buFont typeface="Wingdings 2" charset="0"/>
+              <a:buNone/>
+            </a:pPr>
+            <a:r>
+              <a:rPr lang="en-US" sz="2000" dirty="0" smtClean="0">
+                <a:latin typeface="Calibri" charset="0"/>
+                <a:ea typeface="ＭＳ Ｐゴシック" charset="0"/>
+                <a:cs typeface="ＭＳ Ｐゴシック" charset="0"/>
+              </a:rPr>
+              <a:t>11:15 </a:t>
+            </a:r>
+            <a:r>
+              <a:rPr lang="en-US" sz="2000" dirty="0">
+                <a:latin typeface="Calibri" charset="0"/>
+                <a:ea typeface="ＭＳ Ｐゴシック" charset="0"/>
+                <a:cs typeface="ＭＳ Ｐゴシック" charset="0"/>
+              </a:rPr>
+              <a:t>– </a:t>
+            </a:r>
+            <a:r>
+              <a:rPr lang="en-US" sz="2000" dirty="0" smtClean="0">
+                <a:latin typeface="Calibri" charset="0"/>
+                <a:ea typeface="ＭＳ Ｐゴシック" charset="0"/>
+                <a:cs typeface="ＭＳ Ｐゴシック" charset="0"/>
+              </a:rPr>
+              <a:t>11:45</a:t>
+            </a:r>
+            <a:r>
+              <a:rPr lang="en-US" sz="2000" dirty="0">
+                <a:latin typeface="Calibri" charset="0"/>
+                <a:ea typeface="ＭＳ Ｐゴシック" charset="0"/>
+                <a:cs typeface="ＭＳ Ｐゴシック" charset="0"/>
+              </a:rPr>
+              <a:t>	Exercise 2: Using the Dropbox API to </a:t>
+            </a:r>
+            <a:r>
+              <a:rPr lang="en-US" sz="2000" dirty="0" smtClean="0">
+                <a:latin typeface="Calibri" charset="0"/>
+                <a:ea typeface="ＭＳ Ｐゴシック" charset="0"/>
+                <a:cs typeface="ＭＳ Ｐゴシック" charset="0"/>
+              </a:rPr>
+              <a:t>Read </a:t>
+            </a:r>
+            <a:r>
+              <a:rPr lang="en-US" sz="2000" dirty="0">
+                <a:latin typeface="Calibri" charset="0"/>
+                <a:ea typeface="ＭＳ Ｐゴシック" charset="0"/>
+                <a:cs typeface="ＭＳ Ｐゴシック" charset="0"/>
+              </a:rPr>
+              <a:t>and </a:t>
+            </a:r>
+            <a:r>
+              <a:rPr lang="en-US" sz="2000" dirty="0" smtClean="0">
+                <a:latin typeface="Calibri" charset="0"/>
+                <a:ea typeface="ＭＳ Ｐゴシック" charset="0"/>
+                <a:cs typeface="ＭＳ Ｐゴシック" charset="0"/>
+              </a:rPr>
+              <a:t>Write Files </a:t>
+            </a:r>
+          </a:p>
+          <a:p>
+            <a:pPr marL="1614488" indent="-1614488" eaLnBrk="1" hangingPunct="1">
+              <a:lnSpc>
+                <a:spcPct val="90000"/>
+              </a:lnSpc>
+              <a:buClr>
+                <a:schemeClr val="accent2"/>
+              </a:buClr>
+              <a:buNone/>
+            </a:pPr>
+            <a:r>
+              <a:rPr lang="en-US" sz="2000" dirty="0" smtClean="0">
+                <a:latin typeface="Calibri" charset="0"/>
+                <a:ea typeface="ＭＳ Ｐゴシック" charset="0"/>
+                <a:cs typeface="ＭＳ Ｐゴシック" charset="0"/>
+              </a:rPr>
+              <a:t>11:45 – 12:00	Discussion: What Do We Think of OAuth?</a:t>
+            </a:r>
+            <a:endParaRPr lang="en-US" sz="2000" dirty="0">
+              <a:latin typeface="Calibri" charset="0"/>
+              <a:ea typeface="ＭＳ Ｐゴシック" charset="0"/>
+              <a:cs typeface="ＭＳ Ｐゴシック" charset="0"/>
+            </a:endParaRPr>
+          </a:p>
+        </p:txBody>
+      </p:sp>
+      <p:sp>
+        <p:nvSpPr>
+          <p:cNvPr id="3076" name="Slide Number Placeholder 17"/>
+          <p:cNvSpPr>
+            <a:spLocks noGrp="1"/>
+          </p:cNvSpPr>
+          <p:nvPr>
+            <p:ph type="sldNum" sz="quarter" idx="12"/>
+          </p:nvPr>
+        </p:nvSpPr>
+        <p:spPr bwMode="auto">
+          <a:xfrm>
+            <a:off x="8402638" y="6473825"/>
+            <a:ext cx="284162" cy="247650"/>
+          </a:xfrm>
+          <a:noFill/>
+          <a:extLst>
+            <a:ext uri="{909E8E84-426E-40dd-AFC4-6F175D3DCCD1}">
+              <a14:hiddenFill xmlns:a14="http://schemas.microsoft.com/office/drawing/2010/main">
+                <a:solidFill>
+                  <a:srgbClr val="FFFFFF"/>
+                </a:solidFill>
+              </a14:hiddenFill>
+            </a:ext>
+            <a:ext uri="{91240B29-F687-4f45-9708-019B960494DF}">
+              <a14:hiddenLine xmlns:a14="http://schemas.microsoft.com/office/drawing/2010/main" w="9525">
+                <a:solidFill>
+                  <a:srgbClr val="000000"/>
+                </a:solidFill>
+                <a:miter lim="800000"/>
+                <a:headEnd/>
+                <a:tailEnd/>
+              </a14:hiddenLine>
+            </a:ext>
+          </a:extLst>
+        </p:spPr>
+        <p:txBody>
+          <a:bodyPr/>
+          <a:lstStyle>
+            <a:lvl1pPr>
+              <a:defRPr>
+                <a:solidFill>
+                  <a:schemeClr val="tx1"/>
+                </a:solidFill>
+                <a:latin typeface="Arial" charset="0"/>
+                <a:ea typeface="ＭＳ Ｐゴシック" charset="0"/>
+                <a:cs typeface="ＭＳ Ｐゴシック" charset="0"/>
+              </a:defRPr>
+            </a:lvl1pPr>
+            <a:lvl2pPr marL="742950" indent="-285750">
+              <a:defRPr>
+                <a:solidFill>
+                  <a:schemeClr val="tx1"/>
+                </a:solidFill>
+                <a:latin typeface="Arial" charset="0"/>
+                <a:ea typeface="ＭＳ Ｐゴシック" charset="0"/>
+              </a:defRPr>
+            </a:lvl2pPr>
+            <a:lvl3pPr marL="1143000" indent="-228600">
+              <a:defRPr>
+                <a:solidFill>
+                  <a:schemeClr val="tx1"/>
+                </a:solidFill>
+                <a:latin typeface="Arial" charset="0"/>
+                <a:ea typeface="ＭＳ Ｐゴシック" charset="0"/>
+              </a:defRPr>
+            </a:lvl3pPr>
+            <a:lvl4pPr marL="1600200" indent="-228600">
+              <a:defRPr>
+                <a:solidFill>
+                  <a:schemeClr val="tx1"/>
+                </a:solidFill>
+                <a:latin typeface="Arial" charset="0"/>
+                <a:ea typeface="ＭＳ Ｐゴシック" charset="0"/>
+              </a:defRPr>
+            </a:lvl4pPr>
+            <a:lvl5pPr marL="2057400" indent="-228600">
+              <a:defRPr>
+                <a:solidFill>
+                  <a:schemeClr val="tx1"/>
+                </a:solidFill>
+                <a:latin typeface="Arial" charset="0"/>
+                <a:ea typeface="ＭＳ Ｐゴシック" charset="0"/>
+              </a:defRPr>
+            </a:lvl5pPr>
+            <a:lvl6pPr marL="2514600" indent="-228600" eaLnBrk="0" fontAlgn="base" hangingPunct="0">
+              <a:spcBef>
+                <a:spcPct val="0"/>
+              </a:spcBef>
+              <a:spcAft>
+                <a:spcPct val="0"/>
+              </a:spcAft>
+              <a:defRPr>
+                <a:solidFill>
+                  <a:schemeClr val="tx1"/>
+                </a:solidFill>
+                <a:latin typeface="Arial" charset="0"/>
+                <a:ea typeface="ＭＳ Ｐゴシック" charset="0"/>
+              </a:defRPr>
+            </a:lvl6pPr>
+            <a:lvl7pPr marL="2971800" indent="-228600" eaLnBrk="0" fontAlgn="base" hangingPunct="0">
+              <a:spcBef>
+                <a:spcPct val="0"/>
+              </a:spcBef>
+              <a:spcAft>
+                <a:spcPct val="0"/>
+              </a:spcAft>
+              <a:defRPr>
+                <a:solidFill>
+                  <a:schemeClr val="tx1"/>
+                </a:solidFill>
+                <a:latin typeface="Arial" charset="0"/>
+                <a:ea typeface="ＭＳ Ｐゴシック" charset="0"/>
+              </a:defRPr>
+            </a:lvl7pPr>
+            <a:lvl8pPr marL="3429000" indent="-228600" eaLnBrk="0" fontAlgn="base" hangingPunct="0">
+              <a:spcBef>
+                <a:spcPct val="0"/>
+              </a:spcBef>
+              <a:spcAft>
+                <a:spcPct val="0"/>
+              </a:spcAft>
+              <a:defRPr>
+                <a:solidFill>
+                  <a:schemeClr val="tx1"/>
+                </a:solidFill>
+                <a:latin typeface="Arial" charset="0"/>
+                <a:ea typeface="ＭＳ Ｐゴシック" charset="0"/>
+              </a:defRPr>
+            </a:lvl8pPr>
+            <a:lvl9pPr marL="3886200" indent="-228600" eaLnBrk="0" fontAlgn="base" hangingPunct="0">
+              <a:spcBef>
+                <a:spcPct val="0"/>
+              </a:spcBef>
+              <a:spcAft>
+                <a:spcPct val="0"/>
+              </a:spcAft>
+              <a:defRPr>
+                <a:solidFill>
+                  <a:schemeClr val="tx1"/>
+                </a:solidFill>
+                <a:latin typeface="Arial" charset="0"/>
+                <a:ea typeface="ＭＳ Ｐゴシック" charset="0"/>
+              </a:defRPr>
+            </a:lvl9pPr>
+          </a:lstStyle>
+          <a:p>
+            <a:fld id="{9B73BB86-193E-BE4A-B4E7-B30E96C16081}" type="slidenum">
+              <a:rPr lang="en-GB" b="1">
+                <a:solidFill>
+                  <a:srgbClr val="045C75"/>
+                </a:solidFill>
+                <a:cs typeface="Arial" charset="0"/>
+              </a:rPr>
+              <a:pPr/>
+              <a:t>2</a:t>
+            </a:fld>
+            <a:endParaRPr lang="en-GB" b="1">
+              <a:solidFill>
+                <a:srgbClr val="045C75"/>
+              </a:solidFill>
+              <a:cs typeface="Arial" charset="0"/>
+            </a:endParaRPr>
+          </a:p>
+        </p:txBody>
+      </p:sp>
+    </p:spTree>
+  </p:cSld>
+  <p:clrMapOvr>
+    <a:masterClrMapping/>
+  </p:clrMapOvr>
+  <p:timing>
+    <p:tnLst>
+      <p:par>
+        <p:cTn xmlns:p14="http://schemas.microsoft.com/office/powerpoint/2010/main" id="1" dur="indefinite" restart="never" nodeType="tmRoot"/>
+      </p:par>
+    </p:tnLst>
+  </p:timing>
+</p:sld>
+</file>
+
+<file path=ppt/slides/slide20.xml><?xml version="1.0" encoding="utf-8"?>
+<p:sld xmlns:a="http://schemas.openxmlformats.org/drawingml/2006/main" xmlns:r="http://schemas.openxmlformats.org/officeDocument/2006/relationships" xmlns:p="http://schemas.openxmlformats.org/presentationml/2006/main">
+  <p:cSld>
+    <p:spTree>
+      <p:nvGrpSpPr>
+        <p:cNvPr id="1" name=""/>
+        <p:cNvGrpSpPr/>
+        <p:nvPr/>
+      </p:nvGrpSpPr>
+      <p:grpSpPr>
+        <a:xfrm>
+          <a:off x="0" y="0"/>
+          <a:ext cx="0" cy="0"/>
+          <a:chOff x="0" y="0"/>
+          <a:chExt cx="0" cy="0"/>
+        </a:xfrm>
+      </p:grpSpPr>
+      <p:sp>
+        <p:nvSpPr>
           <p:cNvPr id="6146" name="Rectangle 2"/>
           <p:cNvSpPr>
             <a:spLocks noGrp="1" noChangeArrowheads="1"/>
@@ -14576,7 +16370,7 @@
                 <a:cs typeface="Arial" charset="0"/>
               </a:rPr>
               <a:pPr/>
-              <a:t>19</a:t>
+              <a:t>20</a:t>
             </a:fld>
             <a:endParaRPr lang="en-GB" b="1" dirty="0">
               <a:solidFill>
@@ -14882,674 +16676,7 @@
 </p:sld>
 </file>
 
-<file path=ppt/slides/slide2.xml><?xml version="1.0" encoding="utf-8"?>
-<p:sld xmlns:a="http://schemas.openxmlformats.org/drawingml/2006/main" xmlns:r="http://schemas.openxmlformats.org/officeDocument/2006/relationships" xmlns:p="http://schemas.openxmlformats.org/presentationml/2006/main">
-  <p:cSld>
-    <p:spTree>
-      <p:nvGrpSpPr>
-        <p:cNvPr id="1" name=""/>
-        <p:cNvGrpSpPr/>
-        <p:nvPr/>
-      </p:nvGrpSpPr>
-      <p:grpSpPr>
-        <a:xfrm>
-          <a:off x="0" y="0"/>
-          <a:ext cx="0" cy="0"/>
-          <a:chOff x="0" y="0"/>
-          <a:chExt cx="0" cy="0"/>
-        </a:xfrm>
-      </p:grpSpPr>
-      <p:sp>
-        <p:nvSpPr>
-          <p:cNvPr id="3074" name="Rectangle 2"/>
-          <p:cNvSpPr>
-            <a:spLocks noGrp="1" noChangeArrowheads="1"/>
-          </p:cNvSpPr>
-          <p:nvPr>
-            <p:ph type="title" idx="4294967295"/>
-          </p:nvPr>
-        </p:nvSpPr>
-        <p:spPr/>
-        <p:txBody>
-          <a:bodyPr/>
-          <a:lstStyle/>
-          <a:p>
-            <a:pPr eaLnBrk="1" hangingPunct="1"/>
-            <a:r>
-              <a:rPr lang="en-GB">
-                <a:latin typeface="Calibri" charset="0"/>
-                <a:ea typeface="ＭＳ Ｐゴシック" charset="0"/>
-                <a:cs typeface="ＭＳ Ｐゴシック" charset="0"/>
-              </a:rPr>
-              <a:t>Agenda</a:t>
-            </a:r>
-          </a:p>
-        </p:txBody>
-      </p:sp>
-      <p:sp>
-        <p:nvSpPr>
-          <p:cNvPr id="3075" name="Rectangle 3"/>
-          <p:cNvSpPr>
-            <a:spLocks noGrp="1" noChangeArrowheads="1"/>
-          </p:cNvSpPr>
-          <p:nvPr>
-            <p:ph idx="4294967295"/>
-          </p:nvPr>
-        </p:nvSpPr>
-        <p:spPr>
-          <a:xfrm>
-            <a:off x="457200" y="1547813"/>
-            <a:ext cx="8229600" cy="2744341"/>
-          </a:xfrm>
-        </p:spPr>
-        <p:txBody>
-          <a:bodyPr>
-            <a:spAutoFit/>
-          </a:bodyPr>
-          <a:lstStyle/>
-          <a:p>
-            <a:pPr marL="1614488" indent="-1614488" eaLnBrk="1" hangingPunct="1">
-              <a:lnSpc>
-                <a:spcPct val="90000"/>
-              </a:lnSpc>
-              <a:buClr>
-                <a:schemeClr val="accent2"/>
-              </a:buClr>
-              <a:buFont typeface="Wingdings 2" charset="0"/>
-              <a:buNone/>
-            </a:pPr>
-            <a:r>
-              <a:rPr lang="en-US" sz="2000" dirty="0" smtClean="0">
-                <a:latin typeface="Calibri" charset="0"/>
-                <a:ea typeface="ＭＳ Ｐゴシック" charset="0"/>
-                <a:cs typeface="ＭＳ Ｐゴシック" charset="0"/>
-              </a:rPr>
-              <a:t>09:15 </a:t>
-            </a:r>
-            <a:r>
-              <a:rPr lang="en-US" sz="2000" dirty="0">
-                <a:latin typeface="Calibri" charset="0"/>
-                <a:ea typeface="ＭＳ Ｐゴシック" charset="0"/>
-                <a:cs typeface="ＭＳ Ｐゴシック" charset="0"/>
-              </a:rPr>
-              <a:t>- </a:t>
-            </a:r>
-            <a:r>
-              <a:rPr lang="en-US" sz="2000" dirty="0" smtClean="0">
-                <a:latin typeface="Calibri" charset="0"/>
-                <a:ea typeface="ＭＳ Ｐゴシック" charset="0"/>
-                <a:cs typeface="ＭＳ Ｐゴシック" charset="0"/>
-              </a:rPr>
-              <a:t>09:20</a:t>
-            </a:r>
-            <a:r>
-              <a:rPr lang="en-US" sz="2000" dirty="0">
-                <a:latin typeface="Calibri" charset="0"/>
-                <a:ea typeface="ＭＳ Ｐゴシック" charset="0"/>
-                <a:cs typeface="ＭＳ Ｐゴシック" charset="0"/>
-              </a:rPr>
-              <a:t>	Presenter </a:t>
-            </a:r>
-            <a:r>
-              <a:rPr lang="en-US" sz="2000" dirty="0" smtClean="0">
-                <a:latin typeface="Calibri" charset="0"/>
-                <a:ea typeface="ＭＳ Ｐゴシック" charset="0"/>
-                <a:cs typeface="ＭＳ Ｐゴシック" charset="0"/>
-              </a:rPr>
-              <a:t>Introduction</a:t>
-            </a:r>
-            <a:endParaRPr lang="en-US" sz="2000" dirty="0">
-              <a:latin typeface="Calibri" charset="0"/>
-              <a:ea typeface="ＭＳ Ｐゴシック" charset="0"/>
-              <a:cs typeface="ＭＳ Ｐゴシック" charset="0"/>
-            </a:endParaRPr>
-          </a:p>
-          <a:p>
-            <a:pPr marL="1614488" indent="-1614488" eaLnBrk="1" hangingPunct="1">
-              <a:lnSpc>
-                <a:spcPct val="90000"/>
-              </a:lnSpc>
-              <a:buClr>
-                <a:schemeClr val="accent2"/>
-              </a:buClr>
-              <a:buFont typeface="Wingdings 2" charset="0"/>
-              <a:buNone/>
-            </a:pPr>
-            <a:r>
-              <a:rPr lang="en-US" sz="2000" dirty="0" smtClean="0">
-                <a:latin typeface="Calibri" charset="0"/>
-                <a:ea typeface="ＭＳ Ｐゴシック" charset="0"/>
-                <a:cs typeface="ＭＳ Ｐゴシック" charset="0"/>
-              </a:rPr>
-              <a:t>09:20 </a:t>
-            </a:r>
-            <a:r>
-              <a:rPr lang="en-US" sz="2000" dirty="0">
-                <a:latin typeface="Calibri" charset="0"/>
-                <a:ea typeface="ＭＳ Ｐゴシック" charset="0"/>
-                <a:cs typeface="ＭＳ Ｐゴシック" charset="0"/>
-              </a:rPr>
-              <a:t>- </a:t>
-            </a:r>
-            <a:r>
-              <a:rPr lang="en-US" sz="2000" dirty="0" smtClean="0">
-                <a:latin typeface="Calibri" charset="0"/>
-                <a:ea typeface="ＭＳ Ｐゴシック" charset="0"/>
-                <a:cs typeface="ＭＳ Ｐゴシック" charset="0"/>
-              </a:rPr>
-              <a:t>09:30</a:t>
-            </a:r>
-            <a:r>
-              <a:rPr lang="en-US" sz="2000" dirty="0">
-                <a:latin typeface="Calibri" charset="0"/>
-                <a:ea typeface="ＭＳ Ｐゴシック" charset="0"/>
-                <a:cs typeface="ＭＳ Ｐゴシック" charset="0"/>
-              </a:rPr>
-              <a:t>	Problem </a:t>
-            </a:r>
-            <a:r>
-              <a:rPr lang="en-US" sz="2000" dirty="0" smtClean="0">
-                <a:latin typeface="Calibri" charset="0"/>
-                <a:ea typeface="ＭＳ Ｐゴシック" charset="0"/>
-                <a:cs typeface="ＭＳ Ｐゴシック" charset="0"/>
-              </a:rPr>
-              <a:t>Statement</a:t>
-            </a:r>
-          </a:p>
-          <a:p>
-            <a:pPr marL="1614488" indent="-1614488" eaLnBrk="1" hangingPunct="1">
-              <a:lnSpc>
-                <a:spcPct val="90000"/>
-              </a:lnSpc>
-              <a:buClr>
-                <a:schemeClr val="accent2"/>
-              </a:buClr>
-              <a:buFont typeface="Wingdings 2" charset="0"/>
-              <a:buNone/>
-            </a:pPr>
-            <a:r>
-              <a:rPr lang="en-US" sz="2000" dirty="0" smtClean="0">
-                <a:latin typeface="Calibri" charset="0"/>
-                <a:ea typeface="ＭＳ Ｐゴシック" charset="0"/>
-                <a:cs typeface="ＭＳ Ｐゴシック" charset="0"/>
-              </a:rPr>
-              <a:t>09:30 – 10:00	OAuth Overview</a:t>
-            </a:r>
-            <a:r>
-              <a:rPr lang="en-US" sz="2000" dirty="0">
-                <a:latin typeface="Calibri" charset="0"/>
-                <a:ea typeface="ＭＳ Ｐゴシック" charset="0"/>
-                <a:cs typeface="ＭＳ Ｐゴシック" charset="0"/>
-              </a:rPr>
-              <a:t>	</a:t>
-            </a:r>
-          </a:p>
-          <a:p>
-            <a:pPr marL="1614488" indent="-1614488" eaLnBrk="1" hangingPunct="1">
-              <a:lnSpc>
-                <a:spcPct val="90000"/>
-              </a:lnSpc>
-              <a:buClr>
-                <a:schemeClr val="accent2"/>
-              </a:buClr>
-              <a:buFont typeface="Wingdings 2" charset="0"/>
-              <a:buNone/>
-            </a:pPr>
-            <a:r>
-              <a:rPr lang="en-US" sz="2000" dirty="0" smtClean="0">
-                <a:latin typeface="Calibri" charset="0"/>
-                <a:ea typeface="ＭＳ Ｐゴシック" charset="0"/>
-                <a:cs typeface="ＭＳ Ｐゴシック" charset="0"/>
-              </a:rPr>
-              <a:t>10:00 </a:t>
-            </a:r>
-            <a:r>
-              <a:rPr lang="en-US" sz="2000" dirty="0">
-                <a:latin typeface="Calibri" charset="0"/>
-                <a:ea typeface="ＭＳ Ｐゴシック" charset="0"/>
-                <a:cs typeface="ＭＳ Ｐゴシック" charset="0"/>
-              </a:rPr>
-              <a:t>– </a:t>
-            </a:r>
-            <a:r>
-              <a:rPr lang="en-US" sz="2000" dirty="0" smtClean="0">
-                <a:latin typeface="Calibri" charset="0"/>
-                <a:ea typeface="ＭＳ Ｐゴシック" charset="0"/>
-                <a:cs typeface="ＭＳ Ｐゴシック" charset="0"/>
-              </a:rPr>
-              <a:t>10:15</a:t>
-            </a:r>
-            <a:r>
-              <a:rPr lang="en-US" sz="2000" dirty="0">
-                <a:latin typeface="Calibri" charset="0"/>
-                <a:ea typeface="ＭＳ Ｐゴシック" charset="0"/>
-                <a:cs typeface="ＭＳ Ｐゴシック" charset="0"/>
-              </a:rPr>
-              <a:t>	Environment </a:t>
-            </a:r>
-            <a:r>
-              <a:rPr lang="en-US" sz="2000" dirty="0" smtClean="0">
-                <a:latin typeface="Calibri" charset="0"/>
-                <a:ea typeface="ＭＳ Ｐゴシック" charset="0"/>
-                <a:cs typeface="ＭＳ Ｐゴシック" charset="0"/>
-              </a:rPr>
-              <a:t>Setup </a:t>
-            </a:r>
-            <a:r>
-              <a:rPr lang="en-US" sz="2000" dirty="0">
-                <a:latin typeface="Calibri" charset="0"/>
-                <a:ea typeface="ＭＳ Ｐゴシック" charset="0"/>
-                <a:cs typeface="ＭＳ Ｐゴシック" charset="0"/>
-              </a:rPr>
-              <a:t>and </a:t>
-            </a:r>
-            <a:r>
-              <a:rPr lang="en-US" sz="2000" dirty="0" smtClean="0">
-                <a:latin typeface="Calibri" charset="0"/>
-                <a:ea typeface="ＭＳ Ｐゴシック" charset="0"/>
-                <a:cs typeface="ＭＳ Ｐゴシック" charset="0"/>
-              </a:rPr>
-              <a:t>Break</a:t>
-            </a:r>
-            <a:r>
-              <a:rPr lang="en-US" sz="2000" dirty="0">
-                <a:latin typeface="Calibri" charset="0"/>
-                <a:ea typeface="ＭＳ Ｐゴシック" charset="0"/>
-                <a:cs typeface="ＭＳ Ｐゴシック" charset="0"/>
-              </a:rPr>
-              <a:t>	</a:t>
-            </a:r>
-          </a:p>
-          <a:p>
-            <a:pPr marL="1614488" indent="-1614488" eaLnBrk="1" hangingPunct="1">
-              <a:lnSpc>
-                <a:spcPct val="90000"/>
-              </a:lnSpc>
-              <a:buClr>
-                <a:schemeClr val="accent2"/>
-              </a:buClr>
-              <a:buFont typeface="Wingdings 2" charset="0"/>
-              <a:buNone/>
-            </a:pPr>
-            <a:r>
-              <a:rPr lang="en-US" sz="2000" dirty="0" smtClean="0">
-                <a:latin typeface="Calibri" charset="0"/>
-                <a:ea typeface="ＭＳ Ｐゴシック" charset="0"/>
-                <a:cs typeface="ＭＳ Ｐゴシック" charset="0"/>
-              </a:rPr>
-              <a:t>10:15 –11:00</a:t>
-            </a:r>
-            <a:r>
-              <a:rPr lang="en-US" sz="2000" dirty="0">
-                <a:latin typeface="Calibri" charset="0"/>
-                <a:ea typeface="ＭＳ Ｐゴシック" charset="0"/>
-                <a:cs typeface="ＭＳ Ｐゴシック" charset="0"/>
-              </a:rPr>
-              <a:t>	Exercise 1: Granting </a:t>
-            </a:r>
-            <a:r>
-              <a:rPr lang="en-US" sz="2000" dirty="0" smtClean="0">
-                <a:latin typeface="Calibri" charset="0"/>
-                <a:ea typeface="ＭＳ Ｐゴシック" charset="0"/>
-                <a:cs typeface="ＭＳ Ｐゴシック" charset="0"/>
-              </a:rPr>
-              <a:t>Access </a:t>
-            </a:r>
-            <a:r>
-              <a:rPr lang="en-US" sz="2000" dirty="0">
-                <a:latin typeface="Calibri" charset="0"/>
-                <a:ea typeface="ＭＳ Ｐゴシック" charset="0"/>
-                <a:cs typeface="ＭＳ Ｐゴシック" charset="0"/>
-              </a:rPr>
-              <a:t>to Dropbox </a:t>
-            </a:r>
-            <a:r>
-              <a:rPr lang="en-US" sz="2000" dirty="0" smtClean="0">
-                <a:latin typeface="Calibri" charset="0"/>
-                <a:ea typeface="ＭＳ Ｐゴシック" charset="0"/>
-                <a:cs typeface="ＭＳ Ｐゴシック" charset="0"/>
-              </a:rPr>
-              <a:t>Programmatically</a:t>
-            </a:r>
-            <a:endParaRPr lang="en-US" sz="2000" dirty="0">
-              <a:latin typeface="Calibri" charset="0"/>
-              <a:ea typeface="ＭＳ Ｐゴシック" charset="0"/>
-              <a:cs typeface="ＭＳ Ｐゴシック" charset="0"/>
-            </a:endParaRPr>
-          </a:p>
-          <a:p>
-            <a:pPr marL="1614488" indent="-1614488" eaLnBrk="1" hangingPunct="1">
-              <a:lnSpc>
-                <a:spcPct val="90000"/>
-              </a:lnSpc>
-              <a:buClr>
-                <a:schemeClr val="accent2"/>
-              </a:buClr>
-              <a:buFont typeface="Wingdings 2" charset="0"/>
-              <a:buNone/>
-            </a:pPr>
-            <a:r>
-              <a:rPr lang="en-US" sz="2000" dirty="0" smtClean="0">
-                <a:latin typeface="Calibri" charset="0"/>
-                <a:ea typeface="ＭＳ Ｐゴシック" charset="0"/>
-                <a:cs typeface="ＭＳ Ｐゴシック" charset="0"/>
-              </a:rPr>
-              <a:t>11:00 </a:t>
-            </a:r>
-            <a:r>
-              <a:rPr lang="en-US" sz="2000" dirty="0">
-                <a:latin typeface="Calibri" charset="0"/>
-                <a:ea typeface="ＭＳ Ｐゴシック" charset="0"/>
-                <a:cs typeface="ＭＳ Ｐゴシック" charset="0"/>
-              </a:rPr>
-              <a:t>– </a:t>
-            </a:r>
-            <a:r>
-              <a:rPr lang="en-US" sz="2000" dirty="0" smtClean="0">
-                <a:latin typeface="Calibri" charset="0"/>
-                <a:ea typeface="ＭＳ Ｐゴシック" charset="0"/>
-                <a:cs typeface="ＭＳ Ｐゴシック" charset="0"/>
-              </a:rPr>
-              <a:t>11:15</a:t>
-            </a:r>
-            <a:r>
-              <a:rPr lang="en-US" sz="2000" dirty="0">
-                <a:latin typeface="Calibri" charset="0"/>
-                <a:ea typeface="ＭＳ Ｐゴシック" charset="0"/>
-                <a:cs typeface="ＭＳ Ｐゴシック" charset="0"/>
-              </a:rPr>
-              <a:t>	</a:t>
-            </a:r>
-            <a:r>
-              <a:rPr lang="en-US" sz="2000" dirty="0" smtClean="0">
-                <a:latin typeface="Calibri" charset="0"/>
-                <a:ea typeface="ＭＳ Ｐゴシック" charset="0"/>
-                <a:cs typeface="ＭＳ Ｐゴシック" charset="0"/>
-              </a:rPr>
-              <a:t>Break</a:t>
-            </a:r>
-            <a:endParaRPr lang="en-US" sz="2000" dirty="0">
-              <a:latin typeface="Calibri" charset="0"/>
-              <a:ea typeface="ＭＳ Ｐゴシック" charset="0"/>
-              <a:cs typeface="ＭＳ Ｐゴシック" charset="0"/>
-            </a:endParaRPr>
-          </a:p>
-          <a:p>
-            <a:pPr marL="1614488" indent="-1614488" eaLnBrk="1" hangingPunct="1">
-              <a:lnSpc>
-                <a:spcPct val="90000"/>
-              </a:lnSpc>
-              <a:buClr>
-                <a:schemeClr val="accent2"/>
-              </a:buClr>
-              <a:buFont typeface="Wingdings 2" charset="0"/>
-              <a:buNone/>
-            </a:pPr>
-            <a:r>
-              <a:rPr lang="en-US" sz="2000" dirty="0" smtClean="0">
-                <a:latin typeface="Calibri" charset="0"/>
-                <a:ea typeface="ＭＳ Ｐゴシック" charset="0"/>
-                <a:cs typeface="ＭＳ Ｐゴシック" charset="0"/>
-              </a:rPr>
-              <a:t>11:15 </a:t>
-            </a:r>
-            <a:r>
-              <a:rPr lang="en-US" sz="2000" dirty="0">
-                <a:latin typeface="Calibri" charset="0"/>
-                <a:ea typeface="ＭＳ Ｐゴシック" charset="0"/>
-                <a:cs typeface="ＭＳ Ｐゴシック" charset="0"/>
-              </a:rPr>
-              <a:t>– </a:t>
-            </a:r>
-            <a:r>
-              <a:rPr lang="en-US" sz="2000" dirty="0" smtClean="0">
-                <a:latin typeface="Calibri" charset="0"/>
-                <a:ea typeface="ＭＳ Ｐゴシック" charset="0"/>
-                <a:cs typeface="ＭＳ Ｐゴシック" charset="0"/>
-              </a:rPr>
-              <a:t>11:45</a:t>
-            </a:r>
-            <a:r>
-              <a:rPr lang="en-US" sz="2000" dirty="0">
-                <a:latin typeface="Calibri" charset="0"/>
-                <a:ea typeface="ＭＳ Ｐゴシック" charset="0"/>
-                <a:cs typeface="ＭＳ Ｐゴシック" charset="0"/>
-              </a:rPr>
-              <a:t>	Exercise 2: Using the Dropbox API to </a:t>
-            </a:r>
-            <a:r>
-              <a:rPr lang="en-US" sz="2000" dirty="0" smtClean="0">
-                <a:latin typeface="Calibri" charset="0"/>
-                <a:ea typeface="ＭＳ Ｐゴシック" charset="0"/>
-                <a:cs typeface="ＭＳ Ｐゴシック" charset="0"/>
-              </a:rPr>
-              <a:t>Read </a:t>
-            </a:r>
-            <a:r>
-              <a:rPr lang="en-US" sz="2000" dirty="0">
-                <a:latin typeface="Calibri" charset="0"/>
-                <a:ea typeface="ＭＳ Ｐゴシック" charset="0"/>
-                <a:cs typeface="ＭＳ Ｐゴシック" charset="0"/>
-              </a:rPr>
-              <a:t>and </a:t>
-            </a:r>
-            <a:r>
-              <a:rPr lang="en-US" sz="2000" dirty="0" smtClean="0">
-                <a:latin typeface="Calibri" charset="0"/>
-                <a:ea typeface="ＭＳ Ｐゴシック" charset="0"/>
-                <a:cs typeface="ＭＳ Ｐゴシック" charset="0"/>
-              </a:rPr>
-              <a:t>Write Files </a:t>
-            </a:r>
-          </a:p>
-          <a:p>
-            <a:pPr marL="1614488" indent="-1614488" eaLnBrk="1" hangingPunct="1">
-              <a:lnSpc>
-                <a:spcPct val="90000"/>
-              </a:lnSpc>
-              <a:buClr>
-                <a:schemeClr val="accent2"/>
-              </a:buClr>
-              <a:buNone/>
-            </a:pPr>
-            <a:r>
-              <a:rPr lang="en-US" sz="2000" dirty="0" smtClean="0">
-                <a:latin typeface="Calibri" charset="0"/>
-                <a:ea typeface="ＭＳ Ｐゴシック" charset="0"/>
-                <a:cs typeface="ＭＳ Ｐゴシック" charset="0"/>
-              </a:rPr>
-              <a:t>11:45 – 12:00	Discussion: What Do We Think of OAuth?</a:t>
-            </a:r>
-            <a:endParaRPr lang="en-US" sz="2000" dirty="0">
-              <a:latin typeface="Calibri" charset="0"/>
-              <a:ea typeface="ＭＳ Ｐゴシック" charset="0"/>
-              <a:cs typeface="ＭＳ Ｐゴシック" charset="0"/>
-            </a:endParaRPr>
-          </a:p>
-        </p:txBody>
-      </p:sp>
-      <p:sp>
-        <p:nvSpPr>
-          <p:cNvPr id="3076" name="Slide Number Placeholder 17"/>
-          <p:cNvSpPr>
-            <a:spLocks noGrp="1"/>
-          </p:cNvSpPr>
-          <p:nvPr>
-            <p:ph type="sldNum" sz="quarter" idx="12"/>
-          </p:nvPr>
-        </p:nvSpPr>
-        <p:spPr bwMode="auto">
-          <a:xfrm>
-            <a:off x="8402638" y="6473825"/>
-            <a:ext cx="284162" cy="247650"/>
-          </a:xfrm>
-          <a:noFill/>
-          <a:extLst>
-            <a:ext uri="{909E8E84-426E-40dd-AFC4-6F175D3DCCD1}">
-              <a14:hiddenFill xmlns:a14="http://schemas.microsoft.com/office/drawing/2010/main">
-                <a:solidFill>
-                  <a:srgbClr val="FFFFFF"/>
-                </a:solidFill>
-              </a14:hiddenFill>
-            </a:ext>
-            <a:ext uri="{91240B29-F687-4f45-9708-019B960494DF}">
-              <a14:hiddenLine xmlns:a14="http://schemas.microsoft.com/office/drawing/2010/main" w="9525">
-                <a:solidFill>
-                  <a:srgbClr val="000000"/>
-                </a:solidFill>
-                <a:miter lim="800000"/>
-                <a:headEnd/>
-                <a:tailEnd/>
-              </a14:hiddenLine>
-            </a:ext>
-          </a:extLst>
-        </p:spPr>
-        <p:txBody>
-          <a:bodyPr/>
-          <a:lstStyle>
-            <a:lvl1pPr>
-              <a:defRPr>
-                <a:solidFill>
-                  <a:schemeClr val="tx1"/>
-                </a:solidFill>
-                <a:latin typeface="Arial" charset="0"/>
-                <a:ea typeface="ＭＳ Ｐゴシック" charset="0"/>
-                <a:cs typeface="ＭＳ Ｐゴシック" charset="0"/>
-              </a:defRPr>
-            </a:lvl1pPr>
-            <a:lvl2pPr marL="742950" indent="-285750">
-              <a:defRPr>
-                <a:solidFill>
-                  <a:schemeClr val="tx1"/>
-                </a:solidFill>
-                <a:latin typeface="Arial" charset="0"/>
-                <a:ea typeface="ＭＳ Ｐゴシック" charset="0"/>
-              </a:defRPr>
-            </a:lvl2pPr>
-            <a:lvl3pPr marL="1143000" indent="-228600">
-              <a:defRPr>
-                <a:solidFill>
-                  <a:schemeClr val="tx1"/>
-                </a:solidFill>
-                <a:latin typeface="Arial" charset="0"/>
-                <a:ea typeface="ＭＳ Ｐゴシック" charset="0"/>
-              </a:defRPr>
-            </a:lvl3pPr>
-            <a:lvl4pPr marL="1600200" indent="-228600">
-              <a:defRPr>
-                <a:solidFill>
-                  <a:schemeClr val="tx1"/>
-                </a:solidFill>
-                <a:latin typeface="Arial" charset="0"/>
-                <a:ea typeface="ＭＳ Ｐゴシック" charset="0"/>
-              </a:defRPr>
-            </a:lvl4pPr>
-            <a:lvl5pPr marL="2057400" indent="-228600">
-              <a:defRPr>
-                <a:solidFill>
-                  <a:schemeClr val="tx1"/>
-                </a:solidFill>
-                <a:latin typeface="Arial" charset="0"/>
-                <a:ea typeface="ＭＳ Ｐゴシック" charset="0"/>
-              </a:defRPr>
-            </a:lvl5pPr>
-            <a:lvl6pPr marL="2514600" indent="-228600" eaLnBrk="0" fontAlgn="base" hangingPunct="0">
-              <a:spcBef>
-                <a:spcPct val="0"/>
-              </a:spcBef>
-              <a:spcAft>
-                <a:spcPct val="0"/>
-              </a:spcAft>
-              <a:defRPr>
-                <a:solidFill>
-                  <a:schemeClr val="tx1"/>
-                </a:solidFill>
-                <a:latin typeface="Arial" charset="0"/>
-                <a:ea typeface="ＭＳ Ｐゴシック" charset="0"/>
-              </a:defRPr>
-            </a:lvl6pPr>
-            <a:lvl7pPr marL="2971800" indent="-228600" eaLnBrk="0" fontAlgn="base" hangingPunct="0">
-              <a:spcBef>
-                <a:spcPct val="0"/>
-              </a:spcBef>
-              <a:spcAft>
-                <a:spcPct val="0"/>
-              </a:spcAft>
-              <a:defRPr>
-                <a:solidFill>
-                  <a:schemeClr val="tx1"/>
-                </a:solidFill>
-                <a:latin typeface="Arial" charset="0"/>
-                <a:ea typeface="ＭＳ Ｐゴシック" charset="0"/>
-              </a:defRPr>
-            </a:lvl7pPr>
-            <a:lvl8pPr marL="3429000" indent="-228600" eaLnBrk="0" fontAlgn="base" hangingPunct="0">
-              <a:spcBef>
-                <a:spcPct val="0"/>
-              </a:spcBef>
-              <a:spcAft>
-                <a:spcPct val="0"/>
-              </a:spcAft>
-              <a:defRPr>
-                <a:solidFill>
-                  <a:schemeClr val="tx1"/>
-                </a:solidFill>
-                <a:latin typeface="Arial" charset="0"/>
-                <a:ea typeface="ＭＳ Ｐゴシック" charset="0"/>
-              </a:defRPr>
-            </a:lvl8pPr>
-            <a:lvl9pPr marL="3886200" indent="-228600" eaLnBrk="0" fontAlgn="base" hangingPunct="0">
-              <a:spcBef>
-                <a:spcPct val="0"/>
-              </a:spcBef>
-              <a:spcAft>
-                <a:spcPct val="0"/>
-              </a:spcAft>
-              <a:defRPr>
-                <a:solidFill>
-                  <a:schemeClr val="tx1"/>
-                </a:solidFill>
-                <a:latin typeface="Arial" charset="0"/>
-                <a:ea typeface="ＭＳ Ｐゴシック" charset="0"/>
-              </a:defRPr>
-            </a:lvl9pPr>
-          </a:lstStyle>
-          <a:p>
-            <a:fld id="{9B73BB86-193E-BE4A-B4E7-B30E96C16081}" type="slidenum">
-              <a:rPr lang="en-GB" b="1">
-                <a:solidFill>
-                  <a:srgbClr val="045C75"/>
-                </a:solidFill>
-                <a:cs typeface="Arial" charset="0"/>
-              </a:rPr>
-              <a:pPr/>
-              <a:t>2</a:t>
-            </a:fld>
-            <a:endParaRPr lang="en-GB" b="1">
-              <a:solidFill>
-                <a:srgbClr val="045C75"/>
-              </a:solidFill>
-              <a:cs typeface="Arial" charset="0"/>
-            </a:endParaRPr>
-          </a:p>
-        </p:txBody>
-      </p:sp>
-    </p:spTree>
-  </p:cSld>
-  <p:clrMapOvr>
-    <a:masterClrMapping/>
-  </p:clrMapOvr>
-  <p:timing>
-    <p:tnLst>
-      <p:par>
-        <p:cTn xmlns:p14="http://schemas.microsoft.com/office/powerpoint/2010/main" id="1" dur="indefinite" restart="never" nodeType="tmRoot"/>
-      </p:par>
-    </p:tnLst>
-  </p:timing>
-</p:sld>
-</file>
-
-<file path=ppt/slides/slide20.xml><?xml version="1.0" encoding="utf-8"?>
+<file path=ppt/slides/slide21.xml><?xml version="1.0" encoding="utf-8"?>
 <p:sld xmlns:a="http://schemas.openxmlformats.org/drawingml/2006/main" xmlns:r="http://schemas.openxmlformats.org/officeDocument/2006/relationships" xmlns:p="http://schemas.openxmlformats.org/presentationml/2006/main">
   <p:cSld>
     <p:spTree>
@@ -15806,7 +16933,7 @@
 </p:sld>
 </file>
 
-<file path=ppt/slides/slide21.xml><?xml version="1.0" encoding="utf-8"?>
+<file path=ppt/slides/slide22.xml><?xml version="1.0" encoding="utf-8"?>
 <p:sld xmlns:a="http://schemas.openxmlformats.org/drawingml/2006/main" xmlns:r="http://schemas.openxmlformats.org/officeDocument/2006/relationships" xmlns:p="http://schemas.openxmlformats.org/presentationml/2006/main">
   <p:cSld>
     <p:spTree>
@@ -16022,7 +17149,23 @@
                 <a:ea typeface="ＭＳ Ｐゴシック" charset="0"/>
                 <a:cs typeface="ＭＳ Ｐゴシック" charset="0"/>
               </a:rPr>
-              <a:t>You can also make Dropbox calls in the interpreter using the module variable </a:t>
+              <a:t>You can also make Dropbox calls in the </a:t>
+            </a:r>
+            <a:r>
+              <a:rPr lang="en-GB" sz="2000" dirty="0" smtClean="0">
+                <a:latin typeface="Calibri" charset="0"/>
+                <a:ea typeface="ＭＳ Ｐゴシック" charset="0"/>
+                <a:cs typeface="ＭＳ Ｐゴシック" charset="0"/>
+              </a:rPr>
+              <a:t>Python interpreter </a:t>
+            </a:r>
+            <a:r>
+              <a:rPr lang="en-GB" sz="2000" dirty="0" smtClean="0">
+                <a:latin typeface="Calibri" charset="0"/>
+                <a:ea typeface="ＭＳ Ｐゴシック" charset="0"/>
+                <a:cs typeface="ＭＳ Ｐゴシック" charset="0"/>
+              </a:rPr>
+              <a:t>using the module variable </a:t>
             </a:r>
             <a:r>
               <a:rPr lang="en-GB" sz="2000" b="1" dirty="0" err="1" smtClean="0"/>
@@ -16243,7 +17386,7 @@
                 <a:cs typeface="Arial" charset="0"/>
               </a:rPr>
               <a:pPr/>
-              <a:t>21</a:t>
+              <a:t>22</a:t>
             </a:fld>
             <a:endParaRPr lang="en-GB" b="1" dirty="0">
               <a:solidFill>
@@ -16411,7 +17554,7 @@
 </p:sld>
 </file>
 
-<file path=ppt/slides/slide22.xml><?xml version="1.0" encoding="utf-8"?>
+<file path=ppt/slides/slide23.xml><?xml version="1.0" encoding="utf-8"?>
 <p:sld xmlns:a="http://schemas.openxmlformats.org/drawingml/2006/main" xmlns:r="http://schemas.openxmlformats.org/officeDocument/2006/relationships" xmlns:p="http://schemas.openxmlformats.org/presentationml/2006/main">
   <p:cSld>
     <p:spTree>
@@ -16650,7 +17793,7 @@
 </p:sld>
 </file>
 
-<file path=ppt/slides/slide23.xml><?xml version="1.0" encoding="utf-8"?>
+<file path=ppt/slides/slide24.xml><?xml version="1.0" encoding="utf-8"?>
 <p:sld xmlns:a="http://schemas.openxmlformats.org/drawingml/2006/main" xmlns:r="http://schemas.openxmlformats.org/officeDocument/2006/relationships" xmlns:p="http://schemas.openxmlformats.org/presentationml/2006/main">
   <p:cSld>
     <p:spTree>
@@ -17093,7 +18236,7 @@
                 <a:cs typeface="Arial" charset="0"/>
               </a:rPr>
               <a:pPr/>
-              <a:t>23</a:t>
+              <a:t>24</a:t>
             </a:fld>
             <a:endParaRPr lang="en-GB" b="1" dirty="0">
               <a:solidFill>
@@ -17178,7 +18321,7 @@
 </p:sld>
 </file>
 
-<file path=ppt/slides/slide24.xml><?xml version="1.0" encoding="utf-8"?>
+<file path=ppt/slides/slide25.xml><?xml version="1.0" encoding="utf-8"?>
 <p:sld xmlns:a="http://schemas.openxmlformats.org/drawingml/2006/main" xmlns:r="http://schemas.openxmlformats.org/officeDocument/2006/relationships" xmlns:p="http://schemas.openxmlformats.org/presentationml/2006/main">
   <p:cSld>
     <p:spTree>
@@ -17417,7 +18560,7 @@
 </p:sld>
 </file>
 
-<file path=ppt/slides/slide25.xml><?xml version="1.0" encoding="utf-8"?>
+<file path=ppt/slides/slide26.xml><?xml version="1.0" encoding="utf-8"?>
 <p:sld xmlns:a="http://schemas.openxmlformats.org/drawingml/2006/main" xmlns:r="http://schemas.openxmlformats.org/officeDocument/2006/relationships" xmlns:p="http://schemas.openxmlformats.org/presentationml/2006/main">
   <p:cSld>
     <p:spTree>
@@ -17619,7 +18762,7 @@
                 <a:cs typeface="Arial" charset="0"/>
               </a:rPr>
               <a:pPr/>
-              <a:t>25</a:t>
+              <a:t>26</a:t>
             </a:fld>
             <a:endParaRPr lang="en-GB" b="1" dirty="0">
               <a:solidFill>
@@ -18312,7 +19455,7 @@
 </p:sld>
 </file>
 
-<file path=ppt/slides/slide26.xml><?xml version="1.0" encoding="utf-8"?>
+<file path=ppt/slides/slide27.xml><?xml version="1.0" encoding="utf-8"?>
 <p:sld xmlns:a="http://schemas.openxmlformats.org/drawingml/2006/main" xmlns:r="http://schemas.openxmlformats.org/officeDocument/2006/relationships" xmlns:p="http://schemas.openxmlformats.org/presentationml/2006/main">
   <p:cSld>
     <p:spTree>
@@ -18977,7 +20120,7 @@
                 <a:cs typeface="Arial" charset="0"/>
               </a:rPr>
               <a:pPr/>
-              <a:t>26</a:t>
+              <a:t>27</a:t>
             </a:fld>
             <a:endParaRPr lang="en-GB" b="1" dirty="0">
               <a:solidFill>
@@ -25389,7 +26532,7 @@
           <p:nvPr>
             <p:extLst>
               <p:ext uri="{D42A27DB-BD31-4B8C-83A1-F6EECF244321}">
-                <p14:modId xmlns:p14="http://schemas.microsoft.com/office/powerpoint/2010/main" val="1649218641"/>
+                <p14:modId xmlns:p14="http://schemas.microsoft.com/office/powerpoint/2010/main" val="1349074016"/>
               </p:ext>
             </p:extLst>
           </p:nvPr>
@@ -25646,7 +26789,11 @@
                       </a:pPr>
                       <a:r>
                         <a:rPr lang="en-GB" sz="1400" baseline="0" dirty="0" smtClean="0"/>
-                        <a:t>receives access consent from user</a:t>
+                        <a:t>receive </a:t>
+                      </a:r>
+                      <a:r>
+                        <a:rPr lang="en-GB" sz="1400" baseline="0" dirty="0" smtClean="0"/>
+                        <a:t>access consent from user</a:t>
                       </a:r>
                     </a:p>
                     <a:p>
@@ -25656,7 +26803,11 @@
                       </a:pPr>
                       <a:r>
                         <a:rPr lang="en-GB" sz="1400" dirty="0" smtClean="0"/>
-                        <a:t>issues access</a:t>
+                        <a:t>issue </a:t>
+                      </a:r>
+                      <a:r>
+                        <a:rPr lang="en-GB" sz="1400" dirty="0" smtClean="0"/>
+                        <a:t>access</a:t>
                       </a:r>
                       <a:r>
                         <a:rPr lang="en-GB" sz="1400" baseline="0" dirty="0" smtClean="0"/>
@@ -25670,7 +26821,11 @@
                       </a:pPr>
                       <a:r>
                         <a:rPr lang="en-GB" sz="1400" baseline="0" dirty="0" smtClean="0"/>
-                        <a:t>validates access tokens provided by clients</a:t>
+                        <a:t>validate </a:t>
+                      </a:r>
+                      <a:r>
+                        <a:rPr lang="en-GB" sz="1400" baseline="0" dirty="0" smtClean="0"/>
+                        <a:t>access tokens provided by clients</a:t>
                       </a:r>
                       <a:endParaRPr lang="en-GB" sz="1400" dirty="0"/>
                     </a:p>
@@ -25789,54 +26944,6 @@
                     <a:p>
                       <a:r>
                         <a:rPr lang="en-GB" sz="1400" b="1" dirty="0" smtClean="0"/>
-                        <a:t>Authorisation workflow</a:t>
-                      </a:r>
-                      <a:endParaRPr lang="en-GB" sz="1400" b="1" dirty="0"/>
-                    </a:p>
-                  </a:txBody>
-                  <a:tcPr/>
-                </a:tc>
-                <a:tc>
-                  <a:txBody>
-                    <a:bodyPr/>
-                    <a:lstStyle/>
-                    <a:p>
-                      <a:r>
-                        <a:rPr lang="en-GB" sz="1400" dirty="0" smtClean="0"/>
-                        <a:t>A sequence of steps in which the resource</a:t>
-                      </a:r>
-                      <a:r>
-                        <a:rPr lang="en-GB" sz="1400" baseline="0" dirty="0" smtClean="0"/>
-                        <a:t> owner authorises a client to access a protected resource</a:t>
-                      </a:r>
-                      <a:endParaRPr lang="en-GB" sz="1400" dirty="0"/>
-                    </a:p>
-                  </a:txBody>
-                  <a:tcPr/>
-                </a:tc>
-                <a:tc>
-                  <a:txBody>
-                    <a:bodyPr/>
-                    <a:lstStyle/>
-                    <a:p>
-                      <a:r>
-                        <a:rPr lang="en-GB" sz="1400" i="1" dirty="0" smtClean="0"/>
-                        <a:t>See following slides</a:t>
-                      </a:r>
-                      <a:endParaRPr lang="en-GB" sz="1400" i="1" dirty="0"/>
-                    </a:p>
-                  </a:txBody>
-                  <a:tcPr/>
-                </a:tc>
-              </a:tr>
-              <a:tr h="370840">
-                <a:tc>
-                  <a:txBody>
-                    <a:bodyPr/>
-                    <a:lstStyle/>
-                    <a:p>
-                      <a:r>
-                        <a:rPr lang="en-GB" sz="1400" b="1" dirty="0" smtClean="0"/>
                         <a:t>Registration</a:t>
                       </a:r>
                       <a:endParaRPr lang="en-GB" sz="1400" b="1" dirty="0"/>
@@ -25888,6 +26995,54 @@
                         <a:tabLst/>
                         <a:defRPr/>
                       </a:pPr>
+                      <a:r>
+                        <a:rPr lang="en-GB" sz="1400" i="1" dirty="0" smtClean="0"/>
+                        <a:t>See following slides</a:t>
+                      </a:r>
+                      <a:endParaRPr lang="en-GB" sz="1400" i="1" dirty="0"/>
+                    </a:p>
+                  </a:txBody>
+                  <a:tcPr/>
+                </a:tc>
+              </a:tr>
+              <a:tr h="370840">
+                <a:tc>
+                  <a:txBody>
+                    <a:bodyPr/>
+                    <a:lstStyle/>
+                    <a:p>
+                      <a:r>
+                        <a:rPr lang="en-GB" sz="1400" b="1" dirty="0" smtClean="0"/>
+                        <a:t>Authorisation workflow</a:t>
+                      </a:r>
+                      <a:endParaRPr lang="en-GB" sz="1400" b="1" dirty="0"/>
+                    </a:p>
+                  </a:txBody>
+                  <a:tcPr/>
+                </a:tc>
+                <a:tc>
+                  <a:txBody>
+                    <a:bodyPr/>
+                    <a:lstStyle/>
+                    <a:p>
+                      <a:r>
+                        <a:rPr lang="en-GB" sz="1400" dirty="0" smtClean="0"/>
+                        <a:t>A sequence of steps in which the resource</a:t>
+                      </a:r>
+                      <a:r>
+                        <a:rPr lang="en-GB" sz="1400" baseline="0" dirty="0" smtClean="0"/>
+                        <a:t> owner authorises a client to access a protected resource</a:t>
+                      </a:r>
+                      <a:endParaRPr lang="en-GB" sz="1400" dirty="0"/>
+                    </a:p>
+                  </a:txBody>
+                  <a:tcPr/>
+                </a:tc>
+                <a:tc>
+                  <a:txBody>
+                    <a:bodyPr/>
+                    <a:lstStyle/>
+                    <a:p>
                       <a:r>
                         <a:rPr lang="en-GB" sz="1400" i="1" dirty="0" smtClean="0"/>
                         <a:t>See following slides</a:t>

--- a/session-materials/Oauth-Session.pptx
+++ b/session-materials/Oauth-Session.pptx
@@ -252,7 +252,7 @@
             <a:fld id="{761FAC92-251B-B34F-B048-8699966A6B34}" type="datetimeFigureOut">
               <a:rPr lang="en-US" smtClean="0"/>
               <a:pPr/>
-              <a:t>30/06/2014</a:t>
+              <a:t>01/07/2014</a:t>
             </a:fld>
             <a:endParaRPr lang="en-GB"/>
           </a:p>
@@ -429,7 +429,7 @@
             <a:fld id="{34B7DD38-5B8A-884F-A4F1-888BCE980ABD}" type="datetimeFigureOut">
               <a:rPr lang="en-GB"/>
               <a:pPr/>
-              <a:t>30/06/2014</a:t>
+              <a:t>01/07/2014</a:t>
             </a:fld>
             <a:endParaRPr lang="en-GB"/>
           </a:p>
@@ -1403,7 +1403,7 @@
             <a:fld id="{B37F9263-0D28-A947-82B3-E306807255D6}" type="datetime1">
               <a:rPr lang="en-GB"/>
               <a:pPr/>
-              <a:t>30/06/2014</a:t>
+              <a:t>01/07/2014</a:t>
             </a:fld>
             <a:endParaRPr lang="en-GB"/>
           </a:p>
@@ -1590,7 +1590,7 @@
             <a:fld id="{F5483EDC-A27D-D447-94F8-607CCF07BA43}" type="datetime1">
               <a:rPr lang="en-GB"/>
               <a:pPr/>
-              <a:t>30/06/2014</a:t>
+              <a:t>01/07/2014</a:t>
             </a:fld>
             <a:endParaRPr lang="en-GB"/>
           </a:p>
@@ -1787,7 +1787,7 @@
             <a:fld id="{D13606D2-9B84-F843-9C89-B9416B784FCA}" type="datetime1">
               <a:rPr lang="en-GB"/>
               <a:pPr/>
-              <a:t>30/06/2014</a:t>
+              <a:t>01/07/2014</a:t>
             </a:fld>
             <a:endParaRPr lang="en-GB"/>
           </a:p>
@@ -1974,7 +1974,7 @@
             <a:fld id="{69BF0744-F7CD-7E4F-9882-55853F706263}" type="datetime1">
               <a:rPr lang="en-GB"/>
               <a:pPr/>
-              <a:t>30/06/2014</a:t>
+              <a:t>01/07/2014</a:t>
             </a:fld>
             <a:endParaRPr lang="en-GB"/>
           </a:p>
@@ -2183,7 +2183,7 @@
             <a:fld id="{6D0236A6-409E-674F-89AC-E896F189E47F}" type="datetime1">
               <a:rPr lang="en-GB"/>
               <a:pPr/>
-              <a:t>30/06/2014</a:t>
+              <a:t>01/07/2014</a:t>
             </a:fld>
             <a:endParaRPr lang="en-GB"/>
           </a:p>
@@ -2488,7 +2488,7 @@
             <a:fld id="{4F6A9725-7D81-084B-9E97-48A18A77D304}" type="datetime1">
               <a:rPr lang="en-GB"/>
               <a:pPr/>
-              <a:t>30/06/2014</a:t>
+              <a:t>01/07/2014</a:t>
             </a:fld>
             <a:endParaRPr lang="en-GB"/>
           </a:p>
@@ -2932,7 +2932,7 @@
             <a:fld id="{36892021-AFE2-7646-9A69-7AF9AF8A9C0C}" type="datetime1">
               <a:rPr lang="en-GB"/>
               <a:pPr/>
-              <a:t>30/06/2014</a:t>
+              <a:t>01/07/2014</a:t>
             </a:fld>
             <a:endParaRPr lang="en-GB"/>
           </a:p>
@@ -3067,7 +3067,7 @@
             <a:fld id="{FCA7C272-6524-5F4A-8F45-7EB0153F335F}" type="datetime1">
               <a:rPr lang="en-GB"/>
               <a:pPr/>
-              <a:t>30/06/2014</a:t>
+              <a:t>01/07/2014</a:t>
             </a:fld>
             <a:endParaRPr lang="en-GB"/>
           </a:p>
@@ -3179,7 +3179,7 @@
             <a:fld id="{231A887B-6191-C147-8923-F80BD8C33FCD}" type="datetime1">
               <a:rPr lang="en-GB"/>
               <a:pPr/>
-              <a:t>30/06/2014</a:t>
+              <a:t>01/07/2014</a:t>
             </a:fld>
             <a:endParaRPr lang="en-GB"/>
           </a:p>
@@ -3473,7 +3473,7 @@
             <a:fld id="{9294713F-FC05-3A40-96CF-B6994D056B93}" type="datetime1">
               <a:rPr lang="en-GB"/>
               <a:pPr/>
-              <a:t>30/06/2014</a:t>
+              <a:t>01/07/2014</a:t>
             </a:fld>
             <a:endParaRPr lang="en-GB"/>
           </a:p>
@@ -3744,7 +3744,7 @@
             <a:fld id="{7CBA5132-EE38-7F4A-835F-B1102FDE0768}" type="datetime1">
               <a:rPr lang="en-GB"/>
               <a:pPr/>
-              <a:t>30/06/2014</a:t>
+              <a:t>01/07/2014</a:t>
             </a:fld>
             <a:endParaRPr lang="en-GB"/>
           </a:p>
@@ -4287,7 +4287,7 @@
             <a:fld id="{97C548F9-45AE-614C-B4B1-E298E2074A53}" type="datetime1">
               <a:rPr lang="en-GB"/>
               <a:pPr/>
-              <a:t>30/06/2014</a:t>
+              <a:t>01/07/2014</a:t>
             </a:fld>
             <a:endParaRPr lang="en-GB"/>
           </a:p>
@@ -5707,23 +5707,7 @@
                 <a:ea typeface="ＭＳ Ｐゴシック" charset="0"/>
                 <a:cs typeface="ＭＳ Ｐゴシック" charset="0"/>
               </a:rPr>
-              <a:t>Windows </a:t>
-            </a:r>
-            <a:r>
-              <a:rPr lang="en-GB" sz="2000" dirty="0" smtClean="0">
-                <a:latin typeface="Calibri" charset="0"/>
-                <a:ea typeface="ＭＳ Ｐゴシック" charset="0"/>
-                <a:cs typeface="ＭＳ Ｐゴシック" charset="0"/>
-              </a:rPr>
-              <a:t>Live </a:t>
-            </a:r>
-            <a:r>
-              <a:rPr lang="en-GB" sz="2000" dirty="0" smtClean="0">
-                <a:latin typeface="Calibri" charset="0"/>
-                <a:ea typeface="ＭＳ Ｐゴシック" charset="0"/>
-                <a:cs typeface="ＭＳ Ｐゴシック" charset="0"/>
-              </a:rPr>
-              <a:t>Application Management site</a:t>
+              <a:t>Windows Live Application Management site</a:t>
             </a:r>
           </a:p>
           <a:p>
@@ -12363,15 +12347,7 @@
                 <a:ea typeface="ＭＳ Ｐゴシック" charset="0"/>
                 <a:cs typeface="ＭＳ Ｐゴシック" charset="0"/>
               </a:rPr>
-              <a:t>The </a:t>
-            </a:r>
-            <a:r>
-              <a:rPr lang="en-US" sz="2000" dirty="0" smtClean="0">
-                <a:latin typeface="Calibri" charset="0"/>
-                <a:ea typeface="ＭＳ Ｐゴシック" charset="0"/>
-                <a:cs typeface="ＭＳ Ｐゴシック" charset="0"/>
-              </a:rPr>
-              <a:t>exercise has </a:t>
+              <a:t>The exercise has </a:t>
             </a:r>
             <a:r>
               <a:rPr lang="en-US" sz="2000" dirty="0">
@@ -12619,23 +12595,7 @@
                 <a:ea typeface="ＭＳ Ｐゴシック" charset="0"/>
                 <a:cs typeface="ＭＳ Ｐゴシック" charset="0"/>
               </a:rPr>
-              <a:t>The </a:t>
-            </a:r>
-            <a:r>
-              <a:rPr lang="en-US" sz="2000" dirty="0" smtClean="0">
-                <a:latin typeface="Calibri" charset="0"/>
-                <a:ea typeface="ＭＳ Ｐゴシック" charset="0"/>
-                <a:cs typeface="ＭＳ Ｐゴシック" charset="0"/>
-              </a:rPr>
-              <a:t>exercise supports </a:t>
-            </a:r>
-            <a:r>
-              <a:rPr lang="en-US" sz="2000" dirty="0" smtClean="0">
-                <a:latin typeface="Calibri" charset="0"/>
-                <a:ea typeface="ＭＳ Ｐゴシック" charset="0"/>
-                <a:cs typeface="ＭＳ Ｐゴシック" charset="0"/>
-              </a:rPr>
-              <a:t>both Dropbox </a:t>
+              <a:t>The exercise supports both Dropbox </a:t>
             </a:r>
             <a:r>
               <a:rPr lang="en-US" sz="2000" dirty="0" err="1" smtClean="0">
@@ -13159,15 +13119,7 @@
                 <a:ea typeface="ＭＳ Ｐゴシック" charset="0"/>
                 <a:cs typeface="ＭＳ Ｐゴシック" charset="0"/>
               </a:rPr>
-              <a:t> </a:t>
-            </a:r>
-            <a:r>
-              <a:rPr lang="en-US" sz="2000" dirty="0" smtClean="0">
-                <a:latin typeface="Calibri" charset="0"/>
-                <a:ea typeface="ＭＳ Ｐゴシック" charset="0"/>
-                <a:cs typeface="ＭＳ Ｐゴシック" charset="0"/>
-              </a:rPr>
-              <a:t>repository</a:t>
+              <a:t> repository</a:t>
             </a:r>
             <a:br>
               <a:rPr lang="en-US" sz="2000" dirty="0" smtClean="0">
@@ -13191,16 +13143,7 @@
                 <a:cs typeface="ＭＳ Ｐゴシック" charset="0"/>
                 <a:hlinkClick r:id="rId2"/>
               </a:rPr>
-              <a:t>https</a:t>
-            </a:r>
-            <a:r>
-              <a:rPr lang="en-US" sz="2000" dirty="0" smtClean="0">
-                <a:latin typeface="Calibri" charset="0"/>
-                <a:ea typeface="ＭＳ Ｐゴシック" charset="0"/>
-                <a:cs typeface="ＭＳ Ｐゴシック" charset="0"/>
-                <a:hlinkClick r:id="rId2"/>
-              </a:rPr>
-              <a:t>://github.com/rozanski/bcs_spa14</a:t>
+              <a:t>https://github.com/rozanski/bcs_spa14</a:t>
             </a:r>
             <a:r>
               <a:rPr lang="en-US" sz="2000" dirty="0" smtClean="0">
@@ -13239,7 +13182,15 @@
                 <a:ea typeface="ＭＳ Ｐゴシック" charset="0"/>
                 <a:cs typeface="ＭＳ Ｐゴシック" charset="0"/>
               </a:rPr>
-              <a:t>) or retrieve </a:t>
+              <a:t>) or retrieve or clone them using a </a:t>
+            </a:r>
+            <a:r>
+              <a:rPr lang="en-US" sz="2000" dirty="0" err="1" smtClean="0">
+                <a:latin typeface="Calibri" charset="0"/>
+                <a:ea typeface="ＭＳ Ｐゴシック" charset="0"/>
+                <a:cs typeface="ＭＳ Ｐゴシック" charset="0"/>
+              </a:rPr>
+              <a:t>git</a:t>
             </a:r>
             <a:r>
               <a:rPr lang="en-US" sz="2000" dirty="0" smtClean="0">
@@ -13247,39 +13198,7 @@
                 <a:ea typeface="ＭＳ Ｐゴシック" charset="0"/>
                 <a:cs typeface="ＭＳ Ｐゴシック" charset="0"/>
               </a:rPr>
-              <a:t>or clone them </a:t>
-            </a:r>
-            <a:r>
-              <a:rPr lang="en-US" sz="2000" dirty="0" smtClean="0">
-                <a:latin typeface="Calibri" charset="0"/>
-                <a:ea typeface="ＭＳ Ｐゴシック" charset="0"/>
-                <a:cs typeface="ＭＳ Ｐゴシック" charset="0"/>
-              </a:rPr>
-              <a:t>using a </a:t>
-            </a:r>
-            <a:r>
-              <a:rPr lang="en-US" sz="2000" dirty="0" err="1" smtClean="0">
-                <a:latin typeface="Calibri" charset="0"/>
-                <a:ea typeface="ＭＳ Ｐゴシック" charset="0"/>
-                <a:cs typeface="ＭＳ Ｐゴシック" charset="0"/>
-              </a:rPr>
-              <a:t>git</a:t>
-            </a:r>
-            <a:r>
-              <a:rPr lang="en-US" sz="2000" dirty="0" smtClean="0">
-                <a:latin typeface="Calibri" charset="0"/>
-                <a:ea typeface="ＭＳ Ｐゴシック" charset="0"/>
-                <a:cs typeface="ＭＳ Ｐゴシック" charset="0"/>
-              </a:rPr>
-              <a:t> </a:t>
-            </a:r>
-            <a:r>
-              <a:rPr lang="en-US" sz="2000" dirty="0" smtClean="0">
-                <a:latin typeface="Calibri" charset="0"/>
-                <a:ea typeface="ＭＳ Ｐゴシック" charset="0"/>
-                <a:cs typeface="ＭＳ Ｐゴシック" charset="0"/>
-              </a:rPr>
-              <a:t>tool</a:t>
+              <a:t> tool</a:t>
             </a:r>
           </a:p>
           <a:p>
@@ -13340,15 +13259,7 @@
                 <a:ea typeface="ＭＳ Ｐゴシック" charset="0"/>
                 <a:cs typeface="ＭＳ Ｐゴシック" charset="0"/>
               </a:rPr>
-              <a:t>Follow </a:t>
-            </a:r>
-            <a:r>
-              <a:rPr lang="en-US" sz="2000" dirty="0" smtClean="0">
-                <a:latin typeface="Calibri" charset="0"/>
-                <a:ea typeface="ＭＳ Ｐゴシック" charset="0"/>
-                <a:cs typeface="ＭＳ Ｐゴシック" charset="0"/>
-              </a:rPr>
-              <a:t>the other instructions in the project README and the README for your chosen language</a:t>
+              <a:t>Follow the other instructions in the project README and the README for your chosen language</a:t>
             </a:r>
           </a:p>
           <a:p>
@@ -13382,21 +13293,8 @@
                 <a:ea typeface="ＭＳ Ｐゴシック" charset="0"/>
                 <a:cs typeface="ＭＳ Ｐゴシック" charset="0"/>
               </a:rPr>
-              <a:t>You are ready to start coding</a:t>
-            </a:r>
-            <a:r>
-              <a:rPr lang="en-US" sz="2000" dirty="0" smtClean="0">
-                <a:latin typeface="Calibri" charset="0"/>
-                <a:ea typeface="ＭＳ Ｐゴシック" charset="0"/>
-                <a:cs typeface="ＭＳ Ｐゴシック" charset="0"/>
-              </a:rPr>
-              <a:t>!</a:t>
-            </a:r>
-            <a:endParaRPr lang="en-US" sz="2000" dirty="0" smtClean="0">
-              <a:latin typeface="Calibri" charset="0"/>
-              <a:ea typeface="ＭＳ Ｐゴシック" charset="0"/>
-              <a:cs typeface="ＭＳ Ｐゴシック" charset="0"/>
-            </a:endParaRPr>
+              <a:t>You are ready to start coding!</a:t>
+            </a:r>
           </a:p>
         </p:txBody>
       </p:sp>
@@ -13730,23 +13628,7 @@
                 <a:ea typeface="ＭＳ Ｐゴシック" charset="0"/>
                 <a:cs typeface="ＭＳ Ｐゴシック" charset="0"/>
               </a:rPr>
-              <a:t>The demo code </a:t>
-            </a:r>
-            <a:r>
-              <a:rPr lang="en-US" sz="2000" dirty="0" smtClean="0">
-                <a:latin typeface="Calibri" charset="0"/>
-                <a:ea typeface="ＭＳ Ｐゴシック" charset="0"/>
-                <a:cs typeface="ＭＳ Ｐゴシック" charset="0"/>
-              </a:rPr>
-              <a:t>runs </a:t>
-            </a:r>
-            <a:r>
-              <a:rPr lang="en-US" sz="2000" dirty="0" smtClean="0">
-                <a:latin typeface="Calibri" charset="0"/>
-                <a:ea typeface="ＭＳ Ｐゴシック" charset="0"/>
-                <a:cs typeface="ＭＳ Ｐゴシック" charset="0"/>
-              </a:rPr>
-              <a:t>on Windows, Mac and Linux</a:t>
+              <a:t>The demo code runs on Windows, Mac and Linux</a:t>
             </a:r>
           </a:p>
           <a:p>
@@ -13822,23 +13704,7 @@
                 <a:ea typeface="ＭＳ Ｐゴシック" charset="0"/>
                 <a:cs typeface="ＭＳ Ｐゴシック" charset="0"/>
               </a:rPr>
-              <a:t>The exercise code contains </a:t>
-            </a:r>
-            <a:r>
-              <a:rPr lang="en-US" sz="2000" dirty="0" smtClean="0">
-                <a:latin typeface="Calibri" charset="0"/>
-                <a:ea typeface="ＭＳ Ｐゴシック" charset="0"/>
-                <a:cs typeface="ＭＳ Ｐゴシック" charset="0"/>
-              </a:rPr>
-              <a:t>comments </a:t>
-            </a:r>
-            <a:r>
-              <a:rPr lang="en-US" sz="2000" dirty="0" smtClean="0">
-                <a:latin typeface="Calibri" charset="0"/>
-                <a:ea typeface="ＭＳ Ｐゴシック" charset="0"/>
-                <a:cs typeface="ＭＳ Ｐゴシック" charset="0"/>
-              </a:rPr>
-              <a:t>which guide you to the various API calls you need to make</a:t>
+              <a:t>The exercise code contains comments which guide you to the various API calls you need to make</a:t>
             </a:r>
           </a:p>
           <a:p>
@@ -17149,23 +17015,7 @@
                 <a:ea typeface="ＭＳ Ｐゴシック" charset="0"/>
                 <a:cs typeface="ＭＳ Ｐゴシック" charset="0"/>
               </a:rPr>
-              <a:t>You can also make Dropbox calls in the </a:t>
-            </a:r>
-            <a:r>
-              <a:rPr lang="en-GB" sz="2000" dirty="0" smtClean="0">
-                <a:latin typeface="Calibri" charset="0"/>
-                <a:ea typeface="ＭＳ Ｐゴシック" charset="0"/>
-                <a:cs typeface="ＭＳ Ｐゴシック" charset="0"/>
-              </a:rPr>
-              <a:t>Python interpreter </a:t>
-            </a:r>
-            <a:r>
-              <a:rPr lang="en-GB" sz="2000" dirty="0" smtClean="0">
-                <a:latin typeface="Calibri" charset="0"/>
-                <a:ea typeface="ＭＳ Ｐゴシック" charset="0"/>
-                <a:cs typeface="ＭＳ Ｐゴシック" charset="0"/>
-              </a:rPr>
-              <a:t>using the module variable </a:t>
+              <a:t>You can also make Dropbox calls in the Python interpreter using the module variable </a:t>
             </a:r>
             <a:r>
               <a:rPr lang="en-GB" sz="2000" b="1" dirty="0" err="1" smtClean="0"/>
@@ -18297,6 +18147,312 @@
             <a:r>
               <a:rPr lang="en-GB" sz="1200" i="1" dirty="0" smtClean="0"/>
               <a:t>Eran Hammer</a:t>
+            </a:r>
+          </a:p>
+        </p:txBody>
+      </p:sp>
+      <p:sp>
+        <p:nvSpPr>
+          <p:cNvPr id="7" name="Rectangle 3"/>
+          <p:cNvSpPr txBox="1">
+            <a:spLocks noChangeArrowheads="1"/>
+          </p:cNvSpPr>
+          <p:nvPr/>
+        </p:nvSpPr>
+        <p:spPr bwMode="auto">
+          <a:xfrm>
+            <a:off x="5765552" y="1241072"/>
+            <a:ext cx="2921248" cy="1126462"/>
+          </a:xfrm>
+          <a:prstGeom prst="rect">
+            <a:avLst/>
+          </a:prstGeom>
+          <a:noFill/>
+          <a:ln w="9525">
+            <a:solidFill>
+              <a:srgbClr val="000000"/>
+            </a:solidFill>
+            <a:miter lim="800000"/>
+            <a:headEnd/>
+            <a:tailEnd/>
+          </a:ln>
+          <a:extLst>
+            <a:ext uri="{909E8E84-426E-40dd-AFC4-6F175D3DCCD1}">
+              <a14:hiddenFill xmlns:a14="http://schemas.microsoft.com/office/drawing/2010/main">
+                <a:solidFill>
+                  <a:srgbClr val="FFFFFF"/>
+                </a:solidFill>
+              </a14:hiddenFill>
+            </a:ext>
+            <a:ext uri="{FAA26D3D-D897-4be2-8F04-BA451C77F1D7}">
+              <ma14:placeholderFlag xmlns:ma14="http://schemas.microsoft.com/office/mac/drawingml/2011/main" val="1"/>
+            </a:ext>
+          </a:extLst>
+        </p:spPr>
+        <p:txBody>
+          <a:bodyPr vert="horz" wrap="square" lIns="91440" tIns="45720" rIns="91440" bIns="45720" numCol="1" anchor="t" anchorCtr="0" compatLnSpc="1">
+            <a:prstTxWarp prst="textNoShape">
+              <a:avLst/>
+            </a:prstTxWarp>
+            <a:spAutoFit/>
+          </a:bodyPr>
+          <a:lstStyle>
+            <a:lvl1pPr marL="273050" indent="-273050" algn="l" rtl="0" eaLnBrk="0" fontAlgn="base" hangingPunct="0">
+              <a:spcBef>
+                <a:spcPct val="20000"/>
+              </a:spcBef>
+              <a:spcAft>
+                <a:spcPct val="0"/>
+              </a:spcAft>
+              <a:buClr>
+                <a:srgbClr val="0BD0D9"/>
+              </a:buClr>
+              <a:buSzPct val="95000"/>
+              <a:buFont typeface="Wingdings 2" charset="0"/>
+              <a:buChar char=""/>
+              <a:defRPr sz="2600">
+                <a:solidFill>
+                  <a:schemeClr val="tx1"/>
+                </a:solidFill>
+                <a:latin typeface="+mn-lt"/>
+                <a:ea typeface="ＭＳ Ｐゴシック" charset="-128"/>
+                <a:cs typeface="ＭＳ Ｐゴシック" charset="-128"/>
+              </a:defRPr>
+            </a:lvl1pPr>
+            <a:lvl2pPr marL="639763" indent="-246063" algn="l" rtl="0" eaLnBrk="0" fontAlgn="base" hangingPunct="0">
+              <a:spcBef>
+                <a:spcPct val="20000"/>
+              </a:spcBef>
+              <a:spcAft>
+                <a:spcPct val="0"/>
+              </a:spcAft>
+              <a:buClr>
+                <a:schemeClr val="accent1"/>
+              </a:buClr>
+              <a:buSzPct val="85000"/>
+              <a:buFont typeface="Wingdings 2" charset="0"/>
+              <a:buChar char=""/>
+              <a:defRPr sz="2400">
+                <a:solidFill>
+                  <a:schemeClr val="tx1"/>
+                </a:solidFill>
+                <a:latin typeface="+mn-lt"/>
+                <a:ea typeface="ＭＳ Ｐゴシック" charset="-128"/>
+              </a:defRPr>
+            </a:lvl2pPr>
+            <a:lvl3pPr marL="914400" indent="-246063" algn="l" rtl="0" eaLnBrk="0" fontAlgn="base" hangingPunct="0">
+              <a:spcBef>
+                <a:spcPct val="20000"/>
+              </a:spcBef>
+              <a:spcAft>
+                <a:spcPct val="0"/>
+              </a:spcAft>
+              <a:buClr>
+                <a:schemeClr val="accent2"/>
+              </a:buClr>
+              <a:buSzPct val="70000"/>
+              <a:buFont typeface="Wingdings 2" charset="0"/>
+              <a:buChar char=""/>
+              <a:defRPr sz="2100">
+                <a:solidFill>
+                  <a:schemeClr val="tx1"/>
+                </a:solidFill>
+                <a:latin typeface="+mn-lt"/>
+                <a:ea typeface="ＭＳ Ｐゴシック" charset="-128"/>
+              </a:defRPr>
+            </a:lvl3pPr>
+            <a:lvl4pPr marL="1187450" indent="-209550" algn="l" rtl="0" eaLnBrk="0" fontAlgn="base" hangingPunct="0">
+              <a:spcBef>
+                <a:spcPct val="20000"/>
+              </a:spcBef>
+              <a:spcAft>
+                <a:spcPct val="0"/>
+              </a:spcAft>
+              <a:buClr>
+                <a:srgbClr val="0BD0D9"/>
+              </a:buClr>
+              <a:buSzPct val="65000"/>
+              <a:buFont typeface="Wingdings 2" charset="0"/>
+              <a:buChar char=""/>
+              <a:defRPr sz="2000">
+                <a:solidFill>
+                  <a:schemeClr val="tx1"/>
+                </a:solidFill>
+                <a:latin typeface="+mn-lt"/>
+                <a:ea typeface="ＭＳ Ｐゴシック" charset="-128"/>
+              </a:defRPr>
+            </a:lvl4pPr>
+            <a:lvl5pPr marL="1462088" indent="-209550" algn="l" rtl="0" eaLnBrk="0" fontAlgn="base" hangingPunct="0">
+              <a:spcBef>
+                <a:spcPct val="20000"/>
+              </a:spcBef>
+              <a:spcAft>
+                <a:spcPct val="0"/>
+              </a:spcAft>
+              <a:buClr>
+                <a:srgbClr val="10CF9B"/>
+              </a:buClr>
+              <a:buSzPct val="65000"/>
+              <a:buFont typeface="Wingdings 2" charset="0"/>
+              <a:buChar char=""/>
+              <a:defRPr sz="2000">
+                <a:solidFill>
+                  <a:schemeClr val="tx1"/>
+                </a:solidFill>
+                <a:latin typeface="+mn-lt"/>
+                <a:ea typeface="ＭＳ Ｐゴシック" charset="-128"/>
+              </a:defRPr>
+            </a:lvl5pPr>
+            <a:lvl6pPr marL="1919288" indent="-209550" algn="l" rtl="0" fontAlgn="base">
+              <a:spcBef>
+                <a:spcPct val="20000"/>
+              </a:spcBef>
+              <a:spcAft>
+                <a:spcPct val="0"/>
+              </a:spcAft>
+              <a:buClr>
+                <a:srgbClr val="10CF9B"/>
+              </a:buClr>
+              <a:buSzPct val="65000"/>
+              <a:buFont typeface="Wingdings 2" pitchFamily="18" charset="2"/>
+              <a:buChar char=""/>
+              <a:defRPr sz="2000">
+                <a:solidFill>
+                  <a:schemeClr val="tx1"/>
+                </a:solidFill>
+                <a:latin typeface="+mn-lt"/>
+              </a:defRPr>
+            </a:lvl6pPr>
+            <a:lvl7pPr marL="2376488" indent="-209550" algn="l" rtl="0" fontAlgn="base">
+              <a:spcBef>
+                <a:spcPct val="20000"/>
+              </a:spcBef>
+              <a:spcAft>
+                <a:spcPct val="0"/>
+              </a:spcAft>
+              <a:buClr>
+                <a:srgbClr val="10CF9B"/>
+              </a:buClr>
+              <a:buSzPct val="65000"/>
+              <a:buFont typeface="Wingdings 2" pitchFamily="18" charset="2"/>
+              <a:buChar char=""/>
+              <a:defRPr sz="2000">
+                <a:solidFill>
+                  <a:schemeClr val="tx1"/>
+                </a:solidFill>
+                <a:latin typeface="+mn-lt"/>
+              </a:defRPr>
+            </a:lvl7pPr>
+            <a:lvl8pPr marL="2833688" indent="-209550" algn="l" rtl="0" fontAlgn="base">
+              <a:spcBef>
+                <a:spcPct val="20000"/>
+              </a:spcBef>
+              <a:spcAft>
+                <a:spcPct val="0"/>
+              </a:spcAft>
+              <a:buClr>
+                <a:srgbClr val="10CF9B"/>
+              </a:buClr>
+              <a:buSzPct val="65000"/>
+              <a:buFont typeface="Wingdings 2" pitchFamily="18" charset="2"/>
+              <a:buChar char=""/>
+              <a:defRPr sz="2000">
+                <a:solidFill>
+                  <a:schemeClr val="tx1"/>
+                </a:solidFill>
+                <a:latin typeface="+mn-lt"/>
+              </a:defRPr>
+            </a:lvl8pPr>
+            <a:lvl9pPr marL="3290888" indent="-209550" algn="l" rtl="0" fontAlgn="base">
+              <a:spcBef>
+                <a:spcPct val="20000"/>
+              </a:spcBef>
+              <a:spcAft>
+                <a:spcPct val="0"/>
+              </a:spcAft>
+              <a:buClr>
+                <a:srgbClr val="10CF9B"/>
+              </a:buClr>
+              <a:buSzPct val="65000"/>
+              <a:buFont typeface="Wingdings 2" pitchFamily="18" charset="2"/>
+              <a:buChar char=""/>
+              <a:defRPr sz="2000">
+                <a:solidFill>
+                  <a:schemeClr val="tx1"/>
+                </a:solidFill>
+                <a:latin typeface="+mn-lt"/>
+              </a:defRPr>
+            </a:lvl9pPr>
+          </a:lstStyle>
+          <a:p>
+            <a:pPr marL="0" indent="0" algn="r" eaLnBrk="1" hangingPunct="1">
+              <a:buClr>
+                <a:schemeClr val="accent2"/>
+              </a:buClr>
+              <a:buNone/>
+            </a:pPr>
+            <a:r>
+              <a:rPr lang="en-US" sz="1600" i="1" dirty="0" smtClean="0">
+                <a:latin typeface="Calibri" charset="0"/>
+                <a:ea typeface="ＭＳ Ｐゴシック" charset="0"/>
+                <a:cs typeface="ＭＳ Ｐゴシック" charset="0"/>
+              </a:rPr>
+              <a:t>If you are a teacher, parent or school governor please sign my petition for the reform of </a:t>
+            </a:r>
+            <a:r>
+              <a:rPr lang="en-US" sz="1600" i="1" dirty="0" err="1" smtClean="0">
+                <a:latin typeface="Calibri" charset="0"/>
+                <a:ea typeface="ＭＳ Ｐゴシック" charset="0"/>
+                <a:cs typeface="ＭＳ Ｐゴシック" charset="0"/>
+              </a:rPr>
+              <a:t>Ofsted</a:t>
+            </a:r>
+            <a:endParaRPr lang="en-US" sz="1600" i="1" dirty="0" smtClean="0">
+              <a:latin typeface="Calibri" charset="0"/>
+              <a:ea typeface="ＭＳ Ｐゴシック" charset="0"/>
+              <a:cs typeface="ＭＳ Ｐゴシック" charset="0"/>
+            </a:endParaRPr>
+          </a:p>
+          <a:p>
+            <a:pPr marL="0" indent="0" algn="r" eaLnBrk="1" hangingPunct="1">
+              <a:buClr>
+                <a:schemeClr val="accent2"/>
+              </a:buClr>
+              <a:buNone/>
+            </a:pPr>
+            <a:r>
+              <a:rPr lang="en-US" sz="1600" dirty="0" smtClean="0">
+                <a:latin typeface="Calibri" charset="0"/>
+                <a:ea typeface="ＭＳ Ｐゴシック" charset="0"/>
+                <a:cs typeface="ＭＳ Ｐゴシック" charset="0"/>
+              </a:rPr>
+              <a:t> </a:t>
+            </a:r>
+            <a:r>
+              <a:rPr lang="en-US" sz="1600" dirty="0">
+                <a:latin typeface="Calibri" charset="0"/>
+                <a:ea typeface="ＭＳ Ｐゴシック" charset="0"/>
+                <a:cs typeface="ＭＳ Ｐゴシック" charset="0"/>
+                <a:hlinkClick r:id="rId3"/>
+              </a:rPr>
+              <a:t>http://bit.ly/ofsted-</a:t>
+            </a:r>
+            <a:r>
+              <a:rPr lang="en-US" sz="1600" dirty="0" smtClean="0">
+                <a:latin typeface="Calibri" charset="0"/>
+                <a:ea typeface="ＭＳ Ｐゴシック" charset="0"/>
+                <a:cs typeface="ＭＳ Ｐゴシック" charset="0"/>
+                <a:hlinkClick r:id="rId3"/>
+              </a:rPr>
+              <a:t>petition</a:t>
+            </a:r>
+            <a:r>
+              <a:rPr lang="en-US" sz="1600" dirty="0" smtClean="0">
+                <a:latin typeface="Calibri" charset="0"/>
+                <a:ea typeface="ＭＳ Ｐゴシック" charset="0"/>
+                <a:cs typeface="ＭＳ Ｐゴシック" charset="0"/>
+              </a:rPr>
+              <a:t> </a:t>
             </a:r>
           </a:p>
         </p:txBody>
@@ -26789,11 +26945,7 @@
                       </a:pPr>
                       <a:r>
                         <a:rPr lang="en-GB" sz="1400" baseline="0" dirty="0" smtClean="0"/>
-                        <a:t>receive </a:t>
-                      </a:r>
-                      <a:r>
-                        <a:rPr lang="en-GB" sz="1400" baseline="0" dirty="0" smtClean="0"/>
-                        <a:t>access consent from user</a:t>
+                        <a:t>receive access consent from user</a:t>
                       </a:r>
                     </a:p>
                     <a:p>
@@ -26803,11 +26955,7 @@
                       </a:pPr>
                       <a:r>
                         <a:rPr lang="en-GB" sz="1400" dirty="0" smtClean="0"/>
-                        <a:t>issue </a:t>
-                      </a:r>
-                      <a:r>
-                        <a:rPr lang="en-GB" sz="1400" dirty="0" smtClean="0"/>
-                        <a:t>access</a:t>
+                        <a:t>issue access</a:t>
                       </a:r>
                       <a:r>
                         <a:rPr lang="en-GB" sz="1400" baseline="0" dirty="0" smtClean="0"/>
@@ -26821,11 +26969,7 @@
                       </a:pPr>
                       <a:r>
                         <a:rPr lang="en-GB" sz="1400" baseline="0" dirty="0" smtClean="0"/>
-                        <a:t>validate </a:t>
-                      </a:r>
-                      <a:r>
-                        <a:rPr lang="en-GB" sz="1400" baseline="0" dirty="0" smtClean="0"/>
-                        <a:t>access tokens provided by clients</a:t>
+                        <a:t>validate access tokens provided by clients</a:t>
                       </a:r>
                       <a:endParaRPr lang="en-GB" sz="1400" dirty="0"/>
                     </a:p>
